--- a/_posts/字符串匹配算法系列之一：BF-KMP/示意图.pptx
+++ b/_posts/字符串匹配算法系列之一：BF-KMP/示意图.pptx
@@ -10,6 +10,9 @@
     <p:sldId id="259" r:id="rId4"/>
     <p:sldId id="258" r:id="rId5"/>
     <p:sldId id="260" r:id="rId6"/>
+    <p:sldId id="261" r:id="rId7"/>
+    <p:sldId id="262" r:id="rId8"/>
+    <p:sldId id="263" r:id="rId9"/>
   </p:sldIdLst>
   <p:sldSz cx="12192000" cy="6858000"/>
   <p:notesSz cx="6858000" cy="9144000"/>
@@ -346,7 +349,7 @@
             <a:fld id="{B61BEF0D-F0BB-DE4B-95CE-6DB70DBA9567}" type="datetimeFigureOut">
               <a:rPr lang="en-US" dirty="0"/>
               <a:pPr/>
-              <a:t>4/28/2018</a:t>
+              <a:t>4/30/2018</a:t>
             </a:fld>
             <a:endParaRPr lang="en-US" dirty="0"/>
           </a:p>
@@ -677,7 +680,7 @@
             <a:fld id="{B61BEF0D-F0BB-DE4B-95CE-6DB70DBA9567}" type="datetimeFigureOut">
               <a:rPr lang="en-US" dirty="0"/>
               <a:pPr/>
-              <a:t>4/28/2018</a:t>
+              <a:t>4/30/2018</a:t>
             </a:fld>
             <a:endParaRPr lang="en-US" dirty="0"/>
           </a:p>
@@ -952,7 +955,7 @@
             <a:fld id="{B61BEF0D-F0BB-DE4B-95CE-6DB70DBA9567}" type="datetimeFigureOut">
               <a:rPr lang="en-US" dirty="0"/>
               <a:pPr/>
-              <a:t>4/28/2018</a:t>
+              <a:t>4/30/2018</a:t>
             </a:fld>
             <a:endParaRPr lang="en-US" dirty="0"/>
           </a:p>
@@ -1517,7 +1520,7 @@
             <a:fld id="{B61BEF0D-F0BB-DE4B-95CE-6DB70DBA9567}" type="datetimeFigureOut">
               <a:rPr lang="en-US" dirty="0"/>
               <a:pPr/>
-              <a:t>4/28/2018</a:t>
+              <a:t>4/30/2018</a:t>
             </a:fld>
             <a:endParaRPr lang="en-US" dirty="0"/>
           </a:p>
@@ -1792,7 +1795,7 @@
             <a:fld id="{B61BEF0D-F0BB-DE4B-95CE-6DB70DBA9567}" type="datetimeFigureOut">
               <a:rPr lang="en-US" dirty="0"/>
               <a:pPr/>
-              <a:t>4/28/2018</a:t>
+              <a:t>4/30/2018</a:t>
             </a:fld>
             <a:endParaRPr lang="en-US" dirty="0"/>
           </a:p>
@@ -2351,7 +2354,7 @@
             <a:fld id="{B61BEF0D-F0BB-DE4B-95CE-6DB70DBA9567}" type="datetimeFigureOut">
               <a:rPr lang="en-US" dirty="0"/>
               <a:pPr/>
-              <a:t>4/28/2018</a:t>
+              <a:t>4/30/2018</a:t>
             </a:fld>
             <a:endParaRPr lang="en-US" dirty="0"/>
           </a:p>
@@ -2675,7 +2678,7 @@
             <a:fld id="{B61BEF0D-F0BB-DE4B-95CE-6DB70DBA9567}" type="datetimeFigureOut">
               <a:rPr lang="en-US" dirty="0"/>
               <a:pPr/>
-              <a:t>4/28/2018</a:t>
+              <a:t>4/30/2018</a:t>
             </a:fld>
             <a:endParaRPr lang="en-US" dirty="0"/>
           </a:p>
@@ -2849,7 +2852,7 @@
             <a:fld id="{B61BEF0D-F0BB-DE4B-95CE-6DB70DBA9567}" type="datetimeFigureOut">
               <a:rPr lang="en-US" dirty="0"/>
               <a:pPr/>
-              <a:t>4/28/2018</a:t>
+              <a:t>4/30/2018</a:t>
             </a:fld>
             <a:endParaRPr lang="en-US" dirty="0"/>
           </a:p>
@@ -3084,7 +3087,7 @@
             <a:fld id="{B61BEF0D-F0BB-DE4B-95CE-6DB70DBA9567}" type="datetimeFigureOut">
               <a:rPr lang="en-US" dirty="0"/>
               <a:pPr/>
-              <a:t>4/28/2018</a:t>
+              <a:t>4/30/2018</a:t>
             </a:fld>
             <a:endParaRPr lang="en-US" dirty="0"/>
           </a:p>
@@ -3281,7 +3284,7 @@
             <a:fld id="{B61BEF0D-F0BB-DE4B-95CE-6DB70DBA9567}" type="datetimeFigureOut">
               <a:rPr lang="en-US" dirty="0"/>
               <a:pPr/>
-              <a:t>4/28/2018</a:t>
+              <a:t>4/30/2018</a:t>
             </a:fld>
             <a:endParaRPr lang="en-US" dirty="0"/>
           </a:p>
@@ -3554,7 +3557,7 @@
             <a:fld id="{B61BEF0D-F0BB-DE4B-95CE-6DB70DBA9567}" type="datetimeFigureOut">
               <a:rPr lang="en-US" dirty="0"/>
               <a:pPr/>
-              <a:t>4/28/2018</a:t>
+              <a:t>4/30/2018</a:t>
             </a:fld>
             <a:endParaRPr lang="en-US" dirty="0"/>
           </a:p>
@@ -3817,7 +3820,7 @@
             <a:fld id="{B61BEF0D-F0BB-DE4B-95CE-6DB70DBA9567}" type="datetimeFigureOut">
               <a:rPr lang="en-US" dirty="0"/>
               <a:pPr/>
-              <a:t>4/28/2018</a:t>
+              <a:t>4/30/2018</a:t>
             </a:fld>
             <a:endParaRPr lang="en-US" dirty="0"/>
           </a:p>
@@ -4188,7 +4191,7 @@
             <a:fld id="{B61BEF0D-F0BB-DE4B-95CE-6DB70DBA9567}" type="datetimeFigureOut">
               <a:rPr lang="en-US" dirty="0"/>
               <a:pPr/>
-              <a:t>4/28/2018</a:t>
+              <a:t>4/30/2018</a:t>
             </a:fld>
             <a:endParaRPr lang="en-US" dirty="0"/>
           </a:p>
@@ -4333,7 +4336,7 @@
             <a:fld id="{B61BEF0D-F0BB-DE4B-95CE-6DB70DBA9567}" type="datetimeFigureOut">
               <a:rPr lang="en-US" dirty="0"/>
               <a:pPr/>
-              <a:t>4/28/2018</a:t>
+              <a:t>4/30/2018</a:t>
             </a:fld>
             <a:endParaRPr lang="en-US" dirty="0"/>
           </a:p>
@@ -4455,7 +4458,7 @@
             <a:fld id="{B61BEF0D-F0BB-DE4B-95CE-6DB70DBA9567}" type="datetimeFigureOut">
               <a:rPr lang="en-US" dirty="0"/>
               <a:pPr/>
-              <a:t>4/28/2018</a:t>
+              <a:t>4/30/2018</a:t>
             </a:fld>
             <a:endParaRPr lang="en-US" dirty="0"/>
           </a:p>
@@ -4737,7 +4740,7 @@
             <a:fld id="{B61BEF0D-F0BB-DE4B-95CE-6DB70DBA9567}" type="datetimeFigureOut">
               <a:rPr lang="en-US" dirty="0"/>
               <a:pPr/>
-              <a:t>4/28/2018</a:t>
+              <a:t>4/30/2018</a:t>
             </a:fld>
             <a:endParaRPr lang="en-US" dirty="0"/>
           </a:p>
@@ -5058,7 +5061,7 @@
             <a:fld id="{B61BEF0D-F0BB-DE4B-95CE-6DB70DBA9567}" type="datetimeFigureOut">
               <a:rPr lang="en-US" dirty="0"/>
               <a:pPr/>
-              <a:t>4/28/2018</a:t>
+              <a:t>4/30/2018</a:t>
             </a:fld>
             <a:endParaRPr lang="en-US" dirty="0"/>
           </a:p>
@@ -5269,7 +5272,7 @@
             <a:fld id="{B61BEF0D-F0BB-DE4B-95CE-6DB70DBA9567}" type="datetimeFigureOut">
               <a:rPr lang="en-US" dirty="0"/>
               <a:pPr/>
-              <a:t>4/28/2018</a:t>
+              <a:t>4/30/2018</a:t>
             </a:fld>
             <a:endParaRPr lang="en-US" dirty="0"/>
           </a:p>
@@ -10794,8 +10797,8 @@
           </a:fontRef>
         </p:style>
       </p:cxnSp>
-      <mc:AlternateContent xmlns:mc="http://schemas.openxmlformats.org/markup-compatibility/2006">
-        <mc:Choice xmlns:a14="http://schemas.microsoft.com/office/drawing/2010/main" Requires="a14">
+      <mc:AlternateContent xmlns:mc="http://schemas.openxmlformats.org/markup-compatibility/2006" xmlns:a14="http://schemas.microsoft.com/office/drawing/2010/main">
+        <mc:Choice Requires="a14">
           <p:sp>
             <p:nvSpPr>
               <p:cNvPr id="89" name="文本框 88">
@@ -10824,6 +10827,7 @@
               </a:bodyPr>
               <a:lstStyle/>
               <a:p>
+                <a:pPr/>
                 <a14:m>
                   <m:oMathPara xmlns:m="http://schemas.openxmlformats.org/officeDocument/2006/math">
                     <m:oMathParaPr>
@@ -10876,7 +10880,7 @@
             </p:txBody>
           </p:sp>
         </mc:Choice>
-        <mc:Fallback>
+        <mc:Fallback xmlns="">
           <p:sp>
             <p:nvSpPr>
               <p:cNvPr id="89" name="文本框 88">
@@ -10966,8 +10970,8 @@
           </a:fontRef>
         </p:style>
       </p:cxnSp>
-      <mc:AlternateContent xmlns:mc="http://schemas.openxmlformats.org/markup-compatibility/2006">
-        <mc:Choice xmlns:a14="http://schemas.microsoft.com/office/drawing/2010/main" Requires="a14">
+      <mc:AlternateContent xmlns:mc="http://schemas.openxmlformats.org/markup-compatibility/2006" xmlns:a14="http://schemas.microsoft.com/office/drawing/2010/main">
+        <mc:Choice Requires="a14">
           <p:sp>
             <p:nvSpPr>
               <p:cNvPr id="91" name="文本框 90">
@@ -10996,6 +11000,7 @@
               </a:bodyPr>
               <a:lstStyle/>
               <a:p>
+                <a:pPr/>
                 <a14:m>
                   <m:oMathPara xmlns:m="http://schemas.openxmlformats.org/officeDocument/2006/math">
                     <m:oMathParaPr>
@@ -11048,7 +11053,7 @@
             </p:txBody>
           </p:sp>
         </mc:Choice>
-        <mc:Fallback>
+        <mc:Fallback xmlns="">
           <p:sp>
             <p:nvSpPr>
               <p:cNvPr id="91" name="文本框 90">
@@ -13422,8 +13427,8 @@
           </a:fontRef>
         </p:style>
       </p:cxnSp>
-      <mc:AlternateContent xmlns:mc="http://schemas.openxmlformats.org/markup-compatibility/2006">
-        <mc:Choice xmlns:a14="http://schemas.microsoft.com/office/drawing/2010/main" Requires="a14">
+      <mc:AlternateContent xmlns:mc="http://schemas.openxmlformats.org/markup-compatibility/2006" xmlns:a14="http://schemas.microsoft.com/office/drawing/2010/main">
+        <mc:Choice Requires="a14">
           <p:sp>
             <p:nvSpPr>
               <p:cNvPr id="92" name="文本框 91">
@@ -13452,6 +13457,7 @@
               </a:bodyPr>
               <a:lstStyle/>
               <a:p>
+                <a:pPr/>
                 <a14:m>
                   <m:oMathPara xmlns:m="http://schemas.openxmlformats.org/officeDocument/2006/math">
                     <m:oMathParaPr>
@@ -13504,7 +13510,7 @@
             </p:txBody>
           </p:sp>
         </mc:Choice>
-        <mc:Fallback>
+        <mc:Fallback xmlns="">
           <p:sp>
             <p:nvSpPr>
               <p:cNvPr id="92" name="文本框 91">
@@ -17487,8 +17493,8 @@
           </a:fontRef>
         </p:style>
       </p:cxnSp>
-      <mc:AlternateContent xmlns:mc="http://schemas.openxmlformats.org/markup-compatibility/2006">
-        <mc:Choice xmlns:a14="http://schemas.microsoft.com/office/drawing/2010/main" Requires="a14">
+      <mc:AlternateContent xmlns:mc="http://schemas.openxmlformats.org/markup-compatibility/2006" xmlns:a14="http://schemas.microsoft.com/office/drawing/2010/main">
+        <mc:Choice Requires="a14">
           <p:sp>
             <p:nvSpPr>
               <p:cNvPr id="114" name="文本框 113">
@@ -17517,6 +17523,7 @@
               </a:bodyPr>
               <a:lstStyle/>
               <a:p>
+                <a:pPr/>
                 <a14:m>
                   <m:oMathPara xmlns:m="http://schemas.openxmlformats.org/officeDocument/2006/math">
                     <m:oMathParaPr>
@@ -17569,7 +17576,7 @@
             </p:txBody>
           </p:sp>
         </mc:Choice>
-        <mc:Fallback>
+        <mc:Fallback xmlns="">
           <p:sp>
             <p:nvSpPr>
               <p:cNvPr id="114" name="文本框 113">
@@ -17662,8 +17669,8 @@
           </a:fontRef>
         </p:style>
       </p:cxnSp>
-      <mc:AlternateContent xmlns:mc="http://schemas.openxmlformats.org/markup-compatibility/2006">
-        <mc:Choice xmlns:a14="http://schemas.microsoft.com/office/drawing/2010/main" Requires="a14">
+      <mc:AlternateContent xmlns:mc="http://schemas.openxmlformats.org/markup-compatibility/2006" xmlns:a14="http://schemas.microsoft.com/office/drawing/2010/main">
+        <mc:Choice Requires="a14">
           <p:sp>
             <p:nvSpPr>
               <p:cNvPr id="118" name="文本框 117">
@@ -17692,6 +17699,7 @@
               </a:bodyPr>
               <a:lstStyle/>
               <a:p>
+                <a:pPr/>
                 <a14:m>
                   <m:oMathPara xmlns:m="http://schemas.openxmlformats.org/officeDocument/2006/math">
                     <m:oMathParaPr>
@@ -17744,7 +17752,7 @@
             </p:txBody>
           </p:sp>
         </mc:Choice>
-        <mc:Fallback>
+        <mc:Fallback xmlns="">
           <p:sp>
             <p:nvSpPr>
               <p:cNvPr id="118" name="文本框 117">
@@ -19608,8 +19616,8 @@
           </a:fontRef>
         </p:style>
       </p:cxnSp>
-      <mc:AlternateContent xmlns:mc="http://schemas.openxmlformats.org/markup-compatibility/2006">
-        <mc:Choice xmlns:a14="http://schemas.microsoft.com/office/drawing/2010/main" Requires="a14">
+      <mc:AlternateContent xmlns:mc="http://schemas.openxmlformats.org/markup-compatibility/2006" xmlns:a14="http://schemas.microsoft.com/office/drawing/2010/main">
+        <mc:Choice Requires="a14">
           <p:sp>
             <p:nvSpPr>
               <p:cNvPr id="114" name="文本框 113">
@@ -19638,6 +19646,7 @@
               </a:bodyPr>
               <a:lstStyle/>
               <a:p>
+                <a:pPr/>
                 <a14:m>
                   <m:oMathPara xmlns:m="http://schemas.openxmlformats.org/officeDocument/2006/math">
                     <m:oMathParaPr>
@@ -19690,7 +19699,7 @@
             </p:txBody>
           </p:sp>
         </mc:Choice>
-        <mc:Fallback>
+        <mc:Fallback xmlns="">
           <p:sp>
             <p:nvSpPr>
               <p:cNvPr id="114" name="文本框 113">
@@ -19783,8 +19792,8 @@
           </a:fontRef>
         </p:style>
       </p:cxnSp>
-      <mc:AlternateContent xmlns:mc="http://schemas.openxmlformats.org/markup-compatibility/2006">
-        <mc:Choice xmlns:a14="http://schemas.microsoft.com/office/drawing/2010/main" Requires="a14">
+      <mc:AlternateContent xmlns:mc="http://schemas.openxmlformats.org/markup-compatibility/2006" xmlns:a14="http://schemas.microsoft.com/office/drawing/2010/main">
+        <mc:Choice Requires="a14">
           <p:sp>
             <p:nvSpPr>
               <p:cNvPr id="118" name="文本框 117">
@@ -19813,6 +19822,7 @@
               </a:bodyPr>
               <a:lstStyle/>
               <a:p>
+                <a:pPr/>
                 <a14:m>
                   <m:oMathPara xmlns:m="http://schemas.openxmlformats.org/officeDocument/2006/math">
                     <m:oMathParaPr>
@@ -19865,7 +19875,7 @@
             </p:txBody>
           </p:sp>
         </mc:Choice>
-        <mc:Fallback>
+        <mc:Fallback xmlns="">
           <p:sp>
             <p:nvSpPr>
               <p:cNvPr id="118" name="文本框 117">
@@ -19910,8 +19920,8 @@
           </p:sp>
         </mc:Fallback>
       </mc:AlternateContent>
-      <mc:AlternateContent xmlns:mc="http://schemas.openxmlformats.org/markup-compatibility/2006">
-        <mc:Choice xmlns:a14="http://schemas.microsoft.com/office/drawing/2010/main" Requires="a14">
+      <mc:AlternateContent xmlns:mc="http://schemas.openxmlformats.org/markup-compatibility/2006" xmlns:a14="http://schemas.microsoft.com/office/drawing/2010/main">
+        <mc:Choice Requires="a14">
           <p:sp>
             <p:nvSpPr>
               <p:cNvPr id="123" name="文本框 122">
@@ -20078,7 +20088,7 @@
             </p:txBody>
           </p:sp>
         </mc:Choice>
-        <mc:Fallback>
+        <mc:Fallback xmlns="">
           <p:sp>
             <p:nvSpPr>
               <p:cNvPr id="123" name="文本框 122">
@@ -20123,8 +20133,8 @@
           </p:sp>
         </mc:Fallback>
       </mc:AlternateContent>
-      <mc:AlternateContent xmlns:mc="http://schemas.openxmlformats.org/markup-compatibility/2006">
-        <mc:Choice xmlns:a14="http://schemas.microsoft.com/office/drawing/2010/main" Requires="a14">
+      <mc:AlternateContent xmlns:mc="http://schemas.openxmlformats.org/markup-compatibility/2006" xmlns:a14="http://schemas.microsoft.com/office/drawing/2010/main">
+        <mc:Choice Requires="a14">
           <p:sp>
             <p:nvSpPr>
               <p:cNvPr id="124" name="文本框 123">
@@ -20264,7 +20274,7 @@
             </p:txBody>
           </p:sp>
         </mc:Choice>
-        <mc:Fallback>
+        <mc:Fallback xmlns="">
           <p:sp>
             <p:nvSpPr>
               <p:cNvPr id="124" name="文本框 123">
@@ -20564,8 +20574,8 @@
           </a:fontRef>
         </p:style>
       </p:cxnSp>
-      <mc:AlternateContent xmlns:mc="http://schemas.openxmlformats.org/markup-compatibility/2006">
-        <mc:Choice xmlns:a14="http://schemas.microsoft.com/office/drawing/2010/main" Requires="a14">
+      <mc:AlternateContent xmlns:mc="http://schemas.openxmlformats.org/markup-compatibility/2006" xmlns:a14="http://schemas.microsoft.com/office/drawing/2010/main">
+        <mc:Choice Requires="a14">
           <p:sp>
             <p:nvSpPr>
               <p:cNvPr id="130" name="文本框 129">
@@ -20594,6 +20604,7 @@
               </a:bodyPr>
               <a:lstStyle/>
               <a:p>
+                <a:pPr/>
                 <a14:m>
                   <m:oMathPara xmlns:m="http://schemas.openxmlformats.org/officeDocument/2006/math">
                     <m:oMathParaPr>
@@ -20673,7 +20684,7 @@
             </p:txBody>
           </p:sp>
         </mc:Choice>
-        <mc:Fallback>
+        <mc:Fallback xmlns="">
           <p:sp>
             <p:nvSpPr>
               <p:cNvPr id="130" name="文本框 129">
@@ -20811,8 +20822,8 @@
           </a:fontRef>
         </p:style>
       </p:cxnSp>
-      <mc:AlternateContent xmlns:mc="http://schemas.openxmlformats.org/markup-compatibility/2006">
-        <mc:Choice xmlns:a14="http://schemas.microsoft.com/office/drawing/2010/main" Requires="a14">
+      <mc:AlternateContent xmlns:mc="http://schemas.openxmlformats.org/markup-compatibility/2006" xmlns:a14="http://schemas.microsoft.com/office/drawing/2010/main">
+        <mc:Choice Requires="a14">
           <p:sp>
             <p:nvSpPr>
               <p:cNvPr id="133" name="文本框 132">
@@ -20841,6 +20852,7 @@
               </a:bodyPr>
               <a:lstStyle/>
               <a:p>
+                <a:pPr/>
                 <a14:m>
                   <m:oMathPara xmlns:m="http://schemas.openxmlformats.org/officeDocument/2006/math">
                     <m:oMathParaPr>
@@ -20902,7 +20914,7 @@
             </p:txBody>
           </p:sp>
         </mc:Choice>
-        <mc:Fallback>
+        <mc:Fallback xmlns="">
           <p:sp>
             <p:nvSpPr>
               <p:cNvPr id="133" name="文本框 132">
@@ -21266,6 +21278,6208 @@
     <p:extLst>
       <p:ext uri="{BB962C8B-B14F-4D97-AF65-F5344CB8AC3E}">
         <p14:creationId xmlns:p14="http://schemas.microsoft.com/office/powerpoint/2010/main" val="974481735"/>
+      </p:ext>
+    </p:extLst>
+  </p:cSld>
+  <p:clrMapOvr>
+    <a:masterClrMapping/>
+  </p:clrMapOvr>
+</p:sld>
+</file>
+
+<file path=ppt/slides/slide6.xml><?xml version="1.0" encoding="utf-8"?>
+<p:sld xmlns:a="http://schemas.openxmlformats.org/drawingml/2006/main" xmlns:r="http://schemas.openxmlformats.org/officeDocument/2006/relationships" xmlns:p="http://schemas.openxmlformats.org/presentationml/2006/main">
+  <p:cSld>
+    <p:spTree>
+      <p:nvGrpSpPr>
+        <p:cNvPr id="1" name=""/>
+        <p:cNvGrpSpPr/>
+        <p:nvPr/>
+      </p:nvGrpSpPr>
+      <p:grpSpPr>
+        <a:xfrm>
+          <a:off x="0" y="0"/>
+          <a:ext cx="0" cy="0"/>
+          <a:chOff x="0" y="0"/>
+          <a:chExt cx="0" cy="0"/>
+        </a:xfrm>
+      </p:grpSpPr>
+      <p:sp>
+        <p:nvSpPr>
+          <p:cNvPr id="109" name="矩形 108">
+            <a:extLst>
+              <a:ext uri="{FF2B5EF4-FFF2-40B4-BE49-F238E27FC236}">
+                <a16:creationId xmlns:a16="http://schemas.microsoft.com/office/drawing/2014/main" id="{22717647-0737-4634-9ABF-E0268D1FC59C}"/>
+              </a:ext>
+            </a:extLst>
+          </p:cNvPr>
+          <p:cNvSpPr/>
+          <p:nvPr/>
+        </p:nvSpPr>
+        <p:spPr>
+          <a:xfrm>
+            <a:off x="5874645" y="3338421"/>
+            <a:ext cx="2010178" cy="232702"/>
+          </a:xfrm>
+          <a:prstGeom prst="rect">
+            <a:avLst/>
+          </a:prstGeom>
+          <a:solidFill>
+            <a:srgbClr val="00B050"/>
+          </a:solidFill>
+        </p:spPr>
+        <p:style>
+          <a:lnRef idx="2">
+            <a:schemeClr val="accent1">
+              <a:shade val="50000"/>
+            </a:schemeClr>
+          </a:lnRef>
+          <a:fillRef idx="1">
+            <a:schemeClr val="accent1"/>
+          </a:fillRef>
+          <a:effectRef idx="0">
+            <a:schemeClr val="accent1"/>
+          </a:effectRef>
+          <a:fontRef idx="minor">
+            <a:schemeClr val="lt1"/>
+          </a:fontRef>
+        </p:style>
+        <p:txBody>
+          <a:bodyPr rtlCol="0" anchor="ctr"/>
+          <a:lstStyle/>
+          <a:p>
+            <a:pPr algn="ctr"/>
+            <a:endParaRPr lang="zh-CN" altLang="en-US"/>
+          </a:p>
+        </p:txBody>
+      </p:sp>
+      <p:sp>
+        <p:nvSpPr>
+          <p:cNvPr id="106" name="矩形 105">
+            <a:extLst>
+              <a:ext uri="{FF2B5EF4-FFF2-40B4-BE49-F238E27FC236}">
+                <a16:creationId xmlns:a16="http://schemas.microsoft.com/office/drawing/2014/main" id="{C241898F-6446-45D8-9C9D-B8FAAA74E14D}"/>
+              </a:ext>
+            </a:extLst>
+          </p:cNvPr>
+          <p:cNvSpPr/>
+          <p:nvPr/>
+        </p:nvSpPr>
+        <p:spPr>
+          <a:xfrm>
+            <a:off x="4895517" y="2787584"/>
+            <a:ext cx="973906" cy="232702"/>
+          </a:xfrm>
+          <a:prstGeom prst="rect">
+            <a:avLst/>
+          </a:prstGeom>
+          <a:solidFill>
+            <a:schemeClr val="accent3">
+              <a:lumMod val="40000"/>
+              <a:lumOff val="60000"/>
+            </a:schemeClr>
+          </a:solidFill>
+        </p:spPr>
+        <p:style>
+          <a:lnRef idx="2">
+            <a:schemeClr val="accent1">
+              <a:shade val="50000"/>
+            </a:schemeClr>
+          </a:lnRef>
+          <a:fillRef idx="1">
+            <a:schemeClr val="accent1"/>
+          </a:fillRef>
+          <a:effectRef idx="0">
+            <a:schemeClr val="accent1"/>
+          </a:effectRef>
+          <a:fontRef idx="minor">
+            <a:schemeClr val="lt1"/>
+          </a:fontRef>
+        </p:style>
+        <p:txBody>
+          <a:bodyPr rtlCol="0" anchor="ctr"/>
+          <a:lstStyle/>
+          <a:p>
+            <a:pPr algn="ctr"/>
+            <a:r>
+              <a:rPr lang="en-US" altLang="zh-CN" sz="1600" dirty="0">
+                <a:solidFill>
+                  <a:schemeClr val="bg2"/>
+                </a:solidFill>
+              </a:rPr>
+              <a:t>Text</a:t>
+            </a:r>
+            <a:endParaRPr lang="zh-CN" altLang="en-US" sz="1600" dirty="0">
+              <a:solidFill>
+                <a:schemeClr val="bg2"/>
+              </a:solidFill>
+            </a:endParaRPr>
+          </a:p>
+        </p:txBody>
+      </p:sp>
+      <p:sp>
+        <p:nvSpPr>
+          <p:cNvPr id="107" name="矩形 106">
+            <a:extLst>
+              <a:ext uri="{FF2B5EF4-FFF2-40B4-BE49-F238E27FC236}">
+                <a16:creationId xmlns:a16="http://schemas.microsoft.com/office/drawing/2014/main" id="{8BCEEFD6-CB80-459E-8EE4-91339DC1E093}"/>
+              </a:ext>
+            </a:extLst>
+          </p:cNvPr>
+          <p:cNvSpPr/>
+          <p:nvPr/>
+        </p:nvSpPr>
+        <p:spPr>
+          <a:xfrm>
+            <a:off x="5869424" y="2787584"/>
+            <a:ext cx="2010178" cy="232702"/>
+          </a:xfrm>
+          <a:prstGeom prst="rect">
+            <a:avLst/>
+          </a:prstGeom>
+          <a:solidFill>
+            <a:srgbClr val="00B050"/>
+          </a:solidFill>
+        </p:spPr>
+        <p:style>
+          <a:lnRef idx="2">
+            <a:schemeClr val="accent1">
+              <a:shade val="50000"/>
+            </a:schemeClr>
+          </a:lnRef>
+          <a:fillRef idx="1">
+            <a:schemeClr val="accent1"/>
+          </a:fillRef>
+          <a:effectRef idx="0">
+            <a:schemeClr val="accent1"/>
+          </a:effectRef>
+          <a:fontRef idx="minor">
+            <a:schemeClr val="lt1"/>
+          </a:fontRef>
+        </p:style>
+        <p:txBody>
+          <a:bodyPr rtlCol="0" anchor="ctr"/>
+          <a:lstStyle/>
+          <a:p>
+            <a:pPr algn="ctr"/>
+            <a:endParaRPr lang="zh-CN" altLang="en-US"/>
+          </a:p>
+        </p:txBody>
+      </p:sp>
+      <p:sp>
+        <p:nvSpPr>
+          <p:cNvPr id="108" name="矩形 107">
+            <a:extLst>
+              <a:ext uri="{FF2B5EF4-FFF2-40B4-BE49-F238E27FC236}">
+                <a16:creationId xmlns:a16="http://schemas.microsoft.com/office/drawing/2014/main" id="{14FD5D2F-2998-4E73-A527-29D4A3680A51}"/>
+              </a:ext>
+            </a:extLst>
+          </p:cNvPr>
+          <p:cNvSpPr/>
+          <p:nvPr/>
+        </p:nvSpPr>
+        <p:spPr>
+          <a:xfrm>
+            <a:off x="7879602" y="2787584"/>
+            <a:ext cx="2024794" cy="232702"/>
+          </a:xfrm>
+          <a:prstGeom prst="rect">
+            <a:avLst/>
+          </a:prstGeom>
+          <a:solidFill>
+            <a:schemeClr val="accent3">
+              <a:lumMod val="40000"/>
+              <a:lumOff val="60000"/>
+            </a:schemeClr>
+          </a:solidFill>
+        </p:spPr>
+        <p:style>
+          <a:lnRef idx="2">
+            <a:schemeClr val="accent1">
+              <a:shade val="50000"/>
+            </a:schemeClr>
+          </a:lnRef>
+          <a:fillRef idx="1">
+            <a:schemeClr val="accent1"/>
+          </a:fillRef>
+          <a:effectRef idx="0">
+            <a:schemeClr val="accent1"/>
+          </a:effectRef>
+          <a:fontRef idx="minor">
+            <a:schemeClr val="lt1"/>
+          </a:fontRef>
+        </p:style>
+        <p:txBody>
+          <a:bodyPr rtlCol="0" anchor="ctr"/>
+          <a:lstStyle/>
+          <a:p>
+            <a:pPr algn="ctr"/>
+            <a:endParaRPr lang="zh-CN" altLang="en-US"/>
+          </a:p>
+        </p:txBody>
+      </p:sp>
+      <p:sp>
+        <p:nvSpPr>
+          <p:cNvPr id="110" name="矩形 109">
+            <a:extLst>
+              <a:ext uri="{FF2B5EF4-FFF2-40B4-BE49-F238E27FC236}">
+                <a16:creationId xmlns:a16="http://schemas.microsoft.com/office/drawing/2014/main" id="{1F7706FF-FD25-44F3-ABCE-BCB1630F7E9D}"/>
+              </a:ext>
+            </a:extLst>
+          </p:cNvPr>
+          <p:cNvSpPr/>
+          <p:nvPr/>
+        </p:nvSpPr>
+        <p:spPr>
+          <a:xfrm>
+            <a:off x="7884821" y="3338421"/>
+            <a:ext cx="993403" cy="232702"/>
+          </a:xfrm>
+          <a:prstGeom prst="rect">
+            <a:avLst/>
+          </a:prstGeom>
+          <a:solidFill>
+            <a:srgbClr val="FFC000"/>
+          </a:solidFill>
+        </p:spPr>
+        <p:style>
+          <a:lnRef idx="2">
+            <a:schemeClr val="accent1">
+              <a:shade val="50000"/>
+            </a:schemeClr>
+          </a:lnRef>
+          <a:fillRef idx="1">
+            <a:schemeClr val="accent1"/>
+          </a:fillRef>
+          <a:effectRef idx="0">
+            <a:schemeClr val="accent1"/>
+          </a:effectRef>
+          <a:fontRef idx="minor">
+            <a:schemeClr val="lt1"/>
+          </a:fontRef>
+        </p:style>
+        <p:txBody>
+          <a:bodyPr rtlCol="0" anchor="ctr"/>
+          <a:lstStyle/>
+          <a:p>
+            <a:pPr algn="ctr"/>
+            <a:r>
+              <a:rPr lang="en-US" altLang="zh-CN" sz="1600" dirty="0">
+                <a:solidFill>
+                  <a:schemeClr val="bg2"/>
+                </a:solidFill>
+              </a:rPr>
+              <a:t>Pattern</a:t>
+            </a:r>
+            <a:endParaRPr lang="zh-CN" altLang="en-US" sz="1600" dirty="0">
+              <a:solidFill>
+                <a:schemeClr val="bg2"/>
+              </a:solidFill>
+            </a:endParaRPr>
+          </a:p>
+        </p:txBody>
+      </p:sp>
+      <p:cxnSp>
+        <p:nvCxnSpPr>
+          <p:cNvPr id="111" name="直接连接符 110">
+            <a:extLst>
+              <a:ext uri="{FF2B5EF4-FFF2-40B4-BE49-F238E27FC236}">
+                <a16:creationId xmlns:a16="http://schemas.microsoft.com/office/drawing/2014/main" id="{5652C95F-C6B6-40B0-A25A-96C6648C9E44}"/>
+              </a:ext>
+            </a:extLst>
+          </p:cNvPr>
+          <p:cNvCxnSpPr>
+            <a:cxnSpLocks/>
+          </p:cNvCxnSpPr>
+          <p:nvPr/>
+        </p:nvCxnSpPr>
+        <p:spPr>
+          <a:xfrm>
+            <a:off x="7878010" y="2179782"/>
+            <a:ext cx="0" cy="840504"/>
+          </a:xfrm>
+          <a:prstGeom prst="line">
+            <a:avLst/>
+          </a:prstGeom>
+          <a:ln>
+            <a:solidFill>
+              <a:srgbClr val="FFFF00"/>
+            </a:solidFill>
+            <a:prstDash val="dash"/>
+          </a:ln>
+        </p:spPr>
+        <p:style>
+          <a:lnRef idx="1">
+            <a:schemeClr val="accent1"/>
+          </a:lnRef>
+          <a:fillRef idx="0">
+            <a:schemeClr val="accent1"/>
+          </a:fillRef>
+          <a:effectRef idx="0">
+            <a:schemeClr val="accent1"/>
+          </a:effectRef>
+          <a:fontRef idx="minor">
+            <a:schemeClr val="tx1"/>
+          </a:fontRef>
+        </p:style>
+      </p:cxnSp>
+      <p:cxnSp>
+        <p:nvCxnSpPr>
+          <p:cNvPr id="112" name="直接箭头连接符 111">
+            <a:extLst>
+              <a:ext uri="{FF2B5EF4-FFF2-40B4-BE49-F238E27FC236}">
+                <a16:creationId xmlns:a16="http://schemas.microsoft.com/office/drawing/2014/main" id="{46195888-040A-4E2D-BEA5-E31B6D671533}"/>
+              </a:ext>
+            </a:extLst>
+          </p:cNvPr>
+          <p:cNvCxnSpPr>
+            <a:cxnSpLocks/>
+          </p:cNvCxnSpPr>
+          <p:nvPr/>
+        </p:nvCxnSpPr>
+        <p:spPr>
+          <a:xfrm>
+            <a:off x="7174798" y="2552673"/>
+            <a:ext cx="705811" cy="0"/>
+          </a:xfrm>
+          <a:prstGeom prst="straightConnector1">
+            <a:avLst/>
+          </a:prstGeom>
+          <a:ln w="9525">
+            <a:solidFill>
+              <a:schemeClr val="accent1">
+                <a:lumMod val="40000"/>
+                <a:lumOff val="60000"/>
+              </a:schemeClr>
+            </a:solidFill>
+            <a:prstDash val="dash"/>
+            <a:headEnd type="triangle" w="sm" len="sm"/>
+            <a:tailEnd type="triangle" w="sm" len="sm"/>
+          </a:ln>
+        </p:spPr>
+        <p:style>
+          <a:lnRef idx="1">
+            <a:schemeClr val="accent1"/>
+          </a:lnRef>
+          <a:fillRef idx="0">
+            <a:schemeClr val="accent1"/>
+          </a:fillRef>
+          <a:effectRef idx="0">
+            <a:schemeClr val="accent1"/>
+          </a:effectRef>
+          <a:fontRef idx="minor">
+            <a:schemeClr val="tx1"/>
+          </a:fontRef>
+        </p:style>
+      </p:cxnSp>
+      <p:cxnSp>
+        <p:nvCxnSpPr>
+          <p:cNvPr id="117" name="直接连接符 116">
+            <a:extLst>
+              <a:ext uri="{FF2B5EF4-FFF2-40B4-BE49-F238E27FC236}">
+                <a16:creationId xmlns:a16="http://schemas.microsoft.com/office/drawing/2014/main" id="{8D1287CB-FBA9-43EC-BF5E-D6492F51D892}"/>
+              </a:ext>
+            </a:extLst>
+          </p:cNvPr>
+          <p:cNvCxnSpPr>
+            <a:cxnSpLocks/>
+          </p:cNvCxnSpPr>
+          <p:nvPr/>
+        </p:nvCxnSpPr>
+        <p:spPr>
+          <a:xfrm>
+            <a:off x="7177973" y="2468559"/>
+            <a:ext cx="0" cy="319025"/>
+          </a:xfrm>
+          <a:prstGeom prst="line">
+            <a:avLst/>
+          </a:prstGeom>
+          <a:ln>
+            <a:solidFill>
+              <a:srgbClr val="FFFF00"/>
+            </a:solidFill>
+            <a:prstDash val="dash"/>
+          </a:ln>
+        </p:spPr>
+        <p:style>
+          <a:lnRef idx="1">
+            <a:schemeClr val="accent1"/>
+          </a:lnRef>
+          <a:fillRef idx="0">
+            <a:schemeClr val="accent1"/>
+          </a:fillRef>
+          <a:effectRef idx="0">
+            <a:schemeClr val="accent1"/>
+          </a:effectRef>
+          <a:fontRef idx="minor">
+            <a:schemeClr val="tx1"/>
+          </a:fontRef>
+        </p:style>
+      </p:cxnSp>
+      <p:cxnSp>
+        <p:nvCxnSpPr>
+          <p:cNvPr id="119" name="直接连接符 118">
+            <a:extLst>
+              <a:ext uri="{FF2B5EF4-FFF2-40B4-BE49-F238E27FC236}">
+                <a16:creationId xmlns:a16="http://schemas.microsoft.com/office/drawing/2014/main" id="{A26E12B4-7533-4D38-ABD5-F4049176CF77}"/>
+              </a:ext>
+            </a:extLst>
+          </p:cNvPr>
+          <p:cNvCxnSpPr>
+            <a:cxnSpLocks/>
+          </p:cNvCxnSpPr>
+          <p:nvPr/>
+        </p:nvCxnSpPr>
+        <p:spPr>
+          <a:xfrm>
+            <a:off x="5875519" y="2992440"/>
+            <a:ext cx="0" cy="551727"/>
+          </a:xfrm>
+          <a:prstGeom prst="line">
+            <a:avLst/>
+          </a:prstGeom>
+          <a:ln>
+            <a:solidFill>
+              <a:srgbClr val="FFFF00"/>
+            </a:solidFill>
+            <a:prstDash val="dash"/>
+          </a:ln>
+        </p:spPr>
+        <p:style>
+          <a:lnRef idx="1">
+            <a:schemeClr val="accent1"/>
+          </a:lnRef>
+          <a:fillRef idx="0">
+            <a:schemeClr val="accent1"/>
+          </a:fillRef>
+          <a:effectRef idx="0">
+            <a:schemeClr val="accent1"/>
+          </a:effectRef>
+          <a:fontRef idx="minor">
+            <a:schemeClr val="tx1"/>
+          </a:fontRef>
+        </p:style>
+      </p:cxnSp>
+      <p:sp>
+        <p:nvSpPr>
+          <p:cNvPr id="120" name="文本框 119">
+            <a:extLst>
+              <a:ext uri="{FF2B5EF4-FFF2-40B4-BE49-F238E27FC236}">
+                <a16:creationId xmlns:a16="http://schemas.microsoft.com/office/drawing/2014/main" id="{4923E51C-C4BA-4971-96E9-CC2B62B61D16}"/>
+              </a:ext>
+            </a:extLst>
+          </p:cNvPr>
+          <p:cNvSpPr txBox="1"/>
+          <p:nvPr/>
+        </p:nvSpPr>
+        <p:spPr>
+          <a:xfrm>
+            <a:off x="5928272" y="3093420"/>
+            <a:ext cx="660639" cy="307777"/>
+          </a:xfrm>
+          <a:prstGeom prst="rect">
+            <a:avLst/>
+          </a:prstGeom>
+          <a:noFill/>
+        </p:spPr>
+        <p:txBody>
+          <a:bodyPr wrap="square" rtlCol="0">
+            <a:spAutoFit/>
+          </a:bodyPr>
+          <a:lstStyle/>
+          <a:p>
+            <a:r>
+              <a:rPr lang="en-US" altLang="zh-CN" sz="1400" dirty="0">
+                <a:solidFill>
+                  <a:srgbClr val="00B0F0"/>
+                </a:solidFill>
+              </a:rPr>
+              <a:t>prefix</a:t>
+            </a:r>
+            <a:endParaRPr lang="zh-CN" altLang="en-US" sz="1400" dirty="0">
+              <a:solidFill>
+                <a:srgbClr val="00B0F0"/>
+              </a:solidFill>
+            </a:endParaRPr>
+          </a:p>
+        </p:txBody>
+      </p:sp>
+      <p:cxnSp>
+        <p:nvCxnSpPr>
+          <p:cNvPr id="121" name="直接连接符 120">
+            <a:extLst>
+              <a:ext uri="{FF2B5EF4-FFF2-40B4-BE49-F238E27FC236}">
+                <a16:creationId xmlns:a16="http://schemas.microsoft.com/office/drawing/2014/main" id="{9AF939D6-3B00-46E1-943F-C65B86A473C0}"/>
+              </a:ext>
+            </a:extLst>
+          </p:cNvPr>
+          <p:cNvCxnSpPr>
+            <a:cxnSpLocks/>
+          </p:cNvCxnSpPr>
+          <p:nvPr/>
+        </p:nvCxnSpPr>
+        <p:spPr>
+          <a:xfrm>
+            <a:off x="6571327" y="3112833"/>
+            <a:ext cx="0" cy="458290"/>
+          </a:xfrm>
+          <a:prstGeom prst="line">
+            <a:avLst/>
+          </a:prstGeom>
+          <a:ln>
+            <a:solidFill>
+              <a:srgbClr val="FFFF00"/>
+            </a:solidFill>
+            <a:prstDash val="dash"/>
+          </a:ln>
+        </p:spPr>
+        <p:style>
+          <a:lnRef idx="1">
+            <a:schemeClr val="accent1"/>
+          </a:lnRef>
+          <a:fillRef idx="0">
+            <a:schemeClr val="accent1"/>
+          </a:fillRef>
+          <a:effectRef idx="0">
+            <a:schemeClr val="accent1"/>
+          </a:effectRef>
+          <a:fontRef idx="minor">
+            <a:schemeClr val="tx1"/>
+          </a:fontRef>
+        </p:style>
+      </p:cxnSp>
+      <p:cxnSp>
+        <p:nvCxnSpPr>
+          <p:cNvPr id="122" name="直接箭头连接符 121">
+            <a:extLst>
+              <a:ext uri="{FF2B5EF4-FFF2-40B4-BE49-F238E27FC236}">
+                <a16:creationId xmlns:a16="http://schemas.microsoft.com/office/drawing/2014/main" id="{DD27FFDA-3B34-4635-BE4B-4B44BDBC9CB4}"/>
+              </a:ext>
+            </a:extLst>
+          </p:cNvPr>
+          <p:cNvCxnSpPr>
+            <a:cxnSpLocks/>
+          </p:cNvCxnSpPr>
+          <p:nvPr/>
+        </p:nvCxnSpPr>
+        <p:spPr>
+          <a:xfrm>
+            <a:off x="5869423" y="3156195"/>
+            <a:ext cx="701904" cy="0"/>
+          </a:xfrm>
+          <a:prstGeom prst="straightConnector1">
+            <a:avLst/>
+          </a:prstGeom>
+          <a:ln w="9525">
+            <a:solidFill>
+              <a:schemeClr val="accent6">
+                <a:lumMod val="60000"/>
+                <a:lumOff val="40000"/>
+              </a:schemeClr>
+            </a:solidFill>
+            <a:prstDash val="dash"/>
+            <a:headEnd type="triangle" w="sm" len="sm"/>
+            <a:tailEnd type="triangle" w="sm" len="sm"/>
+          </a:ln>
+        </p:spPr>
+        <p:style>
+          <a:lnRef idx="1">
+            <a:schemeClr val="accent1"/>
+          </a:lnRef>
+          <a:fillRef idx="0">
+            <a:schemeClr val="accent1"/>
+          </a:fillRef>
+          <a:effectRef idx="0">
+            <a:schemeClr val="accent1"/>
+          </a:effectRef>
+          <a:fontRef idx="minor">
+            <a:schemeClr val="tx1"/>
+          </a:fontRef>
+        </p:style>
+      </p:cxnSp>
+      <p:sp>
+        <p:nvSpPr>
+          <p:cNvPr id="96" name="文本框 95">
+            <a:extLst>
+              <a:ext uri="{FF2B5EF4-FFF2-40B4-BE49-F238E27FC236}">
+                <a16:creationId xmlns:a16="http://schemas.microsoft.com/office/drawing/2014/main" id="{C4A3A1E3-2C3E-4483-AC00-2500BB3D2604}"/>
+              </a:ext>
+            </a:extLst>
+          </p:cNvPr>
+          <p:cNvSpPr txBox="1"/>
+          <p:nvPr/>
+        </p:nvSpPr>
+        <p:spPr>
+          <a:xfrm>
+            <a:off x="4839522" y="3252119"/>
+            <a:ext cx="918244" cy="369332"/>
+          </a:xfrm>
+          <a:prstGeom prst="rect">
+            <a:avLst/>
+          </a:prstGeom>
+          <a:noFill/>
+        </p:spPr>
+        <p:txBody>
+          <a:bodyPr wrap="square" rtlCol="0">
+            <a:spAutoFit/>
+          </a:bodyPr>
+          <a:lstStyle/>
+          <a:p>
+            <a:r>
+              <a:rPr lang="en-US" altLang="zh-CN" dirty="0" err="1"/>
+              <a:t>i’th</a:t>
+            </a:r>
+            <a:r>
+              <a:rPr lang="en-US" altLang="zh-CN" dirty="0"/>
+              <a:t> </a:t>
+            </a:r>
+            <a:r>
+              <a:rPr lang="en-US" altLang="zh-CN" dirty="0" err="1"/>
+              <a:t>iter</a:t>
+            </a:r>
+            <a:endParaRPr lang="zh-CN" altLang="en-US" dirty="0"/>
+          </a:p>
+        </p:txBody>
+      </p:sp>
+      <p:sp>
+        <p:nvSpPr>
+          <p:cNvPr id="123" name="文本框 122">
+            <a:extLst>
+              <a:ext uri="{FF2B5EF4-FFF2-40B4-BE49-F238E27FC236}">
+                <a16:creationId xmlns:a16="http://schemas.microsoft.com/office/drawing/2014/main" id="{4242B250-0FA7-4347-A20D-3C5B7E249ED3}"/>
+              </a:ext>
+            </a:extLst>
+          </p:cNvPr>
+          <p:cNvSpPr txBox="1"/>
+          <p:nvPr/>
+        </p:nvSpPr>
+        <p:spPr>
+          <a:xfrm>
+            <a:off x="7247090" y="2529738"/>
+            <a:ext cx="660630" cy="307777"/>
+          </a:xfrm>
+          <a:prstGeom prst="rect">
+            <a:avLst/>
+          </a:prstGeom>
+          <a:noFill/>
+        </p:spPr>
+        <p:txBody>
+          <a:bodyPr wrap="square" rtlCol="0">
+            <a:spAutoFit/>
+          </a:bodyPr>
+          <a:lstStyle/>
+          <a:p>
+            <a:r>
+              <a:rPr lang="en-US" altLang="zh-CN" sz="1400" dirty="0">
+                <a:solidFill>
+                  <a:srgbClr val="FFFF00"/>
+                </a:solidFill>
+              </a:rPr>
+              <a:t>suffix</a:t>
+            </a:r>
+            <a:endParaRPr lang="zh-CN" altLang="en-US" sz="1400" dirty="0">
+              <a:solidFill>
+                <a:srgbClr val="FFFF00"/>
+              </a:solidFill>
+            </a:endParaRPr>
+          </a:p>
+        </p:txBody>
+      </p:sp>
+      <p:cxnSp>
+        <p:nvCxnSpPr>
+          <p:cNvPr id="125" name="直接箭头连接符 124">
+            <a:extLst>
+              <a:ext uri="{FF2B5EF4-FFF2-40B4-BE49-F238E27FC236}">
+                <a16:creationId xmlns:a16="http://schemas.microsoft.com/office/drawing/2014/main" id="{6B8E91DE-23B8-47C9-BF1A-DBB4516A0AF1}"/>
+              </a:ext>
+            </a:extLst>
+          </p:cNvPr>
+          <p:cNvCxnSpPr>
+            <a:cxnSpLocks/>
+          </p:cNvCxnSpPr>
+          <p:nvPr/>
+        </p:nvCxnSpPr>
+        <p:spPr>
+          <a:xfrm flipV="1">
+            <a:off x="5877067" y="2310866"/>
+            <a:ext cx="2010179" cy="13794"/>
+          </a:xfrm>
+          <a:prstGeom prst="straightConnector1">
+            <a:avLst/>
+          </a:prstGeom>
+          <a:ln w="9525">
+            <a:solidFill>
+              <a:srgbClr val="FF0000"/>
+            </a:solidFill>
+            <a:prstDash val="dash"/>
+            <a:headEnd type="triangle" w="sm" len="sm"/>
+            <a:tailEnd type="triangle" w="sm" len="sm"/>
+          </a:ln>
+        </p:spPr>
+        <p:style>
+          <a:lnRef idx="1">
+            <a:schemeClr val="accent1"/>
+          </a:lnRef>
+          <a:fillRef idx="0">
+            <a:schemeClr val="accent1"/>
+          </a:fillRef>
+          <a:effectRef idx="0">
+            <a:schemeClr val="accent1"/>
+          </a:effectRef>
+          <a:fontRef idx="minor">
+            <a:schemeClr val="tx1"/>
+          </a:fontRef>
+        </p:style>
+      </p:cxnSp>
+      <p:cxnSp>
+        <p:nvCxnSpPr>
+          <p:cNvPr id="126" name="直接连接符 125">
+            <a:extLst>
+              <a:ext uri="{FF2B5EF4-FFF2-40B4-BE49-F238E27FC236}">
+                <a16:creationId xmlns:a16="http://schemas.microsoft.com/office/drawing/2014/main" id="{15108628-EE68-4E73-B670-E670051493A4}"/>
+              </a:ext>
+            </a:extLst>
+          </p:cNvPr>
+          <p:cNvCxnSpPr>
+            <a:cxnSpLocks/>
+          </p:cNvCxnSpPr>
+          <p:nvPr/>
+        </p:nvCxnSpPr>
+        <p:spPr>
+          <a:xfrm>
+            <a:off x="5864404" y="2276809"/>
+            <a:ext cx="0" cy="551727"/>
+          </a:xfrm>
+          <a:prstGeom prst="line">
+            <a:avLst/>
+          </a:prstGeom>
+          <a:ln>
+            <a:solidFill>
+              <a:srgbClr val="FFFF00"/>
+            </a:solidFill>
+            <a:prstDash val="dash"/>
+          </a:ln>
+        </p:spPr>
+        <p:style>
+          <a:lnRef idx="1">
+            <a:schemeClr val="accent1"/>
+          </a:lnRef>
+          <a:fillRef idx="0">
+            <a:schemeClr val="accent1"/>
+          </a:fillRef>
+          <a:effectRef idx="0">
+            <a:schemeClr val="accent1"/>
+          </a:effectRef>
+          <a:fontRef idx="minor">
+            <a:schemeClr val="tx1"/>
+          </a:fontRef>
+        </p:style>
+      </p:cxnSp>
+      <mc:AlternateContent xmlns:mc="http://schemas.openxmlformats.org/markup-compatibility/2006" xmlns:a14="http://schemas.microsoft.com/office/drawing/2010/main">
+        <mc:Choice Requires="a14">
+          <p:sp>
+            <p:nvSpPr>
+              <p:cNvPr id="127" name="文本框 126">
+                <a:extLst>
+                  <a:ext uri="{FF2B5EF4-FFF2-40B4-BE49-F238E27FC236}">
+                    <a16:creationId xmlns:a16="http://schemas.microsoft.com/office/drawing/2014/main" id="{6F5A1ED5-386D-4410-960B-D2C2F44FBAE7}"/>
+                  </a:ext>
+                </a:extLst>
+              </p:cNvPr>
+              <p:cNvSpPr txBox="1"/>
+              <p:nvPr/>
+            </p:nvSpPr>
+            <p:spPr>
+              <a:xfrm>
+                <a:off x="6459324" y="2044812"/>
+                <a:ext cx="804235" cy="338554"/>
+              </a:xfrm>
+              <a:prstGeom prst="rect">
+                <a:avLst/>
+              </a:prstGeom>
+              <a:noFill/>
+            </p:spPr>
+            <p:txBody>
+              <a:bodyPr wrap="square" rtlCol="0">
+                <a:spAutoFit/>
+              </a:bodyPr>
+              <a:lstStyle/>
+              <a:p>
+                <a:pPr/>
+                <a14:m>
+                  <m:oMathPara xmlns:m="http://schemas.openxmlformats.org/officeDocument/2006/math">
+                    <m:oMathParaPr>
+                      <m:jc m:val="centerGroup"/>
+                    </m:oMathParaPr>
+                    <m:oMath xmlns:m="http://schemas.openxmlformats.org/officeDocument/2006/math">
+                      <m:r>
+                        <a:rPr lang="en-US" altLang="zh-CN" sz="1600" b="0" i="1" smtClean="0">
+                          <a:solidFill>
+                            <a:srgbClr val="FF0000"/>
+                          </a:solidFill>
+                          <a:latin typeface="Cambria Math" panose="02040503050406030204" pitchFamily="18" charset="0"/>
+                        </a:rPr>
+                        <m:t>𝑠</m:t>
+                      </m:r>
+                      <m:r>
+                        <a:rPr lang="en-US" altLang="zh-CN" sz="1600" b="0" i="1" smtClean="0">
+                          <a:solidFill>
+                            <a:srgbClr val="FF0000"/>
+                          </a:solidFill>
+                          <a:latin typeface="Cambria Math" panose="02040503050406030204" pitchFamily="18" charset="0"/>
+                        </a:rPr>
+                        <m:t> −1</m:t>
+                      </m:r>
+                    </m:oMath>
+                  </m:oMathPara>
+                </a14:m>
+                <a:endParaRPr lang="zh-CN" altLang="en-US" sz="1600" dirty="0">
+                  <a:solidFill>
+                    <a:srgbClr val="FF0000"/>
+                  </a:solidFill>
+                </a:endParaRPr>
+              </a:p>
+            </p:txBody>
+          </p:sp>
+        </mc:Choice>
+        <mc:Fallback xmlns="">
+          <p:sp>
+            <p:nvSpPr>
+              <p:cNvPr id="127" name="文本框 126">
+                <a:extLst>
+                  <a:ext uri="{FF2B5EF4-FFF2-40B4-BE49-F238E27FC236}">
+                    <a16:creationId xmlns:a16="http://schemas.microsoft.com/office/drawing/2014/main" id="{6F5A1ED5-386D-4410-960B-D2C2F44FBAE7}"/>
+                  </a:ext>
+                </a:extLst>
+              </p:cNvPr>
+              <p:cNvSpPr txBox="1">
+                <a:spLocks noRot="1" noChangeAspect="1" noMove="1" noResize="1" noEditPoints="1" noAdjustHandles="1" noChangeArrowheads="1" noChangeShapeType="1" noTextEdit="1"/>
+              </p:cNvSpPr>
+              <p:nvPr/>
+            </p:nvSpPr>
+            <p:spPr>
+              <a:xfrm>
+                <a:off x="6459324" y="2044812"/>
+                <a:ext cx="804235" cy="338554"/>
+              </a:xfrm>
+              <a:prstGeom prst="rect">
+                <a:avLst/>
+              </a:prstGeom>
+              <a:blipFill>
+                <a:blip r:embed="rId2"/>
+                <a:stretch>
+                  <a:fillRect/>
+                </a:stretch>
+              </a:blipFill>
+            </p:spPr>
+            <p:txBody>
+              <a:bodyPr/>
+              <a:lstStyle/>
+              <a:p>
+                <a:r>
+                  <a:rPr lang="zh-CN" altLang="en-US">
+                    <a:noFill/>
+                  </a:rPr>
+                  <a:t> </a:t>
+                </a:r>
+              </a:p>
+            </p:txBody>
+          </p:sp>
+        </mc:Fallback>
+      </mc:AlternateContent>
+      <mc:AlternateContent xmlns:mc="http://schemas.openxmlformats.org/markup-compatibility/2006" xmlns:a14="http://schemas.microsoft.com/office/drawing/2010/main">
+        <mc:Choice Requires="a14">
+          <p:sp>
+            <p:nvSpPr>
+              <p:cNvPr id="128" name="文本框 127">
+                <a:extLst>
+                  <a:ext uri="{FF2B5EF4-FFF2-40B4-BE49-F238E27FC236}">
+                    <a16:creationId xmlns:a16="http://schemas.microsoft.com/office/drawing/2014/main" id="{F98C78CA-8F88-4397-8E4B-25ED15BF65D2}"/>
+                  </a:ext>
+                </a:extLst>
+              </p:cNvPr>
+              <p:cNvSpPr txBox="1"/>
+              <p:nvPr/>
+            </p:nvSpPr>
+            <p:spPr>
+              <a:xfrm>
+                <a:off x="7394693" y="2271710"/>
+                <a:ext cx="272659" cy="338554"/>
+              </a:xfrm>
+              <a:prstGeom prst="rect">
+                <a:avLst/>
+              </a:prstGeom>
+              <a:noFill/>
+            </p:spPr>
+            <p:txBody>
+              <a:bodyPr wrap="square" rtlCol="0">
+                <a:spAutoFit/>
+              </a:bodyPr>
+              <a:lstStyle/>
+              <a:p>
+                <a:pPr/>
+                <a14:m>
+                  <m:oMathPara xmlns:m="http://schemas.openxmlformats.org/officeDocument/2006/math">
+                    <m:oMathParaPr>
+                      <m:jc m:val="centerGroup"/>
+                    </m:oMathParaPr>
+                    <m:oMath xmlns:m="http://schemas.openxmlformats.org/officeDocument/2006/math">
+                      <m:r>
+                        <a:rPr lang="en-US" altLang="zh-CN" sz="1600" b="0" i="1" smtClean="0">
+                          <a:solidFill>
+                            <a:srgbClr val="FFFF00"/>
+                          </a:solidFill>
+                          <a:latin typeface="Cambria Math" panose="02040503050406030204" pitchFamily="18" charset="0"/>
+                        </a:rPr>
+                        <m:t>𝑐</m:t>
+                      </m:r>
+                    </m:oMath>
+                  </m:oMathPara>
+                </a14:m>
+                <a:endParaRPr lang="zh-CN" altLang="en-US" sz="1600" dirty="0">
+                  <a:solidFill>
+                    <a:srgbClr val="FFFF00"/>
+                  </a:solidFill>
+                </a:endParaRPr>
+              </a:p>
+            </p:txBody>
+          </p:sp>
+        </mc:Choice>
+        <mc:Fallback xmlns="">
+          <p:sp>
+            <p:nvSpPr>
+              <p:cNvPr id="128" name="文本框 127">
+                <a:extLst>
+                  <a:ext uri="{FF2B5EF4-FFF2-40B4-BE49-F238E27FC236}">
+                    <a16:creationId xmlns:a16="http://schemas.microsoft.com/office/drawing/2014/main" id="{F98C78CA-8F88-4397-8E4B-25ED15BF65D2}"/>
+                  </a:ext>
+                </a:extLst>
+              </p:cNvPr>
+              <p:cNvSpPr txBox="1">
+                <a:spLocks noRot="1" noChangeAspect="1" noMove="1" noResize="1" noEditPoints="1" noAdjustHandles="1" noChangeArrowheads="1" noChangeShapeType="1" noTextEdit="1"/>
+              </p:cNvSpPr>
+              <p:nvPr/>
+            </p:nvSpPr>
+            <p:spPr>
+              <a:xfrm>
+                <a:off x="7394693" y="2271710"/>
+                <a:ext cx="272659" cy="338554"/>
+              </a:xfrm>
+              <a:prstGeom prst="rect">
+                <a:avLst/>
+              </a:prstGeom>
+              <a:blipFill>
+                <a:blip r:embed="rId3"/>
+                <a:stretch>
+                  <a:fillRect/>
+                </a:stretch>
+              </a:blipFill>
+            </p:spPr>
+            <p:txBody>
+              <a:bodyPr/>
+              <a:lstStyle/>
+              <a:p>
+                <a:r>
+                  <a:rPr lang="zh-CN" altLang="en-US">
+                    <a:noFill/>
+                  </a:rPr>
+                  <a:t> </a:t>
+                </a:r>
+              </a:p>
+            </p:txBody>
+          </p:sp>
+        </mc:Fallback>
+      </mc:AlternateContent>
+      <p:sp>
+        <p:nvSpPr>
+          <p:cNvPr id="129" name="矩形 128">
+            <a:extLst>
+              <a:ext uri="{FF2B5EF4-FFF2-40B4-BE49-F238E27FC236}">
+                <a16:creationId xmlns:a16="http://schemas.microsoft.com/office/drawing/2014/main" id="{59461912-E73A-44C8-A44A-F32EB3F4606B}"/>
+              </a:ext>
+            </a:extLst>
+          </p:cNvPr>
+          <p:cNvSpPr/>
+          <p:nvPr/>
+        </p:nvSpPr>
+        <p:spPr>
+          <a:xfrm>
+            <a:off x="7174798" y="3889258"/>
+            <a:ext cx="2010178" cy="232702"/>
+          </a:xfrm>
+          <a:prstGeom prst="rect">
+            <a:avLst/>
+          </a:prstGeom>
+          <a:solidFill>
+            <a:srgbClr val="00B050"/>
+          </a:solidFill>
+          <a:ln>
+            <a:solidFill>
+              <a:schemeClr val="tx1"/>
+            </a:solidFill>
+            <a:prstDash val="dash"/>
+          </a:ln>
+        </p:spPr>
+        <p:style>
+          <a:lnRef idx="2">
+            <a:schemeClr val="accent1">
+              <a:shade val="50000"/>
+            </a:schemeClr>
+          </a:lnRef>
+          <a:fillRef idx="1">
+            <a:schemeClr val="accent1"/>
+          </a:fillRef>
+          <a:effectRef idx="0">
+            <a:schemeClr val="accent1"/>
+          </a:effectRef>
+          <a:fontRef idx="minor">
+            <a:schemeClr val="lt1"/>
+          </a:fontRef>
+        </p:style>
+        <p:txBody>
+          <a:bodyPr rtlCol="0" anchor="ctr"/>
+          <a:lstStyle/>
+          <a:p>
+            <a:pPr algn="ctr"/>
+            <a:endParaRPr lang="zh-CN" altLang="en-US"/>
+          </a:p>
+        </p:txBody>
+      </p:sp>
+      <p:sp>
+        <p:nvSpPr>
+          <p:cNvPr id="130" name="矩形 129">
+            <a:extLst>
+              <a:ext uri="{FF2B5EF4-FFF2-40B4-BE49-F238E27FC236}">
+                <a16:creationId xmlns:a16="http://schemas.microsoft.com/office/drawing/2014/main" id="{962C773F-FED1-4538-8C90-F3A3602DC42A}"/>
+              </a:ext>
+            </a:extLst>
+          </p:cNvPr>
+          <p:cNvSpPr/>
+          <p:nvPr/>
+        </p:nvSpPr>
+        <p:spPr>
+          <a:xfrm>
+            <a:off x="9184974" y="3889258"/>
+            <a:ext cx="993403" cy="232702"/>
+          </a:xfrm>
+          <a:prstGeom prst="rect">
+            <a:avLst/>
+          </a:prstGeom>
+          <a:solidFill>
+            <a:srgbClr val="FFC000"/>
+          </a:solidFill>
+          <a:ln>
+            <a:solidFill>
+              <a:schemeClr val="tx1"/>
+            </a:solidFill>
+            <a:prstDash val="dash"/>
+          </a:ln>
+        </p:spPr>
+        <p:style>
+          <a:lnRef idx="2">
+            <a:schemeClr val="accent1">
+              <a:shade val="50000"/>
+            </a:schemeClr>
+          </a:lnRef>
+          <a:fillRef idx="1">
+            <a:schemeClr val="accent1"/>
+          </a:fillRef>
+          <a:effectRef idx="0">
+            <a:schemeClr val="accent1"/>
+          </a:effectRef>
+          <a:fontRef idx="minor">
+            <a:schemeClr val="lt1"/>
+          </a:fontRef>
+        </p:style>
+        <p:txBody>
+          <a:bodyPr rtlCol="0" anchor="ctr"/>
+          <a:lstStyle/>
+          <a:p>
+            <a:pPr algn="ctr"/>
+            <a:r>
+              <a:rPr lang="en-US" altLang="zh-CN" sz="1600" dirty="0">
+                <a:solidFill>
+                  <a:schemeClr val="bg2"/>
+                </a:solidFill>
+              </a:rPr>
+              <a:t>Pattern</a:t>
+            </a:r>
+            <a:endParaRPr lang="zh-CN" altLang="en-US" sz="1600" dirty="0">
+              <a:solidFill>
+                <a:schemeClr val="bg2"/>
+              </a:solidFill>
+            </a:endParaRPr>
+          </a:p>
+        </p:txBody>
+      </p:sp>
+      <p:sp>
+        <p:nvSpPr>
+          <p:cNvPr id="131" name="文本框 130">
+            <a:extLst>
+              <a:ext uri="{FF2B5EF4-FFF2-40B4-BE49-F238E27FC236}">
+                <a16:creationId xmlns:a16="http://schemas.microsoft.com/office/drawing/2014/main" id="{DA0D051D-3FD5-49CF-AF5B-25F9CD0E57CE}"/>
+              </a:ext>
+            </a:extLst>
+          </p:cNvPr>
+          <p:cNvSpPr txBox="1"/>
+          <p:nvPr/>
+        </p:nvSpPr>
+        <p:spPr>
+          <a:xfrm>
+            <a:off x="7228425" y="3644257"/>
+            <a:ext cx="660639" cy="307777"/>
+          </a:xfrm>
+          <a:prstGeom prst="rect">
+            <a:avLst/>
+          </a:prstGeom>
+          <a:noFill/>
+        </p:spPr>
+        <p:txBody>
+          <a:bodyPr wrap="square" rtlCol="0">
+            <a:spAutoFit/>
+          </a:bodyPr>
+          <a:lstStyle/>
+          <a:p>
+            <a:r>
+              <a:rPr lang="en-US" altLang="zh-CN" sz="1400" dirty="0">
+                <a:solidFill>
+                  <a:srgbClr val="00B0F0"/>
+                </a:solidFill>
+              </a:rPr>
+              <a:t>prefix</a:t>
+            </a:r>
+            <a:endParaRPr lang="zh-CN" altLang="en-US" sz="1400" dirty="0">
+              <a:solidFill>
+                <a:srgbClr val="00B0F0"/>
+              </a:solidFill>
+            </a:endParaRPr>
+          </a:p>
+        </p:txBody>
+      </p:sp>
+      <p:cxnSp>
+        <p:nvCxnSpPr>
+          <p:cNvPr id="132" name="直接连接符 131">
+            <a:extLst>
+              <a:ext uri="{FF2B5EF4-FFF2-40B4-BE49-F238E27FC236}">
+                <a16:creationId xmlns:a16="http://schemas.microsoft.com/office/drawing/2014/main" id="{3E195214-CBC6-4287-B067-CA3F7FE67A0E}"/>
+              </a:ext>
+            </a:extLst>
+          </p:cNvPr>
+          <p:cNvCxnSpPr>
+            <a:cxnSpLocks/>
+          </p:cNvCxnSpPr>
+          <p:nvPr/>
+        </p:nvCxnSpPr>
+        <p:spPr>
+          <a:xfrm>
+            <a:off x="7879602" y="2903935"/>
+            <a:ext cx="0" cy="1218025"/>
+          </a:xfrm>
+          <a:prstGeom prst="line">
+            <a:avLst/>
+          </a:prstGeom>
+          <a:ln>
+            <a:solidFill>
+              <a:srgbClr val="FFFF00"/>
+            </a:solidFill>
+            <a:prstDash val="dash"/>
+          </a:ln>
+        </p:spPr>
+        <p:style>
+          <a:lnRef idx="1">
+            <a:schemeClr val="accent1"/>
+          </a:lnRef>
+          <a:fillRef idx="0">
+            <a:schemeClr val="accent1"/>
+          </a:fillRef>
+          <a:effectRef idx="0">
+            <a:schemeClr val="accent1"/>
+          </a:effectRef>
+          <a:fontRef idx="minor">
+            <a:schemeClr val="tx1"/>
+          </a:fontRef>
+        </p:style>
+      </p:cxnSp>
+      <p:cxnSp>
+        <p:nvCxnSpPr>
+          <p:cNvPr id="133" name="直接箭头连接符 132">
+            <a:extLst>
+              <a:ext uri="{FF2B5EF4-FFF2-40B4-BE49-F238E27FC236}">
+                <a16:creationId xmlns:a16="http://schemas.microsoft.com/office/drawing/2014/main" id="{C1C8E9A4-6484-4DBB-9D30-40B3AB358EC7}"/>
+              </a:ext>
+            </a:extLst>
+          </p:cNvPr>
+          <p:cNvCxnSpPr>
+            <a:cxnSpLocks/>
+          </p:cNvCxnSpPr>
+          <p:nvPr/>
+        </p:nvCxnSpPr>
+        <p:spPr>
+          <a:xfrm>
+            <a:off x="7169576" y="3707032"/>
+            <a:ext cx="701904" cy="0"/>
+          </a:xfrm>
+          <a:prstGeom prst="straightConnector1">
+            <a:avLst/>
+          </a:prstGeom>
+          <a:ln w="9525">
+            <a:solidFill>
+              <a:schemeClr val="accent6">
+                <a:lumMod val="60000"/>
+                <a:lumOff val="40000"/>
+              </a:schemeClr>
+            </a:solidFill>
+            <a:prstDash val="dash"/>
+            <a:headEnd type="triangle" w="sm" len="sm"/>
+            <a:tailEnd type="triangle" w="sm" len="sm"/>
+          </a:ln>
+        </p:spPr>
+        <p:style>
+          <a:lnRef idx="1">
+            <a:schemeClr val="accent1"/>
+          </a:lnRef>
+          <a:fillRef idx="0">
+            <a:schemeClr val="accent1"/>
+          </a:fillRef>
+          <a:effectRef idx="0">
+            <a:schemeClr val="accent1"/>
+          </a:effectRef>
+          <a:fontRef idx="minor">
+            <a:schemeClr val="tx1"/>
+          </a:fontRef>
+        </p:style>
+      </p:cxnSp>
+      <p:sp>
+        <p:nvSpPr>
+          <p:cNvPr id="134" name="文本框 133">
+            <a:extLst>
+              <a:ext uri="{FF2B5EF4-FFF2-40B4-BE49-F238E27FC236}">
+                <a16:creationId xmlns:a16="http://schemas.microsoft.com/office/drawing/2014/main" id="{DBA4EE8E-F255-4EF4-B8A6-9D578045CA6B}"/>
+              </a:ext>
+            </a:extLst>
+          </p:cNvPr>
+          <p:cNvSpPr txBox="1"/>
+          <p:nvPr/>
+        </p:nvSpPr>
+        <p:spPr>
+          <a:xfrm>
+            <a:off x="4382902" y="3800622"/>
+            <a:ext cx="1442205" cy="369332"/>
+          </a:xfrm>
+          <a:prstGeom prst="rect">
+            <a:avLst/>
+          </a:prstGeom>
+          <a:noFill/>
+        </p:spPr>
+        <p:txBody>
+          <a:bodyPr wrap="square" rtlCol="0">
+            <a:spAutoFit/>
+          </a:bodyPr>
+          <a:lstStyle/>
+          <a:p>
+            <a:r>
+              <a:rPr lang="en-US" altLang="zh-CN" dirty="0"/>
+              <a:t>(</a:t>
+            </a:r>
+            <a:r>
+              <a:rPr lang="en-US" altLang="zh-CN" dirty="0" err="1"/>
+              <a:t>i</a:t>
+            </a:r>
+            <a:r>
+              <a:rPr lang="en-US" altLang="zh-CN" dirty="0"/>
+              <a:t> + 1)’</a:t>
+            </a:r>
+            <a:r>
+              <a:rPr lang="en-US" altLang="zh-CN" dirty="0" err="1"/>
+              <a:t>th</a:t>
+            </a:r>
+            <a:r>
+              <a:rPr lang="en-US" altLang="zh-CN" dirty="0"/>
+              <a:t> </a:t>
+            </a:r>
+            <a:r>
+              <a:rPr lang="en-US" altLang="zh-CN" dirty="0" err="1"/>
+              <a:t>iter</a:t>
+            </a:r>
+            <a:endParaRPr lang="zh-CN" altLang="en-US" dirty="0"/>
+          </a:p>
+        </p:txBody>
+      </p:sp>
+      <p:cxnSp>
+        <p:nvCxnSpPr>
+          <p:cNvPr id="135" name="直接连接符 134">
+            <a:extLst>
+              <a:ext uri="{FF2B5EF4-FFF2-40B4-BE49-F238E27FC236}">
+                <a16:creationId xmlns:a16="http://schemas.microsoft.com/office/drawing/2014/main" id="{82432652-0BCF-44BB-81B2-51CCF2AF6D68}"/>
+              </a:ext>
+            </a:extLst>
+          </p:cNvPr>
+          <p:cNvCxnSpPr>
+            <a:cxnSpLocks/>
+          </p:cNvCxnSpPr>
+          <p:nvPr/>
+        </p:nvCxnSpPr>
+        <p:spPr>
+          <a:xfrm>
+            <a:off x="7178812" y="2787584"/>
+            <a:ext cx="0" cy="1335266"/>
+          </a:xfrm>
+          <a:prstGeom prst="line">
+            <a:avLst/>
+          </a:prstGeom>
+          <a:ln>
+            <a:solidFill>
+              <a:srgbClr val="FFFF00"/>
+            </a:solidFill>
+            <a:prstDash val="dash"/>
+          </a:ln>
+        </p:spPr>
+        <p:style>
+          <a:lnRef idx="1">
+            <a:schemeClr val="accent1"/>
+          </a:lnRef>
+          <a:fillRef idx="0">
+            <a:schemeClr val="accent1"/>
+          </a:fillRef>
+          <a:effectRef idx="0">
+            <a:schemeClr val="accent1"/>
+          </a:effectRef>
+          <a:fontRef idx="minor">
+            <a:schemeClr val="tx1"/>
+          </a:fontRef>
+        </p:style>
+      </p:cxnSp>
+      <p:cxnSp>
+        <p:nvCxnSpPr>
+          <p:cNvPr id="136" name="直接箭头连接符 135">
+            <a:extLst>
+              <a:ext uri="{FF2B5EF4-FFF2-40B4-BE49-F238E27FC236}">
+                <a16:creationId xmlns:a16="http://schemas.microsoft.com/office/drawing/2014/main" id="{B8593AB8-7718-4230-B534-FCBD997CAA06}"/>
+              </a:ext>
+            </a:extLst>
+          </p:cNvPr>
+          <p:cNvCxnSpPr>
+            <a:cxnSpLocks/>
+          </p:cNvCxnSpPr>
+          <p:nvPr/>
+        </p:nvCxnSpPr>
+        <p:spPr>
+          <a:xfrm>
+            <a:off x="6176175" y="3483018"/>
+            <a:ext cx="1156012" cy="572522"/>
+          </a:xfrm>
+          <a:prstGeom prst="straightConnector1">
+            <a:avLst/>
+          </a:prstGeom>
+          <a:ln w="15875">
+            <a:solidFill>
+              <a:srgbClr val="FF0000"/>
+            </a:solidFill>
+            <a:prstDash val="dash"/>
+            <a:headEnd type="none" w="sm" len="sm"/>
+            <a:tailEnd type="triangle" w="med" len="med"/>
+          </a:ln>
+        </p:spPr>
+        <p:style>
+          <a:lnRef idx="1">
+            <a:schemeClr val="accent1"/>
+          </a:lnRef>
+          <a:fillRef idx="0">
+            <a:schemeClr val="accent1"/>
+          </a:fillRef>
+          <a:effectRef idx="0">
+            <a:schemeClr val="accent1"/>
+          </a:effectRef>
+          <a:fontRef idx="minor">
+            <a:schemeClr val="tx1"/>
+          </a:fontRef>
+        </p:style>
+      </p:cxnSp>
+      <mc:AlternateContent xmlns:mc="http://schemas.openxmlformats.org/markup-compatibility/2006" xmlns:a14="http://schemas.microsoft.com/office/drawing/2010/main">
+        <mc:Choice Requires="a14">
+          <p:sp>
+            <p:nvSpPr>
+              <p:cNvPr id="137" name="文本框 136">
+                <a:extLst>
+                  <a:ext uri="{FF2B5EF4-FFF2-40B4-BE49-F238E27FC236}">
+                    <a16:creationId xmlns:a16="http://schemas.microsoft.com/office/drawing/2014/main" id="{C78E1929-B724-4D3E-AA4D-508DD1DF9DBA}"/>
+                  </a:ext>
+                </a:extLst>
+              </p:cNvPr>
+              <p:cNvSpPr txBox="1"/>
+              <p:nvPr/>
+            </p:nvSpPr>
+            <p:spPr>
+              <a:xfrm rot="1580524">
+                <a:off x="6086469" y="3742268"/>
+                <a:ext cx="1294765" cy="307777"/>
+              </a:xfrm>
+              <a:prstGeom prst="rect">
+                <a:avLst/>
+              </a:prstGeom>
+              <a:noFill/>
+            </p:spPr>
+            <p:txBody>
+              <a:bodyPr wrap="square" rtlCol="0">
+                <a:spAutoFit/>
+              </a:bodyPr>
+              <a:lstStyle/>
+              <a:p>
+                <a14:m>
+                  <m:oMath xmlns:m="http://schemas.openxmlformats.org/officeDocument/2006/math">
+                    <m:r>
+                      <a:rPr lang="en-US" altLang="zh-CN" sz="1400" b="0" i="1" smtClean="0">
+                        <a:solidFill>
+                          <a:srgbClr val="FF0000"/>
+                        </a:solidFill>
+                        <a:latin typeface="Cambria Math" panose="02040503050406030204" pitchFamily="18" charset="0"/>
+                      </a:rPr>
+                      <m:t>𝑠𝑘𝑖𝑝</m:t>
+                    </m:r>
+                  </m:oMath>
+                </a14:m>
+                <a:r>
+                  <a:rPr lang="en-US" altLang="zh-CN" sz="1400" dirty="0">
+                    <a:solidFill>
+                      <a:srgbClr val="FF0000"/>
+                    </a:solidFill>
+                  </a:rPr>
+                  <a:t>=s – 1 - c</a:t>
+                </a:r>
+                <a:endParaRPr lang="zh-CN" altLang="en-US" sz="1400" dirty="0">
+                  <a:solidFill>
+                    <a:srgbClr val="FF0000"/>
+                  </a:solidFill>
+                </a:endParaRPr>
+              </a:p>
+            </p:txBody>
+          </p:sp>
+        </mc:Choice>
+        <mc:Fallback xmlns="">
+          <p:sp>
+            <p:nvSpPr>
+              <p:cNvPr id="137" name="文本框 136">
+                <a:extLst>
+                  <a:ext uri="{FF2B5EF4-FFF2-40B4-BE49-F238E27FC236}">
+                    <a16:creationId xmlns:a16="http://schemas.microsoft.com/office/drawing/2014/main" id="{C78E1929-B724-4D3E-AA4D-508DD1DF9DBA}"/>
+                  </a:ext>
+                </a:extLst>
+              </p:cNvPr>
+              <p:cNvSpPr txBox="1">
+                <a:spLocks noRot="1" noChangeAspect="1" noMove="1" noResize="1" noEditPoints="1" noAdjustHandles="1" noChangeArrowheads="1" noChangeShapeType="1" noTextEdit="1"/>
+              </p:cNvSpPr>
+              <p:nvPr/>
+            </p:nvSpPr>
+            <p:spPr>
+              <a:xfrm rot="1580524">
+                <a:off x="6086469" y="3742268"/>
+                <a:ext cx="1294765" cy="307777"/>
+              </a:xfrm>
+              <a:prstGeom prst="rect">
+                <a:avLst/>
+              </a:prstGeom>
+              <a:blipFill>
+                <a:blip r:embed="rId4"/>
+                <a:stretch>
+                  <a:fillRect/>
+                </a:stretch>
+              </a:blipFill>
+            </p:spPr>
+            <p:txBody>
+              <a:bodyPr/>
+              <a:lstStyle/>
+              <a:p>
+                <a:r>
+                  <a:rPr lang="zh-CN" altLang="en-US">
+                    <a:noFill/>
+                  </a:rPr>
+                  <a:t> </a:t>
+                </a:r>
+              </a:p>
+            </p:txBody>
+          </p:sp>
+        </mc:Fallback>
+      </mc:AlternateContent>
+      <p:sp>
+        <p:nvSpPr>
+          <p:cNvPr id="139" name="文本框 138">
+            <a:extLst>
+              <a:ext uri="{FF2B5EF4-FFF2-40B4-BE49-F238E27FC236}">
+                <a16:creationId xmlns:a16="http://schemas.microsoft.com/office/drawing/2014/main" id="{ACAF9853-CAAF-4DF4-BDE3-A53633459DD3}"/>
+              </a:ext>
+            </a:extLst>
+          </p:cNvPr>
+          <p:cNvSpPr txBox="1"/>
+          <p:nvPr/>
+        </p:nvSpPr>
+        <p:spPr>
+          <a:xfrm>
+            <a:off x="7232663" y="3090074"/>
+            <a:ext cx="678536" cy="307777"/>
+          </a:xfrm>
+          <a:prstGeom prst="rect">
+            <a:avLst/>
+          </a:prstGeom>
+          <a:noFill/>
+        </p:spPr>
+        <p:txBody>
+          <a:bodyPr wrap="square" rtlCol="0">
+            <a:spAutoFit/>
+          </a:bodyPr>
+          <a:lstStyle/>
+          <a:p>
+            <a:r>
+              <a:rPr lang="en-US" altLang="zh-CN" sz="1400" dirty="0">
+                <a:solidFill>
+                  <a:srgbClr val="FFFF00"/>
+                </a:solidFill>
+              </a:rPr>
+              <a:t>suffix</a:t>
+            </a:r>
+            <a:endParaRPr lang="zh-CN" altLang="en-US" sz="1400" dirty="0">
+              <a:solidFill>
+                <a:srgbClr val="FFFF00"/>
+              </a:solidFill>
+            </a:endParaRPr>
+          </a:p>
+        </p:txBody>
+      </p:sp>
+      <mc:AlternateContent xmlns:mc="http://schemas.openxmlformats.org/markup-compatibility/2006" xmlns:a14="http://schemas.microsoft.com/office/drawing/2010/main">
+        <mc:Choice Requires="a14">
+          <p:sp>
+            <p:nvSpPr>
+              <p:cNvPr id="140" name="文本框 139">
+                <a:extLst>
+                  <a:ext uri="{FF2B5EF4-FFF2-40B4-BE49-F238E27FC236}">
+                    <a16:creationId xmlns:a16="http://schemas.microsoft.com/office/drawing/2014/main" id="{E6320307-AC96-47B7-9D23-29364783D915}"/>
+                  </a:ext>
+                </a:extLst>
+              </p:cNvPr>
+              <p:cNvSpPr txBox="1"/>
+              <p:nvPr/>
+            </p:nvSpPr>
+            <p:spPr>
+              <a:xfrm>
+                <a:off x="6075457" y="2896902"/>
+                <a:ext cx="272659" cy="338554"/>
+              </a:xfrm>
+              <a:prstGeom prst="rect">
+                <a:avLst/>
+              </a:prstGeom>
+              <a:noFill/>
+            </p:spPr>
+            <p:txBody>
+              <a:bodyPr wrap="square" rtlCol="0">
+                <a:spAutoFit/>
+              </a:bodyPr>
+              <a:lstStyle/>
+              <a:p>
+                <a:pPr/>
+                <a14:m>
+                  <m:oMathPara xmlns:m="http://schemas.openxmlformats.org/officeDocument/2006/math">
+                    <m:oMathParaPr>
+                      <m:jc m:val="centerGroup"/>
+                    </m:oMathParaPr>
+                    <m:oMath xmlns:m="http://schemas.openxmlformats.org/officeDocument/2006/math">
+                      <m:r>
+                        <a:rPr lang="en-US" altLang="zh-CN" sz="1600" b="0" i="1" smtClean="0">
+                          <a:solidFill>
+                            <a:srgbClr val="00B0F0"/>
+                          </a:solidFill>
+                          <a:latin typeface="Cambria Math" panose="02040503050406030204" pitchFamily="18" charset="0"/>
+                        </a:rPr>
+                        <m:t>𝑐</m:t>
+                      </m:r>
+                    </m:oMath>
+                  </m:oMathPara>
+                </a14:m>
+                <a:endParaRPr lang="zh-CN" altLang="en-US" sz="1600" dirty="0">
+                  <a:solidFill>
+                    <a:srgbClr val="FFFF00"/>
+                  </a:solidFill>
+                </a:endParaRPr>
+              </a:p>
+            </p:txBody>
+          </p:sp>
+        </mc:Choice>
+        <mc:Fallback xmlns="">
+          <p:sp>
+            <p:nvSpPr>
+              <p:cNvPr id="140" name="文本框 139">
+                <a:extLst>
+                  <a:ext uri="{FF2B5EF4-FFF2-40B4-BE49-F238E27FC236}">
+                    <a16:creationId xmlns:a16="http://schemas.microsoft.com/office/drawing/2014/main" id="{E6320307-AC96-47B7-9D23-29364783D915}"/>
+                  </a:ext>
+                </a:extLst>
+              </p:cNvPr>
+              <p:cNvSpPr txBox="1">
+                <a:spLocks noRot="1" noChangeAspect="1" noMove="1" noResize="1" noEditPoints="1" noAdjustHandles="1" noChangeArrowheads="1" noChangeShapeType="1" noTextEdit="1"/>
+              </p:cNvSpPr>
+              <p:nvPr/>
+            </p:nvSpPr>
+            <p:spPr>
+              <a:xfrm>
+                <a:off x="6075457" y="2896902"/>
+                <a:ext cx="272659" cy="338554"/>
+              </a:xfrm>
+              <a:prstGeom prst="rect">
+                <a:avLst/>
+              </a:prstGeom>
+              <a:blipFill>
+                <a:blip r:embed="rId5"/>
+                <a:stretch>
+                  <a:fillRect/>
+                </a:stretch>
+              </a:blipFill>
+            </p:spPr>
+            <p:txBody>
+              <a:bodyPr/>
+              <a:lstStyle/>
+              <a:p>
+                <a:r>
+                  <a:rPr lang="zh-CN" altLang="en-US">
+                    <a:noFill/>
+                  </a:rPr>
+                  <a:t> </a:t>
+                </a:r>
+              </a:p>
+            </p:txBody>
+          </p:sp>
+        </mc:Fallback>
+      </mc:AlternateContent>
+      <p:cxnSp>
+        <p:nvCxnSpPr>
+          <p:cNvPr id="141" name="直接箭头连接符 140">
+            <a:extLst>
+              <a:ext uri="{FF2B5EF4-FFF2-40B4-BE49-F238E27FC236}">
+                <a16:creationId xmlns:a16="http://schemas.microsoft.com/office/drawing/2014/main" id="{53AB009C-74BE-4A76-8489-A3429C1DEEA2}"/>
+              </a:ext>
+            </a:extLst>
+          </p:cNvPr>
+          <p:cNvCxnSpPr>
+            <a:cxnSpLocks/>
+          </p:cNvCxnSpPr>
+          <p:nvPr/>
+        </p:nvCxnSpPr>
+        <p:spPr>
+          <a:xfrm>
+            <a:off x="7169576" y="3145777"/>
+            <a:ext cx="705811" cy="0"/>
+          </a:xfrm>
+          <a:prstGeom prst="straightConnector1">
+            <a:avLst/>
+          </a:prstGeom>
+          <a:ln w="9525">
+            <a:solidFill>
+              <a:schemeClr val="accent1">
+                <a:lumMod val="40000"/>
+                <a:lumOff val="60000"/>
+              </a:schemeClr>
+            </a:solidFill>
+            <a:prstDash val="dash"/>
+            <a:headEnd type="triangle" w="sm" len="sm"/>
+            <a:tailEnd type="triangle" w="sm" len="sm"/>
+          </a:ln>
+        </p:spPr>
+        <p:style>
+          <a:lnRef idx="1">
+            <a:schemeClr val="accent1"/>
+          </a:lnRef>
+          <a:fillRef idx="0">
+            <a:schemeClr val="accent1"/>
+          </a:fillRef>
+          <a:effectRef idx="0">
+            <a:schemeClr val="accent1"/>
+          </a:effectRef>
+          <a:fontRef idx="minor">
+            <a:schemeClr val="tx1"/>
+          </a:fontRef>
+        </p:style>
+      </p:cxnSp>
+      <mc:AlternateContent xmlns:mc="http://schemas.openxmlformats.org/markup-compatibility/2006" xmlns:a14="http://schemas.microsoft.com/office/drawing/2010/main">
+        <mc:Choice Requires="a14">
+          <p:sp>
+            <p:nvSpPr>
+              <p:cNvPr id="142" name="文本框 141">
+                <a:extLst>
+                  <a:ext uri="{FF2B5EF4-FFF2-40B4-BE49-F238E27FC236}">
+                    <a16:creationId xmlns:a16="http://schemas.microsoft.com/office/drawing/2014/main" id="{69AFF9BC-F5E3-4F1A-A2CB-2E37F3130F1A}"/>
+                  </a:ext>
+                </a:extLst>
+              </p:cNvPr>
+              <p:cNvSpPr txBox="1"/>
+              <p:nvPr/>
+            </p:nvSpPr>
+            <p:spPr>
+              <a:xfrm>
+                <a:off x="7389471" y="2884230"/>
+                <a:ext cx="272659" cy="338554"/>
+              </a:xfrm>
+              <a:prstGeom prst="rect">
+                <a:avLst/>
+              </a:prstGeom>
+              <a:noFill/>
+            </p:spPr>
+            <p:txBody>
+              <a:bodyPr wrap="square" rtlCol="0">
+                <a:spAutoFit/>
+              </a:bodyPr>
+              <a:lstStyle/>
+              <a:p>
+                <a:pPr/>
+                <a14:m>
+                  <m:oMathPara xmlns:m="http://schemas.openxmlformats.org/officeDocument/2006/math">
+                    <m:oMathParaPr>
+                      <m:jc m:val="centerGroup"/>
+                    </m:oMathParaPr>
+                    <m:oMath xmlns:m="http://schemas.openxmlformats.org/officeDocument/2006/math">
+                      <m:r>
+                        <a:rPr lang="en-US" altLang="zh-CN" sz="1600" b="0" i="1" smtClean="0">
+                          <a:solidFill>
+                            <a:srgbClr val="FFFF00"/>
+                          </a:solidFill>
+                          <a:latin typeface="Cambria Math" panose="02040503050406030204" pitchFamily="18" charset="0"/>
+                        </a:rPr>
+                        <m:t>𝑐</m:t>
+                      </m:r>
+                    </m:oMath>
+                  </m:oMathPara>
+                </a14:m>
+                <a:endParaRPr lang="zh-CN" altLang="en-US" sz="1600" dirty="0">
+                  <a:solidFill>
+                    <a:srgbClr val="FFFF00"/>
+                  </a:solidFill>
+                </a:endParaRPr>
+              </a:p>
+            </p:txBody>
+          </p:sp>
+        </mc:Choice>
+        <mc:Fallback xmlns="">
+          <p:sp>
+            <p:nvSpPr>
+              <p:cNvPr id="142" name="文本框 141">
+                <a:extLst>
+                  <a:ext uri="{FF2B5EF4-FFF2-40B4-BE49-F238E27FC236}">
+                    <a16:creationId xmlns:a16="http://schemas.microsoft.com/office/drawing/2014/main" id="{69AFF9BC-F5E3-4F1A-A2CB-2E37F3130F1A}"/>
+                  </a:ext>
+                </a:extLst>
+              </p:cNvPr>
+              <p:cNvSpPr txBox="1">
+                <a:spLocks noRot="1" noChangeAspect="1" noMove="1" noResize="1" noEditPoints="1" noAdjustHandles="1" noChangeArrowheads="1" noChangeShapeType="1" noTextEdit="1"/>
+              </p:cNvSpPr>
+              <p:nvPr/>
+            </p:nvSpPr>
+            <p:spPr>
+              <a:xfrm>
+                <a:off x="7389471" y="2884230"/>
+                <a:ext cx="272659" cy="338554"/>
+              </a:xfrm>
+              <a:prstGeom prst="rect">
+                <a:avLst/>
+              </a:prstGeom>
+              <a:blipFill>
+                <a:blip r:embed="rId6"/>
+                <a:stretch>
+                  <a:fillRect/>
+                </a:stretch>
+              </a:blipFill>
+            </p:spPr>
+            <p:txBody>
+              <a:bodyPr/>
+              <a:lstStyle/>
+              <a:p>
+                <a:r>
+                  <a:rPr lang="zh-CN" altLang="en-US">
+                    <a:noFill/>
+                  </a:rPr>
+                  <a:t> </a:t>
+                </a:r>
+              </a:p>
+            </p:txBody>
+          </p:sp>
+        </mc:Fallback>
+      </mc:AlternateContent>
+      <mc:AlternateContent xmlns:mc="http://schemas.openxmlformats.org/markup-compatibility/2006" xmlns:a14="http://schemas.microsoft.com/office/drawing/2010/main">
+        <mc:Choice Requires="a14">
+          <p:sp>
+            <p:nvSpPr>
+              <p:cNvPr id="143" name="文本框 142">
+                <a:extLst>
+                  <a:ext uri="{FF2B5EF4-FFF2-40B4-BE49-F238E27FC236}">
+                    <a16:creationId xmlns:a16="http://schemas.microsoft.com/office/drawing/2014/main" id="{38FE60FF-153C-4D33-90BA-BEF516C26EBD}"/>
+                  </a:ext>
+                </a:extLst>
+              </p:cNvPr>
+              <p:cNvSpPr txBox="1"/>
+              <p:nvPr/>
+            </p:nvSpPr>
+            <p:spPr>
+              <a:xfrm>
+                <a:off x="7381799" y="3436785"/>
+                <a:ext cx="272659" cy="338554"/>
+              </a:xfrm>
+              <a:prstGeom prst="rect">
+                <a:avLst/>
+              </a:prstGeom>
+              <a:noFill/>
+            </p:spPr>
+            <p:txBody>
+              <a:bodyPr wrap="square" rtlCol="0">
+                <a:spAutoFit/>
+              </a:bodyPr>
+              <a:lstStyle/>
+              <a:p>
+                <a:pPr/>
+                <a14:m>
+                  <m:oMathPara xmlns:m="http://schemas.openxmlformats.org/officeDocument/2006/math">
+                    <m:oMathParaPr>
+                      <m:jc m:val="centerGroup"/>
+                    </m:oMathParaPr>
+                    <m:oMath xmlns:m="http://schemas.openxmlformats.org/officeDocument/2006/math">
+                      <m:r>
+                        <a:rPr lang="en-US" altLang="zh-CN" sz="1600" b="0" i="1" smtClean="0">
+                          <a:solidFill>
+                            <a:srgbClr val="00B0F0"/>
+                          </a:solidFill>
+                          <a:latin typeface="Cambria Math" panose="02040503050406030204" pitchFamily="18" charset="0"/>
+                        </a:rPr>
+                        <m:t>𝑐</m:t>
+                      </m:r>
+                    </m:oMath>
+                  </m:oMathPara>
+                </a14:m>
+                <a:endParaRPr lang="zh-CN" altLang="en-US" sz="1600" dirty="0">
+                  <a:solidFill>
+                    <a:srgbClr val="FFFF00"/>
+                  </a:solidFill>
+                </a:endParaRPr>
+              </a:p>
+            </p:txBody>
+          </p:sp>
+        </mc:Choice>
+        <mc:Fallback xmlns="">
+          <p:sp>
+            <p:nvSpPr>
+              <p:cNvPr id="143" name="文本框 142">
+                <a:extLst>
+                  <a:ext uri="{FF2B5EF4-FFF2-40B4-BE49-F238E27FC236}">
+                    <a16:creationId xmlns:a16="http://schemas.microsoft.com/office/drawing/2014/main" id="{38FE60FF-153C-4D33-90BA-BEF516C26EBD}"/>
+                  </a:ext>
+                </a:extLst>
+              </p:cNvPr>
+              <p:cNvSpPr txBox="1">
+                <a:spLocks noRot="1" noChangeAspect="1" noMove="1" noResize="1" noEditPoints="1" noAdjustHandles="1" noChangeArrowheads="1" noChangeShapeType="1" noTextEdit="1"/>
+              </p:cNvSpPr>
+              <p:nvPr/>
+            </p:nvSpPr>
+            <p:spPr>
+              <a:xfrm>
+                <a:off x="7381799" y="3436785"/>
+                <a:ext cx="272659" cy="338554"/>
+              </a:xfrm>
+              <a:prstGeom prst="rect">
+                <a:avLst/>
+              </a:prstGeom>
+              <a:blipFill>
+                <a:blip r:embed="rId7"/>
+                <a:stretch>
+                  <a:fillRect/>
+                </a:stretch>
+              </a:blipFill>
+            </p:spPr>
+            <p:txBody>
+              <a:bodyPr/>
+              <a:lstStyle/>
+              <a:p>
+                <a:r>
+                  <a:rPr lang="zh-CN" altLang="en-US">
+                    <a:noFill/>
+                  </a:rPr>
+                  <a:t> </a:t>
+                </a:r>
+              </a:p>
+            </p:txBody>
+          </p:sp>
+        </mc:Fallback>
+      </mc:AlternateContent>
+      <p:cxnSp>
+        <p:nvCxnSpPr>
+          <p:cNvPr id="144" name="直接箭头连接符 143">
+            <a:extLst>
+              <a:ext uri="{FF2B5EF4-FFF2-40B4-BE49-F238E27FC236}">
+                <a16:creationId xmlns:a16="http://schemas.microsoft.com/office/drawing/2014/main" id="{6468A42A-3254-47F3-95EB-9D45E2D6D461}"/>
+              </a:ext>
+            </a:extLst>
+          </p:cNvPr>
+          <p:cNvCxnSpPr>
+            <a:cxnSpLocks/>
+          </p:cNvCxnSpPr>
+          <p:nvPr/>
+        </p:nvCxnSpPr>
+        <p:spPr>
+          <a:xfrm>
+            <a:off x="5867469" y="2590081"/>
+            <a:ext cx="1302107" cy="0"/>
+          </a:xfrm>
+          <a:prstGeom prst="straightConnector1">
+            <a:avLst/>
+          </a:prstGeom>
+          <a:ln w="9525">
+            <a:solidFill>
+              <a:srgbClr val="2CEC67"/>
+            </a:solidFill>
+            <a:prstDash val="dash"/>
+            <a:headEnd type="triangle" w="sm" len="sm"/>
+            <a:tailEnd type="triangle" w="sm" len="sm"/>
+          </a:ln>
+        </p:spPr>
+        <p:style>
+          <a:lnRef idx="1">
+            <a:schemeClr val="accent1"/>
+          </a:lnRef>
+          <a:fillRef idx="0">
+            <a:schemeClr val="accent1"/>
+          </a:fillRef>
+          <a:effectRef idx="0">
+            <a:schemeClr val="accent1"/>
+          </a:effectRef>
+          <a:fontRef idx="minor">
+            <a:schemeClr val="tx1"/>
+          </a:fontRef>
+        </p:style>
+      </p:cxnSp>
+      <mc:AlternateContent xmlns:mc="http://schemas.openxmlformats.org/markup-compatibility/2006" xmlns:a14="http://schemas.microsoft.com/office/drawing/2010/main">
+        <mc:Choice Requires="a14">
+          <p:sp>
+            <p:nvSpPr>
+              <p:cNvPr id="146" name="文本框 145">
+                <a:extLst>
+                  <a:ext uri="{FF2B5EF4-FFF2-40B4-BE49-F238E27FC236}">
+                    <a16:creationId xmlns:a16="http://schemas.microsoft.com/office/drawing/2014/main" id="{81827B68-7E07-4285-A4F3-A39047E882F6}"/>
+                  </a:ext>
+                </a:extLst>
+              </p:cNvPr>
+              <p:cNvSpPr txBox="1"/>
+              <p:nvPr/>
+            </p:nvSpPr>
+            <p:spPr>
+              <a:xfrm>
+                <a:off x="5988827" y="2343012"/>
+                <a:ext cx="1076024" cy="307777"/>
+              </a:xfrm>
+              <a:prstGeom prst="rect">
+                <a:avLst/>
+              </a:prstGeom>
+              <a:noFill/>
+            </p:spPr>
+            <p:txBody>
+              <a:bodyPr wrap="square" rtlCol="0">
+                <a:spAutoFit/>
+              </a:bodyPr>
+              <a:lstStyle/>
+              <a:p>
+                <a:pPr/>
+                <a14:m>
+                  <m:oMathPara xmlns:m="http://schemas.openxmlformats.org/officeDocument/2006/math">
+                    <m:oMathParaPr>
+                      <m:jc m:val="centerGroup"/>
+                    </m:oMathParaPr>
+                    <m:oMath xmlns:m="http://schemas.openxmlformats.org/officeDocument/2006/math">
+                      <m:r>
+                        <m:rPr>
+                          <m:sty m:val="p"/>
+                        </m:rPr>
+                        <a:rPr lang="en-US" altLang="zh-CN" sz="1400" i="1" smtClean="0">
+                          <a:solidFill>
+                            <a:srgbClr val="2CEC67"/>
+                          </a:solidFill>
+                          <a:latin typeface="Cambria Math" panose="02040503050406030204" pitchFamily="18" charset="0"/>
+                        </a:rPr>
+                        <m:t>sk</m:t>
+                      </m:r>
+                      <m:r>
+                        <a:rPr lang="en-US" altLang="zh-CN" sz="1400" b="0" i="1" smtClean="0">
+                          <a:solidFill>
+                            <a:srgbClr val="2CEC67"/>
+                          </a:solidFill>
+                          <a:latin typeface="Cambria Math" panose="02040503050406030204" pitchFamily="18" charset="0"/>
+                        </a:rPr>
+                        <m:t>𝑖𝑝</m:t>
+                      </m:r>
+                      <m:r>
+                        <a:rPr lang="en-US" altLang="zh-CN" sz="1400" b="0" i="1" smtClean="0">
+                          <a:solidFill>
+                            <a:srgbClr val="2CEC67"/>
+                          </a:solidFill>
+                          <a:latin typeface="Cambria Math" panose="02040503050406030204" pitchFamily="18" charset="0"/>
+                        </a:rPr>
+                        <m:t> </m:t>
+                      </m:r>
+                      <m:r>
+                        <a:rPr lang="en-US" altLang="zh-CN" sz="1400" b="0" i="1" smtClean="0">
+                          <a:solidFill>
+                            <a:srgbClr val="2CEC67"/>
+                          </a:solidFill>
+                          <a:latin typeface="Cambria Math" panose="02040503050406030204" pitchFamily="18" charset="0"/>
+                        </a:rPr>
+                        <m:t>𝑐h𝑎𝑟𝑠</m:t>
+                      </m:r>
+                    </m:oMath>
+                  </m:oMathPara>
+                </a14:m>
+                <a:endParaRPr lang="zh-CN" altLang="en-US" sz="1400" dirty="0">
+                  <a:solidFill>
+                    <a:srgbClr val="2CEC67"/>
+                  </a:solidFill>
+                </a:endParaRPr>
+              </a:p>
+            </p:txBody>
+          </p:sp>
+        </mc:Choice>
+        <mc:Fallback xmlns="">
+          <p:sp>
+            <p:nvSpPr>
+              <p:cNvPr id="146" name="文本框 145">
+                <a:extLst>
+                  <a:ext uri="{FF2B5EF4-FFF2-40B4-BE49-F238E27FC236}">
+                    <a16:creationId xmlns:a16="http://schemas.microsoft.com/office/drawing/2014/main" id="{81827B68-7E07-4285-A4F3-A39047E882F6}"/>
+                  </a:ext>
+                </a:extLst>
+              </p:cNvPr>
+              <p:cNvSpPr txBox="1">
+                <a:spLocks noRot="1" noChangeAspect="1" noMove="1" noResize="1" noEditPoints="1" noAdjustHandles="1" noChangeArrowheads="1" noChangeShapeType="1" noTextEdit="1"/>
+              </p:cNvSpPr>
+              <p:nvPr/>
+            </p:nvSpPr>
+            <p:spPr>
+              <a:xfrm>
+                <a:off x="5988827" y="2343012"/>
+                <a:ext cx="1076024" cy="307777"/>
+              </a:xfrm>
+              <a:prstGeom prst="rect">
+                <a:avLst/>
+              </a:prstGeom>
+              <a:blipFill>
+                <a:blip r:embed="rId8"/>
+                <a:stretch>
+                  <a:fillRect b="-5882"/>
+                </a:stretch>
+              </a:blipFill>
+            </p:spPr>
+            <p:txBody>
+              <a:bodyPr/>
+              <a:lstStyle/>
+              <a:p>
+                <a:r>
+                  <a:rPr lang="zh-CN" altLang="en-US">
+                    <a:noFill/>
+                  </a:rPr>
+                  <a:t> </a:t>
+                </a:r>
+              </a:p>
+            </p:txBody>
+          </p:sp>
+        </mc:Fallback>
+      </mc:AlternateContent>
+      <mc:AlternateContent xmlns:mc="http://schemas.openxmlformats.org/markup-compatibility/2006" xmlns:a14="http://schemas.microsoft.com/office/drawing/2010/main">
+        <mc:Choice Requires="a14">
+          <p:sp>
+            <p:nvSpPr>
+              <p:cNvPr id="148" name="文本框 147">
+                <a:extLst>
+                  <a:ext uri="{FF2B5EF4-FFF2-40B4-BE49-F238E27FC236}">
+                    <a16:creationId xmlns:a16="http://schemas.microsoft.com/office/drawing/2014/main" id="{88C5733C-1C47-4F9D-9DB1-CA199AC734B4}"/>
+                  </a:ext>
+                </a:extLst>
+              </p:cNvPr>
+              <p:cNvSpPr txBox="1"/>
+              <p:nvPr/>
+            </p:nvSpPr>
+            <p:spPr>
+              <a:xfrm>
+                <a:off x="5974352" y="2522843"/>
+                <a:ext cx="1076024" cy="307777"/>
+              </a:xfrm>
+              <a:prstGeom prst="rect">
+                <a:avLst/>
+              </a:prstGeom>
+              <a:noFill/>
+            </p:spPr>
+            <p:txBody>
+              <a:bodyPr wrap="square" rtlCol="0">
+                <a:spAutoFit/>
+              </a:bodyPr>
+              <a:lstStyle/>
+              <a:p>
+                <a:pPr/>
+                <a14:m>
+                  <m:oMathPara xmlns:m="http://schemas.openxmlformats.org/officeDocument/2006/math">
+                    <m:oMathParaPr>
+                      <m:jc m:val="centerGroup"/>
+                    </m:oMathParaPr>
+                    <m:oMath xmlns:m="http://schemas.openxmlformats.org/officeDocument/2006/math">
+                      <m:d>
+                        <m:dPr>
+                          <m:ctrlPr>
+                            <a:rPr lang="en-US" altLang="zh-CN" sz="1400" b="0" i="1" smtClean="0">
+                              <a:solidFill>
+                                <a:srgbClr val="2CEC67"/>
+                              </a:solidFill>
+                              <a:latin typeface="Cambria Math" panose="02040503050406030204" pitchFamily="18" charset="0"/>
+                            </a:rPr>
+                          </m:ctrlPr>
+                        </m:dPr>
+                        <m:e>
+                          <m:r>
+                            <a:rPr lang="en-US" altLang="zh-CN" sz="1400" b="0" i="1" smtClean="0">
+                              <a:solidFill>
+                                <a:srgbClr val="2CEC67"/>
+                              </a:solidFill>
+                              <a:latin typeface="Cambria Math" panose="02040503050406030204" pitchFamily="18" charset="0"/>
+                            </a:rPr>
+                            <m:t>𝑠</m:t>
+                          </m:r>
+                          <m:r>
+                            <a:rPr lang="en-US" altLang="zh-CN" sz="1400" b="0" i="1" smtClean="0">
+                              <a:solidFill>
+                                <a:srgbClr val="2CEC67"/>
+                              </a:solidFill>
+                              <a:latin typeface="Cambria Math" panose="02040503050406030204" pitchFamily="18" charset="0"/>
+                            </a:rPr>
+                            <m:t> −1</m:t>
+                          </m:r>
+                        </m:e>
+                      </m:d>
+                      <m:r>
+                        <a:rPr lang="en-US" altLang="zh-CN" sz="1400" b="0" i="1" smtClean="0">
+                          <a:solidFill>
+                            <a:srgbClr val="2CEC67"/>
+                          </a:solidFill>
+                          <a:latin typeface="Cambria Math" panose="02040503050406030204" pitchFamily="18" charset="0"/>
+                        </a:rPr>
+                        <m:t>−</m:t>
+                      </m:r>
+                      <m:r>
+                        <a:rPr lang="en-US" altLang="zh-CN" sz="1400" b="0" i="1" smtClean="0">
+                          <a:solidFill>
+                            <a:srgbClr val="2CEC67"/>
+                          </a:solidFill>
+                          <a:latin typeface="Cambria Math" panose="02040503050406030204" pitchFamily="18" charset="0"/>
+                        </a:rPr>
+                        <m:t>𝑐</m:t>
+                      </m:r>
+                    </m:oMath>
+                  </m:oMathPara>
+                </a14:m>
+                <a:endParaRPr lang="zh-CN" altLang="en-US" sz="1400" dirty="0">
+                  <a:solidFill>
+                    <a:srgbClr val="2CEC67"/>
+                  </a:solidFill>
+                </a:endParaRPr>
+              </a:p>
+            </p:txBody>
+          </p:sp>
+        </mc:Choice>
+        <mc:Fallback xmlns="">
+          <p:sp>
+            <p:nvSpPr>
+              <p:cNvPr id="148" name="文本框 147">
+                <a:extLst>
+                  <a:ext uri="{FF2B5EF4-FFF2-40B4-BE49-F238E27FC236}">
+                    <a16:creationId xmlns:a16="http://schemas.microsoft.com/office/drawing/2014/main" id="{88C5733C-1C47-4F9D-9DB1-CA199AC734B4}"/>
+                  </a:ext>
+                </a:extLst>
+              </p:cNvPr>
+              <p:cNvSpPr txBox="1">
+                <a:spLocks noRot="1" noChangeAspect="1" noMove="1" noResize="1" noEditPoints="1" noAdjustHandles="1" noChangeArrowheads="1" noChangeShapeType="1" noTextEdit="1"/>
+              </p:cNvSpPr>
+              <p:nvPr/>
+            </p:nvSpPr>
+            <p:spPr>
+              <a:xfrm>
+                <a:off x="5974352" y="2522843"/>
+                <a:ext cx="1076024" cy="307777"/>
+              </a:xfrm>
+              <a:prstGeom prst="rect">
+                <a:avLst/>
+              </a:prstGeom>
+              <a:blipFill>
+                <a:blip r:embed="rId9"/>
+                <a:stretch>
+                  <a:fillRect/>
+                </a:stretch>
+              </a:blipFill>
+            </p:spPr>
+            <p:txBody>
+              <a:bodyPr/>
+              <a:lstStyle/>
+              <a:p>
+                <a:r>
+                  <a:rPr lang="zh-CN" altLang="en-US">
+                    <a:noFill/>
+                  </a:rPr>
+                  <a:t> </a:t>
+                </a:r>
+              </a:p>
+            </p:txBody>
+          </p:sp>
+        </mc:Fallback>
+      </mc:AlternateContent>
+    </p:spTree>
+    <p:extLst>
+      <p:ext uri="{BB962C8B-B14F-4D97-AF65-F5344CB8AC3E}">
+        <p14:creationId xmlns:p14="http://schemas.microsoft.com/office/powerpoint/2010/main" val="4169566655"/>
+      </p:ext>
+    </p:extLst>
+  </p:cSld>
+  <p:clrMapOvr>
+    <a:masterClrMapping/>
+  </p:clrMapOvr>
+</p:sld>
+</file>
+
+<file path=ppt/slides/slide7.xml><?xml version="1.0" encoding="utf-8"?>
+<p:sld xmlns:a="http://schemas.openxmlformats.org/drawingml/2006/main" xmlns:r="http://schemas.openxmlformats.org/officeDocument/2006/relationships" xmlns:p="http://schemas.openxmlformats.org/presentationml/2006/main">
+  <p:cSld>
+    <p:spTree>
+      <p:nvGrpSpPr>
+        <p:cNvPr id="1" name=""/>
+        <p:cNvGrpSpPr/>
+        <p:nvPr/>
+      </p:nvGrpSpPr>
+      <p:grpSpPr>
+        <a:xfrm>
+          <a:off x="0" y="0"/>
+          <a:ext cx="0" cy="0"/>
+          <a:chOff x="0" y="0"/>
+          <a:chExt cx="0" cy="0"/>
+        </a:xfrm>
+      </p:grpSpPr>
+      <p:sp>
+        <p:nvSpPr>
+          <p:cNvPr id="109" name="矩形 108">
+            <a:extLst>
+              <a:ext uri="{FF2B5EF4-FFF2-40B4-BE49-F238E27FC236}">
+                <a16:creationId xmlns:a16="http://schemas.microsoft.com/office/drawing/2014/main" id="{22717647-0737-4634-9ABF-E0268D1FC59C}"/>
+              </a:ext>
+            </a:extLst>
+          </p:cNvPr>
+          <p:cNvSpPr/>
+          <p:nvPr/>
+        </p:nvSpPr>
+        <p:spPr>
+          <a:xfrm>
+            <a:off x="5874645" y="3338421"/>
+            <a:ext cx="2010178" cy="232702"/>
+          </a:xfrm>
+          <a:prstGeom prst="rect">
+            <a:avLst/>
+          </a:prstGeom>
+          <a:solidFill>
+            <a:srgbClr val="00B050"/>
+          </a:solidFill>
+        </p:spPr>
+        <p:style>
+          <a:lnRef idx="2">
+            <a:schemeClr val="accent1">
+              <a:shade val="50000"/>
+            </a:schemeClr>
+          </a:lnRef>
+          <a:fillRef idx="1">
+            <a:schemeClr val="accent1"/>
+          </a:fillRef>
+          <a:effectRef idx="0">
+            <a:schemeClr val="accent1"/>
+          </a:effectRef>
+          <a:fontRef idx="minor">
+            <a:schemeClr val="lt1"/>
+          </a:fontRef>
+        </p:style>
+        <p:txBody>
+          <a:bodyPr rtlCol="0" anchor="ctr"/>
+          <a:lstStyle/>
+          <a:p>
+            <a:pPr algn="ctr"/>
+            <a:endParaRPr lang="zh-CN" altLang="en-US"/>
+          </a:p>
+        </p:txBody>
+      </p:sp>
+      <p:sp>
+        <p:nvSpPr>
+          <p:cNvPr id="106" name="矩形 105">
+            <a:extLst>
+              <a:ext uri="{FF2B5EF4-FFF2-40B4-BE49-F238E27FC236}">
+                <a16:creationId xmlns:a16="http://schemas.microsoft.com/office/drawing/2014/main" id="{C241898F-6446-45D8-9C9D-B8FAAA74E14D}"/>
+              </a:ext>
+            </a:extLst>
+          </p:cNvPr>
+          <p:cNvSpPr/>
+          <p:nvPr/>
+        </p:nvSpPr>
+        <p:spPr>
+          <a:xfrm>
+            <a:off x="4895517" y="2787584"/>
+            <a:ext cx="973906" cy="232702"/>
+          </a:xfrm>
+          <a:prstGeom prst="rect">
+            <a:avLst/>
+          </a:prstGeom>
+          <a:solidFill>
+            <a:schemeClr val="accent3">
+              <a:lumMod val="40000"/>
+              <a:lumOff val="60000"/>
+            </a:schemeClr>
+          </a:solidFill>
+        </p:spPr>
+        <p:style>
+          <a:lnRef idx="2">
+            <a:schemeClr val="accent1">
+              <a:shade val="50000"/>
+            </a:schemeClr>
+          </a:lnRef>
+          <a:fillRef idx="1">
+            <a:schemeClr val="accent1"/>
+          </a:fillRef>
+          <a:effectRef idx="0">
+            <a:schemeClr val="accent1"/>
+          </a:effectRef>
+          <a:fontRef idx="minor">
+            <a:schemeClr val="lt1"/>
+          </a:fontRef>
+        </p:style>
+        <p:txBody>
+          <a:bodyPr rtlCol="0" anchor="ctr"/>
+          <a:lstStyle/>
+          <a:p>
+            <a:pPr algn="ctr"/>
+            <a:r>
+              <a:rPr lang="en-US" altLang="zh-CN" sz="1600" dirty="0">
+                <a:solidFill>
+                  <a:schemeClr val="bg2"/>
+                </a:solidFill>
+              </a:rPr>
+              <a:t>Text</a:t>
+            </a:r>
+            <a:endParaRPr lang="zh-CN" altLang="en-US" sz="1600" dirty="0">
+              <a:solidFill>
+                <a:schemeClr val="bg2"/>
+              </a:solidFill>
+            </a:endParaRPr>
+          </a:p>
+        </p:txBody>
+      </p:sp>
+      <p:sp>
+        <p:nvSpPr>
+          <p:cNvPr id="107" name="矩形 106">
+            <a:extLst>
+              <a:ext uri="{FF2B5EF4-FFF2-40B4-BE49-F238E27FC236}">
+                <a16:creationId xmlns:a16="http://schemas.microsoft.com/office/drawing/2014/main" id="{8BCEEFD6-CB80-459E-8EE4-91339DC1E093}"/>
+              </a:ext>
+            </a:extLst>
+          </p:cNvPr>
+          <p:cNvSpPr/>
+          <p:nvPr/>
+        </p:nvSpPr>
+        <p:spPr>
+          <a:xfrm>
+            <a:off x="5869424" y="2787584"/>
+            <a:ext cx="2010178" cy="232702"/>
+          </a:xfrm>
+          <a:prstGeom prst="rect">
+            <a:avLst/>
+          </a:prstGeom>
+          <a:solidFill>
+            <a:srgbClr val="00B050"/>
+          </a:solidFill>
+        </p:spPr>
+        <p:style>
+          <a:lnRef idx="2">
+            <a:schemeClr val="accent1">
+              <a:shade val="50000"/>
+            </a:schemeClr>
+          </a:lnRef>
+          <a:fillRef idx="1">
+            <a:schemeClr val="accent1"/>
+          </a:fillRef>
+          <a:effectRef idx="0">
+            <a:schemeClr val="accent1"/>
+          </a:effectRef>
+          <a:fontRef idx="minor">
+            <a:schemeClr val="lt1"/>
+          </a:fontRef>
+        </p:style>
+        <p:txBody>
+          <a:bodyPr rtlCol="0" anchor="ctr"/>
+          <a:lstStyle/>
+          <a:p>
+            <a:pPr algn="ctr"/>
+            <a:endParaRPr lang="zh-CN" altLang="en-US"/>
+          </a:p>
+        </p:txBody>
+      </p:sp>
+      <p:sp>
+        <p:nvSpPr>
+          <p:cNvPr id="108" name="矩形 107">
+            <a:extLst>
+              <a:ext uri="{FF2B5EF4-FFF2-40B4-BE49-F238E27FC236}">
+                <a16:creationId xmlns:a16="http://schemas.microsoft.com/office/drawing/2014/main" id="{14FD5D2F-2998-4E73-A527-29D4A3680A51}"/>
+              </a:ext>
+            </a:extLst>
+          </p:cNvPr>
+          <p:cNvSpPr/>
+          <p:nvPr/>
+        </p:nvSpPr>
+        <p:spPr>
+          <a:xfrm>
+            <a:off x="7879602" y="2787584"/>
+            <a:ext cx="2024794" cy="232702"/>
+          </a:xfrm>
+          <a:prstGeom prst="rect">
+            <a:avLst/>
+          </a:prstGeom>
+          <a:solidFill>
+            <a:schemeClr val="accent3">
+              <a:lumMod val="40000"/>
+              <a:lumOff val="60000"/>
+            </a:schemeClr>
+          </a:solidFill>
+        </p:spPr>
+        <p:style>
+          <a:lnRef idx="2">
+            <a:schemeClr val="accent1">
+              <a:shade val="50000"/>
+            </a:schemeClr>
+          </a:lnRef>
+          <a:fillRef idx="1">
+            <a:schemeClr val="accent1"/>
+          </a:fillRef>
+          <a:effectRef idx="0">
+            <a:schemeClr val="accent1"/>
+          </a:effectRef>
+          <a:fontRef idx="minor">
+            <a:schemeClr val="lt1"/>
+          </a:fontRef>
+        </p:style>
+        <p:txBody>
+          <a:bodyPr rtlCol="0" anchor="ctr"/>
+          <a:lstStyle/>
+          <a:p>
+            <a:pPr algn="ctr"/>
+            <a:endParaRPr lang="zh-CN" altLang="en-US"/>
+          </a:p>
+        </p:txBody>
+      </p:sp>
+      <p:sp>
+        <p:nvSpPr>
+          <p:cNvPr id="110" name="矩形 109">
+            <a:extLst>
+              <a:ext uri="{FF2B5EF4-FFF2-40B4-BE49-F238E27FC236}">
+                <a16:creationId xmlns:a16="http://schemas.microsoft.com/office/drawing/2014/main" id="{1F7706FF-FD25-44F3-ABCE-BCB1630F7E9D}"/>
+              </a:ext>
+            </a:extLst>
+          </p:cNvPr>
+          <p:cNvSpPr/>
+          <p:nvPr/>
+        </p:nvSpPr>
+        <p:spPr>
+          <a:xfrm>
+            <a:off x="7884821" y="3338421"/>
+            <a:ext cx="993403" cy="232702"/>
+          </a:xfrm>
+          <a:prstGeom prst="rect">
+            <a:avLst/>
+          </a:prstGeom>
+          <a:solidFill>
+            <a:srgbClr val="FFC000"/>
+          </a:solidFill>
+        </p:spPr>
+        <p:style>
+          <a:lnRef idx="2">
+            <a:schemeClr val="accent1">
+              <a:shade val="50000"/>
+            </a:schemeClr>
+          </a:lnRef>
+          <a:fillRef idx="1">
+            <a:schemeClr val="accent1"/>
+          </a:fillRef>
+          <a:effectRef idx="0">
+            <a:schemeClr val="accent1"/>
+          </a:effectRef>
+          <a:fontRef idx="minor">
+            <a:schemeClr val="lt1"/>
+          </a:fontRef>
+        </p:style>
+        <p:txBody>
+          <a:bodyPr rtlCol="0" anchor="ctr"/>
+          <a:lstStyle/>
+          <a:p>
+            <a:pPr algn="ctr"/>
+            <a:r>
+              <a:rPr lang="en-US" altLang="zh-CN" sz="1600" dirty="0">
+                <a:solidFill>
+                  <a:schemeClr val="bg2"/>
+                </a:solidFill>
+              </a:rPr>
+              <a:t>Pattern</a:t>
+            </a:r>
+            <a:endParaRPr lang="zh-CN" altLang="en-US" sz="1600" dirty="0">
+              <a:solidFill>
+                <a:schemeClr val="bg2"/>
+              </a:solidFill>
+            </a:endParaRPr>
+          </a:p>
+        </p:txBody>
+      </p:sp>
+      <p:cxnSp>
+        <p:nvCxnSpPr>
+          <p:cNvPr id="111" name="直接连接符 110">
+            <a:extLst>
+              <a:ext uri="{FF2B5EF4-FFF2-40B4-BE49-F238E27FC236}">
+                <a16:creationId xmlns:a16="http://schemas.microsoft.com/office/drawing/2014/main" id="{5652C95F-C6B6-40B0-A25A-96C6648C9E44}"/>
+              </a:ext>
+            </a:extLst>
+          </p:cNvPr>
+          <p:cNvCxnSpPr>
+            <a:cxnSpLocks/>
+          </p:cNvCxnSpPr>
+          <p:nvPr/>
+        </p:nvCxnSpPr>
+        <p:spPr>
+          <a:xfrm>
+            <a:off x="7878010" y="2468559"/>
+            <a:ext cx="0" cy="551727"/>
+          </a:xfrm>
+          <a:prstGeom prst="line">
+            <a:avLst/>
+          </a:prstGeom>
+          <a:ln>
+            <a:solidFill>
+              <a:srgbClr val="FFFF00"/>
+            </a:solidFill>
+            <a:prstDash val="dash"/>
+          </a:ln>
+        </p:spPr>
+        <p:style>
+          <a:lnRef idx="1">
+            <a:schemeClr val="accent1"/>
+          </a:lnRef>
+          <a:fillRef idx="0">
+            <a:schemeClr val="accent1"/>
+          </a:fillRef>
+          <a:effectRef idx="0">
+            <a:schemeClr val="accent1"/>
+          </a:effectRef>
+          <a:fontRef idx="minor">
+            <a:schemeClr val="tx1"/>
+          </a:fontRef>
+        </p:style>
+      </p:cxnSp>
+      <p:cxnSp>
+        <p:nvCxnSpPr>
+          <p:cNvPr id="112" name="直接箭头连接符 111">
+            <a:extLst>
+              <a:ext uri="{FF2B5EF4-FFF2-40B4-BE49-F238E27FC236}">
+                <a16:creationId xmlns:a16="http://schemas.microsoft.com/office/drawing/2014/main" id="{46195888-040A-4E2D-BEA5-E31B6D671533}"/>
+              </a:ext>
+            </a:extLst>
+          </p:cNvPr>
+          <p:cNvCxnSpPr>
+            <a:cxnSpLocks/>
+          </p:cNvCxnSpPr>
+          <p:nvPr/>
+        </p:nvCxnSpPr>
+        <p:spPr>
+          <a:xfrm>
+            <a:off x="7174798" y="2552673"/>
+            <a:ext cx="705811" cy="0"/>
+          </a:xfrm>
+          <a:prstGeom prst="straightConnector1">
+            <a:avLst/>
+          </a:prstGeom>
+          <a:ln w="9525">
+            <a:solidFill>
+              <a:schemeClr val="accent1">
+                <a:lumMod val="40000"/>
+                <a:lumOff val="60000"/>
+              </a:schemeClr>
+            </a:solidFill>
+            <a:prstDash val="dash"/>
+            <a:headEnd type="triangle" w="sm" len="sm"/>
+            <a:tailEnd type="triangle" w="sm" len="sm"/>
+          </a:ln>
+        </p:spPr>
+        <p:style>
+          <a:lnRef idx="1">
+            <a:schemeClr val="accent1"/>
+          </a:lnRef>
+          <a:fillRef idx="0">
+            <a:schemeClr val="accent1"/>
+          </a:fillRef>
+          <a:effectRef idx="0">
+            <a:schemeClr val="accent1"/>
+          </a:effectRef>
+          <a:fontRef idx="minor">
+            <a:schemeClr val="tx1"/>
+          </a:fontRef>
+        </p:style>
+      </p:cxnSp>
+      <p:cxnSp>
+        <p:nvCxnSpPr>
+          <p:cNvPr id="117" name="直接连接符 116">
+            <a:extLst>
+              <a:ext uri="{FF2B5EF4-FFF2-40B4-BE49-F238E27FC236}">
+                <a16:creationId xmlns:a16="http://schemas.microsoft.com/office/drawing/2014/main" id="{8D1287CB-FBA9-43EC-BF5E-D6492F51D892}"/>
+              </a:ext>
+            </a:extLst>
+          </p:cNvPr>
+          <p:cNvCxnSpPr>
+            <a:cxnSpLocks/>
+          </p:cNvCxnSpPr>
+          <p:nvPr/>
+        </p:nvCxnSpPr>
+        <p:spPr>
+          <a:xfrm>
+            <a:off x="7177973" y="2468559"/>
+            <a:ext cx="0" cy="319025"/>
+          </a:xfrm>
+          <a:prstGeom prst="line">
+            <a:avLst/>
+          </a:prstGeom>
+          <a:ln>
+            <a:solidFill>
+              <a:srgbClr val="FFFF00"/>
+            </a:solidFill>
+            <a:prstDash val="dash"/>
+          </a:ln>
+        </p:spPr>
+        <p:style>
+          <a:lnRef idx="1">
+            <a:schemeClr val="accent1"/>
+          </a:lnRef>
+          <a:fillRef idx="0">
+            <a:schemeClr val="accent1"/>
+          </a:fillRef>
+          <a:effectRef idx="0">
+            <a:schemeClr val="accent1"/>
+          </a:effectRef>
+          <a:fontRef idx="minor">
+            <a:schemeClr val="tx1"/>
+          </a:fontRef>
+        </p:style>
+      </p:cxnSp>
+      <p:cxnSp>
+        <p:nvCxnSpPr>
+          <p:cNvPr id="119" name="直接连接符 118">
+            <a:extLst>
+              <a:ext uri="{FF2B5EF4-FFF2-40B4-BE49-F238E27FC236}">
+                <a16:creationId xmlns:a16="http://schemas.microsoft.com/office/drawing/2014/main" id="{A26E12B4-7533-4D38-ABD5-F4049176CF77}"/>
+              </a:ext>
+            </a:extLst>
+          </p:cNvPr>
+          <p:cNvCxnSpPr>
+            <a:cxnSpLocks/>
+          </p:cNvCxnSpPr>
+          <p:nvPr/>
+        </p:nvCxnSpPr>
+        <p:spPr>
+          <a:xfrm>
+            <a:off x="5875519" y="2992440"/>
+            <a:ext cx="0" cy="551727"/>
+          </a:xfrm>
+          <a:prstGeom prst="line">
+            <a:avLst/>
+          </a:prstGeom>
+          <a:ln>
+            <a:solidFill>
+              <a:srgbClr val="FFFF00"/>
+            </a:solidFill>
+            <a:prstDash val="dash"/>
+          </a:ln>
+        </p:spPr>
+        <p:style>
+          <a:lnRef idx="1">
+            <a:schemeClr val="accent1"/>
+          </a:lnRef>
+          <a:fillRef idx="0">
+            <a:schemeClr val="accent1"/>
+          </a:fillRef>
+          <a:effectRef idx="0">
+            <a:schemeClr val="accent1"/>
+          </a:effectRef>
+          <a:fontRef idx="minor">
+            <a:schemeClr val="tx1"/>
+          </a:fontRef>
+        </p:style>
+      </p:cxnSp>
+      <p:sp>
+        <p:nvSpPr>
+          <p:cNvPr id="120" name="文本框 119">
+            <a:extLst>
+              <a:ext uri="{FF2B5EF4-FFF2-40B4-BE49-F238E27FC236}">
+                <a16:creationId xmlns:a16="http://schemas.microsoft.com/office/drawing/2014/main" id="{4923E51C-C4BA-4971-96E9-CC2B62B61D16}"/>
+              </a:ext>
+            </a:extLst>
+          </p:cNvPr>
+          <p:cNvSpPr txBox="1"/>
+          <p:nvPr/>
+        </p:nvSpPr>
+        <p:spPr>
+          <a:xfrm>
+            <a:off x="5928272" y="3093420"/>
+            <a:ext cx="660639" cy="307777"/>
+          </a:xfrm>
+          <a:prstGeom prst="rect">
+            <a:avLst/>
+          </a:prstGeom>
+          <a:noFill/>
+        </p:spPr>
+        <p:txBody>
+          <a:bodyPr wrap="square" rtlCol="0">
+            <a:spAutoFit/>
+          </a:bodyPr>
+          <a:lstStyle/>
+          <a:p>
+            <a:r>
+              <a:rPr lang="en-US" altLang="zh-CN" sz="1400" dirty="0">
+                <a:solidFill>
+                  <a:srgbClr val="00B0F0"/>
+                </a:solidFill>
+              </a:rPr>
+              <a:t>prefix</a:t>
+            </a:r>
+            <a:endParaRPr lang="zh-CN" altLang="en-US" sz="1400" dirty="0">
+              <a:solidFill>
+                <a:srgbClr val="00B0F0"/>
+              </a:solidFill>
+            </a:endParaRPr>
+          </a:p>
+        </p:txBody>
+      </p:sp>
+      <p:cxnSp>
+        <p:nvCxnSpPr>
+          <p:cNvPr id="121" name="直接连接符 120">
+            <a:extLst>
+              <a:ext uri="{FF2B5EF4-FFF2-40B4-BE49-F238E27FC236}">
+                <a16:creationId xmlns:a16="http://schemas.microsoft.com/office/drawing/2014/main" id="{9AF939D6-3B00-46E1-943F-C65B86A473C0}"/>
+              </a:ext>
+            </a:extLst>
+          </p:cNvPr>
+          <p:cNvCxnSpPr>
+            <a:cxnSpLocks/>
+          </p:cNvCxnSpPr>
+          <p:nvPr/>
+        </p:nvCxnSpPr>
+        <p:spPr>
+          <a:xfrm>
+            <a:off x="6571327" y="3112833"/>
+            <a:ext cx="0" cy="458290"/>
+          </a:xfrm>
+          <a:prstGeom prst="line">
+            <a:avLst/>
+          </a:prstGeom>
+          <a:ln>
+            <a:solidFill>
+              <a:srgbClr val="FFFF00"/>
+            </a:solidFill>
+            <a:prstDash val="dash"/>
+          </a:ln>
+        </p:spPr>
+        <p:style>
+          <a:lnRef idx="1">
+            <a:schemeClr val="accent1"/>
+          </a:lnRef>
+          <a:fillRef idx="0">
+            <a:schemeClr val="accent1"/>
+          </a:fillRef>
+          <a:effectRef idx="0">
+            <a:schemeClr val="accent1"/>
+          </a:effectRef>
+          <a:fontRef idx="minor">
+            <a:schemeClr val="tx1"/>
+          </a:fontRef>
+        </p:style>
+      </p:cxnSp>
+      <p:cxnSp>
+        <p:nvCxnSpPr>
+          <p:cNvPr id="122" name="直接箭头连接符 121">
+            <a:extLst>
+              <a:ext uri="{FF2B5EF4-FFF2-40B4-BE49-F238E27FC236}">
+                <a16:creationId xmlns:a16="http://schemas.microsoft.com/office/drawing/2014/main" id="{DD27FFDA-3B34-4635-BE4B-4B44BDBC9CB4}"/>
+              </a:ext>
+            </a:extLst>
+          </p:cNvPr>
+          <p:cNvCxnSpPr>
+            <a:cxnSpLocks/>
+          </p:cNvCxnSpPr>
+          <p:nvPr/>
+        </p:nvCxnSpPr>
+        <p:spPr>
+          <a:xfrm>
+            <a:off x="5869423" y="3156195"/>
+            <a:ext cx="701904" cy="0"/>
+          </a:xfrm>
+          <a:prstGeom prst="straightConnector1">
+            <a:avLst/>
+          </a:prstGeom>
+          <a:ln w="9525">
+            <a:solidFill>
+              <a:schemeClr val="accent6">
+                <a:lumMod val="60000"/>
+                <a:lumOff val="40000"/>
+              </a:schemeClr>
+            </a:solidFill>
+            <a:prstDash val="dash"/>
+            <a:headEnd type="triangle" w="sm" len="sm"/>
+            <a:tailEnd type="triangle" w="sm" len="sm"/>
+          </a:ln>
+        </p:spPr>
+        <p:style>
+          <a:lnRef idx="1">
+            <a:schemeClr val="accent1"/>
+          </a:lnRef>
+          <a:fillRef idx="0">
+            <a:schemeClr val="accent1"/>
+          </a:fillRef>
+          <a:effectRef idx="0">
+            <a:schemeClr val="accent1"/>
+          </a:effectRef>
+          <a:fontRef idx="minor">
+            <a:schemeClr val="tx1"/>
+          </a:fontRef>
+        </p:style>
+      </p:cxnSp>
+      <p:sp>
+        <p:nvSpPr>
+          <p:cNvPr id="96" name="文本框 95">
+            <a:extLst>
+              <a:ext uri="{FF2B5EF4-FFF2-40B4-BE49-F238E27FC236}">
+                <a16:creationId xmlns:a16="http://schemas.microsoft.com/office/drawing/2014/main" id="{C4A3A1E3-2C3E-4483-AC00-2500BB3D2604}"/>
+              </a:ext>
+            </a:extLst>
+          </p:cNvPr>
+          <p:cNvSpPr txBox="1"/>
+          <p:nvPr/>
+        </p:nvSpPr>
+        <p:spPr>
+          <a:xfrm>
+            <a:off x="4839522" y="3252119"/>
+            <a:ext cx="918244" cy="369332"/>
+          </a:xfrm>
+          <a:prstGeom prst="rect">
+            <a:avLst/>
+          </a:prstGeom>
+          <a:noFill/>
+        </p:spPr>
+        <p:txBody>
+          <a:bodyPr wrap="square" rtlCol="0">
+            <a:spAutoFit/>
+          </a:bodyPr>
+          <a:lstStyle/>
+          <a:p>
+            <a:r>
+              <a:rPr lang="en-US" altLang="zh-CN" dirty="0" err="1"/>
+              <a:t>i’th</a:t>
+            </a:r>
+            <a:r>
+              <a:rPr lang="en-US" altLang="zh-CN" dirty="0"/>
+              <a:t> </a:t>
+            </a:r>
+            <a:r>
+              <a:rPr lang="en-US" altLang="zh-CN" dirty="0" err="1"/>
+              <a:t>iter</a:t>
+            </a:r>
+            <a:endParaRPr lang="zh-CN" altLang="en-US" dirty="0"/>
+          </a:p>
+        </p:txBody>
+      </p:sp>
+      <p:sp>
+        <p:nvSpPr>
+          <p:cNvPr id="123" name="文本框 122">
+            <a:extLst>
+              <a:ext uri="{FF2B5EF4-FFF2-40B4-BE49-F238E27FC236}">
+                <a16:creationId xmlns:a16="http://schemas.microsoft.com/office/drawing/2014/main" id="{4242B250-0FA7-4347-A20D-3C5B7E249ED3}"/>
+              </a:ext>
+            </a:extLst>
+          </p:cNvPr>
+          <p:cNvSpPr txBox="1"/>
+          <p:nvPr/>
+        </p:nvSpPr>
+        <p:spPr>
+          <a:xfrm>
+            <a:off x="7247090" y="2529738"/>
+            <a:ext cx="660630" cy="307777"/>
+          </a:xfrm>
+          <a:prstGeom prst="rect">
+            <a:avLst/>
+          </a:prstGeom>
+          <a:noFill/>
+        </p:spPr>
+        <p:txBody>
+          <a:bodyPr wrap="square" rtlCol="0">
+            <a:spAutoFit/>
+          </a:bodyPr>
+          <a:lstStyle/>
+          <a:p>
+            <a:r>
+              <a:rPr lang="en-US" altLang="zh-CN" sz="1400" dirty="0">
+                <a:solidFill>
+                  <a:srgbClr val="FFFF00"/>
+                </a:solidFill>
+              </a:rPr>
+              <a:t>suffix</a:t>
+            </a:r>
+            <a:endParaRPr lang="zh-CN" altLang="en-US" sz="1400" dirty="0">
+              <a:solidFill>
+                <a:srgbClr val="FFFF00"/>
+              </a:solidFill>
+            </a:endParaRPr>
+          </a:p>
+        </p:txBody>
+      </p:sp>
+      <mc:AlternateContent xmlns:mc="http://schemas.openxmlformats.org/markup-compatibility/2006" xmlns:a14="http://schemas.microsoft.com/office/drawing/2010/main">
+        <mc:Choice Requires="a14">
+          <p:sp>
+            <p:nvSpPr>
+              <p:cNvPr id="128" name="文本框 127">
+                <a:extLst>
+                  <a:ext uri="{FF2B5EF4-FFF2-40B4-BE49-F238E27FC236}">
+                    <a16:creationId xmlns:a16="http://schemas.microsoft.com/office/drawing/2014/main" id="{F98C78CA-8F88-4397-8E4B-25ED15BF65D2}"/>
+                  </a:ext>
+                </a:extLst>
+              </p:cNvPr>
+              <p:cNvSpPr txBox="1"/>
+              <p:nvPr/>
+            </p:nvSpPr>
+            <p:spPr>
+              <a:xfrm>
+                <a:off x="7394693" y="2271710"/>
+                <a:ext cx="272659" cy="338554"/>
+              </a:xfrm>
+              <a:prstGeom prst="rect">
+                <a:avLst/>
+              </a:prstGeom>
+              <a:noFill/>
+            </p:spPr>
+            <p:txBody>
+              <a:bodyPr wrap="square" rtlCol="0">
+                <a:spAutoFit/>
+              </a:bodyPr>
+              <a:lstStyle/>
+              <a:p>
+                <a:pPr/>
+                <a14:m>
+                  <m:oMathPara xmlns:m="http://schemas.openxmlformats.org/officeDocument/2006/math">
+                    <m:oMathParaPr>
+                      <m:jc m:val="centerGroup"/>
+                    </m:oMathParaPr>
+                    <m:oMath xmlns:m="http://schemas.openxmlformats.org/officeDocument/2006/math">
+                      <m:r>
+                        <a:rPr lang="en-US" altLang="zh-CN" sz="1600" b="0" i="1" smtClean="0">
+                          <a:solidFill>
+                            <a:srgbClr val="FFFF00"/>
+                          </a:solidFill>
+                          <a:latin typeface="Cambria Math" panose="02040503050406030204" pitchFamily="18" charset="0"/>
+                        </a:rPr>
+                        <m:t>𝑐</m:t>
+                      </m:r>
+                    </m:oMath>
+                  </m:oMathPara>
+                </a14:m>
+                <a:endParaRPr lang="zh-CN" altLang="en-US" sz="1600" dirty="0">
+                  <a:solidFill>
+                    <a:srgbClr val="FFFF00"/>
+                  </a:solidFill>
+                </a:endParaRPr>
+              </a:p>
+            </p:txBody>
+          </p:sp>
+        </mc:Choice>
+        <mc:Fallback xmlns="">
+          <p:sp>
+            <p:nvSpPr>
+              <p:cNvPr id="128" name="文本框 127">
+                <a:extLst>
+                  <a:ext uri="{FF2B5EF4-FFF2-40B4-BE49-F238E27FC236}">
+                    <a16:creationId xmlns:a16="http://schemas.microsoft.com/office/drawing/2014/main" id="{F98C78CA-8F88-4397-8E4B-25ED15BF65D2}"/>
+                  </a:ext>
+                </a:extLst>
+              </p:cNvPr>
+              <p:cNvSpPr txBox="1">
+                <a:spLocks noRot="1" noChangeAspect="1" noMove="1" noResize="1" noEditPoints="1" noAdjustHandles="1" noChangeArrowheads="1" noChangeShapeType="1" noTextEdit="1"/>
+              </p:cNvSpPr>
+              <p:nvPr/>
+            </p:nvSpPr>
+            <p:spPr>
+              <a:xfrm>
+                <a:off x="7394693" y="2271710"/>
+                <a:ext cx="272659" cy="338554"/>
+              </a:xfrm>
+              <a:prstGeom prst="rect">
+                <a:avLst/>
+              </a:prstGeom>
+              <a:blipFill>
+                <a:blip r:embed="rId2"/>
+                <a:stretch>
+                  <a:fillRect/>
+                </a:stretch>
+              </a:blipFill>
+            </p:spPr>
+            <p:txBody>
+              <a:bodyPr/>
+              <a:lstStyle/>
+              <a:p>
+                <a:r>
+                  <a:rPr lang="zh-CN" altLang="en-US">
+                    <a:noFill/>
+                  </a:rPr>
+                  <a:t> </a:t>
+                </a:r>
+              </a:p>
+            </p:txBody>
+          </p:sp>
+        </mc:Fallback>
+      </mc:AlternateContent>
+      <p:sp>
+        <p:nvSpPr>
+          <p:cNvPr id="129" name="矩形 128">
+            <a:extLst>
+              <a:ext uri="{FF2B5EF4-FFF2-40B4-BE49-F238E27FC236}">
+                <a16:creationId xmlns:a16="http://schemas.microsoft.com/office/drawing/2014/main" id="{59461912-E73A-44C8-A44A-F32EB3F4606B}"/>
+              </a:ext>
+            </a:extLst>
+          </p:cNvPr>
+          <p:cNvSpPr/>
+          <p:nvPr/>
+        </p:nvSpPr>
+        <p:spPr>
+          <a:xfrm>
+            <a:off x="7174798" y="3889258"/>
+            <a:ext cx="2010178" cy="232702"/>
+          </a:xfrm>
+          <a:prstGeom prst="rect">
+            <a:avLst/>
+          </a:prstGeom>
+          <a:solidFill>
+            <a:srgbClr val="00B050"/>
+          </a:solidFill>
+          <a:ln>
+            <a:solidFill>
+              <a:schemeClr val="tx1"/>
+            </a:solidFill>
+            <a:prstDash val="dash"/>
+          </a:ln>
+        </p:spPr>
+        <p:style>
+          <a:lnRef idx="2">
+            <a:schemeClr val="accent1">
+              <a:shade val="50000"/>
+            </a:schemeClr>
+          </a:lnRef>
+          <a:fillRef idx="1">
+            <a:schemeClr val="accent1"/>
+          </a:fillRef>
+          <a:effectRef idx="0">
+            <a:schemeClr val="accent1"/>
+          </a:effectRef>
+          <a:fontRef idx="minor">
+            <a:schemeClr val="lt1"/>
+          </a:fontRef>
+        </p:style>
+        <p:txBody>
+          <a:bodyPr rtlCol="0" anchor="ctr"/>
+          <a:lstStyle/>
+          <a:p>
+            <a:pPr algn="ctr"/>
+            <a:endParaRPr lang="zh-CN" altLang="en-US"/>
+          </a:p>
+        </p:txBody>
+      </p:sp>
+      <p:sp>
+        <p:nvSpPr>
+          <p:cNvPr id="130" name="矩形 129">
+            <a:extLst>
+              <a:ext uri="{FF2B5EF4-FFF2-40B4-BE49-F238E27FC236}">
+                <a16:creationId xmlns:a16="http://schemas.microsoft.com/office/drawing/2014/main" id="{962C773F-FED1-4538-8C90-F3A3602DC42A}"/>
+              </a:ext>
+            </a:extLst>
+          </p:cNvPr>
+          <p:cNvSpPr/>
+          <p:nvPr/>
+        </p:nvSpPr>
+        <p:spPr>
+          <a:xfrm>
+            <a:off x="9184974" y="3889258"/>
+            <a:ext cx="993403" cy="232702"/>
+          </a:xfrm>
+          <a:prstGeom prst="rect">
+            <a:avLst/>
+          </a:prstGeom>
+          <a:solidFill>
+            <a:srgbClr val="FFC000"/>
+          </a:solidFill>
+          <a:ln>
+            <a:solidFill>
+              <a:schemeClr val="tx1"/>
+            </a:solidFill>
+            <a:prstDash val="dash"/>
+          </a:ln>
+        </p:spPr>
+        <p:style>
+          <a:lnRef idx="2">
+            <a:schemeClr val="accent1">
+              <a:shade val="50000"/>
+            </a:schemeClr>
+          </a:lnRef>
+          <a:fillRef idx="1">
+            <a:schemeClr val="accent1"/>
+          </a:fillRef>
+          <a:effectRef idx="0">
+            <a:schemeClr val="accent1"/>
+          </a:effectRef>
+          <a:fontRef idx="minor">
+            <a:schemeClr val="lt1"/>
+          </a:fontRef>
+        </p:style>
+        <p:txBody>
+          <a:bodyPr rtlCol="0" anchor="ctr"/>
+          <a:lstStyle/>
+          <a:p>
+            <a:pPr algn="ctr"/>
+            <a:r>
+              <a:rPr lang="en-US" altLang="zh-CN" sz="1600" dirty="0">
+                <a:solidFill>
+                  <a:schemeClr val="bg2"/>
+                </a:solidFill>
+              </a:rPr>
+              <a:t>Pattern</a:t>
+            </a:r>
+            <a:endParaRPr lang="zh-CN" altLang="en-US" sz="1600" dirty="0">
+              <a:solidFill>
+                <a:schemeClr val="bg2"/>
+              </a:solidFill>
+            </a:endParaRPr>
+          </a:p>
+        </p:txBody>
+      </p:sp>
+      <p:sp>
+        <p:nvSpPr>
+          <p:cNvPr id="131" name="文本框 130">
+            <a:extLst>
+              <a:ext uri="{FF2B5EF4-FFF2-40B4-BE49-F238E27FC236}">
+                <a16:creationId xmlns:a16="http://schemas.microsoft.com/office/drawing/2014/main" id="{DA0D051D-3FD5-49CF-AF5B-25F9CD0E57CE}"/>
+              </a:ext>
+            </a:extLst>
+          </p:cNvPr>
+          <p:cNvSpPr txBox="1"/>
+          <p:nvPr/>
+        </p:nvSpPr>
+        <p:spPr>
+          <a:xfrm>
+            <a:off x="7228425" y="3644257"/>
+            <a:ext cx="660639" cy="307777"/>
+          </a:xfrm>
+          <a:prstGeom prst="rect">
+            <a:avLst/>
+          </a:prstGeom>
+          <a:noFill/>
+        </p:spPr>
+        <p:txBody>
+          <a:bodyPr wrap="square" rtlCol="0">
+            <a:spAutoFit/>
+          </a:bodyPr>
+          <a:lstStyle/>
+          <a:p>
+            <a:r>
+              <a:rPr lang="en-US" altLang="zh-CN" sz="1400" dirty="0">
+                <a:solidFill>
+                  <a:srgbClr val="00B0F0"/>
+                </a:solidFill>
+              </a:rPr>
+              <a:t>prefix</a:t>
+            </a:r>
+            <a:endParaRPr lang="zh-CN" altLang="en-US" sz="1400" dirty="0">
+              <a:solidFill>
+                <a:srgbClr val="00B0F0"/>
+              </a:solidFill>
+            </a:endParaRPr>
+          </a:p>
+        </p:txBody>
+      </p:sp>
+      <p:cxnSp>
+        <p:nvCxnSpPr>
+          <p:cNvPr id="132" name="直接连接符 131">
+            <a:extLst>
+              <a:ext uri="{FF2B5EF4-FFF2-40B4-BE49-F238E27FC236}">
+                <a16:creationId xmlns:a16="http://schemas.microsoft.com/office/drawing/2014/main" id="{3E195214-CBC6-4287-B067-CA3F7FE67A0E}"/>
+              </a:ext>
+            </a:extLst>
+          </p:cNvPr>
+          <p:cNvCxnSpPr>
+            <a:cxnSpLocks/>
+          </p:cNvCxnSpPr>
+          <p:nvPr/>
+        </p:nvCxnSpPr>
+        <p:spPr>
+          <a:xfrm>
+            <a:off x="7879602" y="2903935"/>
+            <a:ext cx="0" cy="1218025"/>
+          </a:xfrm>
+          <a:prstGeom prst="line">
+            <a:avLst/>
+          </a:prstGeom>
+          <a:ln>
+            <a:solidFill>
+              <a:srgbClr val="FFFF00"/>
+            </a:solidFill>
+            <a:prstDash val="dash"/>
+          </a:ln>
+        </p:spPr>
+        <p:style>
+          <a:lnRef idx="1">
+            <a:schemeClr val="accent1"/>
+          </a:lnRef>
+          <a:fillRef idx="0">
+            <a:schemeClr val="accent1"/>
+          </a:fillRef>
+          <a:effectRef idx="0">
+            <a:schemeClr val="accent1"/>
+          </a:effectRef>
+          <a:fontRef idx="minor">
+            <a:schemeClr val="tx1"/>
+          </a:fontRef>
+        </p:style>
+      </p:cxnSp>
+      <p:cxnSp>
+        <p:nvCxnSpPr>
+          <p:cNvPr id="133" name="直接箭头连接符 132">
+            <a:extLst>
+              <a:ext uri="{FF2B5EF4-FFF2-40B4-BE49-F238E27FC236}">
+                <a16:creationId xmlns:a16="http://schemas.microsoft.com/office/drawing/2014/main" id="{C1C8E9A4-6484-4DBB-9D30-40B3AB358EC7}"/>
+              </a:ext>
+            </a:extLst>
+          </p:cNvPr>
+          <p:cNvCxnSpPr>
+            <a:cxnSpLocks/>
+          </p:cNvCxnSpPr>
+          <p:nvPr/>
+        </p:nvCxnSpPr>
+        <p:spPr>
+          <a:xfrm>
+            <a:off x="7169576" y="3707032"/>
+            <a:ext cx="701904" cy="0"/>
+          </a:xfrm>
+          <a:prstGeom prst="straightConnector1">
+            <a:avLst/>
+          </a:prstGeom>
+          <a:ln w="9525">
+            <a:solidFill>
+              <a:schemeClr val="accent6">
+                <a:lumMod val="60000"/>
+                <a:lumOff val="40000"/>
+              </a:schemeClr>
+            </a:solidFill>
+            <a:prstDash val="dash"/>
+            <a:headEnd type="triangle" w="sm" len="sm"/>
+            <a:tailEnd type="triangle" w="sm" len="sm"/>
+          </a:ln>
+        </p:spPr>
+        <p:style>
+          <a:lnRef idx="1">
+            <a:schemeClr val="accent1"/>
+          </a:lnRef>
+          <a:fillRef idx="0">
+            <a:schemeClr val="accent1"/>
+          </a:fillRef>
+          <a:effectRef idx="0">
+            <a:schemeClr val="accent1"/>
+          </a:effectRef>
+          <a:fontRef idx="minor">
+            <a:schemeClr val="tx1"/>
+          </a:fontRef>
+        </p:style>
+      </p:cxnSp>
+      <p:sp>
+        <p:nvSpPr>
+          <p:cNvPr id="134" name="文本框 133">
+            <a:extLst>
+              <a:ext uri="{FF2B5EF4-FFF2-40B4-BE49-F238E27FC236}">
+                <a16:creationId xmlns:a16="http://schemas.microsoft.com/office/drawing/2014/main" id="{DBA4EE8E-F255-4EF4-B8A6-9D578045CA6B}"/>
+              </a:ext>
+            </a:extLst>
+          </p:cNvPr>
+          <p:cNvSpPr txBox="1"/>
+          <p:nvPr/>
+        </p:nvSpPr>
+        <p:spPr>
+          <a:xfrm>
+            <a:off x="4382902" y="3800622"/>
+            <a:ext cx="1442205" cy="369332"/>
+          </a:xfrm>
+          <a:prstGeom prst="rect">
+            <a:avLst/>
+          </a:prstGeom>
+          <a:noFill/>
+        </p:spPr>
+        <p:txBody>
+          <a:bodyPr wrap="square" rtlCol="0">
+            <a:spAutoFit/>
+          </a:bodyPr>
+          <a:lstStyle/>
+          <a:p>
+            <a:r>
+              <a:rPr lang="en-US" altLang="zh-CN" dirty="0"/>
+              <a:t>(</a:t>
+            </a:r>
+            <a:r>
+              <a:rPr lang="en-US" altLang="zh-CN" dirty="0" err="1"/>
+              <a:t>i</a:t>
+            </a:r>
+            <a:r>
+              <a:rPr lang="en-US" altLang="zh-CN" dirty="0"/>
+              <a:t> + 1)’</a:t>
+            </a:r>
+            <a:r>
+              <a:rPr lang="en-US" altLang="zh-CN" dirty="0" err="1"/>
+              <a:t>th</a:t>
+            </a:r>
+            <a:r>
+              <a:rPr lang="en-US" altLang="zh-CN" dirty="0"/>
+              <a:t> </a:t>
+            </a:r>
+            <a:r>
+              <a:rPr lang="en-US" altLang="zh-CN" dirty="0" err="1"/>
+              <a:t>iter</a:t>
+            </a:r>
+            <a:endParaRPr lang="zh-CN" altLang="en-US" dirty="0"/>
+          </a:p>
+        </p:txBody>
+      </p:sp>
+      <p:cxnSp>
+        <p:nvCxnSpPr>
+          <p:cNvPr id="135" name="直接连接符 134">
+            <a:extLst>
+              <a:ext uri="{FF2B5EF4-FFF2-40B4-BE49-F238E27FC236}">
+                <a16:creationId xmlns:a16="http://schemas.microsoft.com/office/drawing/2014/main" id="{82432652-0BCF-44BB-81B2-51CCF2AF6D68}"/>
+              </a:ext>
+            </a:extLst>
+          </p:cNvPr>
+          <p:cNvCxnSpPr>
+            <a:cxnSpLocks/>
+          </p:cNvCxnSpPr>
+          <p:nvPr/>
+        </p:nvCxnSpPr>
+        <p:spPr>
+          <a:xfrm>
+            <a:off x="7178812" y="2787584"/>
+            <a:ext cx="0" cy="1335266"/>
+          </a:xfrm>
+          <a:prstGeom prst="line">
+            <a:avLst/>
+          </a:prstGeom>
+          <a:ln>
+            <a:solidFill>
+              <a:srgbClr val="FFFF00"/>
+            </a:solidFill>
+            <a:prstDash val="dash"/>
+          </a:ln>
+        </p:spPr>
+        <p:style>
+          <a:lnRef idx="1">
+            <a:schemeClr val="accent1"/>
+          </a:lnRef>
+          <a:fillRef idx="0">
+            <a:schemeClr val="accent1"/>
+          </a:fillRef>
+          <a:effectRef idx="0">
+            <a:schemeClr val="accent1"/>
+          </a:effectRef>
+          <a:fontRef idx="minor">
+            <a:schemeClr val="tx1"/>
+          </a:fontRef>
+        </p:style>
+      </p:cxnSp>
+      <p:sp>
+        <p:nvSpPr>
+          <p:cNvPr id="139" name="文本框 138">
+            <a:extLst>
+              <a:ext uri="{FF2B5EF4-FFF2-40B4-BE49-F238E27FC236}">
+                <a16:creationId xmlns:a16="http://schemas.microsoft.com/office/drawing/2014/main" id="{ACAF9853-CAAF-4DF4-BDE3-A53633459DD3}"/>
+              </a:ext>
+            </a:extLst>
+          </p:cNvPr>
+          <p:cNvSpPr txBox="1"/>
+          <p:nvPr/>
+        </p:nvSpPr>
+        <p:spPr>
+          <a:xfrm>
+            <a:off x="7232663" y="3090074"/>
+            <a:ext cx="678536" cy="307777"/>
+          </a:xfrm>
+          <a:prstGeom prst="rect">
+            <a:avLst/>
+          </a:prstGeom>
+          <a:noFill/>
+        </p:spPr>
+        <p:txBody>
+          <a:bodyPr wrap="square" rtlCol="0">
+            <a:spAutoFit/>
+          </a:bodyPr>
+          <a:lstStyle/>
+          <a:p>
+            <a:r>
+              <a:rPr lang="en-US" altLang="zh-CN" sz="1400" dirty="0">
+                <a:solidFill>
+                  <a:srgbClr val="FFFF00"/>
+                </a:solidFill>
+              </a:rPr>
+              <a:t>suffix</a:t>
+            </a:r>
+            <a:endParaRPr lang="zh-CN" altLang="en-US" sz="1400" dirty="0">
+              <a:solidFill>
+                <a:srgbClr val="FFFF00"/>
+              </a:solidFill>
+            </a:endParaRPr>
+          </a:p>
+        </p:txBody>
+      </p:sp>
+      <mc:AlternateContent xmlns:mc="http://schemas.openxmlformats.org/markup-compatibility/2006" xmlns:a14="http://schemas.microsoft.com/office/drawing/2010/main">
+        <mc:Choice Requires="a14">
+          <p:sp>
+            <p:nvSpPr>
+              <p:cNvPr id="140" name="文本框 139">
+                <a:extLst>
+                  <a:ext uri="{FF2B5EF4-FFF2-40B4-BE49-F238E27FC236}">
+                    <a16:creationId xmlns:a16="http://schemas.microsoft.com/office/drawing/2014/main" id="{E6320307-AC96-47B7-9D23-29364783D915}"/>
+                  </a:ext>
+                </a:extLst>
+              </p:cNvPr>
+              <p:cNvSpPr txBox="1"/>
+              <p:nvPr/>
+            </p:nvSpPr>
+            <p:spPr>
+              <a:xfrm>
+                <a:off x="6075457" y="2896902"/>
+                <a:ext cx="272659" cy="338554"/>
+              </a:xfrm>
+              <a:prstGeom prst="rect">
+                <a:avLst/>
+              </a:prstGeom>
+              <a:noFill/>
+            </p:spPr>
+            <p:txBody>
+              <a:bodyPr wrap="square" rtlCol="0">
+                <a:spAutoFit/>
+              </a:bodyPr>
+              <a:lstStyle/>
+              <a:p>
+                <a:pPr/>
+                <a14:m>
+                  <m:oMathPara xmlns:m="http://schemas.openxmlformats.org/officeDocument/2006/math">
+                    <m:oMathParaPr>
+                      <m:jc m:val="centerGroup"/>
+                    </m:oMathParaPr>
+                    <m:oMath xmlns:m="http://schemas.openxmlformats.org/officeDocument/2006/math">
+                      <m:r>
+                        <a:rPr lang="en-US" altLang="zh-CN" sz="1600" b="0" i="1" smtClean="0">
+                          <a:solidFill>
+                            <a:srgbClr val="00B0F0"/>
+                          </a:solidFill>
+                          <a:latin typeface="Cambria Math" panose="02040503050406030204" pitchFamily="18" charset="0"/>
+                        </a:rPr>
+                        <m:t>𝑐</m:t>
+                      </m:r>
+                    </m:oMath>
+                  </m:oMathPara>
+                </a14:m>
+                <a:endParaRPr lang="zh-CN" altLang="en-US" sz="1600" dirty="0">
+                  <a:solidFill>
+                    <a:srgbClr val="FFFF00"/>
+                  </a:solidFill>
+                </a:endParaRPr>
+              </a:p>
+            </p:txBody>
+          </p:sp>
+        </mc:Choice>
+        <mc:Fallback xmlns="">
+          <p:sp>
+            <p:nvSpPr>
+              <p:cNvPr id="140" name="文本框 139">
+                <a:extLst>
+                  <a:ext uri="{FF2B5EF4-FFF2-40B4-BE49-F238E27FC236}">
+                    <a16:creationId xmlns:a16="http://schemas.microsoft.com/office/drawing/2014/main" id="{E6320307-AC96-47B7-9D23-29364783D915}"/>
+                  </a:ext>
+                </a:extLst>
+              </p:cNvPr>
+              <p:cNvSpPr txBox="1">
+                <a:spLocks noRot="1" noChangeAspect="1" noMove="1" noResize="1" noEditPoints="1" noAdjustHandles="1" noChangeArrowheads="1" noChangeShapeType="1" noTextEdit="1"/>
+              </p:cNvSpPr>
+              <p:nvPr/>
+            </p:nvSpPr>
+            <p:spPr>
+              <a:xfrm>
+                <a:off x="6075457" y="2896902"/>
+                <a:ext cx="272659" cy="338554"/>
+              </a:xfrm>
+              <a:prstGeom prst="rect">
+                <a:avLst/>
+              </a:prstGeom>
+              <a:blipFill>
+                <a:blip r:embed="rId3"/>
+                <a:stretch>
+                  <a:fillRect/>
+                </a:stretch>
+              </a:blipFill>
+            </p:spPr>
+            <p:txBody>
+              <a:bodyPr/>
+              <a:lstStyle/>
+              <a:p>
+                <a:r>
+                  <a:rPr lang="zh-CN" altLang="en-US">
+                    <a:noFill/>
+                  </a:rPr>
+                  <a:t> </a:t>
+                </a:r>
+              </a:p>
+            </p:txBody>
+          </p:sp>
+        </mc:Fallback>
+      </mc:AlternateContent>
+      <p:cxnSp>
+        <p:nvCxnSpPr>
+          <p:cNvPr id="141" name="直接箭头连接符 140">
+            <a:extLst>
+              <a:ext uri="{FF2B5EF4-FFF2-40B4-BE49-F238E27FC236}">
+                <a16:creationId xmlns:a16="http://schemas.microsoft.com/office/drawing/2014/main" id="{53AB009C-74BE-4A76-8489-A3429C1DEEA2}"/>
+              </a:ext>
+            </a:extLst>
+          </p:cNvPr>
+          <p:cNvCxnSpPr>
+            <a:cxnSpLocks/>
+          </p:cNvCxnSpPr>
+          <p:nvPr/>
+        </p:nvCxnSpPr>
+        <p:spPr>
+          <a:xfrm>
+            <a:off x="7169576" y="3145777"/>
+            <a:ext cx="705811" cy="0"/>
+          </a:xfrm>
+          <a:prstGeom prst="straightConnector1">
+            <a:avLst/>
+          </a:prstGeom>
+          <a:ln w="9525">
+            <a:solidFill>
+              <a:schemeClr val="accent1">
+                <a:lumMod val="40000"/>
+                <a:lumOff val="60000"/>
+              </a:schemeClr>
+            </a:solidFill>
+            <a:prstDash val="dash"/>
+            <a:headEnd type="triangle" w="sm" len="sm"/>
+            <a:tailEnd type="triangle" w="sm" len="sm"/>
+          </a:ln>
+        </p:spPr>
+        <p:style>
+          <a:lnRef idx="1">
+            <a:schemeClr val="accent1"/>
+          </a:lnRef>
+          <a:fillRef idx="0">
+            <a:schemeClr val="accent1"/>
+          </a:fillRef>
+          <a:effectRef idx="0">
+            <a:schemeClr val="accent1"/>
+          </a:effectRef>
+          <a:fontRef idx="minor">
+            <a:schemeClr val="tx1"/>
+          </a:fontRef>
+        </p:style>
+      </p:cxnSp>
+      <mc:AlternateContent xmlns:mc="http://schemas.openxmlformats.org/markup-compatibility/2006" xmlns:a14="http://schemas.microsoft.com/office/drawing/2010/main">
+        <mc:Choice Requires="a14">
+          <p:sp>
+            <p:nvSpPr>
+              <p:cNvPr id="142" name="文本框 141">
+                <a:extLst>
+                  <a:ext uri="{FF2B5EF4-FFF2-40B4-BE49-F238E27FC236}">
+                    <a16:creationId xmlns:a16="http://schemas.microsoft.com/office/drawing/2014/main" id="{69AFF9BC-F5E3-4F1A-A2CB-2E37F3130F1A}"/>
+                  </a:ext>
+                </a:extLst>
+              </p:cNvPr>
+              <p:cNvSpPr txBox="1"/>
+              <p:nvPr/>
+            </p:nvSpPr>
+            <p:spPr>
+              <a:xfrm>
+                <a:off x="7389471" y="2884230"/>
+                <a:ext cx="272659" cy="338554"/>
+              </a:xfrm>
+              <a:prstGeom prst="rect">
+                <a:avLst/>
+              </a:prstGeom>
+              <a:noFill/>
+            </p:spPr>
+            <p:txBody>
+              <a:bodyPr wrap="square" rtlCol="0">
+                <a:spAutoFit/>
+              </a:bodyPr>
+              <a:lstStyle/>
+              <a:p>
+                <a:pPr/>
+                <a14:m>
+                  <m:oMathPara xmlns:m="http://schemas.openxmlformats.org/officeDocument/2006/math">
+                    <m:oMathParaPr>
+                      <m:jc m:val="centerGroup"/>
+                    </m:oMathParaPr>
+                    <m:oMath xmlns:m="http://schemas.openxmlformats.org/officeDocument/2006/math">
+                      <m:r>
+                        <a:rPr lang="en-US" altLang="zh-CN" sz="1600" b="0" i="1" smtClean="0">
+                          <a:solidFill>
+                            <a:srgbClr val="FFFF00"/>
+                          </a:solidFill>
+                          <a:latin typeface="Cambria Math" panose="02040503050406030204" pitchFamily="18" charset="0"/>
+                        </a:rPr>
+                        <m:t>𝑐</m:t>
+                      </m:r>
+                    </m:oMath>
+                  </m:oMathPara>
+                </a14:m>
+                <a:endParaRPr lang="zh-CN" altLang="en-US" sz="1600" dirty="0">
+                  <a:solidFill>
+                    <a:srgbClr val="FFFF00"/>
+                  </a:solidFill>
+                </a:endParaRPr>
+              </a:p>
+            </p:txBody>
+          </p:sp>
+        </mc:Choice>
+        <mc:Fallback xmlns="">
+          <p:sp>
+            <p:nvSpPr>
+              <p:cNvPr id="142" name="文本框 141">
+                <a:extLst>
+                  <a:ext uri="{FF2B5EF4-FFF2-40B4-BE49-F238E27FC236}">
+                    <a16:creationId xmlns:a16="http://schemas.microsoft.com/office/drawing/2014/main" id="{69AFF9BC-F5E3-4F1A-A2CB-2E37F3130F1A}"/>
+                  </a:ext>
+                </a:extLst>
+              </p:cNvPr>
+              <p:cNvSpPr txBox="1">
+                <a:spLocks noRot="1" noChangeAspect="1" noMove="1" noResize="1" noEditPoints="1" noAdjustHandles="1" noChangeArrowheads="1" noChangeShapeType="1" noTextEdit="1"/>
+              </p:cNvSpPr>
+              <p:nvPr/>
+            </p:nvSpPr>
+            <p:spPr>
+              <a:xfrm>
+                <a:off x="7389471" y="2884230"/>
+                <a:ext cx="272659" cy="338554"/>
+              </a:xfrm>
+              <a:prstGeom prst="rect">
+                <a:avLst/>
+              </a:prstGeom>
+              <a:blipFill>
+                <a:blip r:embed="rId4"/>
+                <a:stretch>
+                  <a:fillRect/>
+                </a:stretch>
+              </a:blipFill>
+            </p:spPr>
+            <p:txBody>
+              <a:bodyPr/>
+              <a:lstStyle/>
+              <a:p>
+                <a:r>
+                  <a:rPr lang="zh-CN" altLang="en-US">
+                    <a:noFill/>
+                  </a:rPr>
+                  <a:t> </a:t>
+                </a:r>
+              </a:p>
+            </p:txBody>
+          </p:sp>
+        </mc:Fallback>
+      </mc:AlternateContent>
+      <mc:AlternateContent xmlns:mc="http://schemas.openxmlformats.org/markup-compatibility/2006" xmlns:a14="http://schemas.microsoft.com/office/drawing/2010/main">
+        <mc:Choice Requires="a14">
+          <p:sp>
+            <p:nvSpPr>
+              <p:cNvPr id="143" name="文本框 142">
+                <a:extLst>
+                  <a:ext uri="{FF2B5EF4-FFF2-40B4-BE49-F238E27FC236}">
+                    <a16:creationId xmlns:a16="http://schemas.microsoft.com/office/drawing/2014/main" id="{38FE60FF-153C-4D33-90BA-BEF516C26EBD}"/>
+                  </a:ext>
+                </a:extLst>
+              </p:cNvPr>
+              <p:cNvSpPr txBox="1"/>
+              <p:nvPr/>
+            </p:nvSpPr>
+            <p:spPr>
+              <a:xfrm>
+                <a:off x="7381799" y="3436785"/>
+                <a:ext cx="272659" cy="338554"/>
+              </a:xfrm>
+              <a:prstGeom prst="rect">
+                <a:avLst/>
+              </a:prstGeom>
+              <a:noFill/>
+            </p:spPr>
+            <p:txBody>
+              <a:bodyPr wrap="square" rtlCol="0">
+                <a:spAutoFit/>
+              </a:bodyPr>
+              <a:lstStyle/>
+              <a:p>
+                <a:pPr/>
+                <a14:m>
+                  <m:oMathPara xmlns:m="http://schemas.openxmlformats.org/officeDocument/2006/math">
+                    <m:oMathParaPr>
+                      <m:jc m:val="centerGroup"/>
+                    </m:oMathParaPr>
+                    <m:oMath xmlns:m="http://schemas.openxmlformats.org/officeDocument/2006/math">
+                      <m:r>
+                        <a:rPr lang="en-US" altLang="zh-CN" sz="1600" b="0" i="1" smtClean="0">
+                          <a:solidFill>
+                            <a:srgbClr val="00B0F0"/>
+                          </a:solidFill>
+                          <a:latin typeface="Cambria Math" panose="02040503050406030204" pitchFamily="18" charset="0"/>
+                        </a:rPr>
+                        <m:t>𝑐</m:t>
+                      </m:r>
+                    </m:oMath>
+                  </m:oMathPara>
+                </a14:m>
+                <a:endParaRPr lang="zh-CN" altLang="en-US" sz="1600" dirty="0">
+                  <a:solidFill>
+                    <a:srgbClr val="FFFF00"/>
+                  </a:solidFill>
+                </a:endParaRPr>
+              </a:p>
+            </p:txBody>
+          </p:sp>
+        </mc:Choice>
+        <mc:Fallback xmlns="">
+          <p:sp>
+            <p:nvSpPr>
+              <p:cNvPr id="143" name="文本框 142">
+                <a:extLst>
+                  <a:ext uri="{FF2B5EF4-FFF2-40B4-BE49-F238E27FC236}">
+                    <a16:creationId xmlns:a16="http://schemas.microsoft.com/office/drawing/2014/main" id="{38FE60FF-153C-4D33-90BA-BEF516C26EBD}"/>
+                  </a:ext>
+                </a:extLst>
+              </p:cNvPr>
+              <p:cNvSpPr txBox="1">
+                <a:spLocks noRot="1" noChangeAspect="1" noMove="1" noResize="1" noEditPoints="1" noAdjustHandles="1" noChangeArrowheads="1" noChangeShapeType="1" noTextEdit="1"/>
+              </p:cNvSpPr>
+              <p:nvPr/>
+            </p:nvSpPr>
+            <p:spPr>
+              <a:xfrm>
+                <a:off x="7381799" y="3436785"/>
+                <a:ext cx="272659" cy="338554"/>
+              </a:xfrm>
+              <a:prstGeom prst="rect">
+                <a:avLst/>
+              </a:prstGeom>
+              <a:blipFill>
+                <a:blip r:embed="rId5"/>
+                <a:stretch>
+                  <a:fillRect/>
+                </a:stretch>
+              </a:blipFill>
+            </p:spPr>
+            <p:txBody>
+              <a:bodyPr/>
+              <a:lstStyle/>
+              <a:p>
+                <a:r>
+                  <a:rPr lang="zh-CN" altLang="en-US">
+                    <a:noFill/>
+                  </a:rPr>
+                  <a:t> </a:t>
+                </a:r>
+              </a:p>
+            </p:txBody>
+          </p:sp>
+        </mc:Fallback>
+      </mc:AlternateContent>
+      <p:cxnSp>
+        <p:nvCxnSpPr>
+          <p:cNvPr id="37" name="直接箭头连接符 36">
+            <a:extLst>
+              <a:ext uri="{FF2B5EF4-FFF2-40B4-BE49-F238E27FC236}">
+                <a16:creationId xmlns:a16="http://schemas.microsoft.com/office/drawing/2014/main" id="{3337FE89-E153-49F8-855A-E7A17A6FC958}"/>
+              </a:ext>
+            </a:extLst>
+          </p:cNvPr>
+          <p:cNvCxnSpPr>
+            <a:cxnSpLocks/>
+          </p:cNvCxnSpPr>
+          <p:nvPr/>
+        </p:nvCxnSpPr>
+        <p:spPr>
+          <a:xfrm>
+            <a:off x="7981914" y="3606062"/>
+            <a:ext cx="0" cy="274268"/>
+          </a:xfrm>
+          <a:prstGeom prst="straightConnector1">
+            <a:avLst/>
+          </a:prstGeom>
+          <a:ln w="22225">
+            <a:solidFill>
+              <a:srgbClr val="2CEC67"/>
+            </a:solidFill>
+            <a:headEnd type="none"/>
+            <a:tailEnd type="triangle"/>
+          </a:ln>
+        </p:spPr>
+        <p:style>
+          <a:lnRef idx="1">
+            <a:schemeClr val="accent1"/>
+          </a:lnRef>
+          <a:fillRef idx="0">
+            <a:schemeClr val="accent1"/>
+          </a:fillRef>
+          <a:effectRef idx="0">
+            <a:schemeClr val="accent1"/>
+          </a:effectRef>
+          <a:fontRef idx="minor">
+            <a:schemeClr val="tx1"/>
+          </a:fontRef>
+        </p:style>
+      </p:cxnSp>
+      <mc:AlternateContent xmlns:mc="http://schemas.openxmlformats.org/markup-compatibility/2006" xmlns:a14="http://schemas.microsoft.com/office/drawing/2010/main">
+        <mc:Choice Requires="a14">
+          <p:sp>
+            <p:nvSpPr>
+              <p:cNvPr id="38" name="文本框 37">
+                <a:extLst>
+                  <a:ext uri="{FF2B5EF4-FFF2-40B4-BE49-F238E27FC236}">
+                    <a16:creationId xmlns:a16="http://schemas.microsoft.com/office/drawing/2014/main" id="{2F00750A-C23A-4116-A2C1-AE5B00A0D47D}"/>
+                  </a:ext>
+                </a:extLst>
+              </p:cNvPr>
+              <p:cNvSpPr txBox="1"/>
+              <p:nvPr/>
+            </p:nvSpPr>
+            <p:spPr>
+              <a:xfrm>
+                <a:off x="7946130" y="3559500"/>
+                <a:ext cx="515700" cy="338554"/>
+              </a:xfrm>
+              <a:prstGeom prst="rect">
+                <a:avLst/>
+              </a:prstGeom>
+              <a:noFill/>
+            </p:spPr>
+            <p:txBody>
+              <a:bodyPr wrap="square" rtlCol="0">
+                <a:spAutoFit/>
+              </a:bodyPr>
+              <a:lstStyle/>
+              <a:p>
+                <a:pPr/>
+                <a14:m>
+                  <m:oMathPara xmlns:m="http://schemas.openxmlformats.org/officeDocument/2006/math">
+                    <m:oMathParaPr>
+                      <m:jc m:val="centerGroup"/>
+                    </m:oMathParaPr>
+                    <m:oMath xmlns:m="http://schemas.openxmlformats.org/officeDocument/2006/math">
+                      <m:r>
+                        <a:rPr lang="en-US" altLang="zh-CN" sz="1600" i="1" dirty="0" smtClean="0">
+                          <a:solidFill>
+                            <a:srgbClr val="2CEC67"/>
+                          </a:solidFill>
+                          <a:latin typeface="Cambria Math" panose="02040503050406030204" pitchFamily="18" charset="0"/>
+                        </a:rPr>
+                        <m:t>𝑠</m:t>
+                      </m:r>
+                      <m:r>
+                        <a:rPr lang="en-US" altLang="zh-CN" sz="1600" b="0" i="1" dirty="0" smtClean="0">
+                          <a:solidFill>
+                            <a:srgbClr val="2CEC67"/>
+                          </a:solidFill>
+                          <a:latin typeface="Cambria Math" panose="02040503050406030204" pitchFamily="18" charset="0"/>
+                        </a:rPr>
+                        <m:t>𝑡𝑎𝑟𝑡</m:t>
+                      </m:r>
+                    </m:oMath>
+                  </m:oMathPara>
+                </a14:m>
+                <a:endParaRPr lang="zh-CN" altLang="en-US" sz="1600" dirty="0">
+                  <a:solidFill>
+                    <a:srgbClr val="FFC000"/>
+                  </a:solidFill>
+                </a:endParaRPr>
+              </a:p>
+            </p:txBody>
+          </p:sp>
+        </mc:Choice>
+        <mc:Fallback xmlns="">
+          <p:sp>
+            <p:nvSpPr>
+              <p:cNvPr id="38" name="文本框 37">
+                <a:extLst>
+                  <a:ext uri="{FF2B5EF4-FFF2-40B4-BE49-F238E27FC236}">
+                    <a16:creationId xmlns:a16="http://schemas.microsoft.com/office/drawing/2014/main" id="{2F00750A-C23A-4116-A2C1-AE5B00A0D47D}"/>
+                  </a:ext>
+                </a:extLst>
+              </p:cNvPr>
+              <p:cNvSpPr txBox="1">
+                <a:spLocks noRot="1" noChangeAspect="1" noMove="1" noResize="1" noEditPoints="1" noAdjustHandles="1" noChangeArrowheads="1" noChangeShapeType="1" noTextEdit="1"/>
+              </p:cNvSpPr>
+              <p:nvPr/>
+            </p:nvSpPr>
+            <p:spPr>
+              <a:xfrm>
+                <a:off x="7946130" y="3559500"/>
+                <a:ext cx="515700" cy="338554"/>
+              </a:xfrm>
+              <a:prstGeom prst="rect">
+                <a:avLst/>
+              </a:prstGeom>
+              <a:blipFill>
+                <a:blip r:embed="rId6"/>
+                <a:stretch>
+                  <a:fillRect r="-18824"/>
+                </a:stretch>
+              </a:blipFill>
+            </p:spPr>
+            <p:txBody>
+              <a:bodyPr/>
+              <a:lstStyle/>
+              <a:p>
+                <a:r>
+                  <a:rPr lang="zh-CN" altLang="en-US">
+                    <a:noFill/>
+                  </a:rPr>
+                  <a:t> </a:t>
+                </a:r>
+              </a:p>
+            </p:txBody>
+          </p:sp>
+        </mc:Fallback>
+      </mc:AlternateContent>
+      <p:sp>
+        <p:nvSpPr>
+          <p:cNvPr id="8" name="箭头: 下弧形 7">
+            <a:extLst>
+              <a:ext uri="{FF2B5EF4-FFF2-40B4-BE49-F238E27FC236}">
+                <a16:creationId xmlns:a16="http://schemas.microsoft.com/office/drawing/2014/main" id="{356AD26A-E88A-4F8E-BD08-B01D3DA7915B}"/>
+              </a:ext>
+            </a:extLst>
+          </p:cNvPr>
+          <p:cNvSpPr/>
+          <p:nvPr/>
+        </p:nvSpPr>
+        <p:spPr>
+          <a:xfrm>
+            <a:off x="7217985" y="4160894"/>
+            <a:ext cx="839634" cy="232702"/>
+          </a:xfrm>
+          <a:prstGeom prst="curvedUpArrow">
+            <a:avLst/>
+          </a:prstGeom>
+          <a:ln>
+            <a:solidFill>
+              <a:srgbClr val="FF0000"/>
+            </a:solidFill>
+          </a:ln>
+        </p:spPr>
+        <p:style>
+          <a:lnRef idx="2">
+            <a:schemeClr val="accent1">
+              <a:shade val="50000"/>
+            </a:schemeClr>
+          </a:lnRef>
+          <a:fillRef idx="1">
+            <a:schemeClr val="accent1"/>
+          </a:fillRef>
+          <a:effectRef idx="0">
+            <a:schemeClr val="accent1"/>
+          </a:effectRef>
+          <a:fontRef idx="minor">
+            <a:schemeClr val="lt1"/>
+          </a:fontRef>
+        </p:style>
+        <p:txBody>
+          <a:bodyPr rtlCol="0" anchor="ctr"/>
+          <a:lstStyle/>
+          <a:p>
+            <a:pPr algn="ctr"/>
+            <a:endParaRPr lang="zh-CN" altLang="en-US">
+              <a:solidFill>
+                <a:schemeClr val="tx1"/>
+              </a:solidFill>
+            </a:endParaRPr>
+          </a:p>
+        </p:txBody>
+      </p:sp>
+      <mc:AlternateContent xmlns:mc="http://schemas.openxmlformats.org/markup-compatibility/2006" xmlns:a14="http://schemas.microsoft.com/office/drawing/2010/main">
+        <mc:Choice Requires="a14">
+          <p:sp>
+            <p:nvSpPr>
+              <p:cNvPr id="46" name="文本框 45">
+                <a:extLst>
+                  <a:ext uri="{FF2B5EF4-FFF2-40B4-BE49-F238E27FC236}">
+                    <a16:creationId xmlns:a16="http://schemas.microsoft.com/office/drawing/2014/main" id="{C6E47175-D1F7-441F-ADBC-1AB3A1D7AC90}"/>
+                  </a:ext>
+                </a:extLst>
+              </p:cNvPr>
+              <p:cNvSpPr txBox="1"/>
+              <p:nvPr/>
+            </p:nvSpPr>
+            <p:spPr>
+              <a:xfrm>
+                <a:off x="7036012" y="4348438"/>
+                <a:ext cx="1156003" cy="338554"/>
+              </a:xfrm>
+              <a:prstGeom prst="rect">
+                <a:avLst/>
+              </a:prstGeom>
+              <a:noFill/>
+            </p:spPr>
+            <p:txBody>
+              <a:bodyPr wrap="square" rtlCol="0">
+                <a:spAutoFit/>
+              </a:bodyPr>
+              <a:lstStyle/>
+              <a:p>
+                <a:pPr/>
+                <a14:m>
+                  <m:oMathPara xmlns:m="http://schemas.openxmlformats.org/officeDocument/2006/math">
+                    <m:oMathParaPr>
+                      <m:jc m:val="centerGroup"/>
+                    </m:oMathParaPr>
+                    <m:oMath xmlns:m="http://schemas.openxmlformats.org/officeDocument/2006/math">
+                      <m:r>
+                        <a:rPr lang="en-US" altLang="zh-CN" sz="1600" b="0" i="1" smtClean="0">
+                          <a:solidFill>
+                            <a:srgbClr val="2CEC67"/>
+                          </a:solidFill>
+                          <a:latin typeface="Cambria Math" panose="02040503050406030204" pitchFamily="18" charset="0"/>
+                        </a:rPr>
+                        <m:t>𝑠𝑘𝑖𝑝</m:t>
+                      </m:r>
+                      <m:r>
+                        <a:rPr lang="en-US" altLang="zh-CN" sz="1600" b="0" i="1" smtClean="0">
+                          <a:solidFill>
+                            <a:srgbClr val="2CEC67"/>
+                          </a:solidFill>
+                          <a:latin typeface="Cambria Math" panose="02040503050406030204" pitchFamily="18" charset="0"/>
+                        </a:rPr>
+                        <m:t>=</m:t>
+                      </m:r>
+                      <m:r>
+                        <a:rPr lang="en-US" altLang="zh-CN" sz="1600" b="0" i="1" smtClean="0">
+                          <a:solidFill>
+                            <a:srgbClr val="2CEC67"/>
+                          </a:solidFill>
+                          <a:latin typeface="Cambria Math" panose="02040503050406030204" pitchFamily="18" charset="0"/>
+                        </a:rPr>
+                        <m:t>𝑐</m:t>
+                      </m:r>
+                    </m:oMath>
+                  </m:oMathPara>
+                </a14:m>
+                <a:endParaRPr lang="zh-CN" altLang="en-US" sz="1600" dirty="0">
+                  <a:solidFill>
+                    <a:srgbClr val="FFFF00"/>
+                  </a:solidFill>
+                </a:endParaRPr>
+              </a:p>
+            </p:txBody>
+          </p:sp>
+        </mc:Choice>
+        <mc:Fallback xmlns="">
+          <p:sp>
+            <p:nvSpPr>
+              <p:cNvPr id="46" name="文本框 45">
+                <a:extLst>
+                  <a:ext uri="{FF2B5EF4-FFF2-40B4-BE49-F238E27FC236}">
+                    <a16:creationId xmlns:a16="http://schemas.microsoft.com/office/drawing/2014/main" id="{C6E47175-D1F7-441F-ADBC-1AB3A1D7AC90}"/>
+                  </a:ext>
+                </a:extLst>
+              </p:cNvPr>
+              <p:cNvSpPr txBox="1">
+                <a:spLocks noRot="1" noChangeAspect="1" noMove="1" noResize="1" noEditPoints="1" noAdjustHandles="1" noChangeArrowheads="1" noChangeShapeType="1" noTextEdit="1"/>
+              </p:cNvSpPr>
+              <p:nvPr/>
+            </p:nvSpPr>
+            <p:spPr>
+              <a:xfrm>
+                <a:off x="7036012" y="4348438"/>
+                <a:ext cx="1156003" cy="338554"/>
+              </a:xfrm>
+              <a:prstGeom prst="rect">
+                <a:avLst/>
+              </a:prstGeom>
+              <a:blipFill>
+                <a:blip r:embed="rId7"/>
+                <a:stretch>
+                  <a:fillRect b="-8929"/>
+                </a:stretch>
+              </a:blipFill>
+            </p:spPr>
+            <p:txBody>
+              <a:bodyPr/>
+              <a:lstStyle/>
+              <a:p>
+                <a:r>
+                  <a:rPr lang="zh-CN" altLang="en-US">
+                    <a:noFill/>
+                  </a:rPr>
+                  <a:t> </a:t>
+                </a:r>
+              </a:p>
+            </p:txBody>
+          </p:sp>
+        </mc:Fallback>
+      </mc:AlternateContent>
+    </p:spTree>
+    <p:extLst>
+      <p:ext uri="{BB962C8B-B14F-4D97-AF65-F5344CB8AC3E}">
+        <p14:creationId xmlns:p14="http://schemas.microsoft.com/office/powerpoint/2010/main" val="318189783"/>
+      </p:ext>
+    </p:extLst>
+  </p:cSld>
+  <p:clrMapOvr>
+    <a:masterClrMapping/>
+  </p:clrMapOvr>
+</p:sld>
+</file>
+
+<file path=ppt/slides/slide8.xml><?xml version="1.0" encoding="utf-8"?>
+<p:sld xmlns:a="http://schemas.openxmlformats.org/drawingml/2006/main" xmlns:r="http://schemas.openxmlformats.org/officeDocument/2006/relationships" xmlns:p="http://schemas.openxmlformats.org/presentationml/2006/main">
+  <p:cSld>
+    <p:spTree>
+      <p:nvGrpSpPr>
+        <p:cNvPr id="1" name=""/>
+        <p:cNvGrpSpPr/>
+        <p:nvPr/>
+      </p:nvGrpSpPr>
+      <p:grpSpPr>
+        <a:xfrm>
+          <a:off x="0" y="0"/>
+          <a:ext cx="0" cy="0"/>
+          <a:chOff x="0" y="0"/>
+          <a:chExt cx="0" cy="0"/>
+        </a:xfrm>
+      </p:grpSpPr>
+      <p:sp>
+        <p:nvSpPr>
+          <p:cNvPr id="109" name="矩形 108">
+            <a:extLst>
+              <a:ext uri="{FF2B5EF4-FFF2-40B4-BE49-F238E27FC236}">
+                <a16:creationId xmlns:a16="http://schemas.microsoft.com/office/drawing/2014/main" id="{22717647-0737-4634-9ABF-E0268D1FC59C}"/>
+              </a:ext>
+            </a:extLst>
+          </p:cNvPr>
+          <p:cNvSpPr/>
+          <p:nvPr/>
+        </p:nvSpPr>
+        <p:spPr>
+          <a:xfrm>
+            <a:off x="5021448" y="3215104"/>
+            <a:ext cx="903088" cy="214623"/>
+          </a:xfrm>
+          <a:prstGeom prst="rect">
+            <a:avLst/>
+          </a:prstGeom>
+          <a:solidFill>
+            <a:srgbClr val="00B050"/>
+          </a:solidFill>
+        </p:spPr>
+        <p:style>
+          <a:lnRef idx="2">
+            <a:schemeClr val="accent1">
+              <a:shade val="50000"/>
+            </a:schemeClr>
+          </a:lnRef>
+          <a:fillRef idx="1">
+            <a:schemeClr val="accent1"/>
+          </a:fillRef>
+          <a:effectRef idx="0">
+            <a:schemeClr val="accent1"/>
+          </a:effectRef>
+          <a:fontRef idx="minor">
+            <a:schemeClr val="lt1"/>
+          </a:fontRef>
+        </p:style>
+        <p:txBody>
+          <a:bodyPr rtlCol="0" anchor="ctr"/>
+          <a:lstStyle/>
+          <a:p>
+            <a:pPr algn="ctr"/>
+            <a:endParaRPr lang="zh-CN" altLang="en-US"/>
+          </a:p>
+        </p:txBody>
+      </p:sp>
+      <p:sp>
+        <p:nvSpPr>
+          <p:cNvPr id="106" name="矩形 105">
+            <a:extLst>
+              <a:ext uri="{FF2B5EF4-FFF2-40B4-BE49-F238E27FC236}">
+                <a16:creationId xmlns:a16="http://schemas.microsoft.com/office/drawing/2014/main" id="{C241898F-6446-45D8-9C9D-B8FAAA74E14D}"/>
+              </a:ext>
+            </a:extLst>
+          </p:cNvPr>
+          <p:cNvSpPr/>
+          <p:nvPr/>
+        </p:nvSpPr>
+        <p:spPr>
+          <a:xfrm>
+            <a:off x="4042320" y="2664267"/>
+            <a:ext cx="973906" cy="232702"/>
+          </a:xfrm>
+          <a:prstGeom prst="rect">
+            <a:avLst/>
+          </a:prstGeom>
+          <a:solidFill>
+            <a:schemeClr val="accent3">
+              <a:lumMod val="40000"/>
+              <a:lumOff val="60000"/>
+            </a:schemeClr>
+          </a:solidFill>
+        </p:spPr>
+        <p:style>
+          <a:lnRef idx="2">
+            <a:schemeClr val="accent1">
+              <a:shade val="50000"/>
+            </a:schemeClr>
+          </a:lnRef>
+          <a:fillRef idx="1">
+            <a:schemeClr val="accent1"/>
+          </a:fillRef>
+          <a:effectRef idx="0">
+            <a:schemeClr val="accent1"/>
+          </a:effectRef>
+          <a:fontRef idx="minor">
+            <a:schemeClr val="lt1"/>
+          </a:fontRef>
+        </p:style>
+        <p:txBody>
+          <a:bodyPr rtlCol="0" anchor="ctr"/>
+          <a:lstStyle/>
+          <a:p>
+            <a:pPr algn="ctr"/>
+            <a:r>
+              <a:rPr lang="en-US" altLang="zh-CN" sz="1600" dirty="0">
+                <a:solidFill>
+                  <a:schemeClr val="bg2"/>
+                </a:solidFill>
+              </a:rPr>
+              <a:t>Text</a:t>
+            </a:r>
+            <a:endParaRPr lang="zh-CN" altLang="en-US" sz="1600" dirty="0">
+              <a:solidFill>
+                <a:schemeClr val="bg2"/>
+              </a:solidFill>
+            </a:endParaRPr>
+          </a:p>
+        </p:txBody>
+      </p:sp>
+      <p:sp>
+        <p:nvSpPr>
+          <p:cNvPr id="107" name="矩形 106">
+            <a:extLst>
+              <a:ext uri="{FF2B5EF4-FFF2-40B4-BE49-F238E27FC236}">
+                <a16:creationId xmlns:a16="http://schemas.microsoft.com/office/drawing/2014/main" id="{8BCEEFD6-CB80-459E-8EE4-91339DC1E093}"/>
+              </a:ext>
+            </a:extLst>
+          </p:cNvPr>
+          <p:cNvSpPr/>
+          <p:nvPr/>
+        </p:nvSpPr>
+        <p:spPr>
+          <a:xfrm>
+            <a:off x="5016227" y="2664267"/>
+            <a:ext cx="908312" cy="229356"/>
+          </a:xfrm>
+          <a:prstGeom prst="rect">
+            <a:avLst/>
+          </a:prstGeom>
+          <a:solidFill>
+            <a:srgbClr val="00B050"/>
+          </a:solidFill>
+        </p:spPr>
+        <p:style>
+          <a:lnRef idx="2">
+            <a:schemeClr val="accent1">
+              <a:shade val="50000"/>
+            </a:schemeClr>
+          </a:lnRef>
+          <a:fillRef idx="1">
+            <a:schemeClr val="accent1"/>
+          </a:fillRef>
+          <a:effectRef idx="0">
+            <a:schemeClr val="accent1"/>
+          </a:effectRef>
+          <a:fontRef idx="minor">
+            <a:schemeClr val="lt1"/>
+          </a:fontRef>
+        </p:style>
+        <p:txBody>
+          <a:bodyPr rtlCol="0" anchor="ctr"/>
+          <a:lstStyle/>
+          <a:p>
+            <a:pPr algn="ctr"/>
+            <a:endParaRPr lang="zh-CN" altLang="en-US"/>
+          </a:p>
+        </p:txBody>
+      </p:sp>
+      <p:sp>
+        <p:nvSpPr>
+          <p:cNvPr id="108" name="矩形 107">
+            <a:extLst>
+              <a:ext uri="{FF2B5EF4-FFF2-40B4-BE49-F238E27FC236}">
+                <a16:creationId xmlns:a16="http://schemas.microsoft.com/office/drawing/2014/main" id="{14FD5D2F-2998-4E73-A527-29D4A3680A51}"/>
+              </a:ext>
+            </a:extLst>
+          </p:cNvPr>
+          <p:cNvSpPr/>
+          <p:nvPr/>
+        </p:nvSpPr>
+        <p:spPr>
+          <a:xfrm>
+            <a:off x="5934005" y="2664267"/>
+            <a:ext cx="1586782" cy="232702"/>
+          </a:xfrm>
+          <a:prstGeom prst="rect">
+            <a:avLst/>
+          </a:prstGeom>
+          <a:solidFill>
+            <a:schemeClr val="accent3">
+              <a:lumMod val="40000"/>
+              <a:lumOff val="60000"/>
+            </a:schemeClr>
+          </a:solidFill>
+        </p:spPr>
+        <p:style>
+          <a:lnRef idx="2">
+            <a:schemeClr val="accent1">
+              <a:shade val="50000"/>
+            </a:schemeClr>
+          </a:lnRef>
+          <a:fillRef idx="1">
+            <a:schemeClr val="accent1"/>
+          </a:fillRef>
+          <a:effectRef idx="0">
+            <a:schemeClr val="accent1"/>
+          </a:effectRef>
+          <a:fontRef idx="minor">
+            <a:schemeClr val="lt1"/>
+          </a:fontRef>
+        </p:style>
+        <p:txBody>
+          <a:bodyPr rtlCol="0" anchor="ctr"/>
+          <a:lstStyle/>
+          <a:p>
+            <a:pPr algn="ctr"/>
+            <a:endParaRPr lang="zh-CN" altLang="en-US"/>
+          </a:p>
+        </p:txBody>
+      </p:sp>
+      <p:sp>
+        <p:nvSpPr>
+          <p:cNvPr id="110" name="矩形 109">
+            <a:extLst>
+              <a:ext uri="{FF2B5EF4-FFF2-40B4-BE49-F238E27FC236}">
+                <a16:creationId xmlns:a16="http://schemas.microsoft.com/office/drawing/2014/main" id="{1F7706FF-FD25-44F3-ABCE-BCB1630F7E9D}"/>
+              </a:ext>
+            </a:extLst>
+          </p:cNvPr>
+          <p:cNvSpPr/>
+          <p:nvPr/>
+        </p:nvSpPr>
+        <p:spPr>
+          <a:xfrm>
+            <a:off x="5932658" y="3209384"/>
+            <a:ext cx="1271758" cy="225908"/>
+          </a:xfrm>
+          <a:prstGeom prst="rect">
+            <a:avLst/>
+          </a:prstGeom>
+          <a:solidFill>
+            <a:srgbClr val="FFC000"/>
+          </a:solidFill>
+        </p:spPr>
+        <p:style>
+          <a:lnRef idx="2">
+            <a:schemeClr val="accent1">
+              <a:shade val="50000"/>
+            </a:schemeClr>
+          </a:lnRef>
+          <a:fillRef idx="1">
+            <a:schemeClr val="accent1"/>
+          </a:fillRef>
+          <a:effectRef idx="0">
+            <a:schemeClr val="accent1"/>
+          </a:effectRef>
+          <a:fontRef idx="minor">
+            <a:schemeClr val="lt1"/>
+          </a:fontRef>
+        </p:style>
+        <p:txBody>
+          <a:bodyPr rtlCol="0" anchor="ctr"/>
+          <a:lstStyle/>
+          <a:p>
+            <a:pPr algn="ctr"/>
+            <a:r>
+              <a:rPr lang="en-US" altLang="zh-CN" sz="1600" dirty="0">
+                <a:solidFill>
+                  <a:schemeClr val="bg2"/>
+                </a:solidFill>
+              </a:rPr>
+              <a:t>Pattern</a:t>
+            </a:r>
+            <a:endParaRPr lang="zh-CN" altLang="en-US" sz="1600" dirty="0">
+              <a:solidFill>
+                <a:schemeClr val="bg2"/>
+              </a:solidFill>
+            </a:endParaRPr>
+          </a:p>
+        </p:txBody>
+      </p:sp>
+      <p:cxnSp>
+        <p:nvCxnSpPr>
+          <p:cNvPr id="119" name="直接连接符 118">
+            <a:extLst>
+              <a:ext uri="{FF2B5EF4-FFF2-40B4-BE49-F238E27FC236}">
+                <a16:creationId xmlns:a16="http://schemas.microsoft.com/office/drawing/2014/main" id="{A26E12B4-7533-4D38-ABD5-F4049176CF77}"/>
+              </a:ext>
+            </a:extLst>
+          </p:cNvPr>
+          <p:cNvCxnSpPr>
+            <a:cxnSpLocks/>
+          </p:cNvCxnSpPr>
+          <p:nvPr/>
+        </p:nvCxnSpPr>
+        <p:spPr>
+          <a:xfrm>
+            <a:off x="5022322" y="2869123"/>
+            <a:ext cx="0" cy="551727"/>
+          </a:xfrm>
+          <a:prstGeom prst="line">
+            <a:avLst/>
+          </a:prstGeom>
+          <a:ln>
+            <a:solidFill>
+              <a:srgbClr val="FFFF00"/>
+            </a:solidFill>
+            <a:prstDash val="dash"/>
+          </a:ln>
+        </p:spPr>
+        <p:style>
+          <a:lnRef idx="1">
+            <a:schemeClr val="accent1"/>
+          </a:lnRef>
+          <a:fillRef idx="0">
+            <a:schemeClr val="accent1"/>
+          </a:fillRef>
+          <a:effectRef idx="0">
+            <a:schemeClr val="accent1"/>
+          </a:effectRef>
+          <a:fontRef idx="minor">
+            <a:schemeClr val="tx1"/>
+          </a:fontRef>
+        </p:style>
+      </p:cxnSp>
+      <p:sp>
+        <p:nvSpPr>
+          <p:cNvPr id="120" name="文本框 119">
+            <a:extLst>
+              <a:ext uri="{FF2B5EF4-FFF2-40B4-BE49-F238E27FC236}">
+                <a16:creationId xmlns:a16="http://schemas.microsoft.com/office/drawing/2014/main" id="{4923E51C-C4BA-4971-96E9-CC2B62B61D16}"/>
+              </a:ext>
+            </a:extLst>
+          </p:cNvPr>
+          <p:cNvSpPr txBox="1"/>
+          <p:nvPr/>
+        </p:nvSpPr>
+        <p:spPr>
+          <a:xfrm>
+            <a:off x="5079747" y="2901607"/>
+            <a:ext cx="835978" cy="307777"/>
+          </a:xfrm>
+          <a:prstGeom prst="rect">
+            <a:avLst/>
+          </a:prstGeom>
+          <a:noFill/>
+        </p:spPr>
+        <p:txBody>
+          <a:bodyPr wrap="square" rtlCol="0">
+            <a:spAutoFit/>
+          </a:bodyPr>
+          <a:lstStyle/>
+          <a:p>
+            <a:r>
+              <a:rPr lang="en-US" altLang="zh-CN" sz="1400" dirty="0">
+                <a:solidFill>
+                  <a:srgbClr val="00B0F0"/>
+                </a:solidFill>
+              </a:rPr>
+              <a:t>matched</a:t>
+            </a:r>
+            <a:endParaRPr lang="zh-CN" altLang="en-US" sz="1400" dirty="0">
+              <a:solidFill>
+                <a:srgbClr val="00B0F0"/>
+              </a:solidFill>
+            </a:endParaRPr>
+          </a:p>
+        </p:txBody>
+      </p:sp>
+      <p:cxnSp>
+        <p:nvCxnSpPr>
+          <p:cNvPr id="121" name="直接连接符 120">
+            <a:extLst>
+              <a:ext uri="{FF2B5EF4-FFF2-40B4-BE49-F238E27FC236}">
+                <a16:creationId xmlns:a16="http://schemas.microsoft.com/office/drawing/2014/main" id="{9AF939D6-3B00-46E1-943F-C65B86A473C0}"/>
+              </a:ext>
+            </a:extLst>
+          </p:cNvPr>
+          <p:cNvCxnSpPr>
+            <a:cxnSpLocks/>
+          </p:cNvCxnSpPr>
+          <p:nvPr/>
+        </p:nvCxnSpPr>
+        <p:spPr>
+          <a:xfrm>
+            <a:off x="5929950" y="2869123"/>
+            <a:ext cx="2708" cy="834197"/>
+          </a:xfrm>
+          <a:prstGeom prst="line">
+            <a:avLst/>
+          </a:prstGeom>
+          <a:ln>
+            <a:solidFill>
+              <a:srgbClr val="FFFF00"/>
+            </a:solidFill>
+            <a:prstDash val="dash"/>
+          </a:ln>
+        </p:spPr>
+        <p:style>
+          <a:lnRef idx="1">
+            <a:schemeClr val="accent1"/>
+          </a:lnRef>
+          <a:fillRef idx="0">
+            <a:schemeClr val="accent1"/>
+          </a:fillRef>
+          <a:effectRef idx="0">
+            <a:schemeClr val="accent1"/>
+          </a:effectRef>
+          <a:fontRef idx="minor">
+            <a:schemeClr val="tx1"/>
+          </a:fontRef>
+        </p:style>
+      </p:cxnSp>
+      <p:sp>
+        <p:nvSpPr>
+          <p:cNvPr id="96" name="文本框 95">
+            <a:extLst>
+              <a:ext uri="{FF2B5EF4-FFF2-40B4-BE49-F238E27FC236}">
+                <a16:creationId xmlns:a16="http://schemas.microsoft.com/office/drawing/2014/main" id="{C4A3A1E3-2C3E-4483-AC00-2500BB3D2604}"/>
+              </a:ext>
+            </a:extLst>
+          </p:cNvPr>
+          <p:cNvSpPr txBox="1"/>
+          <p:nvPr/>
+        </p:nvSpPr>
+        <p:spPr>
+          <a:xfrm>
+            <a:off x="3986325" y="3128802"/>
+            <a:ext cx="918244" cy="369332"/>
+          </a:xfrm>
+          <a:prstGeom prst="rect">
+            <a:avLst/>
+          </a:prstGeom>
+          <a:noFill/>
+        </p:spPr>
+        <p:txBody>
+          <a:bodyPr wrap="square" rtlCol="0">
+            <a:spAutoFit/>
+          </a:bodyPr>
+          <a:lstStyle/>
+          <a:p>
+            <a:r>
+              <a:rPr lang="en-US" altLang="zh-CN" dirty="0" err="1"/>
+              <a:t>i’th</a:t>
+            </a:r>
+            <a:r>
+              <a:rPr lang="en-US" altLang="zh-CN" dirty="0"/>
+              <a:t> </a:t>
+            </a:r>
+            <a:r>
+              <a:rPr lang="en-US" altLang="zh-CN" dirty="0" err="1"/>
+              <a:t>iter</a:t>
+            </a:r>
+            <a:endParaRPr lang="zh-CN" altLang="en-US" dirty="0"/>
+          </a:p>
+        </p:txBody>
+      </p:sp>
+      <p:sp>
+        <p:nvSpPr>
+          <p:cNvPr id="123" name="文本框 122">
+            <a:extLst>
+              <a:ext uri="{FF2B5EF4-FFF2-40B4-BE49-F238E27FC236}">
+                <a16:creationId xmlns:a16="http://schemas.microsoft.com/office/drawing/2014/main" id="{4242B250-0FA7-4347-A20D-3C5B7E249ED3}"/>
+              </a:ext>
+            </a:extLst>
+          </p:cNvPr>
+          <p:cNvSpPr txBox="1"/>
+          <p:nvPr/>
+        </p:nvSpPr>
+        <p:spPr>
+          <a:xfrm>
+            <a:off x="8555300" y="4637543"/>
+            <a:ext cx="850913" cy="307471"/>
+          </a:xfrm>
+          <a:prstGeom prst="rect">
+            <a:avLst/>
+          </a:prstGeom>
+          <a:noFill/>
+        </p:spPr>
+        <p:txBody>
+          <a:bodyPr wrap="square" rtlCol="0">
+            <a:spAutoFit/>
+          </a:bodyPr>
+          <a:lstStyle/>
+          <a:p>
+            <a:r>
+              <a:rPr lang="en-US" altLang="zh-CN" sz="1400" dirty="0">
+                <a:solidFill>
+                  <a:srgbClr val="FFFF00"/>
+                </a:solidFill>
+              </a:rPr>
+              <a:t>index = s</a:t>
+            </a:r>
+            <a:endParaRPr lang="zh-CN" altLang="en-US" sz="1400" dirty="0">
+              <a:solidFill>
+                <a:srgbClr val="FFFF00"/>
+              </a:solidFill>
+            </a:endParaRPr>
+          </a:p>
+        </p:txBody>
+      </p:sp>
+      <p:sp>
+        <p:nvSpPr>
+          <p:cNvPr id="134" name="文本框 133">
+            <a:extLst>
+              <a:ext uri="{FF2B5EF4-FFF2-40B4-BE49-F238E27FC236}">
+                <a16:creationId xmlns:a16="http://schemas.microsoft.com/office/drawing/2014/main" id="{DBA4EE8E-F255-4EF4-B8A6-9D578045CA6B}"/>
+              </a:ext>
+            </a:extLst>
+          </p:cNvPr>
+          <p:cNvSpPr txBox="1"/>
+          <p:nvPr/>
+        </p:nvSpPr>
+        <p:spPr>
+          <a:xfrm>
+            <a:off x="6047128" y="4249326"/>
+            <a:ext cx="1442205" cy="369332"/>
+          </a:xfrm>
+          <a:prstGeom prst="rect">
+            <a:avLst/>
+          </a:prstGeom>
+          <a:noFill/>
+        </p:spPr>
+        <p:txBody>
+          <a:bodyPr wrap="square" rtlCol="0">
+            <a:spAutoFit/>
+          </a:bodyPr>
+          <a:lstStyle/>
+          <a:p>
+            <a:r>
+              <a:rPr lang="en-US" altLang="zh-CN" dirty="0"/>
+              <a:t>(</a:t>
+            </a:r>
+            <a:r>
+              <a:rPr lang="en-US" altLang="zh-CN" dirty="0" err="1"/>
+              <a:t>i</a:t>
+            </a:r>
+            <a:r>
+              <a:rPr lang="en-US" altLang="zh-CN" dirty="0"/>
+              <a:t> + k)’</a:t>
+            </a:r>
+            <a:r>
+              <a:rPr lang="en-US" altLang="zh-CN" dirty="0" err="1"/>
+              <a:t>th</a:t>
+            </a:r>
+            <a:r>
+              <a:rPr lang="en-US" altLang="zh-CN" dirty="0"/>
+              <a:t> </a:t>
+            </a:r>
+            <a:r>
+              <a:rPr lang="en-US" altLang="zh-CN" dirty="0" err="1"/>
+              <a:t>iter</a:t>
+            </a:r>
+            <a:endParaRPr lang="zh-CN" altLang="en-US" dirty="0"/>
+          </a:p>
+        </p:txBody>
+      </p:sp>
+      <p:cxnSp>
+        <p:nvCxnSpPr>
+          <p:cNvPr id="37" name="直接箭头连接符 36">
+            <a:extLst>
+              <a:ext uri="{FF2B5EF4-FFF2-40B4-BE49-F238E27FC236}">
+                <a16:creationId xmlns:a16="http://schemas.microsoft.com/office/drawing/2014/main" id="{3337FE89-E153-49F8-855A-E7A17A6FC958}"/>
+              </a:ext>
+            </a:extLst>
+          </p:cNvPr>
+          <p:cNvCxnSpPr>
+            <a:cxnSpLocks/>
+          </p:cNvCxnSpPr>
+          <p:nvPr/>
+        </p:nvCxnSpPr>
+        <p:spPr>
+          <a:xfrm>
+            <a:off x="8551117" y="3975058"/>
+            <a:ext cx="0" cy="274268"/>
+          </a:xfrm>
+          <a:prstGeom prst="straightConnector1">
+            <a:avLst/>
+          </a:prstGeom>
+          <a:ln w="22225">
+            <a:solidFill>
+              <a:srgbClr val="2CEC67"/>
+            </a:solidFill>
+            <a:headEnd type="none"/>
+            <a:tailEnd type="triangle"/>
+          </a:ln>
+        </p:spPr>
+        <p:style>
+          <a:lnRef idx="1">
+            <a:schemeClr val="accent1"/>
+          </a:lnRef>
+          <a:fillRef idx="0">
+            <a:schemeClr val="accent1"/>
+          </a:fillRef>
+          <a:effectRef idx="0">
+            <a:schemeClr val="accent1"/>
+          </a:effectRef>
+          <a:fontRef idx="minor">
+            <a:schemeClr val="tx1"/>
+          </a:fontRef>
+        </p:style>
+      </p:cxnSp>
+      <mc:AlternateContent xmlns:mc="http://schemas.openxmlformats.org/markup-compatibility/2006">
+        <mc:Choice xmlns:a14="http://schemas.microsoft.com/office/drawing/2010/main" Requires="a14">
+          <p:sp>
+            <p:nvSpPr>
+              <p:cNvPr id="38" name="文本框 37">
+                <a:extLst>
+                  <a:ext uri="{FF2B5EF4-FFF2-40B4-BE49-F238E27FC236}">
+                    <a16:creationId xmlns:a16="http://schemas.microsoft.com/office/drawing/2014/main" id="{2F00750A-C23A-4116-A2C1-AE5B00A0D47D}"/>
+                  </a:ext>
+                </a:extLst>
+              </p:cNvPr>
+              <p:cNvSpPr txBox="1"/>
+              <p:nvPr/>
+            </p:nvSpPr>
+            <p:spPr>
+              <a:xfrm>
+                <a:off x="6049927" y="2313099"/>
+                <a:ext cx="1037219" cy="338554"/>
+              </a:xfrm>
+              <a:prstGeom prst="rect">
+                <a:avLst/>
+              </a:prstGeom>
+              <a:noFill/>
+            </p:spPr>
+            <p:txBody>
+              <a:bodyPr wrap="square" rtlCol="0">
+                <a:spAutoFit/>
+              </a:bodyPr>
+              <a:lstStyle/>
+              <a:p>
+                <a:pPr/>
+                <a14:m>
+                  <m:oMathPara xmlns:m="http://schemas.openxmlformats.org/officeDocument/2006/math">
+                    <m:oMathParaPr>
+                      <m:jc m:val="centerGroup"/>
+                    </m:oMathParaPr>
+                    <m:oMath xmlns:m="http://schemas.openxmlformats.org/officeDocument/2006/math">
+                      <m:r>
+                        <a:rPr lang="en-US" altLang="zh-CN" sz="1600" i="1" dirty="0" smtClean="0">
+                          <a:solidFill>
+                            <a:srgbClr val="2CEC67"/>
+                          </a:solidFill>
+                          <a:latin typeface="Cambria Math" panose="02040503050406030204" pitchFamily="18" charset="0"/>
+                        </a:rPr>
+                        <m:t>𝑚</m:t>
+                      </m:r>
+                      <m:r>
+                        <a:rPr lang="en-US" altLang="zh-CN" sz="1600" b="0" i="1" dirty="0" smtClean="0">
+                          <a:solidFill>
+                            <a:srgbClr val="2CEC67"/>
+                          </a:solidFill>
+                          <a:latin typeface="Cambria Math" panose="02040503050406030204" pitchFamily="18" charset="0"/>
+                        </a:rPr>
+                        <m:t>𝑖𝑠𝑚𝑎𝑡𝑐h</m:t>
+                      </m:r>
+                    </m:oMath>
+                  </m:oMathPara>
+                </a14:m>
+                <a:endParaRPr lang="zh-CN" altLang="en-US" sz="1600" dirty="0">
+                  <a:solidFill>
+                    <a:srgbClr val="FFC000"/>
+                  </a:solidFill>
+                </a:endParaRPr>
+              </a:p>
+            </p:txBody>
+          </p:sp>
+        </mc:Choice>
+        <mc:Fallback>
+          <p:sp>
+            <p:nvSpPr>
+              <p:cNvPr id="38" name="文本框 37">
+                <a:extLst>
+                  <a:ext uri="{FF2B5EF4-FFF2-40B4-BE49-F238E27FC236}">
+                    <a16:creationId xmlns:a16="http://schemas.microsoft.com/office/drawing/2014/main" id="{2F00750A-C23A-4116-A2C1-AE5B00A0D47D}"/>
+                  </a:ext>
+                </a:extLst>
+              </p:cNvPr>
+              <p:cNvSpPr txBox="1">
+                <a:spLocks noRot="1" noChangeAspect="1" noMove="1" noResize="1" noEditPoints="1" noAdjustHandles="1" noChangeArrowheads="1" noChangeShapeType="1" noTextEdit="1"/>
+              </p:cNvSpPr>
+              <p:nvPr/>
+            </p:nvSpPr>
+            <p:spPr>
+              <a:xfrm>
+                <a:off x="6049927" y="2313099"/>
+                <a:ext cx="1037219" cy="338554"/>
+              </a:xfrm>
+              <a:prstGeom prst="rect">
+                <a:avLst/>
+              </a:prstGeom>
+              <a:blipFill>
+                <a:blip r:embed="rId2"/>
+                <a:stretch>
+                  <a:fillRect r="-1170"/>
+                </a:stretch>
+              </a:blipFill>
+            </p:spPr>
+            <p:txBody>
+              <a:bodyPr/>
+              <a:lstStyle/>
+              <a:p>
+                <a:r>
+                  <a:rPr lang="zh-CN" altLang="en-US">
+                    <a:noFill/>
+                  </a:rPr>
+                  <a:t> </a:t>
+                </a:r>
+              </a:p>
+            </p:txBody>
+          </p:sp>
+        </mc:Fallback>
+      </mc:AlternateContent>
+      <p:sp>
+        <p:nvSpPr>
+          <p:cNvPr id="33" name="矩形 32">
+            <a:extLst>
+              <a:ext uri="{FF2B5EF4-FFF2-40B4-BE49-F238E27FC236}">
+                <a16:creationId xmlns:a16="http://schemas.microsoft.com/office/drawing/2014/main" id="{59910485-ED7A-4B4D-B5D5-AC6085539465}"/>
+              </a:ext>
+            </a:extLst>
+          </p:cNvPr>
+          <p:cNvSpPr/>
+          <p:nvPr/>
+        </p:nvSpPr>
+        <p:spPr>
+          <a:xfrm>
+            <a:off x="7528909" y="2665940"/>
+            <a:ext cx="908312" cy="229356"/>
+          </a:xfrm>
+          <a:prstGeom prst="rect">
+            <a:avLst/>
+          </a:prstGeom>
+          <a:solidFill>
+            <a:srgbClr val="00B050"/>
+          </a:solidFill>
+        </p:spPr>
+        <p:style>
+          <a:lnRef idx="2">
+            <a:schemeClr val="accent1">
+              <a:shade val="50000"/>
+            </a:schemeClr>
+          </a:lnRef>
+          <a:fillRef idx="1">
+            <a:schemeClr val="accent1"/>
+          </a:fillRef>
+          <a:effectRef idx="0">
+            <a:schemeClr val="accent1"/>
+          </a:effectRef>
+          <a:fontRef idx="minor">
+            <a:schemeClr val="lt1"/>
+          </a:fontRef>
+        </p:style>
+        <p:txBody>
+          <a:bodyPr rtlCol="0" anchor="ctr"/>
+          <a:lstStyle/>
+          <a:p>
+            <a:pPr algn="ctr"/>
+            <a:endParaRPr lang="zh-CN" altLang="en-US"/>
+          </a:p>
+        </p:txBody>
+      </p:sp>
+      <p:sp>
+        <p:nvSpPr>
+          <p:cNvPr id="34" name="矩形 33">
+            <a:extLst>
+              <a:ext uri="{FF2B5EF4-FFF2-40B4-BE49-F238E27FC236}">
+                <a16:creationId xmlns:a16="http://schemas.microsoft.com/office/drawing/2014/main" id="{13F58AB2-311A-46AA-A10F-C01453E0AE62}"/>
+              </a:ext>
+            </a:extLst>
+          </p:cNvPr>
+          <p:cNvSpPr/>
+          <p:nvPr/>
+        </p:nvSpPr>
+        <p:spPr>
+          <a:xfrm>
+            <a:off x="7528909" y="4331917"/>
+            <a:ext cx="903088" cy="214623"/>
+          </a:xfrm>
+          <a:prstGeom prst="rect">
+            <a:avLst/>
+          </a:prstGeom>
+          <a:solidFill>
+            <a:srgbClr val="00B050"/>
+          </a:solidFill>
+        </p:spPr>
+        <p:style>
+          <a:lnRef idx="2">
+            <a:schemeClr val="accent1">
+              <a:shade val="50000"/>
+            </a:schemeClr>
+          </a:lnRef>
+          <a:fillRef idx="1">
+            <a:schemeClr val="accent1"/>
+          </a:fillRef>
+          <a:effectRef idx="0">
+            <a:schemeClr val="accent1"/>
+          </a:effectRef>
+          <a:fontRef idx="minor">
+            <a:schemeClr val="lt1"/>
+          </a:fontRef>
+        </p:style>
+        <p:txBody>
+          <a:bodyPr rtlCol="0" anchor="ctr"/>
+          <a:lstStyle/>
+          <a:p>
+            <a:pPr algn="ctr"/>
+            <a:endParaRPr lang="zh-CN" altLang="en-US"/>
+          </a:p>
+        </p:txBody>
+      </p:sp>
+      <p:sp>
+        <p:nvSpPr>
+          <p:cNvPr id="35" name="矩形 34">
+            <a:extLst>
+              <a:ext uri="{FF2B5EF4-FFF2-40B4-BE49-F238E27FC236}">
+                <a16:creationId xmlns:a16="http://schemas.microsoft.com/office/drawing/2014/main" id="{2A43E6FD-F5A6-4648-978A-FBC5186A1D48}"/>
+              </a:ext>
+            </a:extLst>
+          </p:cNvPr>
+          <p:cNvSpPr/>
+          <p:nvPr/>
+        </p:nvSpPr>
+        <p:spPr>
+          <a:xfrm>
+            <a:off x="8445343" y="2664267"/>
+            <a:ext cx="2249356" cy="229356"/>
+          </a:xfrm>
+          <a:prstGeom prst="rect">
+            <a:avLst/>
+          </a:prstGeom>
+          <a:solidFill>
+            <a:schemeClr val="accent3">
+              <a:lumMod val="40000"/>
+              <a:lumOff val="60000"/>
+            </a:schemeClr>
+          </a:solidFill>
+        </p:spPr>
+        <p:style>
+          <a:lnRef idx="2">
+            <a:schemeClr val="accent1">
+              <a:shade val="50000"/>
+            </a:schemeClr>
+          </a:lnRef>
+          <a:fillRef idx="1">
+            <a:schemeClr val="accent1"/>
+          </a:fillRef>
+          <a:effectRef idx="0">
+            <a:schemeClr val="accent1"/>
+          </a:effectRef>
+          <a:fontRef idx="minor">
+            <a:schemeClr val="lt1"/>
+          </a:fontRef>
+        </p:style>
+        <p:txBody>
+          <a:bodyPr rtlCol="0" anchor="ctr"/>
+          <a:lstStyle/>
+          <a:p>
+            <a:pPr algn="ctr"/>
+            <a:endParaRPr lang="zh-CN" altLang="en-US"/>
+          </a:p>
+        </p:txBody>
+      </p:sp>
+      <p:sp>
+        <p:nvSpPr>
+          <p:cNvPr id="36" name="矩形 35">
+            <a:extLst>
+              <a:ext uri="{FF2B5EF4-FFF2-40B4-BE49-F238E27FC236}">
+                <a16:creationId xmlns:a16="http://schemas.microsoft.com/office/drawing/2014/main" id="{1D9698CF-D83B-4887-B9CF-81D18CDF937C}"/>
+              </a:ext>
+            </a:extLst>
+          </p:cNvPr>
+          <p:cNvSpPr/>
+          <p:nvPr/>
+        </p:nvSpPr>
+        <p:spPr>
+          <a:xfrm>
+            <a:off x="8439329" y="4331262"/>
+            <a:ext cx="1271758" cy="215277"/>
+          </a:xfrm>
+          <a:prstGeom prst="rect">
+            <a:avLst/>
+          </a:prstGeom>
+          <a:solidFill>
+            <a:srgbClr val="FFC000"/>
+          </a:solidFill>
+        </p:spPr>
+        <p:style>
+          <a:lnRef idx="2">
+            <a:schemeClr val="accent1">
+              <a:shade val="50000"/>
+            </a:schemeClr>
+          </a:lnRef>
+          <a:fillRef idx="1">
+            <a:schemeClr val="accent1"/>
+          </a:fillRef>
+          <a:effectRef idx="0">
+            <a:schemeClr val="accent1"/>
+          </a:effectRef>
+          <a:fontRef idx="minor">
+            <a:schemeClr val="lt1"/>
+          </a:fontRef>
+        </p:style>
+        <p:txBody>
+          <a:bodyPr rtlCol="0" anchor="ctr"/>
+          <a:lstStyle/>
+          <a:p>
+            <a:pPr algn="ctr"/>
+            <a:r>
+              <a:rPr lang="en-US" altLang="zh-CN" sz="1600" dirty="0">
+                <a:solidFill>
+                  <a:schemeClr val="bg2"/>
+                </a:solidFill>
+              </a:rPr>
+              <a:t>Pattern</a:t>
+            </a:r>
+            <a:endParaRPr lang="zh-CN" altLang="en-US" sz="1600" dirty="0">
+              <a:solidFill>
+                <a:schemeClr val="bg2"/>
+              </a:solidFill>
+            </a:endParaRPr>
+          </a:p>
+        </p:txBody>
+      </p:sp>
+      <p:cxnSp>
+        <p:nvCxnSpPr>
+          <p:cNvPr id="39" name="直接箭头连接符 38">
+            <a:extLst>
+              <a:ext uri="{FF2B5EF4-FFF2-40B4-BE49-F238E27FC236}">
+                <a16:creationId xmlns:a16="http://schemas.microsoft.com/office/drawing/2014/main" id="{E31999B2-573B-46F2-8E2C-DB39B8A22D92}"/>
+              </a:ext>
+            </a:extLst>
+          </p:cNvPr>
+          <p:cNvCxnSpPr>
+            <a:cxnSpLocks/>
+          </p:cNvCxnSpPr>
+          <p:nvPr/>
+        </p:nvCxnSpPr>
+        <p:spPr>
+          <a:xfrm>
+            <a:off x="6028897" y="2345242"/>
+            <a:ext cx="0" cy="274268"/>
+          </a:xfrm>
+          <a:prstGeom prst="straightConnector1">
+            <a:avLst/>
+          </a:prstGeom>
+          <a:ln w="22225">
+            <a:solidFill>
+              <a:srgbClr val="2CEC67"/>
+            </a:solidFill>
+            <a:headEnd type="none"/>
+            <a:tailEnd type="triangle"/>
+          </a:ln>
+        </p:spPr>
+        <p:style>
+          <a:lnRef idx="1">
+            <a:schemeClr val="accent1"/>
+          </a:lnRef>
+          <a:fillRef idx="0">
+            <a:schemeClr val="accent1"/>
+          </a:fillRef>
+          <a:effectRef idx="0">
+            <a:schemeClr val="accent1"/>
+          </a:effectRef>
+          <a:fontRef idx="minor">
+            <a:schemeClr val="tx1"/>
+          </a:fontRef>
+        </p:style>
+      </p:cxnSp>
+      <p:cxnSp>
+        <p:nvCxnSpPr>
+          <p:cNvPr id="40" name="直接连接符 39">
+            <a:extLst>
+              <a:ext uri="{FF2B5EF4-FFF2-40B4-BE49-F238E27FC236}">
+                <a16:creationId xmlns:a16="http://schemas.microsoft.com/office/drawing/2014/main" id="{B3FF568E-918B-499B-9EEB-5EA1BF58B540}"/>
+              </a:ext>
+            </a:extLst>
+          </p:cNvPr>
+          <p:cNvCxnSpPr>
+            <a:cxnSpLocks/>
+            <a:stCxn id="33" idx="1"/>
+            <a:endCxn id="34" idx="1"/>
+          </p:cNvCxnSpPr>
+          <p:nvPr/>
+        </p:nvCxnSpPr>
+        <p:spPr>
+          <a:xfrm>
+            <a:off x="7528909" y="2780618"/>
+            <a:ext cx="0" cy="1658611"/>
+          </a:xfrm>
+          <a:prstGeom prst="line">
+            <a:avLst/>
+          </a:prstGeom>
+          <a:ln>
+            <a:solidFill>
+              <a:srgbClr val="FFFF00"/>
+            </a:solidFill>
+            <a:prstDash val="dash"/>
+          </a:ln>
+        </p:spPr>
+        <p:style>
+          <a:lnRef idx="1">
+            <a:schemeClr val="accent1"/>
+          </a:lnRef>
+          <a:fillRef idx="0">
+            <a:schemeClr val="accent1"/>
+          </a:fillRef>
+          <a:effectRef idx="0">
+            <a:schemeClr val="accent1"/>
+          </a:effectRef>
+          <a:fontRef idx="minor">
+            <a:schemeClr val="tx1"/>
+          </a:fontRef>
+        </p:style>
+      </p:cxnSp>
+      <p:cxnSp>
+        <p:nvCxnSpPr>
+          <p:cNvPr id="41" name="直接连接符 40">
+            <a:extLst>
+              <a:ext uri="{FF2B5EF4-FFF2-40B4-BE49-F238E27FC236}">
+                <a16:creationId xmlns:a16="http://schemas.microsoft.com/office/drawing/2014/main" id="{D7BB00D4-CD06-4A4B-B2CF-E72153E684D7}"/>
+              </a:ext>
+            </a:extLst>
+          </p:cNvPr>
+          <p:cNvCxnSpPr>
+            <a:cxnSpLocks/>
+            <a:stCxn id="33" idx="3"/>
+          </p:cNvCxnSpPr>
+          <p:nvPr/>
+        </p:nvCxnSpPr>
+        <p:spPr>
+          <a:xfrm>
+            <a:off x="8437221" y="2780618"/>
+            <a:ext cx="0" cy="2044834"/>
+          </a:xfrm>
+          <a:prstGeom prst="line">
+            <a:avLst/>
+          </a:prstGeom>
+          <a:ln>
+            <a:solidFill>
+              <a:srgbClr val="FFFF00"/>
+            </a:solidFill>
+            <a:prstDash val="dash"/>
+          </a:ln>
+        </p:spPr>
+        <p:style>
+          <a:lnRef idx="1">
+            <a:schemeClr val="accent1"/>
+          </a:lnRef>
+          <a:fillRef idx="0">
+            <a:schemeClr val="accent1"/>
+          </a:fillRef>
+          <a:effectRef idx="0">
+            <a:schemeClr val="accent1"/>
+          </a:effectRef>
+          <a:fontRef idx="minor">
+            <a:schemeClr val="tx1"/>
+          </a:fontRef>
+        </p:style>
+      </p:cxnSp>
+      <p:sp>
+        <p:nvSpPr>
+          <p:cNvPr id="42" name="文本框 41">
+            <a:extLst>
+              <a:ext uri="{FF2B5EF4-FFF2-40B4-BE49-F238E27FC236}">
+                <a16:creationId xmlns:a16="http://schemas.microsoft.com/office/drawing/2014/main" id="{A0F785C0-0DEA-4C5E-B4F1-03F604AED0A2}"/>
+              </a:ext>
+            </a:extLst>
+          </p:cNvPr>
+          <p:cNvSpPr txBox="1"/>
+          <p:nvPr/>
+        </p:nvSpPr>
+        <p:spPr>
+          <a:xfrm>
+            <a:off x="7575605" y="3897177"/>
+            <a:ext cx="835978" cy="307777"/>
+          </a:xfrm>
+          <a:prstGeom prst="rect">
+            <a:avLst/>
+          </a:prstGeom>
+          <a:noFill/>
+        </p:spPr>
+        <p:txBody>
+          <a:bodyPr wrap="square" rtlCol="0">
+            <a:spAutoFit/>
+          </a:bodyPr>
+          <a:lstStyle/>
+          <a:p>
+            <a:r>
+              <a:rPr lang="en-US" altLang="zh-CN" sz="1400" dirty="0">
+                <a:solidFill>
+                  <a:srgbClr val="00B0F0"/>
+                </a:solidFill>
+              </a:rPr>
+              <a:t>matched</a:t>
+            </a:r>
+            <a:endParaRPr lang="zh-CN" altLang="en-US" sz="1400" dirty="0">
+              <a:solidFill>
+                <a:srgbClr val="00B0F0"/>
+              </a:solidFill>
+            </a:endParaRPr>
+          </a:p>
+        </p:txBody>
+      </p:sp>
+      <p:sp>
+        <p:nvSpPr>
+          <p:cNvPr id="45" name="文本框 44">
+            <a:extLst>
+              <a:ext uri="{FF2B5EF4-FFF2-40B4-BE49-F238E27FC236}">
+                <a16:creationId xmlns:a16="http://schemas.microsoft.com/office/drawing/2014/main" id="{3BF412E5-0496-4121-BA33-B16CE396D3C2}"/>
+              </a:ext>
+            </a:extLst>
+          </p:cNvPr>
+          <p:cNvSpPr txBox="1"/>
+          <p:nvPr/>
+        </p:nvSpPr>
+        <p:spPr>
+          <a:xfrm>
+            <a:off x="5145315" y="3866399"/>
+            <a:ext cx="624106" cy="369332"/>
+          </a:xfrm>
+          <a:prstGeom prst="rect">
+            <a:avLst/>
+          </a:prstGeom>
+          <a:noFill/>
+        </p:spPr>
+        <p:txBody>
+          <a:bodyPr wrap="square" rtlCol="0">
+            <a:spAutoFit/>
+          </a:bodyPr>
+          <a:lstStyle/>
+          <a:p>
+            <a:r>
+              <a:rPr lang="en-US" altLang="zh-CN" dirty="0"/>
+              <a:t>··· ···</a:t>
+            </a:r>
+            <a:endParaRPr lang="zh-CN" altLang="en-US" dirty="0"/>
+          </a:p>
+        </p:txBody>
+      </p:sp>
+      <mc:AlternateContent xmlns:mc="http://schemas.openxmlformats.org/markup-compatibility/2006">
+        <mc:Choice xmlns:a14="http://schemas.microsoft.com/office/drawing/2010/main" Requires="a14">
+          <p:sp>
+            <p:nvSpPr>
+              <p:cNvPr id="47" name="文本框 46">
+                <a:extLst>
+                  <a:ext uri="{FF2B5EF4-FFF2-40B4-BE49-F238E27FC236}">
+                    <a16:creationId xmlns:a16="http://schemas.microsoft.com/office/drawing/2014/main" id="{B6B87BD8-942D-4398-AC4C-3072F33F33AA}"/>
+                  </a:ext>
+                </a:extLst>
+              </p:cNvPr>
+              <p:cNvSpPr txBox="1"/>
+              <p:nvPr/>
+            </p:nvSpPr>
+            <p:spPr>
+              <a:xfrm>
+                <a:off x="8590694" y="3980622"/>
+                <a:ext cx="1037219" cy="338554"/>
+              </a:xfrm>
+              <a:prstGeom prst="rect">
+                <a:avLst/>
+              </a:prstGeom>
+              <a:noFill/>
+            </p:spPr>
+            <p:txBody>
+              <a:bodyPr wrap="square" rtlCol="0">
+                <a:spAutoFit/>
+              </a:bodyPr>
+              <a:lstStyle/>
+              <a:p>
+                <a:pPr/>
+                <a14:m>
+                  <m:oMathPara xmlns:m="http://schemas.openxmlformats.org/officeDocument/2006/math">
+                    <m:oMathParaPr>
+                      <m:jc m:val="centerGroup"/>
+                    </m:oMathParaPr>
+                    <m:oMath xmlns:m="http://schemas.openxmlformats.org/officeDocument/2006/math">
+                      <m:r>
+                        <a:rPr lang="en-US" altLang="zh-CN" sz="1600" i="1" dirty="0" smtClean="0">
+                          <a:solidFill>
+                            <a:srgbClr val="2CEC67"/>
+                          </a:solidFill>
+                          <a:latin typeface="Cambria Math" panose="02040503050406030204" pitchFamily="18" charset="0"/>
+                        </a:rPr>
+                        <m:t>𝑚</m:t>
+                      </m:r>
+                      <m:r>
+                        <a:rPr lang="en-US" altLang="zh-CN" sz="1600" b="0" i="1" dirty="0" smtClean="0">
+                          <a:solidFill>
+                            <a:srgbClr val="2CEC67"/>
+                          </a:solidFill>
+                          <a:latin typeface="Cambria Math" panose="02040503050406030204" pitchFamily="18" charset="0"/>
+                        </a:rPr>
+                        <m:t>𝑖𝑠𝑚𝑎𝑡𝑐h</m:t>
+                      </m:r>
+                    </m:oMath>
+                  </m:oMathPara>
+                </a14:m>
+                <a:endParaRPr lang="zh-CN" altLang="en-US" sz="1600" dirty="0">
+                  <a:solidFill>
+                    <a:srgbClr val="FFC000"/>
+                  </a:solidFill>
+                </a:endParaRPr>
+              </a:p>
+            </p:txBody>
+          </p:sp>
+        </mc:Choice>
+        <mc:Fallback>
+          <p:sp>
+            <p:nvSpPr>
+              <p:cNvPr id="47" name="文本框 46">
+                <a:extLst>
+                  <a:ext uri="{FF2B5EF4-FFF2-40B4-BE49-F238E27FC236}">
+                    <a16:creationId xmlns:a16="http://schemas.microsoft.com/office/drawing/2014/main" id="{B6B87BD8-942D-4398-AC4C-3072F33F33AA}"/>
+                  </a:ext>
+                </a:extLst>
+              </p:cNvPr>
+              <p:cNvSpPr txBox="1">
+                <a:spLocks noRot="1" noChangeAspect="1" noMove="1" noResize="1" noEditPoints="1" noAdjustHandles="1" noChangeArrowheads="1" noChangeShapeType="1" noTextEdit="1"/>
+              </p:cNvSpPr>
+              <p:nvPr/>
+            </p:nvSpPr>
+            <p:spPr>
+              <a:xfrm>
+                <a:off x="8590694" y="3980622"/>
+                <a:ext cx="1037219" cy="338554"/>
+              </a:xfrm>
+              <a:prstGeom prst="rect">
+                <a:avLst/>
+              </a:prstGeom>
+              <a:blipFill>
+                <a:blip r:embed="rId3"/>
+                <a:stretch>
+                  <a:fillRect r="-1765"/>
+                </a:stretch>
+              </a:blipFill>
+            </p:spPr>
+            <p:txBody>
+              <a:bodyPr/>
+              <a:lstStyle/>
+              <a:p>
+                <a:r>
+                  <a:rPr lang="zh-CN" altLang="en-US">
+                    <a:noFill/>
+                  </a:rPr>
+                  <a:t> </a:t>
+                </a:r>
+              </a:p>
+            </p:txBody>
+          </p:sp>
+        </mc:Fallback>
+      </mc:AlternateContent>
+      <p:cxnSp>
+        <p:nvCxnSpPr>
+          <p:cNvPr id="48" name="直接箭头连接符 47">
+            <a:extLst>
+              <a:ext uri="{FF2B5EF4-FFF2-40B4-BE49-F238E27FC236}">
+                <a16:creationId xmlns:a16="http://schemas.microsoft.com/office/drawing/2014/main" id="{44B55196-8557-4FBF-9934-402265098FDA}"/>
+              </a:ext>
+            </a:extLst>
+          </p:cNvPr>
+          <p:cNvCxnSpPr>
+            <a:cxnSpLocks/>
+          </p:cNvCxnSpPr>
+          <p:nvPr/>
+        </p:nvCxnSpPr>
+        <p:spPr>
+          <a:xfrm flipV="1">
+            <a:off x="8551117" y="4558626"/>
+            <a:ext cx="0" cy="280074"/>
+          </a:xfrm>
+          <a:prstGeom prst="straightConnector1">
+            <a:avLst/>
+          </a:prstGeom>
+          <a:ln w="22225">
+            <a:solidFill>
+              <a:srgbClr val="FFFF00"/>
+            </a:solidFill>
+            <a:headEnd type="none"/>
+            <a:tailEnd type="triangle"/>
+          </a:ln>
+        </p:spPr>
+        <p:style>
+          <a:lnRef idx="1">
+            <a:schemeClr val="accent1"/>
+          </a:lnRef>
+          <a:fillRef idx="0">
+            <a:schemeClr val="accent1"/>
+          </a:fillRef>
+          <a:effectRef idx="0">
+            <a:schemeClr val="accent1"/>
+          </a:effectRef>
+          <a:fontRef idx="minor">
+            <a:schemeClr val="tx1"/>
+          </a:fontRef>
+        </p:style>
+      </p:cxnSp>
+      <p:cxnSp>
+        <p:nvCxnSpPr>
+          <p:cNvPr id="50" name="直接箭头连接符 49">
+            <a:extLst>
+              <a:ext uri="{FF2B5EF4-FFF2-40B4-BE49-F238E27FC236}">
+                <a16:creationId xmlns:a16="http://schemas.microsoft.com/office/drawing/2014/main" id="{E961D831-DF3E-4057-849F-5C80E6E14CD6}"/>
+              </a:ext>
+            </a:extLst>
+          </p:cNvPr>
+          <p:cNvCxnSpPr>
+            <a:cxnSpLocks/>
+          </p:cNvCxnSpPr>
+          <p:nvPr/>
+        </p:nvCxnSpPr>
+        <p:spPr>
+          <a:xfrm flipV="1">
+            <a:off x="6020287" y="3459409"/>
+            <a:ext cx="0" cy="243911"/>
+          </a:xfrm>
+          <a:prstGeom prst="straightConnector1">
+            <a:avLst/>
+          </a:prstGeom>
+          <a:ln w="22225">
+            <a:solidFill>
+              <a:srgbClr val="FFFF00"/>
+            </a:solidFill>
+            <a:headEnd type="none"/>
+            <a:tailEnd type="triangle"/>
+          </a:ln>
+        </p:spPr>
+        <p:style>
+          <a:lnRef idx="1">
+            <a:schemeClr val="accent1"/>
+          </a:lnRef>
+          <a:fillRef idx="0">
+            <a:schemeClr val="accent1"/>
+          </a:fillRef>
+          <a:effectRef idx="0">
+            <a:schemeClr val="accent1"/>
+          </a:effectRef>
+          <a:fontRef idx="minor">
+            <a:schemeClr val="tx1"/>
+          </a:fontRef>
+        </p:style>
+      </p:cxnSp>
+      <p:sp>
+        <p:nvSpPr>
+          <p:cNvPr id="51" name="文本框 50">
+            <a:extLst>
+              <a:ext uri="{FF2B5EF4-FFF2-40B4-BE49-F238E27FC236}">
+                <a16:creationId xmlns:a16="http://schemas.microsoft.com/office/drawing/2014/main" id="{5D3B54F4-4B54-4116-9FD1-2A44544A0579}"/>
+              </a:ext>
+            </a:extLst>
+          </p:cNvPr>
+          <p:cNvSpPr txBox="1"/>
+          <p:nvPr/>
+        </p:nvSpPr>
+        <p:spPr>
+          <a:xfrm>
+            <a:off x="6024348" y="3532421"/>
+            <a:ext cx="850913" cy="307471"/>
+          </a:xfrm>
+          <a:prstGeom prst="rect">
+            <a:avLst/>
+          </a:prstGeom>
+          <a:noFill/>
+        </p:spPr>
+        <p:txBody>
+          <a:bodyPr wrap="square" rtlCol="0">
+            <a:spAutoFit/>
+          </a:bodyPr>
+          <a:lstStyle/>
+          <a:p>
+            <a:r>
+              <a:rPr lang="en-US" altLang="zh-CN" sz="1400" dirty="0">
+                <a:solidFill>
+                  <a:srgbClr val="FFFF00"/>
+                </a:solidFill>
+              </a:rPr>
+              <a:t>index = s</a:t>
+            </a:r>
+            <a:endParaRPr lang="zh-CN" altLang="en-US" sz="1400" dirty="0">
+              <a:solidFill>
+                <a:srgbClr val="FFFF00"/>
+              </a:solidFill>
+            </a:endParaRPr>
+          </a:p>
+        </p:txBody>
+      </p:sp>
+      <p:sp>
+        <p:nvSpPr>
+          <p:cNvPr id="60" name="文本框 59">
+            <a:extLst>
+              <a:ext uri="{FF2B5EF4-FFF2-40B4-BE49-F238E27FC236}">
+                <a16:creationId xmlns:a16="http://schemas.microsoft.com/office/drawing/2014/main" id="{15609BA8-1BB6-44D2-8283-2A1C616393E4}"/>
+              </a:ext>
+            </a:extLst>
+          </p:cNvPr>
+          <p:cNvSpPr txBox="1"/>
+          <p:nvPr/>
+        </p:nvSpPr>
+        <p:spPr>
+          <a:xfrm>
+            <a:off x="5401362" y="3361216"/>
+            <a:ext cx="614864" cy="307777"/>
+          </a:xfrm>
+          <a:prstGeom prst="rect">
+            <a:avLst/>
+          </a:prstGeom>
+          <a:noFill/>
+        </p:spPr>
+        <p:txBody>
+          <a:bodyPr wrap="square" rtlCol="0">
+            <a:spAutoFit/>
+          </a:bodyPr>
+          <a:lstStyle/>
+          <a:p>
+            <a:r>
+              <a:rPr lang="en-US" altLang="zh-CN" sz="1400" dirty="0">
+                <a:solidFill>
+                  <a:srgbClr val="FFFF00"/>
+                </a:solidFill>
+              </a:rPr>
+              <a:t>suffix</a:t>
+            </a:r>
+            <a:endParaRPr lang="zh-CN" altLang="en-US" sz="1400" dirty="0">
+              <a:solidFill>
+                <a:srgbClr val="FFFF00"/>
+              </a:solidFill>
+            </a:endParaRPr>
+          </a:p>
+        </p:txBody>
+      </p:sp>
+      <p:cxnSp>
+        <p:nvCxnSpPr>
+          <p:cNvPr id="61" name="直接连接符 60">
+            <a:extLst>
+              <a:ext uri="{FF2B5EF4-FFF2-40B4-BE49-F238E27FC236}">
+                <a16:creationId xmlns:a16="http://schemas.microsoft.com/office/drawing/2014/main" id="{1AE7E402-031D-4A67-A060-41DCA706BF5E}"/>
+              </a:ext>
+            </a:extLst>
+          </p:cNvPr>
+          <p:cNvCxnSpPr>
+            <a:cxnSpLocks/>
+          </p:cNvCxnSpPr>
+          <p:nvPr/>
+        </p:nvCxnSpPr>
+        <p:spPr>
+          <a:xfrm>
+            <a:off x="11051427" y="798910"/>
+            <a:ext cx="0" cy="1218025"/>
+          </a:xfrm>
+          <a:prstGeom prst="line">
+            <a:avLst/>
+          </a:prstGeom>
+          <a:ln>
+            <a:solidFill>
+              <a:srgbClr val="FFFF00"/>
+            </a:solidFill>
+            <a:prstDash val="dash"/>
+          </a:ln>
+        </p:spPr>
+        <p:style>
+          <a:lnRef idx="1">
+            <a:schemeClr val="accent1"/>
+          </a:lnRef>
+          <a:fillRef idx="0">
+            <a:schemeClr val="accent1"/>
+          </a:fillRef>
+          <a:effectRef idx="0">
+            <a:schemeClr val="accent1"/>
+          </a:effectRef>
+          <a:fontRef idx="minor">
+            <a:schemeClr val="tx1"/>
+          </a:fontRef>
+        </p:style>
+      </p:cxnSp>
+      <p:cxnSp>
+        <p:nvCxnSpPr>
+          <p:cNvPr id="62" name="直接连接符 61">
+            <a:extLst>
+              <a:ext uri="{FF2B5EF4-FFF2-40B4-BE49-F238E27FC236}">
+                <a16:creationId xmlns:a16="http://schemas.microsoft.com/office/drawing/2014/main" id="{DE1C6DA7-22EC-4D51-A034-F99CF94FBF2E}"/>
+              </a:ext>
+            </a:extLst>
+          </p:cNvPr>
+          <p:cNvCxnSpPr>
+            <a:cxnSpLocks/>
+          </p:cNvCxnSpPr>
+          <p:nvPr/>
+        </p:nvCxnSpPr>
+        <p:spPr>
+          <a:xfrm flipH="1">
+            <a:off x="5425755" y="3210492"/>
+            <a:ext cx="1" cy="492828"/>
+          </a:xfrm>
+          <a:prstGeom prst="line">
+            <a:avLst/>
+          </a:prstGeom>
+          <a:ln>
+            <a:solidFill>
+              <a:srgbClr val="FFFF00"/>
+            </a:solidFill>
+            <a:prstDash val="dash"/>
+          </a:ln>
+        </p:spPr>
+        <p:style>
+          <a:lnRef idx="1">
+            <a:schemeClr val="accent1"/>
+          </a:lnRef>
+          <a:fillRef idx="0">
+            <a:schemeClr val="accent1"/>
+          </a:fillRef>
+          <a:effectRef idx="0">
+            <a:schemeClr val="accent1"/>
+          </a:effectRef>
+          <a:fontRef idx="minor">
+            <a:schemeClr val="tx1"/>
+          </a:fontRef>
+        </p:style>
+      </p:cxnSp>
+      <mc:AlternateContent xmlns:mc="http://schemas.openxmlformats.org/markup-compatibility/2006">
+        <mc:Choice xmlns:a14="http://schemas.microsoft.com/office/drawing/2010/main" Requires="a14">
+          <p:sp>
+            <p:nvSpPr>
+              <p:cNvPr id="63" name="文本框 62">
+                <a:extLst>
+                  <a:ext uri="{FF2B5EF4-FFF2-40B4-BE49-F238E27FC236}">
+                    <a16:creationId xmlns:a16="http://schemas.microsoft.com/office/drawing/2014/main" id="{BB3D1591-2633-46B7-A758-3CA966C74CCF}"/>
+                  </a:ext>
+                </a:extLst>
+              </p:cNvPr>
+              <p:cNvSpPr txBox="1"/>
+              <p:nvPr/>
+            </p:nvSpPr>
+            <p:spPr>
+              <a:xfrm>
+                <a:off x="5439729" y="3541333"/>
+                <a:ext cx="294509" cy="364459"/>
+              </a:xfrm>
+              <a:prstGeom prst="rect">
+                <a:avLst/>
+              </a:prstGeom>
+              <a:noFill/>
+            </p:spPr>
+            <p:txBody>
+              <a:bodyPr wrap="square" rtlCol="0">
+                <a:spAutoFit/>
+              </a:bodyPr>
+              <a:lstStyle/>
+              <a:p>
+                <a:pPr/>
+                <a14:m>
+                  <m:oMathPara xmlns:m="http://schemas.openxmlformats.org/officeDocument/2006/math">
+                    <m:oMathParaPr>
+                      <m:jc m:val="centerGroup"/>
+                    </m:oMathParaPr>
+                    <m:oMath xmlns:m="http://schemas.openxmlformats.org/officeDocument/2006/math">
+                      <m:sSubSup>
+                        <m:sSubSupPr>
+                          <m:ctrlPr>
+                            <a:rPr lang="en-US" altLang="zh-CN" sz="1600" i="1" smtClean="0">
+                              <a:solidFill>
+                                <a:srgbClr val="FFFF00"/>
+                              </a:solidFill>
+                              <a:latin typeface="Cambria Math" panose="02040503050406030204" pitchFamily="18" charset="0"/>
+                            </a:rPr>
+                          </m:ctrlPr>
+                        </m:sSubSupPr>
+                        <m:e>
+                          <m:r>
+                            <a:rPr lang="en-US" altLang="zh-CN" sz="1600" b="0" i="1" smtClean="0">
+                              <a:solidFill>
+                                <a:srgbClr val="FFFF00"/>
+                              </a:solidFill>
+                              <a:latin typeface="Cambria Math" panose="02040503050406030204" pitchFamily="18" charset="0"/>
+                            </a:rPr>
+                            <m:t>𝑐</m:t>
+                          </m:r>
+                        </m:e>
+                        <m:sub>
+                          <m:r>
+                            <a:rPr lang="en-US" altLang="zh-CN" sz="1600" b="0" i="1" smtClean="0">
+                              <a:solidFill>
+                                <a:srgbClr val="FFFF00"/>
+                              </a:solidFill>
+                              <a:latin typeface="Cambria Math" panose="02040503050406030204" pitchFamily="18" charset="0"/>
+                            </a:rPr>
+                            <m:t>𝑠</m:t>
+                          </m:r>
+                          <m:r>
+                            <a:rPr lang="en-US" altLang="zh-CN" sz="1600" b="0" i="1" smtClean="0">
+                              <a:solidFill>
+                                <a:srgbClr val="FFFF00"/>
+                              </a:solidFill>
+                              <a:latin typeface="Cambria Math" panose="02040503050406030204" pitchFamily="18" charset="0"/>
+                            </a:rPr>
+                            <m:t>−1</m:t>
+                          </m:r>
+                        </m:sub>
+                        <m:sup>
+                          <m:r>
+                            <a:rPr lang="en-US" altLang="zh-CN" sz="1600" b="0" i="1" smtClean="0">
+                              <a:solidFill>
+                                <a:srgbClr val="FFFF00"/>
+                              </a:solidFill>
+                              <a:latin typeface="Cambria Math" panose="02040503050406030204" pitchFamily="18" charset="0"/>
+                            </a:rPr>
+                            <m:t>𝑖</m:t>
+                          </m:r>
+                        </m:sup>
+                      </m:sSubSup>
+                    </m:oMath>
+                  </m:oMathPara>
+                </a14:m>
+                <a:endParaRPr lang="zh-CN" altLang="en-US" sz="1600" dirty="0">
+                  <a:solidFill>
+                    <a:srgbClr val="FFFF00"/>
+                  </a:solidFill>
+                </a:endParaRPr>
+              </a:p>
+            </p:txBody>
+          </p:sp>
+        </mc:Choice>
+        <mc:Fallback>
+          <p:sp>
+            <p:nvSpPr>
+              <p:cNvPr id="63" name="文本框 62">
+                <a:extLst>
+                  <a:ext uri="{FF2B5EF4-FFF2-40B4-BE49-F238E27FC236}">
+                    <a16:creationId xmlns:a16="http://schemas.microsoft.com/office/drawing/2014/main" id="{BB3D1591-2633-46B7-A758-3CA966C74CCF}"/>
+                  </a:ext>
+                </a:extLst>
+              </p:cNvPr>
+              <p:cNvSpPr txBox="1">
+                <a:spLocks noRot="1" noChangeAspect="1" noMove="1" noResize="1" noEditPoints="1" noAdjustHandles="1" noChangeArrowheads="1" noChangeShapeType="1" noTextEdit="1"/>
+              </p:cNvSpPr>
+              <p:nvPr/>
+            </p:nvSpPr>
+            <p:spPr>
+              <a:xfrm>
+                <a:off x="5439729" y="3541333"/>
+                <a:ext cx="294509" cy="364459"/>
+              </a:xfrm>
+              <a:prstGeom prst="rect">
+                <a:avLst/>
+              </a:prstGeom>
+              <a:blipFill>
+                <a:blip r:embed="rId4"/>
+                <a:stretch>
+                  <a:fillRect r="-65306"/>
+                </a:stretch>
+              </a:blipFill>
+            </p:spPr>
+            <p:txBody>
+              <a:bodyPr/>
+              <a:lstStyle/>
+              <a:p>
+                <a:r>
+                  <a:rPr lang="zh-CN" altLang="en-US">
+                    <a:noFill/>
+                  </a:rPr>
+                  <a:t> </a:t>
+                </a:r>
+              </a:p>
+            </p:txBody>
+          </p:sp>
+        </mc:Fallback>
+      </mc:AlternateContent>
+      <p:cxnSp>
+        <p:nvCxnSpPr>
+          <p:cNvPr id="68" name="直接箭头连接符 67">
+            <a:extLst>
+              <a:ext uri="{FF2B5EF4-FFF2-40B4-BE49-F238E27FC236}">
+                <a16:creationId xmlns:a16="http://schemas.microsoft.com/office/drawing/2014/main" id="{BEFA879F-62BA-40E6-BE68-5FA281D45083}"/>
+              </a:ext>
+            </a:extLst>
+          </p:cNvPr>
+          <p:cNvCxnSpPr>
+            <a:cxnSpLocks/>
+          </p:cNvCxnSpPr>
+          <p:nvPr/>
+        </p:nvCxnSpPr>
+        <p:spPr>
+          <a:xfrm flipV="1">
+            <a:off x="5433878" y="3594046"/>
+            <a:ext cx="508021" cy="4998"/>
+          </a:xfrm>
+          <a:prstGeom prst="straightConnector1">
+            <a:avLst/>
+          </a:prstGeom>
+          <a:ln w="9525">
+            <a:solidFill>
+              <a:schemeClr val="accent1">
+                <a:lumMod val="40000"/>
+                <a:lumOff val="60000"/>
+              </a:schemeClr>
+            </a:solidFill>
+            <a:prstDash val="dash"/>
+            <a:headEnd type="triangle" w="sm" len="sm"/>
+            <a:tailEnd type="triangle" w="sm" len="sm"/>
+          </a:ln>
+        </p:spPr>
+        <p:style>
+          <a:lnRef idx="1">
+            <a:schemeClr val="accent1"/>
+          </a:lnRef>
+          <a:fillRef idx="0">
+            <a:schemeClr val="accent1"/>
+          </a:fillRef>
+          <a:effectRef idx="0">
+            <a:schemeClr val="accent1"/>
+          </a:effectRef>
+          <a:fontRef idx="minor">
+            <a:schemeClr val="tx1"/>
+          </a:fontRef>
+        </p:style>
+      </p:cxnSp>
+      <p:cxnSp>
+        <p:nvCxnSpPr>
+          <p:cNvPr id="74" name="直接连接符 73">
+            <a:extLst>
+              <a:ext uri="{FF2B5EF4-FFF2-40B4-BE49-F238E27FC236}">
+                <a16:creationId xmlns:a16="http://schemas.microsoft.com/office/drawing/2014/main" id="{F51E9F96-3AA7-4DCC-BD7E-BD7AB603B4CC}"/>
+              </a:ext>
+            </a:extLst>
+          </p:cNvPr>
+          <p:cNvCxnSpPr>
+            <a:cxnSpLocks/>
+          </p:cNvCxnSpPr>
+          <p:nvPr/>
+        </p:nvCxnSpPr>
+        <p:spPr>
+          <a:xfrm flipH="1">
+            <a:off x="7927547" y="4332624"/>
+            <a:ext cx="1" cy="492828"/>
+          </a:xfrm>
+          <a:prstGeom prst="line">
+            <a:avLst/>
+          </a:prstGeom>
+          <a:ln>
+            <a:solidFill>
+              <a:srgbClr val="FFFF00"/>
+            </a:solidFill>
+            <a:prstDash val="dash"/>
+          </a:ln>
+        </p:spPr>
+        <p:style>
+          <a:lnRef idx="1">
+            <a:schemeClr val="accent1"/>
+          </a:lnRef>
+          <a:fillRef idx="0">
+            <a:schemeClr val="accent1"/>
+          </a:fillRef>
+          <a:effectRef idx="0">
+            <a:schemeClr val="accent1"/>
+          </a:effectRef>
+          <a:fontRef idx="minor">
+            <a:schemeClr val="tx1"/>
+          </a:fontRef>
+        </p:style>
+      </p:cxnSp>
+      <p:cxnSp>
+        <p:nvCxnSpPr>
+          <p:cNvPr id="77" name="直接箭头连接符 76">
+            <a:extLst>
+              <a:ext uri="{FF2B5EF4-FFF2-40B4-BE49-F238E27FC236}">
+                <a16:creationId xmlns:a16="http://schemas.microsoft.com/office/drawing/2014/main" id="{38F4131E-ECBA-4087-A905-2E45851D3193}"/>
+              </a:ext>
+            </a:extLst>
+          </p:cNvPr>
+          <p:cNvCxnSpPr>
+            <a:cxnSpLocks/>
+          </p:cNvCxnSpPr>
+          <p:nvPr/>
+        </p:nvCxnSpPr>
+        <p:spPr>
+          <a:xfrm flipV="1">
+            <a:off x="7923976" y="4730413"/>
+            <a:ext cx="508021" cy="4998"/>
+          </a:xfrm>
+          <a:prstGeom prst="straightConnector1">
+            <a:avLst/>
+          </a:prstGeom>
+          <a:ln w="9525">
+            <a:solidFill>
+              <a:schemeClr val="accent1">
+                <a:lumMod val="40000"/>
+                <a:lumOff val="60000"/>
+              </a:schemeClr>
+            </a:solidFill>
+            <a:prstDash val="dash"/>
+            <a:headEnd type="triangle" w="sm" len="sm"/>
+            <a:tailEnd type="triangle" w="sm" len="sm"/>
+          </a:ln>
+        </p:spPr>
+        <p:style>
+          <a:lnRef idx="1">
+            <a:schemeClr val="accent1"/>
+          </a:lnRef>
+          <a:fillRef idx="0">
+            <a:schemeClr val="accent1"/>
+          </a:fillRef>
+          <a:effectRef idx="0">
+            <a:schemeClr val="accent1"/>
+          </a:effectRef>
+          <a:fontRef idx="minor">
+            <a:schemeClr val="tx1"/>
+          </a:fontRef>
+        </p:style>
+      </p:cxnSp>
+      <p:sp>
+        <p:nvSpPr>
+          <p:cNvPr id="79" name="文本框 78">
+            <a:extLst>
+              <a:ext uri="{FF2B5EF4-FFF2-40B4-BE49-F238E27FC236}">
+                <a16:creationId xmlns:a16="http://schemas.microsoft.com/office/drawing/2014/main" id="{EFB2480F-CC60-45DF-A9D7-9D7B922D1191}"/>
+              </a:ext>
+            </a:extLst>
+          </p:cNvPr>
+          <p:cNvSpPr txBox="1"/>
+          <p:nvPr/>
+        </p:nvSpPr>
+        <p:spPr>
+          <a:xfrm>
+            <a:off x="7890419" y="4484587"/>
+            <a:ext cx="614864" cy="307777"/>
+          </a:xfrm>
+          <a:prstGeom prst="rect">
+            <a:avLst/>
+          </a:prstGeom>
+          <a:noFill/>
+        </p:spPr>
+        <p:txBody>
+          <a:bodyPr wrap="square" rtlCol="0">
+            <a:spAutoFit/>
+          </a:bodyPr>
+          <a:lstStyle/>
+          <a:p>
+            <a:r>
+              <a:rPr lang="en-US" altLang="zh-CN" sz="1400" dirty="0">
+                <a:solidFill>
+                  <a:srgbClr val="FFFF00"/>
+                </a:solidFill>
+              </a:rPr>
+              <a:t>suffix</a:t>
+            </a:r>
+            <a:endParaRPr lang="zh-CN" altLang="en-US" sz="1400" dirty="0">
+              <a:solidFill>
+                <a:srgbClr val="FFFF00"/>
+              </a:solidFill>
+            </a:endParaRPr>
+          </a:p>
+        </p:txBody>
+      </p:sp>
+      <mc:AlternateContent xmlns:mc="http://schemas.openxmlformats.org/markup-compatibility/2006">
+        <mc:Choice xmlns:a14="http://schemas.microsoft.com/office/drawing/2010/main" Requires="a14">
+          <p:sp>
+            <p:nvSpPr>
+              <p:cNvPr id="80" name="文本框 79">
+                <a:extLst>
+                  <a:ext uri="{FF2B5EF4-FFF2-40B4-BE49-F238E27FC236}">
+                    <a16:creationId xmlns:a16="http://schemas.microsoft.com/office/drawing/2014/main" id="{BB9E2434-5987-4B57-8D08-48BE1D0F9684}"/>
+                  </a:ext>
+                </a:extLst>
+              </p:cNvPr>
+              <p:cNvSpPr txBox="1"/>
+              <p:nvPr/>
+            </p:nvSpPr>
+            <p:spPr>
+              <a:xfrm>
+                <a:off x="7892111" y="4698503"/>
+                <a:ext cx="294509" cy="364459"/>
+              </a:xfrm>
+              <a:prstGeom prst="rect">
+                <a:avLst/>
+              </a:prstGeom>
+              <a:noFill/>
+            </p:spPr>
+            <p:txBody>
+              <a:bodyPr wrap="square" rtlCol="0">
+                <a:spAutoFit/>
+              </a:bodyPr>
+              <a:lstStyle/>
+              <a:p>
+                <a:pPr/>
+                <a14:m>
+                  <m:oMathPara xmlns:m="http://schemas.openxmlformats.org/officeDocument/2006/math">
+                    <m:oMathParaPr>
+                      <m:jc m:val="centerGroup"/>
+                    </m:oMathParaPr>
+                    <m:oMath xmlns:m="http://schemas.openxmlformats.org/officeDocument/2006/math">
+                      <m:sSubSup>
+                        <m:sSubSupPr>
+                          <m:ctrlPr>
+                            <a:rPr lang="en-US" altLang="zh-CN" sz="1600" i="1" smtClean="0">
+                              <a:solidFill>
+                                <a:srgbClr val="FFFF00"/>
+                              </a:solidFill>
+                              <a:latin typeface="Cambria Math" panose="02040503050406030204" pitchFamily="18" charset="0"/>
+                            </a:rPr>
+                          </m:ctrlPr>
+                        </m:sSubSupPr>
+                        <m:e>
+                          <m:r>
+                            <a:rPr lang="en-US" altLang="zh-CN" sz="1600" b="0" i="1" smtClean="0">
+                              <a:solidFill>
+                                <a:srgbClr val="FFFF00"/>
+                              </a:solidFill>
+                              <a:latin typeface="Cambria Math" panose="02040503050406030204" pitchFamily="18" charset="0"/>
+                            </a:rPr>
+                            <m:t>𝑐</m:t>
+                          </m:r>
+                        </m:e>
+                        <m:sub>
+                          <m:r>
+                            <a:rPr lang="en-US" altLang="zh-CN" sz="1600" b="0" i="1" smtClean="0">
+                              <a:solidFill>
+                                <a:srgbClr val="FFFF00"/>
+                              </a:solidFill>
+                              <a:latin typeface="Cambria Math" panose="02040503050406030204" pitchFamily="18" charset="0"/>
+                            </a:rPr>
+                            <m:t>𝑠</m:t>
+                          </m:r>
+                          <m:r>
+                            <a:rPr lang="en-US" altLang="zh-CN" sz="1600" b="0" i="1" smtClean="0">
+                              <a:solidFill>
+                                <a:srgbClr val="FFFF00"/>
+                              </a:solidFill>
+                              <a:latin typeface="Cambria Math" panose="02040503050406030204" pitchFamily="18" charset="0"/>
+                            </a:rPr>
+                            <m:t>−1</m:t>
+                          </m:r>
+                        </m:sub>
+                        <m:sup>
+                          <m:r>
+                            <a:rPr lang="en-US" altLang="zh-CN" sz="1600" b="0" i="1" smtClean="0">
+                              <a:solidFill>
+                                <a:srgbClr val="FFFF00"/>
+                              </a:solidFill>
+                              <a:latin typeface="Cambria Math" panose="02040503050406030204" pitchFamily="18" charset="0"/>
+                            </a:rPr>
+                            <m:t>𝑖</m:t>
+                          </m:r>
+                          <m:r>
+                            <a:rPr lang="en-US" altLang="zh-CN" sz="1600" b="0" i="1" smtClean="0">
+                              <a:solidFill>
+                                <a:srgbClr val="FFFF00"/>
+                              </a:solidFill>
+                              <a:latin typeface="Cambria Math" panose="02040503050406030204" pitchFamily="18" charset="0"/>
+                            </a:rPr>
+                            <m:t>+</m:t>
+                          </m:r>
+                          <m:r>
+                            <a:rPr lang="en-US" altLang="zh-CN" sz="1600" b="0" i="1" smtClean="0">
+                              <a:solidFill>
+                                <a:srgbClr val="FFFF00"/>
+                              </a:solidFill>
+                              <a:latin typeface="Cambria Math" panose="02040503050406030204" pitchFamily="18" charset="0"/>
+                            </a:rPr>
+                            <m:t>𝑘</m:t>
+                          </m:r>
+                        </m:sup>
+                      </m:sSubSup>
+                    </m:oMath>
+                  </m:oMathPara>
+                </a14:m>
+                <a:endParaRPr lang="zh-CN" altLang="en-US" sz="1600" dirty="0">
+                  <a:solidFill>
+                    <a:srgbClr val="FFFF00"/>
+                  </a:solidFill>
+                </a:endParaRPr>
+              </a:p>
+            </p:txBody>
+          </p:sp>
+        </mc:Choice>
+        <mc:Fallback>
+          <p:sp>
+            <p:nvSpPr>
+              <p:cNvPr id="80" name="文本框 79">
+                <a:extLst>
+                  <a:ext uri="{FF2B5EF4-FFF2-40B4-BE49-F238E27FC236}">
+                    <a16:creationId xmlns:a16="http://schemas.microsoft.com/office/drawing/2014/main" id="{BB9E2434-5987-4B57-8D08-48BE1D0F9684}"/>
+                  </a:ext>
+                </a:extLst>
+              </p:cNvPr>
+              <p:cNvSpPr txBox="1">
+                <a:spLocks noRot="1" noChangeAspect="1" noMove="1" noResize="1" noEditPoints="1" noAdjustHandles="1" noChangeArrowheads="1" noChangeShapeType="1" noTextEdit="1"/>
+              </p:cNvSpPr>
+              <p:nvPr/>
+            </p:nvSpPr>
+            <p:spPr>
+              <a:xfrm>
+                <a:off x="7892111" y="4698503"/>
+                <a:ext cx="294509" cy="364459"/>
+              </a:xfrm>
+              <a:prstGeom prst="rect">
+                <a:avLst/>
+              </a:prstGeom>
+              <a:blipFill>
+                <a:blip r:embed="rId5"/>
+                <a:stretch>
+                  <a:fillRect r="-70833"/>
+                </a:stretch>
+              </a:blipFill>
+            </p:spPr>
+            <p:txBody>
+              <a:bodyPr/>
+              <a:lstStyle/>
+              <a:p>
+                <a:r>
+                  <a:rPr lang="zh-CN" altLang="en-US">
+                    <a:noFill/>
+                  </a:rPr>
+                  <a:t> </a:t>
+                </a:r>
+              </a:p>
+            </p:txBody>
+          </p:sp>
+        </mc:Fallback>
+      </mc:AlternateContent>
+    </p:spTree>
+    <p:extLst>
+      <p:ext uri="{BB962C8B-B14F-4D97-AF65-F5344CB8AC3E}">
+        <p14:creationId xmlns:p14="http://schemas.microsoft.com/office/powerpoint/2010/main" val="89321235"/>
       </p:ext>
     </p:extLst>
   </p:cSld>

--- a/_posts/字符串匹配算法系列之一：BF-KMP/示意图.pptx
+++ b/_posts/字符串匹配算法系列之一：BF-KMP/示意图.pptx
@@ -13,6 +13,8 @@
     <p:sldId id="261" r:id="rId7"/>
     <p:sldId id="262" r:id="rId8"/>
     <p:sldId id="263" r:id="rId9"/>
+    <p:sldId id="264" r:id="rId10"/>
+    <p:sldId id="265" r:id="rId11"/>
   </p:sldIdLst>
   <p:sldSz cx="12192000" cy="6858000"/>
   <p:notesSz cx="6858000" cy="9144000"/>
@@ -349,7 +351,7 @@
             <a:fld id="{B61BEF0D-F0BB-DE4B-95CE-6DB70DBA9567}" type="datetimeFigureOut">
               <a:rPr lang="en-US" dirty="0"/>
               <a:pPr/>
-              <a:t>4/30/2018</a:t>
+              <a:t>5/3/2018</a:t>
             </a:fld>
             <a:endParaRPr lang="en-US" dirty="0"/>
           </a:p>
@@ -680,7 +682,7 @@
             <a:fld id="{B61BEF0D-F0BB-DE4B-95CE-6DB70DBA9567}" type="datetimeFigureOut">
               <a:rPr lang="en-US" dirty="0"/>
               <a:pPr/>
-              <a:t>4/30/2018</a:t>
+              <a:t>5/3/2018</a:t>
             </a:fld>
             <a:endParaRPr lang="en-US" dirty="0"/>
           </a:p>
@@ -955,7 +957,7 @@
             <a:fld id="{B61BEF0D-F0BB-DE4B-95CE-6DB70DBA9567}" type="datetimeFigureOut">
               <a:rPr lang="en-US" dirty="0"/>
               <a:pPr/>
-              <a:t>4/30/2018</a:t>
+              <a:t>5/3/2018</a:t>
             </a:fld>
             <a:endParaRPr lang="en-US" dirty="0"/>
           </a:p>
@@ -1520,7 +1522,7 @@
             <a:fld id="{B61BEF0D-F0BB-DE4B-95CE-6DB70DBA9567}" type="datetimeFigureOut">
               <a:rPr lang="en-US" dirty="0"/>
               <a:pPr/>
-              <a:t>4/30/2018</a:t>
+              <a:t>5/3/2018</a:t>
             </a:fld>
             <a:endParaRPr lang="en-US" dirty="0"/>
           </a:p>
@@ -1795,7 +1797,7 @@
             <a:fld id="{B61BEF0D-F0BB-DE4B-95CE-6DB70DBA9567}" type="datetimeFigureOut">
               <a:rPr lang="en-US" dirty="0"/>
               <a:pPr/>
-              <a:t>4/30/2018</a:t>
+              <a:t>5/3/2018</a:t>
             </a:fld>
             <a:endParaRPr lang="en-US" dirty="0"/>
           </a:p>
@@ -2354,7 +2356,7 @@
             <a:fld id="{B61BEF0D-F0BB-DE4B-95CE-6DB70DBA9567}" type="datetimeFigureOut">
               <a:rPr lang="en-US" dirty="0"/>
               <a:pPr/>
-              <a:t>4/30/2018</a:t>
+              <a:t>5/3/2018</a:t>
             </a:fld>
             <a:endParaRPr lang="en-US" dirty="0"/>
           </a:p>
@@ -2678,7 +2680,7 @@
             <a:fld id="{B61BEF0D-F0BB-DE4B-95CE-6DB70DBA9567}" type="datetimeFigureOut">
               <a:rPr lang="en-US" dirty="0"/>
               <a:pPr/>
-              <a:t>4/30/2018</a:t>
+              <a:t>5/3/2018</a:t>
             </a:fld>
             <a:endParaRPr lang="en-US" dirty="0"/>
           </a:p>
@@ -2852,7 +2854,7 @@
             <a:fld id="{B61BEF0D-F0BB-DE4B-95CE-6DB70DBA9567}" type="datetimeFigureOut">
               <a:rPr lang="en-US" dirty="0"/>
               <a:pPr/>
-              <a:t>4/30/2018</a:t>
+              <a:t>5/3/2018</a:t>
             </a:fld>
             <a:endParaRPr lang="en-US" dirty="0"/>
           </a:p>
@@ -3087,7 +3089,7 @@
             <a:fld id="{B61BEF0D-F0BB-DE4B-95CE-6DB70DBA9567}" type="datetimeFigureOut">
               <a:rPr lang="en-US" dirty="0"/>
               <a:pPr/>
-              <a:t>4/30/2018</a:t>
+              <a:t>5/3/2018</a:t>
             </a:fld>
             <a:endParaRPr lang="en-US" dirty="0"/>
           </a:p>
@@ -3284,7 +3286,7 @@
             <a:fld id="{B61BEF0D-F0BB-DE4B-95CE-6DB70DBA9567}" type="datetimeFigureOut">
               <a:rPr lang="en-US" dirty="0"/>
               <a:pPr/>
-              <a:t>4/30/2018</a:t>
+              <a:t>5/3/2018</a:t>
             </a:fld>
             <a:endParaRPr lang="en-US" dirty="0"/>
           </a:p>
@@ -3557,7 +3559,7 @@
             <a:fld id="{B61BEF0D-F0BB-DE4B-95CE-6DB70DBA9567}" type="datetimeFigureOut">
               <a:rPr lang="en-US" dirty="0"/>
               <a:pPr/>
-              <a:t>4/30/2018</a:t>
+              <a:t>5/3/2018</a:t>
             </a:fld>
             <a:endParaRPr lang="en-US" dirty="0"/>
           </a:p>
@@ -3820,7 +3822,7 @@
             <a:fld id="{B61BEF0D-F0BB-DE4B-95CE-6DB70DBA9567}" type="datetimeFigureOut">
               <a:rPr lang="en-US" dirty="0"/>
               <a:pPr/>
-              <a:t>4/30/2018</a:t>
+              <a:t>5/3/2018</a:t>
             </a:fld>
             <a:endParaRPr lang="en-US" dirty="0"/>
           </a:p>
@@ -4191,7 +4193,7 @@
             <a:fld id="{B61BEF0D-F0BB-DE4B-95CE-6DB70DBA9567}" type="datetimeFigureOut">
               <a:rPr lang="en-US" dirty="0"/>
               <a:pPr/>
-              <a:t>4/30/2018</a:t>
+              <a:t>5/3/2018</a:t>
             </a:fld>
             <a:endParaRPr lang="en-US" dirty="0"/>
           </a:p>
@@ -4336,7 +4338,7 @@
             <a:fld id="{B61BEF0D-F0BB-DE4B-95CE-6DB70DBA9567}" type="datetimeFigureOut">
               <a:rPr lang="en-US" dirty="0"/>
               <a:pPr/>
-              <a:t>4/30/2018</a:t>
+              <a:t>5/3/2018</a:t>
             </a:fld>
             <a:endParaRPr lang="en-US" dirty="0"/>
           </a:p>
@@ -4458,7 +4460,7 @@
             <a:fld id="{B61BEF0D-F0BB-DE4B-95CE-6DB70DBA9567}" type="datetimeFigureOut">
               <a:rPr lang="en-US" dirty="0"/>
               <a:pPr/>
-              <a:t>4/30/2018</a:t>
+              <a:t>5/3/2018</a:t>
             </a:fld>
             <a:endParaRPr lang="en-US" dirty="0"/>
           </a:p>
@@ -4740,7 +4742,7 @@
             <a:fld id="{B61BEF0D-F0BB-DE4B-95CE-6DB70DBA9567}" type="datetimeFigureOut">
               <a:rPr lang="en-US" dirty="0"/>
               <a:pPr/>
-              <a:t>4/30/2018</a:t>
+              <a:t>5/3/2018</a:t>
             </a:fld>
             <a:endParaRPr lang="en-US" dirty="0"/>
           </a:p>
@@ -5061,7 +5063,7 @@
             <a:fld id="{B61BEF0D-F0BB-DE4B-95CE-6DB70DBA9567}" type="datetimeFigureOut">
               <a:rPr lang="en-US" dirty="0"/>
               <a:pPr/>
-              <a:t>4/30/2018</a:t>
+              <a:t>5/3/2018</a:t>
             </a:fld>
             <a:endParaRPr lang="en-US" dirty="0"/>
           </a:p>
@@ -5272,7 +5274,7 @@
             <a:fld id="{B61BEF0D-F0BB-DE4B-95CE-6DB70DBA9567}" type="datetimeFigureOut">
               <a:rPr lang="en-US" dirty="0"/>
               <a:pPr/>
-              <a:t>4/30/2018</a:t>
+              <a:t>5/3/2018</a:t>
             </a:fld>
             <a:endParaRPr lang="en-US" dirty="0"/>
           </a:p>
@@ -8302,6 +8304,4187 @@
 </p:sld>
 </file>
 
+<file path=ppt/slides/slide10.xml><?xml version="1.0" encoding="utf-8"?>
+<p:sld xmlns:a="http://schemas.openxmlformats.org/drawingml/2006/main" xmlns:r="http://schemas.openxmlformats.org/officeDocument/2006/relationships" xmlns:p="http://schemas.openxmlformats.org/presentationml/2006/main">
+  <p:cSld>
+    <p:spTree>
+      <p:nvGrpSpPr>
+        <p:cNvPr id="1" name=""/>
+        <p:cNvGrpSpPr/>
+        <p:nvPr/>
+      </p:nvGrpSpPr>
+      <p:grpSpPr>
+        <a:xfrm>
+          <a:off x="0" y="0"/>
+          <a:ext cx="0" cy="0"/>
+          <a:chOff x="0" y="0"/>
+          <a:chExt cx="0" cy="0"/>
+        </a:xfrm>
+      </p:grpSpPr>
+      <mc:AlternateContent xmlns:mc="http://schemas.openxmlformats.org/markup-compatibility/2006">
+        <mc:Choice xmlns:a14="http://schemas.microsoft.com/office/drawing/2010/main" Requires="a14">
+          <p:sp>
+            <p:nvSpPr>
+              <p:cNvPr id="33" name="文本框 32">
+                <a:extLst>
+                  <a:ext uri="{FF2B5EF4-FFF2-40B4-BE49-F238E27FC236}">
+                    <a16:creationId xmlns:a16="http://schemas.microsoft.com/office/drawing/2014/main" id="{FB9AA568-3D00-4608-9B08-6E06F21EBA4E}"/>
+                  </a:ext>
+                </a:extLst>
+              </p:cNvPr>
+              <p:cNvSpPr txBox="1"/>
+              <p:nvPr/>
+            </p:nvSpPr>
+            <p:spPr>
+              <a:xfrm>
+                <a:off x="5890480" y="493744"/>
+                <a:ext cx="1156003" cy="338554"/>
+              </a:xfrm>
+              <a:prstGeom prst="rect">
+                <a:avLst/>
+              </a:prstGeom>
+              <a:noFill/>
+            </p:spPr>
+            <p:txBody>
+              <a:bodyPr wrap="square" rtlCol="0">
+                <a:spAutoFit/>
+              </a:bodyPr>
+              <a:lstStyle/>
+              <a:p>
+                <a:pPr/>
+                <a14:m>
+                  <m:oMathPara xmlns:m="http://schemas.openxmlformats.org/officeDocument/2006/math">
+                    <m:oMathParaPr>
+                      <m:jc m:val="centerGroup"/>
+                    </m:oMathParaPr>
+                    <m:oMath xmlns:m="http://schemas.openxmlformats.org/officeDocument/2006/math">
+                      <m:r>
+                        <a:rPr lang="zh-CN" altLang="en-US" sz="1600" i="1" smtClean="0">
+                          <a:solidFill>
+                            <a:srgbClr val="2CEC67"/>
+                          </a:solidFill>
+                          <a:latin typeface="Cambria Math" panose="02040503050406030204" pitchFamily="18" charset="0"/>
+                        </a:rPr>
+                        <m:t>递归</m:t>
+                      </m:r>
+                      <m:r>
+                        <a:rPr lang="zh-CN" altLang="en-US" sz="1600" i="1" smtClean="0">
+                          <a:solidFill>
+                            <a:srgbClr val="2CEC67"/>
+                          </a:solidFill>
+                          <a:latin typeface="Cambria Math" panose="02040503050406030204" pitchFamily="18" charset="0"/>
+                        </a:rPr>
+                        <m:t>计算</m:t>
+                      </m:r>
+                      <m:r>
+                        <a:rPr lang="zh-CN" altLang="en-US" sz="1600" i="1">
+                          <a:solidFill>
+                            <a:srgbClr val="2CEC67"/>
+                          </a:solidFill>
+                          <a:latin typeface="Cambria Math" panose="02040503050406030204" pitchFamily="18" charset="0"/>
+                        </a:rPr>
+                        <m:t>最大</m:t>
+                      </m:r>
+                      <m:r>
+                        <a:rPr lang="zh-CN" altLang="en-US" sz="1600" i="1" smtClean="0">
+                          <a:solidFill>
+                            <a:srgbClr val="2CEC67"/>
+                          </a:solidFill>
+                          <a:latin typeface="Cambria Math" panose="02040503050406030204" pitchFamily="18" charset="0"/>
+                        </a:rPr>
+                        <m:t>前缀</m:t>
+                      </m:r>
+                      <m:r>
+                        <a:rPr lang="zh-CN" altLang="en-US" sz="1600" i="1">
+                          <a:solidFill>
+                            <a:srgbClr val="2CEC67"/>
+                          </a:solidFill>
+                          <a:latin typeface="Cambria Math" panose="02040503050406030204" pitchFamily="18" charset="0"/>
+                        </a:rPr>
+                        <m:t>示意图</m:t>
+                      </m:r>
+                      <m:r>
+                        <a:rPr lang="en-US" altLang="zh-CN" sz="1600" b="0" i="1" smtClean="0">
+                          <a:solidFill>
+                            <a:srgbClr val="2CEC67"/>
+                          </a:solidFill>
+                          <a:latin typeface="Cambria Math" panose="02040503050406030204" pitchFamily="18" charset="0"/>
+                        </a:rPr>
+                        <m:t>2</m:t>
+                      </m:r>
+                    </m:oMath>
+                  </m:oMathPara>
+                </a14:m>
+                <a:endParaRPr lang="zh-CN" altLang="en-US" sz="1600" dirty="0">
+                  <a:solidFill>
+                    <a:srgbClr val="FFFF00"/>
+                  </a:solidFill>
+                </a:endParaRPr>
+              </a:p>
+            </p:txBody>
+          </p:sp>
+        </mc:Choice>
+        <mc:Fallback>
+          <p:sp>
+            <p:nvSpPr>
+              <p:cNvPr id="33" name="文本框 32">
+                <a:extLst>
+                  <a:ext uri="{FF2B5EF4-FFF2-40B4-BE49-F238E27FC236}">
+                    <a16:creationId xmlns:a16="http://schemas.microsoft.com/office/drawing/2014/main" id="{FB9AA568-3D00-4608-9B08-6E06F21EBA4E}"/>
+                  </a:ext>
+                </a:extLst>
+              </p:cNvPr>
+              <p:cNvSpPr txBox="1">
+                <a:spLocks noRot="1" noChangeAspect="1" noMove="1" noResize="1" noEditPoints="1" noAdjustHandles="1" noChangeArrowheads="1" noChangeShapeType="1" noTextEdit="1"/>
+              </p:cNvSpPr>
+              <p:nvPr/>
+            </p:nvSpPr>
+            <p:spPr>
+              <a:xfrm>
+                <a:off x="5890480" y="493744"/>
+                <a:ext cx="1156003" cy="338554"/>
+              </a:xfrm>
+              <a:prstGeom prst="rect">
+                <a:avLst/>
+              </a:prstGeom>
+              <a:blipFill>
+                <a:blip r:embed="rId2"/>
+                <a:stretch>
+                  <a:fillRect l="-526" r="-116316" b="-5357"/>
+                </a:stretch>
+              </a:blipFill>
+            </p:spPr>
+            <p:txBody>
+              <a:bodyPr/>
+              <a:lstStyle/>
+              <a:p>
+                <a:r>
+                  <a:rPr lang="zh-CN" altLang="en-US">
+                    <a:noFill/>
+                  </a:rPr>
+                  <a:t> </a:t>
+                </a:r>
+              </a:p>
+            </p:txBody>
+          </p:sp>
+        </mc:Fallback>
+      </mc:AlternateContent>
+      <p:sp>
+        <p:nvSpPr>
+          <p:cNvPr id="148" name="矩形 147">
+            <a:extLst>
+              <a:ext uri="{FF2B5EF4-FFF2-40B4-BE49-F238E27FC236}">
+                <a16:creationId xmlns:a16="http://schemas.microsoft.com/office/drawing/2014/main" id="{EEB5ACE3-D4CC-4F3C-94B2-4DCC95929CE9}"/>
+              </a:ext>
+            </a:extLst>
+          </p:cNvPr>
+          <p:cNvSpPr/>
+          <p:nvPr/>
+        </p:nvSpPr>
+        <p:spPr>
+          <a:xfrm>
+            <a:off x="7970249" y="2772746"/>
+            <a:ext cx="162226" cy="232702"/>
+          </a:xfrm>
+          <a:prstGeom prst="rect">
+            <a:avLst/>
+          </a:prstGeom>
+          <a:solidFill>
+            <a:schemeClr val="accent3">
+              <a:lumMod val="60000"/>
+              <a:lumOff val="40000"/>
+            </a:schemeClr>
+          </a:solidFill>
+        </p:spPr>
+        <p:style>
+          <a:lnRef idx="2">
+            <a:schemeClr val="accent1">
+              <a:shade val="50000"/>
+            </a:schemeClr>
+          </a:lnRef>
+          <a:fillRef idx="1">
+            <a:schemeClr val="accent1"/>
+          </a:fillRef>
+          <a:effectRef idx="0">
+            <a:schemeClr val="accent1"/>
+          </a:effectRef>
+          <a:fontRef idx="minor">
+            <a:schemeClr val="lt1"/>
+          </a:fontRef>
+        </p:style>
+        <p:txBody>
+          <a:bodyPr rtlCol="0" anchor="ctr"/>
+          <a:lstStyle/>
+          <a:p>
+            <a:pPr algn="ctr"/>
+            <a:endParaRPr lang="zh-CN" altLang="en-US"/>
+          </a:p>
+        </p:txBody>
+      </p:sp>
+      <p:sp>
+        <p:nvSpPr>
+          <p:cNvPr id="149" name="矩形 148">
+            <a:extLst>
+              <a:ext uri="{FF2B5EF4-FFF2-40B4-BE49-F238E27FC236}">
+                <a16:creationId xmlns:a16="http://schemas.microsoft.com/office/drawing/2014/main" id="{B8B3504F-BB66-43E3-8E85-5A0C7F2793DA}"/>
+              </a:ext>
+            </a:extLst>
+          </p:cNvPr>
+          <p:cNvSpPr/>
+          <p:nvPr/>
+        </p:nvSpPr>
+        <p:spPr>
+          <a:xfrm>
+            <a:off x="8148251" y="2773607"/>
+            <a:ext cx="1595360" cy="232702"/>
+          </a:xfrm>
+          <a:prstGeom prst="rect">
+            <a:avLst/>
+          </a:prstGeom>
+          <a:solidFill>
+            <a:srgbClr val="FFC000"/>
+          </a:solidFill>
+        </p:spPr>
+        <p:style>
+          <a:lnRef idx="2">
+            <a:schemeClr val="accent1">
+              <a:shade val="50000"/>
+            </a:schemeClr>
+          </a:lnRef>
+          <a:fillRef idx="1">
+            <a:schemeClr val="accent1"/>
+          </a:fillRef>
+          <a:effectRef idx="0">
+            <a:schemeClr val="accent1"/>
+          </a:effectRef>
+          <a:fontRef idx="minor">
+            <a:schemeClr val="lt1"/>
+          </a:fontRef>
+        </p:style>
+        <p:txBody>
+          <a:bodyPr rtlCol="0" anchor="ctr"/>
+          <a:lstStyle/>
+          <a:p>
+            <a:pPr algn="ctr"/>
+            <a:r>
+              <a:rPr lang="en-US" altLang="zh-CN" sz="1600" dirty="0">
+                <a:solidFill>
+                  <a:schemeClr val="bg2"/>
+                </a:solidFill>
+              </a:rPr>
+              <a:t>Pattern =&gt; Text</a:t>
+            </a:r>
+            <a:endParaRPr lang="zh-CN" altLang="en-US" sz="1600" dirty="0">
+              <a:solidFill>
+                <a:schemeClr val="bg2"/>
+              </a:solidFill>
+            </a:endParaRPr>
+          </a:p>
+        </p:txBody>
+      </p:sp>
+      <p:sp>
+        <p:nvSpPr>
+          <p:cNvPr id="150" name="矩形 149">
+            <a:extLst>
+              <a:ext uri="{FF2B5EF4-FFF2-40B4-BE49-F238E27FC236}">
+                <a16:creationId xmlns:a16="http://schemas.microsoft.com/office/drawing/2014/main" id="{DC788CA0-C86A-4FD4-A405-E4F8A4DDB031}"/>
+              </a:ext>
+            </a:extLst>
+          </p:cNvPr>
+          <p:cNvSpPr/>
+          <p:nvPr/>
+        </p:nvSpPr>
+        <p:spPr>
+          <a:xfrm>
+            <a:off x="6827623" y="2772746"/>
+            <a:ext cx="414711" cy="232702"/>
+          </a:xfrm>
+          <a:prstGeom prst="rect">
+            <a:avLst/>
+          </a:prstGeom>
+          <a:solidFill>
+            <a:schemeClr val="accent2">
+              <a:lumMod val="60000"/>
+              <a:lumOff val="40000"/>
+            </a:schemeClr>
+          </a:solidFill>
+        </p:spPr>
+        <p:style>
+          <a:lnRef idx="2">
+            <a:schemeClr val="accent1">
+              <a:shade val="50000"/>
+            </a:schemeClr>
+          </a:lnRef>
+          <a:fillRef idx="1">
+            <a:schemeClr val="accent1"/>
+          </a:fillRef>
+          <a:effectRef idx="0">
+            <a:schemeClr val="accent1"/>
+          </a:effectRef>
+          <a:fontRef idx="minor">
+            <a:schemeClr val="lt1"/>
+          </a:fontRef>
+        </p:style>
+        <p:txBody>
+          <a:bodyPr rtlCol="0" anchor="ctr"/>
+          <a:lstStyle/>
+          <a:p>
+            <a:pPr algn="ctr"/>
+            <a:endParaRPr lang="zh-CN" altLang="en-US"/>
+          </a:p>
+        </p:txBody>
+      </p:sp>
+      <p:sp>
+        <p:nvSpPr>
+          <p:cNvPr id="151" name="矩形 150">
+            <a:extLst>
+              <a:ext uri="{FF2B5EF4-FFF2-40B4-BE49-F238E27FC236}">
+                <a16:creationId xmlns:a16="http://schemas.microsoft.com/office/drawing/2014/main" id="{17E33359-F72F-4131-A58D-3DB4C861B3BF}"/>
+              </a:ext>
+            </a:extLst>
+          </p:cNvPr>
+          <p:cNvSpPr/>
+          <p:nvPr/>
+        </p:nvSpPr>
+        <p:spPr>
+          <a:xfrm>
+            <a:off x="6659263" y="2772746"/>
+            <a:ext cx="159214" cy="232702"/>
+          </a:xfrm>
+          <a:prstGeom prst="rect">
+            <a:avLst/>
+          </a:prstGeom>
+          <a:solidFill>
+            <a:schemeClr val="accent1">
+              <a:lumMod val="40000"/>
+              <a:lumOff val="60000"/>
+            </a:schemeClr>
+          </a:solidFill>
+        </p:spPr>
+        <p:style>
+          <a:lnRef idx="2">
+            <a:schemeClr val="accent1">
+              <a:shade val="50000"/>
+            </a:schemeClr>
+          </a:lnRef>
+          <a:fillRef idx="1">
+            <a:schemeClr val="accent1"/>
+          </a:fillRef>
+          <a:effectRef idx="0">
+            <a:schemeClr val="accent1"/>
+          </a:effectRef>
+          <a:fontRef idx="minor">
+            <a:schemeClr val="lt1"/>
+          </a:fontRef>
+        </p:style>
+        <p:txBody>
+          <a:bodyPr rtlCol="0" anchor="ctr"/>
+          <a:lstStyle/>
+          <a:p>
+            <a:pPr algn="ctr"/>
+            <a:endParaRPr lang="zh-CN" altLang="en-US"/>
+          </a:p>
+        </p:txBody>
+      </p:sp>
+      <p:sp>
+        <p:nvSpPr>
+          <p:cNvPr id="152" name="矩形 151">
+            <a:extLst>
+              <a:ext uri="{FF2B5EF4-FFF2-40B4-BE49-F238E27FC236}">
+                <a16:creationId xmlns:a16="http://schemas.microsoft.com/office/drawing/2014/main" id="{57491692-3D68-47F7-BB7C-C6C516161515}"/>
+              </a:ext>
+            </a:extLst>
+          </p:cNvPr>
+          <p:cNvSpPr/>
+          <p:nvPr/>
+        </p:nvSpPr>
+        <p:spPr>
+          <a:xfrm>
+            <a:off x="7251838" y="2772746"/>
+            <a:ext cx="701904" cy="232702"/>
+          </a:xfrm>
+          <a:prstGeom prst="rect">
+            <a:avLst/>
+          </a:prstGeom>
+          <a:solidFill>
+            <a:srgbClr val="FFFF00"/>
+          </a:solidFill>
+        </p:spPr>
+        <p:style>
+          <a:lnRef idx="2">
+            <a:schemeClr val="accent1">
+              <a:shade val="50000"/>
+            </a:schemeClr>
+          </a:lnRef>
+          <a:fillRef idx="1">
+            <a:schemeClr val="accent1"/>
+          </a:fillRef>
+          <a:effectRef idx="0">
+            <a:schemeClr val="accent1"/>
+          </a:effectRef>
+          <a:fontRef idx="minor">
+            <a:schemeClr val="lt1"/>
+          </a:fontRef>
+        </p:style>
+        <p:txBody>
+          <a:bodyPr rtlCol="0" anchor="ctr"/>
+          <a:lstStyle/>
+          <a:p>
+            <a:pPr algn="ctr"/>
+            <a:endParaRPr lang="zh-CN" altLang="en-US"/>
+          </a:p>
+        </p:txBody>
+      </p:sp>
+      <p:sp>
+        <p:nvSpPr>
+          <p:cNvPr id="153" name="矩形 152">
+            <a:extLst>
+              <a:ext uri="{FF2B5EF4-FFF2-40B4-BE49-F238E27FC236}">
+                <a16:creationId xmlns:a16="http://schemas.microsoft.com/office/drawing/2014/main" id="{9B552F01-D47C-4A44-8565-78BDB15483F8}"/>
+              </a:ext>
+            </a:extLst>
+          </p:cNvPr>
+          <p:cNvSpPr/>
+          <p:nvPr/>
+        </p:nvSpPr>
+        <p:spPr>
+          <a:xfrm>
+            <a:off x="5944638" y="2772746"/>
+            <a:ext cx="701904" cy="232702"/>
+          </a:xfrm>
+          <a:prstGeom prst="rect">
+            <a:avLst/>
+          </a:prstGeom>
+          <a:solidFill>
+            <a:srgbClr val="FFFF00"/>
+          </a:solidFill>
+        </p:spPr>
+        <p:style>
+          <a:lnRef idx="2">
+            <a:schemeClr val="accent1">
+              <a:shade val="50000"/>
+            </a:schemeClr>
+          </a:lnRef>
+          <a:fillRef idx="1">
+            <a:schemeClr val="accent1"/>
+          </a:fillRef>
+          <a:effectRef idx="0">
+            <a:schemeClr val="accent1"/>
+          </a:effectRef>
+          <a:fontRef idx="minor">
+            <a:schemeClr val="lt1"/>
+          </a:fontRef>
+        </p:style>
+        <p:txBody>
+          <a:bodyPr rtlCol="0" anchor="ctr"/>
+          <a:lstStyle/>
+          <a:p>
+            <a:pPr algn="ctr"/>
+            <a:endParaRPr lang="zh-CN" altLang="en-US"/>
+          </a:p>
+        </p:txBody>
+      </p:sp>
+      <p:cxnSp>
+        <p:nvCxnSpPr>
+          <p:cNvPr id="154" name="直接连接符 153">
+            <a:extLst>
+              <a:ext uri="{FF2B5EF4-FFF2-40B4-BE49-F238E27FC236}">
+                <a16:creationId xmlns:a16="http://schemas.microsoft.com/office/drawing/2014/main" id="{F5870489-43CA-4A6A-89EB-D77433C87D0D}"/>
+              </a:ext>
+            </a:extLst>
+          </p:cNvPr>
+          <p:cNvCxnSpPr>
+            <a:cxnSpLocks/>
+          </p:cNvCxnSpPr>
+          <p:nvPr/>
+        </p:nvCxnSpPr>
+        <p:spPr>
+          <a:xfrm>
+            <a:off x="5945512" y="2426765"/>
+            <a:ext cx="0" cy="849461"/>
+          </a:xfrm>
+          <a:prstGeom prst="line">
+            <a:avLst/>
+          </a:prstGeom>
+          <a:ln>
+            <a:solidFill>
+              <a:srgbClr val="FFFF00"/>
+            </a:solidFill>
+            <a:prstDash val="dash"/>
+          </a:ln>
+        </p:spPr>
+        <p:style>
+          <a:lnRef idx="1">
+            <a:schemeClr val="accent1"/>
+          </a:lnRef>
+          <a:fillRef idx="0">
+            <a:schemeClr val="accent1"/>
+          </a:fillRef>
+          <a:effectRef idx="0">
+            <a:schemeClr val="accent1"/>
+          </a:effectRef>
+          <a:fontRef idx="minor">
+            <a:schemeClr val="tx1"/>
+          </a:fontRef>
+        </p:style>
+      </p:cxnSp>
+      <p:sp>
+        <p:nvSpPr>
+          <p:cNvPr id="155" name="文本框 154">
+            <a:extLst>
+              <a:ext uri="{FF2B5EF4-FFF2-40B4-BE49-F238E27FC236}">
+                <a16:creationId xmlns:a16="http://schemas.microsoft.com/office/drawing/2014/main" id="{1B0925AF-2028-4F26-93B4-DDEAD265108C}"/>
+              </a:ext>
+            </a:extLst>
+          </p:cNvPr>
+          <p:cNvSpPr txBox="1"/>
+          <p:nvPr/>
+        </p:nvSpPr>
+        <p:spPr>
+          <a:xfrm>
+            <a:off x="5998265" y="2527745"/>
+            <a:ext cx="660639" cy="307777"/>
+          </a:xfrm>
+          <a:prstGeom prst="rect">
+            <a:avLst/>
+          </a:prstGeom>
+          <a:noFill/>
+        </p:spPr>
+        <p:txBody>
+          <a:bodyPr wrap="square" rtlCol="0">
+            <a:spAutoFit/>
+          </a:bodyPr>
+          <a:lstStyle/>
+          <a:p>
+            <a:r>
+              <a:rPr lang="en-US" altLang="zh-CN" sz="1400" dirty="0">
+                <a:solidFill>
+                  <a:srgbClr val="FFFF00"/>
+                </a:solidFill>
+              </a:rPr>
+              <a:t>prefix</a:t>
+            </a:r>
+            <a:endParaRPr lang="zh-CN" altLang="en-US" sz="1400" dirty="0">
+              <a:solidFill>
+                <a:srgbClr val="FFFF00"/>
+              </a:solidFill>
+            </a:endParaRPr>
+          </a:p>
+        </p:txBody>
+      </p:sp>
+      <p:cxnSp>
+        <p:nvCxnSpPr>
+          <p:cNvPr id="156" name="直接连接符 155">
+            <a:extLst>
+              <a:ext uri="{FF2B5EF4-FFF2-40B4-BE49-F238E27FC236}">
+                <a16:creationId xmlns:a16="http://schemas.microsoft.com/office/drawing/2014/main" id="{F47CD453-DE84-4EC5-96C3-6718AC952E68}"/>
+              </a:ext>
+            </a:extLst>
+          </p:cNvPr>
+          <p:cNvCxnSpPr>
+            <a:cxnSpLocks/>
+          </p:cNvCxnSpPr>
+          <p:nvPr/>
+        </p:nvCxnSpPr>
+        <p:spPr>
+          <a:xfrm>
+            <a:off x="6641320" y="2426765"/>
+            <a:ext cx="0" cy="578683"/>
+          </a:xfrm>
+          <a:prstGeom prst="line">
+            <a:avLst/>
+          </a:prstGeom>
+          <a:ln>
+            <a:solidFill>
+              <a:srgbClr val="FFFF00"/>
+            </a:solidFill>
+            <a:prstDash val="dash"/>
+          </a:ln>
+        </p:spPr>
+        <p:style>
+          <a:lnRef idx="1">
+            <a:schemeClr val="accent1"/>
+          </a:lnRef>
+          <a:fillRef idx="0">
+            <a:schemeClr val="accent1"/>
+          </a:fillRef>
+          <a:effectRef idx="0">
+            <a:schemeClr val="accent1"/>
+          </a:effectRef>
+          <a:fontRef idx="minor">
+            <a:schemeClr val="tx1"/>
+          </a:fontRef>
+        </p:style>
+      </p:cxnSp>
+      <p:cxnSp>
+        <p:nvCxnSpPr>
+          <p:cNvPr id="157" name="直接箭头连接符 156">
+            <a:extLst>
+              <a:ext uri="{FF2B5EF4-FFF2-40B4-BE49-F238E27FC236}">
+                <a16:creationId xmlns:a16="http://schemas.microsoft.com/office/drawing/2014/main" id="{AC66BC78-B86F-4CED-BE04-8917F50FF61B}"/>
+              </a:ext>
+            </a:extLst>
+          </p:cNvPr>
+          <p:cNvCxnSpPr>
+            <a:cxnSpLocks/>
+          </p:cNvCxnSpPr>
+          <p:nvPr/>
+        </p:nvCxnSpPr>
+        <p:spPr>
+          <a:xfrm>
+            <a:off x="5939416" y="2590520"/>
+            <a:ext cx="701904" cy="0"/>
+          </a:xfrm>
+          <a:prstGeom prst="straightConnector1">
+            <a:avLst/>
+          </a:prstGeom>
+          <a:ln w="9525">
+            <a:solidFill>
+              <a:schemeClr val="accent6">
+                <a:lumMod val="60000"/>
+                <a:lumOff val="40000"/>
+              </a:schemeClr>
+            </a:solidFill>
+            <a:prstDash val="dash"/>
+            <a:headEnd type="triangle" w="sm" len="sm"/>
+            <a:tailEnd type="triangle" w="sm" len="sm"/>
+          </a:ln>
+        </p:spPr>
+        <p:style>
+          <a:lnRef idx="1">
+            <a:schemeClr val="accent1"/>
+          </a:lnRef>
+          <a:fillRef idx="0">
+            <a:schemeClr val="accent1"/>
+          </a:fillRef>
+          <a:effectRef idx="0">
+            <a:schemeClr val="accent1"/>
+          </a:effectRef>
+          <a:fontRef idx="minor">
+            <a:schemeClr val="tx1"/>
+          </a:fontRef>
+        </p:style>
+      </p:cxnSp>
+      <p:sp>
+        <p:nvSpPr>
+          <p:cNvPr id="158" name="文本框 157">
+            <a:extLst>
+              <a:ext uri="{FF2B5EF4-FFF2-40B4-BE49-F238E27FC236}">
+                <a16:creationId xmlns:a16="http://schemas.microsoft.com/office/drawing/2014/main" id="{1FD658E7-DF2E-4372-B826-048731CD1D79}"/>
+              </a:ext>
+            </a:extLst>
+          </p:cNvPr>
+          <p:cNvSpPr txBox="1"/>
+          <p:nvPr/>
+        </p:nvSpPr>
+        <p:spPr>
+          <a:xfrm>
+            <a:off x="4462100" y="2686444"/>
+            <a:ext cx="1365660" cy="369332"/>
+          </a:xfrm>
+          <a:prstGeom prst="rect">
+            <a:avLst/>
+          </a:prstGeom>
+          <a:noFill/>
+        </p:spPr>
+        <p:txBody>
+          <a:bodyPr wrap="square" rtlCol="0">
+            <a:spAutoFit/>
+          </a:bodyPr>
+          <a:lstStyle/>
+          <a:p>
+            <a:r>
+              <a:rPr lang="en-US" altLang="zh-CN" dirty="0"/>
+              <a:t>index = s + 1</a:t>
+            </a:r>
+            <a:endParaRPr lang="zh-CN" altLang="en-US" dirty="0"/>
+          </a:p>
+        </p:txBody>
+      </p:sp>
+      <p:cxnSp>
+        <p:nvCxnSpPr>
+          <p:cNvPr id="159" name="直接连接符 158">
+            <a:extLst>
+              <a:ext uri="{FF2B5EF4-FFF2-40B4-BE49-F238E27FC236}">
+                <a16:creationId xmlns:a16="http://schemas.microsoft.com/office/drawing/2014/main" id="{7FF58183-BDD2-4A6F-B57F-7C6BA6A6475D}"/>
+              </a:ext>
+            </a:extLst>
+          </p:cNvPr>
+          <p:cNvCxnSpPr>
+            <a:cxnSpLocks/>
+          </p:cNvCxnSpPr>
+          <p:nvPr/>
+        </p:nvCxnSpPr>
+        <p:spPr>
+          <a:xfrm>
+            <a:off x="7949595" y="2426765"/>
+            <a:ext cx="0" cy="578683"/>
+          </a:xfrm>
+          <a:prstGeom prst="line">
+            <a:avLst/>
+          </a:prstGeom>
+          <a:ln>
+            <a:solidFill>
+              <a:srgbClr val="FFFF00"/>
+            </a:solidFill>
+            <a:prstDash val="dash"/>
+          </a:ln>
+        </p:spPr>
+        <p:style>
+          <a:lnRef idx="1">
+            <a:schemeClr val="accent1"/>
+          </a:lnRef>
+          <a:fillRef idx="0">
+            <a:schemeClr val="accent1"/>
+          </a:fillRef>
+          <a:effectRef idx="0">
+            <a:schemeClr val="accent1"/>
+          </a:effectRef>
+          <a:fontRef idx="minor">
+            <a:schemeClr val="tx1"/>
+          </a:fontRef>
+        </p:style>
+      </p:cxnSp>
+      <p:cxnSp>
+        <p:nvCxnSpPr>
+          <p:cNvPr id="160" name="直接连接符 159">
+            <a:extLst>
+              <a:ext uri="{FF2B5EF4-FFF2-40B4-BE49-F238E27FC236}">
+                <a16:creationId xmlns:a16="http://schemas.microsoft.com/office/drawing/2014/main" id="{5F559E43-8013-40A3-95FA-B65B6E0DF871}"/>
+              </a:ext>
+            </a:extLst>
+          </p:cNvPr>
+          <p:cNvCxnSpPr>
+            <a:cxnSpLocks/>
+          </p:cNvCxnSpPr>
+          <p:nvPr/>
+        </p:nvCxnSpPr>
+        <p:spPr>
+          <a:xfrm>
+            <a:off x="7248805" y="2426765"/>
+            <a:ext cx="0" cy="849461"/>
+          </a:xfrm>
+          <a:prstGeom prst="line">
+            <a:avLst/>
+          </a:prstGeom>
+          <a:ln>
+            <a:solidFill>
+              <a:srgbClr val="FFFF00"/>
+            </a:solidFill>
+            <a:prstDash val="dash"/>
+          </a:ln>
+        </p:spPr>
+        <p:style>
+          <a:lnRef idx="1">
+            <a:schemeClr val="accent1"/>
+          </a:lnRef>
+          <a:fillRef idx="0">
+            <a:schemeClr val="accent1"/>
+          </a:fillRef>
+          <a:effectRef idx="0">
+            <a:schemeClr val="accent1"/>
+          </a:effectRef>
+          <a:fontRef idx="minor">
+            <a:schemeClr val="tx1"/>
+          </a:fontRef>
+        </p:style>
+      </p:cxnSp>
+      <p:sp>
+        <p:nvSpPr>
+          <p:cNvPr id="161" name="文本框 160">
+            <a:extLst>
+              <a:ext uri="{FF2B5EF4-FFF2-40B4-BE49-F238E27FC236}">
+                <a16:creationId xmlns:a16="http://schemas.microsoft.com/office/drawing/2014/main" id="{AF5FAF93-474E-4A87-9C8B-180933433FEF}"/>
+              </a:ext>
+            </a:extLst>
+          </p:cNvPr>
+          <p:cNvSpPr txBox="1"/>
+          <p:nvPr/>
+        </p:nvSpPr>
+        <p:spPr>
+          <a:xfrm>
+            <a:off x="7302656" y="2524399"/>
+            <a:ext cx="678536" cy="307777"/>
+          </a:xfrm>
+          <a:prstGeom prst="rect">
+            <a:avLst/>
+          </a:prstGeom>
+          <a:noFill/>
+        </p:spPr>
+        <p:txBody>
+          <a:bodyPr wrap="square" rtlCol="0">
+            <a:spAutoFit/>
+          </a:bodyPr>
+          <a:lstStyle/>
+          <a:p>
+            <a:r>
+              <a:rPr lang="en-US" altLang="zh-CN" sz="1400" dirty="0">
+                <a:solidFill>
+                  <a:srgbClr val="FFFF00"/>
+                </a:solidFill>
+              </a:rPr>
+              <a:t>suffix</a:t>
+            </a:r>
+            <a:endParaRPr lang="zh-CN" altLang="en-US" sz="1400" dirty="0">
+              <a:solidFill>
+                <a:srgbClr val="FFFF00"/>
+              </a:solidFill>
+            </a:endParaRPr>
+          </a:p>
+        </p:txBody>
+      </p:sp>
+      <mc:AlternateContent xmlns:mc="http://schemas.openxmlformats.org/markup-compatibility/2006">
+        <mc:Choice xmlns:a14="http://schemas.microsoft.com/office/drawing/2010/main" Requires="a14">
+          <p:sp>
+            <p:nvSpPr>
+              <p:cNvPr id="162" name="文本框 161">
+                <a:extLst>
+                  <a:ext uri="{FF2B5EF4-FFF2-40B4-BE49-F238E27FC236}">
+                    <a16:creationId xmlns:a16="http://schemas.microsoft.com/office/drawing/2014/main" id="{DE70B5E2-A7C0-44DD-AF01-A844E940662F}"/>
+                  </a:ext>
+                </a:extLst>
+              </p:cNvPr>
+              <p:cNvSpPr txBox="1"/>
+              <p:nvPr/>
+            </p:nvSpPr>
+            <p:spPr>
+              <a:xfrm>
+                <a:off x="6128967" y="2282389"/>
+                <a:ext cx="272659" cy="338554"/>
+              </a:xfrm>
+              <a:prstGeom prst="rect">
+                <a:avLst/>
+              </a:prstGeom>
+              <a:noFill/>
+            </p:spPr>
+            <p:txBody>
+              <a:bodyPr wrap="square" rtlCol="0">
+                <a:spAutoFit/>
+              </a:bodyPr>
+              <a:lstStyle/>
+              <a:p>
+                <a:pPr/>
+                <a14:m>
+                  <m:oMathPara xmlns:m="http://schemas.openxmlformats.org/officeDocument/2006/math">
+                    <m:oMathParaPr>
+                      <m:jc m:val="centerGroup"/>
+                    </m:oMathParaPr>
+                    <m:oMath xmlns:m="http://schemas.openxmlformats.org/officeDocument/2006/math">
+                      <m:sSub>
+                        <m:sSubPr>
+                          <m:ctrlPr>
+                            <a:rPr lang="en-US" altLang="zh-CN" sz="1600" b="0" i="1" smtClean="0">
+                              <a:solidFill>
+                                <a:srgbClr val="FFFF00"/>
+                              </a:solidFill>
+                              <a:latin typeface="Cambria Math" panose="02040503050406030204" pitchFamily="18" charset="0"/>
+                            </a:rPr>
+                          </m:ctrlPr>
+                        </m:sSubPr>
+                        <m:e>
+                          <m:r>
+                            <a:rPr lang="en-US" altLang="zh-CN" sz="1600" b="0" i="1" smtClean="0">
+                              <a:solidFill>
+                                <a:srgbClr val="FFFF00"/>
+                              </a:solidFill>
+                              <a:latin typeface="Cambria Math" panose="02040503050406030204" pitchFamily="18" charset="0"/>
+                            </a:rPr>
+                            <m:t>𝑐</m:t>
+                          </m:r>
+                        </m:e>
+                        <m:sub>
+                          <m:r>
+                            <a:rPr lang="en-US" altLang="zh-CN" sz="1600" b="0" i="1" smtClean="0">
+                              <a:solidFill>
+                                <a:srgbClr val="FFFF00"/>
+                              </a:solidFill>
+                              <a:latin typeface="Cambria Math" panose="02040503050406030204" pitchFamily="18" charset="0"/>
+                            </a:rPr>
+                            <m:t>𝑠</m:t>
+                          </m:r>
+                        </m:sub>
+                      </m:sSub>
+                    </m:oMath>
+                  </m:oMathPara>
+                </a14:m>
+                <a:endParaRPr lang="zh-CN" altLang="en-US" sz="1600" dirty="0">
+                  <a:solidFill>
+                    <a:srgbClr val="FFFF00"/>
+                  </a:solidFill>
+                </a:endParaRPr>
+              </a:p>
+            </p:txBody>
+          </p:sp>
+        </mc:Choice>
+        <mc:Fallback>
+          <p:sp>
+            <p:nvSpPr>
+              <p:cNvPr id="162" name="文本框 161">
+                <a:extLst>
+                  <a:ext uri="{FF2B5EF4-FFF2-40B4-BE49-F238E27FC236}">
+                    <a16:creationId xmlns:a16="http://schemas.microsoft.com/office/drawing/2014/main" id="{DE70B5E2-A7C0-44DD-AF01-A844E940662F}"/>
+                  </a:ext>
+                </a:extLst>
+              </p:cNvPr>
+              <p:cNvSpPr txBox="1">
+                <a:spLocks noRot="1" noChangeAspect="1" noMove="1" noResize="1" noEditPoints="1" noAdjustHandles="1" noChangeArrowheads="1" noChangeShapeType="1" noTextEdit="1"/>
+              </p:cNvSpPr>
+              <p:nvPr/>
+            </p:nvSpPr>
+            <p:spPr>
+              <a:xfrm>
+                <a:off x="6128967" y="2282389"/>
+                <a:ext cx="272659" cy="338554"/>
+              </a:xfrm>
+              <a:prstGeom prst="rect">
+                <a:avLst/>
+              </a:prstGeom>
+              <a:blipFill>
+                <a:blip r:embed="rId3"/>
+                <a:stretch>
+                  <a:fillRect r="-6667"/>
+                </a:stretch>
+              </a:blipFill>
+            </p:spPr>
+            <p:txBody>
+              <a:bodyPr/>
+              <a:lstStyle/>
+              <a:p>
+                <a:r>
+                  <a:rPr lang="zh-CN" altLang="en-US">
+                    <a:noFill/>
+                  </a:rPr>
+                  <a:t> </a:t>
+                </a:r>
+              </a:p>
+            </p:txBody>
+          </p:sp>
+        </mc:Fallback>
+      </mc:AlternateContent>
+      <mc:AlternateContent xmlns:mc="http://schemas.openxmlformats.org/markup-compatibility/2006">
+        <mc:Choice xmlns:a14="http://schemas.microsoft.com/office/drawing/2010/main" Requires="a14">
+          <p:sp>
+            <p:nvSpPr>
+              <p:cNvPr id="163" name="文本框 162">
+                <a:extLst>
+                  <a:ext uri="{FF2B5EF4-FFF2-40B4-BE49-F238E27FC236}">
+                    <a16:creationId xmlns:a16="http://schemas.microsoft.com/office/drawing/2014/main" id="{2B4680CB-32D9-49A0-AE1D-6F4DEF124C43}"/>
+                  </a:ext>
+                </a:extLst>
+              </p:cNvPr>
+              <p:cNvSpPr txBox="1"/>
+              <p:nvPr/>
+            </p:nvSpPr>
+            <p:spPr>
+              <a:xfrm>
+                <a:off x="7981192" y="1989592"/>
+                <a:ext cx="515700" cy="338554"/>
+              </a:xfrm>
+              <a:prstGeom prst="rect">
+                <a:avLst/>
+              </a:prstGeom>
+              <a:noFill/>
+            </p:spPr>
+            <p:txBody>
+              <a:bodyPr wrap="square" rtlCol="0">
+                <a:spAutoFit/>
+              </a:bodyPr>
+              <a:lstStyle/>
+              <a:p>
+                <a:pPr/>
+                <a14:m>
+                  <m:oMathPara xmlns:m="http://schemas.openxmlformats.org/officeDocument/2006/math">
+                    <m:oMathParaPr>
+                      <m:jc m:val="centerGroup"/>
+                    </m:oMathParaPr>
+                    <m:oMath xmlns:m="http://schemas.openxmlformats.org/officeDocument/2006/math">
+                      <m:sSub>
+                        <m:sSubPr>
+                          <m:ctrlPr>
+                            <a:rPr lang="en-US" altLang="zh-CN" sz="1600" i="1" smtClean="0">
+                              <a:solidFill>
+                                <a:srgbClr val="FFFF00"/>
+                              </a:solidFill>
+                              <a:latin typeface="Cambria Math" panose="02040503050406030204" pitchFamily="18" charset="0"/>
+                            </a:rPr>
+                          </m:ctrlPr>
+                        </m:sSubPr>
+                        <m:e>
+                          <m:r>
+                            <a:rPr lang="en-US" altLang="zh-CN" sz="1600" b="0" i="1" smtClean="0">
+                              <a:solidFill>
+                                <a:srgbClr val="FFFF00"/>
+                              </a:solidFill>
+                              <a:latin typeface="Cambria Math" panose="02040503050406030204" pitchFamily="18" charset="0"/>
+                            </a:rPr>
+                            <m:t>𝑝</m:t>
+                          </m:r>
+                        </m:e>
+                        <m:sub>
+                          <m:r>
+                            <a:rPr lang="en-US" altLang="zh-CN" sz="1600" b="0" i="1" smtClean="0">
+                              <a:solidFill>
+                                <a:srgbClr val="FFFF00"/>
+                              </a:solidFill>
+                              <a:latin typeface="Cambria Math" panose="02040503050406030204" pitchFamily="18" charset="0"/>
+                            </a:rPr>
+                            <m:t>𝑠</m:t>
+                          </m:r>
+                        </m:sub>
+                      </m:sSub>
+                    </m:oMath>
+                  </m:oMathPara>
+                </a14:m>
+                <a:endParaRPr lang="zh-CN" altLang="en-US" sz="1600" dirty="0">
+                  <a:solidFill>
+                    <a:srgbClr val="FFFF00"/>
+                  </a:solidFill>
+                </a:endParaRPr>
+              </a:p>
+            </p:txBody>
+          </p:sp>
+        </mc:Choice>
+        <mc:Fallback>
+          <p:sp>
+            <p:nvSpPr>
+              <p:cNvPr id="163" name="文本框 162">
+                <a:extLst>
+                  <a:ext uri="{FF2B5EF4-FFF2-40B4-BE49-F238E27FC236}">
+                    <a16:creationId xmlns:a16="http://schemas.microsoft.com/office/drawing/2014/main" id="{2B4680CB-32D9-49A0-AE1D-6F4DEF124C43}"/>
+                  </a:ext>
+                </a:extLst>
+              </p:cNvPr>
+              <p:cNvSpPr txBox="1">
+                <a:spLocks noRot="1" noChangeAspect="1" noMove="1" noResize="1" noEditPoints="1" noAdjustHandles="1" noChangeArrowheads="1" noChangeShapeType="1" noTextEdit="1"/>
+              </p:cNvSpPr>
+              <p:nvPr/>
+            </p:nvSpPr>
+            <p:spPr>
+              <a:xfrm>
+                <a:off x="7981192" y="1989592"/>
+                <a:ext cx="515700" cy="338554"/>
+              </a:xfrm>
+              <a:prstGeom prst="rect">
+                <a:avLst/>
+              </a:prstGeom>
+              <a:blipFill>
+                <a:blip r:embed="rId4"/>
+                <a:stretch>
+                  <a:fillRect b="-3571"/>
+                </a:stretch>
+              </a:blipFill>
+            </p:spPr>
+            <p:txBody>
+              <a:bodyPr/>
+              <a:lstStyle/>
+              <a:p>
+                <a:r>
+                  <a:rPr lang="zh-CN" altLang="en-US">
+                    <a:noFill/>
+                  </a:rPr>
+                  <a:t> </a:t>
+                </a:r>
+              </a:p>
+            </p:txBody>
+          </p:sp>
+        </mc:Fallback>
+      </mc:AlternateContent>
+      <p:cxnSp>
+        <p:nvCxnSpPr>
+          <p:cNvPr id="164" name="直接箭头连接符 163">
+            <a:extLst>
+              <a:ext uri="{FF2B5EF4-FFF2-40B4-BE49-F238E27FC236}">
+                <a16:creationId xmlns:a16="http://schemas.microsoft.com/office/drawing/2014/main" id="{111A10FD-0B8B-4D96-B94A-43DB36E12149}"/>
+              </a:ext>
+            </a:extLst>
+          </p:cNvPr>
+          <p:cNvCxnSpPr>
+            <a:cxnSpLocks/>
+          </p:cNvCxnSpPr>
+          <p:nvPr/>
+        </p:nvCxnSpPr>
+        <p:spPr>
+          <a:xfrm>
+            <a:off x="8051907" y="2318555"/>
+            <a:ext cx="0" cy="409099"/>
+          </a:xfrm>
+          <a:prstGeom prst="straightConnector1">
+            <a:avLst/>
+          </a:prstGeom>
+          <a:ln w="22225">
+            <a:solidFill>
+              <a:srgbClr val="FFFF00"/>
+            </a:solidFill>
+            <a:headEnd type="none"/>
+            <a:tailEnd type="triangle"/>
+          </a:ln>
+        </p:spPr>
+        <p:style>
+          <a:lnRef idx="1">
+            <a:schemeClr val="accent1"/>
+          </a:lnRef>
+          <a:fillRef idx="0">
+            <a:schemeClr val="accent1"/>
+          </a:fillRef>
+          <a:effectRef idx="0">
+            <a:schemeClr val="accent1"/>
+          </a:effectRef>
+          <a:fontRef idx="minor">
+            <a:schemeClr val="tx1"/>
+          </a:fontRef>
+        </p:style>
+      </p:cxnSp>
+      <mc:AlternateContent xmlns:mc="http://schemas.openxmlformats.org/markup-compatibility/2006">
+        <mc:Choice xmlns:a14="http://schemas.microsoft.com/office/drawing/2010/main" Requires="a14">
+          <p:sp>
+            <p:nvSpPr>
+              <p:cNvPr id="165" name="文本框 164">
+                <a:extLst>
+                  <a:ext uri="{FF2B5EF4-FFF2-40B4-BE49-F238E27FC236}">
+                    <a16:creationId xmlns:a16="http://schemas.microsoft.com/office/drawing/2014/main" id="{1CFE5474-F68E-436B-ABED-B5944133E745}"/>
+                  </a:ext>
+                </a:extLst>
+              </p:cNvPr>
+              <p:cNvSpPr txBox="1"/>
+              <p:nvPr/>
+            </p:nvSpPr>
+            <p:spPr>
+              <a:xfrm>
+                <a:off x="8285877" y="2282389"/>
+                <a:ext cx="515700" cy="338554"/>
+              </a:xfrm>
+              <a:prstGeom prst="rect">
+                <a:avLst/>
+              </a:prstGeom>
+              <a:noFill/>
+            </p:spPr>
+            <p:txBody>
+              <a:bodyPr wrap="square" rtlCol="0">
+                <a:spAutoFit/>
+              </a:bodyPr>
+              <a:lstStyle/>
+              <a:p>
+                <a:pPr/>
+                <a14:m>
+                  <m:oMathPara xmlns:m="http://schemas.openxmlformats.org/officeDocument/2006/math">
+                    <m:oMathParaPr>
+                      <m:jc m:val="centerGroup"/>
+                    </m:oMathParaPr>
+                    <m:oMath xmlns:m="http://schemas.openxmlformats.org/officeDocument/2006/math">
+                      <m:sSub>
+                        <m:sSubPr>
+                          <m:ctrlPr>
+                            <a:rPr lang="en-US" altLang="zh-CN" sz="1600" i="1" smtClean="0">
+                              <a:solidFill>
+                                <a:srgbClr val="2CEC67"/>
+                              </a:solidFill>
+                              <a:latin typeface="Cambria Math" panose="02040503050406030204" pitchFamily="18" charset="0"/>
+                            </a:rPr>
+                          </m:ctrlPr>
+                        </m:sSubPr>
+                        <m:e>
+                          <m:r>
+                            <a:rPr lang="en-US" altLang="zh-CN" sz="1600" b="0" i="1" smtClean="0">
+                              <a:solidFill>
+                                <a:srgbClr val="2CEC67"/>
+                              </a:solidFill>
+                              <a:latin typeface="Cambria Math" panose="02040503050406030204" pitchFamily="18" charset="0"/>
+                            </a:rPr>
+                            <m:t>𝑝</m:t>
+                          </m:r>
+                        </m:e>
+                        <m:sub>
+                          <m:r>
+                            <a:rPr lang="en-US" altLang="zh-CN" sz="1600" b="0" i="1" smtClean="0">
+                              <a:solidFill>
+                                <a:srgbClr val="2CEC67"/>
+                              </a:solidFill>
+                              <a:latin typeface="Cambria Math" panose="02040503050406030204" pitchFamily="18" charset="0"/>
+                            </a:rPr>
+                            <m:t>𝑠</m:t>
+                          </m:r>
+                          <m:r>
+                            <a:rPr lang="en-US" altLang="zh-CN" sz="1600" b="0" i="1" smtClean="0">
+                              <a:solidFill>
+                                <a:srgbClr val="2CEC67"/>
+                              </a:solidFill>
+                              <a:latin typeface="Cambria Math" panose="02040503050406030204" pitchFamily="18" charset="0"/>
+                            </a:rPr>
+                            <m:t>+1</m:t>
+                          </m:r>
+                        </m:sub>
+                      </m:sSub>
+                    </m:oMath>
+                  </m:oMathPara>
+                </a14:m>
+                <a:endParaRPr lang="zh-CN" altLang="en-US" sz="1600" dirty="0">
+                  <a:solidFill>
+                    <a:srgbClr val="FFC000"/>
+                  </a:solidFill>
+                </a:endParaRPr>
+              </a:p>
+            </p:txBody>
+          </p:sp>
+        </mc:Choice>
+        <mc:Fallback>
+          <p:sp>
+            <p:nvSpPr>
+              <p:cNvPr id="165" name="文本框 164">
+                <a:extLst>
+                  <a:ext uri="{FF2B5EF4-FFF2-40B4-BE49-F238E27FC236}">
+                    <a16:creationId xmlns:a16="http://schemas.microsoft.com/office/drawing/2014/main" id="{1CFE5474-F68E-436B-ABED-B5944133E745}"/>
+                  </a:ext>
+                </a:extLst>
+              </p:cNvPr>
+              <p:cNvSpPr txBox="1">
+                <a:spLocks noRot="1" noChangeAspect="1" noMove="1" noResize="1" noEditPoints="1" noAdjustHandles="1" noChangeArrowheads="1" noChangeShapeType="1" noTextEdit="1"/>
+              </p:cNvSpPr>
+              <p:nvPr/>
+            </p:nvSpPr>
+            <p:spPr>
+              <a:xfrm>
+                <a:off x="8285877" y="2282389"/>
+                <a:ext cx="515700" cy="338554"/>
+              </a:xfrm>
+              <a:prstGeom prst="rect">
+                <a:avLst/>
+              </a:prstGeom>
+              <a:blipFill>
+                <a:blip r:embed="rId5"/>
+                <a:stretch>
+                  <a:fillRect b="-3571"/>
+                </a:stretch>
+              </a:blipFill>
+            </p:spPr>
+            <p:txBody>
+              <a:bodyPr/>
+              <a:lstStyle/>
+              <a:p>
+                <a:r>
+                  <a:rPr lang="zh-CN" altLang="en-US">
+                    <a:noFill/>
+                  </a:rPr>
+                  <a:t> </a:t>
+                </a:r>
+              </a:p>
+            </p:txBody>
+          </p:sp>
+        </mc:Fallback>
+      </mc:AlternateContent>
+      <p:cxnSp>
+        <p:nvCxnSpPr>
+          <p:cNvPr id="166" name="直接箭头连接符 165">
+            <a:extLst>
+              <a:ext uri="{FF2B5EF4-FFF2-40B4-BE49-F238E27FC236}">
+                <a16:creationId xmlns:a16="http://schemas.microsoft.com/office/drawing/2014/main" id="{78AF903B-F909-4FF8-8A3D-326C05BF69B5}"/>
+              </a:ext>
+            </a:extLst>
+          </p:cNvPr>
+          <p:cNvCxnSpPr>
+            <a:cxnSpLocks/>
+          </p:cNvCxnSpPr>
+          <p:nvPr/>
+        </p:nvCxnSpPr>
+        <p:spPr>
+          <a:xfrm>
+            <a:off x="8262008" y="2500504"/>
+            <a:ext cx="0" cy="227149"/>
+          </a:xfrm>
+          <a:prstGeom prst="straightConnector1">
+            <a:avLst/>
+          </a:prstGeom>
+          <a:ln w="22225">
+            <a:solidFill>
+              <a:srgbClr val="2CEC67"/>
+            </a:solidFill>
+            <a:headEnd type="none"/>
+            <a:tailEnd type="triangle"/>
+          </a:ln>
+        </p:spPr>
+        <p:style>
+          <a:lnRef idx="1">
+            <a:schemeClr val="accent1"/>
+          </a:lnRef>
+          <a:fillRef idx="0">
+            <a:schemeClr val="accent1"/>
+          </a:fillRef>
+          <a:effectRef idx="0">
+            <a:schemeClr val="accent1"/>
+          </a:effectRef>
+          <a:fontRef idx="minor">
+            <a:schemeClr val="tx1"/>
+          </a:fontRef>
+        </p:style>
+      </p:cxnSp>
+      <p:cxnSp>
+        <p:nvCxnSpPr>
+          <p:cNvPr id="167" name="直接箭头连接符 166">
+            <a:extLst>
+              <a:ext uri="{FF2B5EF4-FFF2-40B4-BE49-F238E27FC236}">
+                <a16:creationId xmlns:a16="http://schemas.microsoft.com/office/drawing/2014/main" id="{A4778A98-2A3D-4C8B-8524-CA726A37E18E}"/>
+              </a:ext>
+            </a:extLst>
+          </p:cNvPr>
+          <p:cNvCxnSpPr>
+            <a:cxnSpLocks/>
+          </p:cNvCxnSpPr>
+          <p:nvPr/>
+        </p:nvCxnSpPr>
+        <p:spPr>
+          <a:xfrm>
+            <a:off x="7244841" y="2590520"/>
+            <a:ext cx="701904" cy="0"/>
+          </a:xfrm>
+          <a:prstGeom prst="straightConnector1">
+            <a:avLst/>
+          </a:prstGeom>
+          <a:ln w="9525">
+            <a:solidFill>
+              <a:schemeClr val="accent6">
+                <a:lumMod val="60000"/>
+                <a:lumOff val="40000"/>
+              </a:schemeClr>
+            </a:solidFill>
+            <a:prstDash val="dash"/>
+            <a:headEnd type="triangle" w="sm" len="sm"/>
+            <a:tailEnd type="triangle" w="sm" len="sm"/>
+          </a:ln>
+        </p:spPr>
+        <p:style>
+          <a:lnRef idx="1">
+            <a:schemeClr val="accent1"/>
+          </a:lnRef>
+          <a:fillRef idx="0">
+            <a:schemeClr val="accent1"/>
+          </a:fillRef>
+          <a:effectRef idx="0">
+            <a:schemeClr val="accent1"/>
+          </a:effectRef>
+          <a:fontRef idx="minor">
+            <a:schemeClr val="tx1"/>
+          </a:fontRef>
+        </p:style>
+      </p:cxnSp>
+      <mc:AlternateContent xmlns:mc="http://schemas.openxmlformats.org/markup-compatibility/2006">
+        <mc:Choice xmlns:a14="http://schemas.microsoft.com/office/drawing/2010/main" Requires="a14">
+          <p:sp>
+            <p:nvSpPr>
+              <p:cNvPr id="168" name="文本框 167">
+                <a:extLst>
+                  <a:ext uri="{FF2B5EF4-FFF2-40B4-BE49-F238E27FC236}">
+                    <a16:creationId xmlns:a16="http://schemas.microsoft.com/office/drawing/2014/main" id="{9331032E-ABFD-4C7F-AFD8-8A2CE8EFB0FF}"/>
+                  </a:ext>
+                </a:extLst>
+              </p:cNvPr>
+              <p:cNvSpPr txBox="1"/>
+              <p:nvPr/>
+            </p:nvSpPr>
+            <p:spPr>
+              <a:xfrm>
+                <a:off x="7330131" y="2275524"/>
+                <a:ext cx="272659" cy="338554"/>
+              </a:xfrm>
+              <a:prstGeom prst="rect">
+                <a:avLst/>
+              </a:prstGeom>
+              <a:noFill/>
+            </p:spPr>
+            <p:txBody>
+              <a:bodyPr wrap="square" rtlCol="0">
+                <a:spAutoFit/>
+              </a:bodyPr>
+              <a:lstStyle/>
+              <a:p>
+                <a:pPr/>
+                <a14:m>
+                  <m:oMathPara xmlns:m="http://schemas.openxmlformats.org/officeDocument/2006/math">
+                    <m:oMathParaPr>
+                      <m:jc m:val="centerGroup"/>
+                    </m:oMathParaPr>
+                    <m:oMath xmlns:m="http://schemas.openxmlformats.org/officeDocument/2006/math">
+                      <m:sSub>
+                        <m:sSubPr>
+                          <m:ctrlPr>
+                            <a:rPr lang="en-US" altLang="zh-CN" sz="1600" b="0" i="1" smtClean="0">
+                              <a:solidFill>
+                                <a:srgbClr val="FFFF00"/>
+                              </a:solidFill>
+                              <a:latin typeface="Cambria Math" panose="02040503050406030204" pitchFamily="18" charset="0"/>
+                            </a:rPr>
+                          </m:ctrlPr>
+                        </m:sSubPr>
+                        <m:e>
+                          <m:r>
+                            <a:rPr lang="en-US" altLang="zh-CN" sz="1600" b="0" i="1" smtClean="0">
+                              <a:solidFill>
+                                <a:srgbClr val="FFFF00"/>
+                              </a:solidFill>
+                              <a:latin typeface="Cambria Math" panose="02040503050406030204" pitchFamily="18" charset="0"/>
+                            </a:rPr>
+                            <m:t>𝑐</m:t>
+                          </m:r>
+                        </m:e>
+                        <m:sub>
+                          <m:r>
+                            <a:rPr lang="en-US" altLang="zh-CN" sz="1600" b="0" i="1" smtClean="0">
+                              <a:solidFill>
+                                <a:srgbClr val="FFFF00"/>
+                              </a:solidFill>
+                              <a:latin typeface="Cambria Math" panose="02040503050406030204" pitchFamily="18" charset="0"/>
+                            </a:rPr>
+                            <m:t>𝑠</m:t>
+                          </m:r>
+                        </m:sub>
+                      </m:sSub>
+                    </m:oMath>
+                  </m:oMathPara>
+                </a14:m>
+                <a:endParaRPr lang="zh-CN" altLang="en-US" sz="1600" dirty="0">
+                  <a:solidFill>
+                    <a:srgbClr val="FFFF00"/>
+                  </a:solidFill>
+                </a:endParaRPr>
+              </a:p>
+            </p:txBody>
+          </p:sp>
+        </mc:Choice>
+        <mc:Fallback>
+          <p:sp>
+            <p:nvSpPr>
+              <p:cNvPr id="168" name="文本框 167">
+                <a:extLst>
+                  <a:ext uri="{FF2B5EF4-FFF2-40B4-BE49-F238E27FC236}">
+                    <a16:creationId xmlns:a16="http://schemas.microsoft.com/office/drawing/2014/main" id="{9331032E-ABFD-4C7F-AFD8-8A2CE8EFB0FF}"/>
+                  </a:ext>
+                </a:extLst>
+              </p:cNvPr>
+              <p:cNvSpPr txBox="1">
+                <a:spLocks noRot="1" noChangeAspect="1" noMove="1" noResize="1" noEditPoints="1" noAdjustHandles="1" noChangeArrowheads="1" noChangeShapeType="1" noTextEdit="1"/>
+              </p:cNvSpPr>
+              <p:nvPr/>
+            </p:nvSpPr>
+            <p:spPr>
+              <a:xfrm>
+                <a:off x="7330131" y="2275524"/>
+                <a:ext cx="272659" cy="338554"/>
+              </a:xfrm>
+              <a:prstGeom prst="rect">
+                <a:avLst/>
+              </a:prstGeom>
+              <a:blipFill>
+                <a:blip r:embed="rId6"/>
+                <a:stretch>
+                  <a:fillRect r="-6667"/>
+                </a:stretch>
+              </a:blipFill>
+            </p:spPr>
+            <p:txBody>
+              <a:bodyPr/>
+              <a:lstStyle/>
+              <a:p>
+                <a:r>
+                  <a:rPr lang="zh-CN" altLang="en-US">
+                    <a:noFill/>
+                  </a:rPr>
+                  <a:t> </a:t>
+                </a:r>
+              </a:p>
+            </p:txBody>
+          </p:sp>
+        </mc:Fallback>
+      </mc:AlternateContent>
+      <p:cxnSp>
+        <p:nvCxnSpPr>
+          <p:cNvPr id="169" name="直接连接符 168">
+            <a:extLst>
+              <a:ext uri="{FF2B5EF4-FFF2-40B4-BE49-F238E27FC236}">
+                <a16:creationId xmlns:a16="http://schemas.microsoft.com/office/drawing/2014/main" id="{29F14981-141F-41CB-AB8B-BAA981F8F394}"/>
+              </a:ext>
+            </a:extLst>
+          </p:cNvPr>
+          <p:cNvCxnSpPr>
+            <a:cxnSpLocks/>
+          </p:cNvCxnSpPr>
+          <p:nvPr/>
+        </p:nvCxnSpPr>
+        <p:spPr>
+          <a:xfrm>
+            <a:off x="8136505" y="2750841"/>
+            <a:ext cx="0" cy="525385"/>
+          </a:xfrm>
+          <a:prstGeom prst="line">
+            <a:avLst/>
+          </a:prstGeom>
+          <a:ln>
+            <a:solidFill>
+              <a:srgbClr val="00B0F0"/>
+            </a:solidFill>
+            <a:prstDash val="dash"/>
+          </a:ln>
+        </p:spPr>
+        <p:style>
+          <a:lnRef idx="1">
+            <a:schemeClr val="accent1"/>
+          </a:lnRef>
+          <a:fillRef idx="0">
+            <a:schemeClr val="accent1"/>
+          </a:fillRef>
+          <a:effectRef idx="0">
+            <a:schemeClr val="accent1"/>
+          </a:effectRef>
+          <a:fontRef idx="minor">
+            <a:schemeClr val="tx1"/>
+          </a:fontRef>
+        </p:style>
+      </p:cxnSp>
+      <p:cxnSp>
+        <p:nvCxnSpPr>
+          <p:cNvPr id="170" name="直接连接符 169">
+            <a:extLst>
+              <a:ext uri="{FF2B5EF4-FFF2-40B4-BE49-F238E27FC236}">
+                <a16:creationId xmlns:a16="http://schemas.microsoft.com/office/drawing/2014/main" id="{AC62DA41-A3EB-4467-953E-58BF0C11E1FD}"/>
+              </a:ext>
+            </a:extLst>
+          </p:cNvPr>
+          <p:cNvCxnSpPr>
+            <a:cxnSpLocks/>
+          </p:cNvCxnSpPr>
+          <p:nvPr/>
+        </p:nvCxnSpPr>
+        <p:spPr>
+          <a:xfrm>
+            <a:off x="8336008" y="2789240"/>
+            <a:ext cx="0" cy="216208"/>
+          </a:xfrm>
+          <a:prstGeom prst="line">
+            <a:avLst/>
+          </a:prstGeom>
+          <a:ln>
+            <a:solidFill>
+              <a:srgbClr val="00B0F0"/>
+            </a:solidFill>
+            <a:prstDash val="dash"/>
+          </a:ln>
+        </p:spPr>
+        <p:style>
+          <a:lnRef idx="1">
+            <a:schemeClr val="accent1"/>
+          </a:lnRef>
+          <a:fillRef idx="0">
+            <a:schemeClr val="accent1"/>
+          </a:fillRef>
+          <a:effectRef idx="0">
+            <a:schemeClr val="accent1"/>
+          </a:effectRef>
+          <a:fontRef idx="minor">
+            <a:schemeClr val="tx1"/>
+          </a:fontRef>
+        </p:style>
+      </p:cxnSp>
+      <p:cxnSp>
+        <p:nvCxnSpPr>
+          <p:cNvPr id="171" name="直接连接符 170">
+            <a:extLst>
+              <a:ext uri="{FF2B5EF4-FFF2-40B4-BE49-F238E27FC236}">
+                <a16:creationId xmlns:a16="http://schemas.microsoft.com/office/drawing/2014/main" id="{5F6E43BD-01D9-47F7-99BF-215E5BB476A3}"/>
+              </a:ext>
+            </a:extLst>
+          </p:cNvPr>
+          <p:cNvCxnSpPr>
+            <a:cxnSpLocks/>
+          </p:cNvCxnSpPr>
+          <p:nvPr/>
+        </p:nvCxnSpPr>
+        <p:spPr>
+          <a:xfrm>
+            <a:off x="6812008" y="2789240"/>
+            <a:ext cx="0" cy="486986"/>
+          </a:xfrm>
+          <a:prstGeom prst="line">
+            <a:avLst/>
+          </a:prstGeom>
+          <a:ln>
+            <a:solidFill>
+              <a:srgbClr val="00B0F0"/>
+            </a:solidFill>
+            <a:prstDash val="dash"/>
+          </a:ln>
+        </p:spPr>
+        <p:style>
+          <a:lnRef idx="1">
+            <a:schemeClr val="accent1"/>
+          </a:lnRef>
+          <a:fillRef idx="0">
+            <a:schemeClr val="accent1"/>
+          </a:fillRef>
+          <a:effectRef idx="0">
+            <a:schemeClr val="accent1"/>
+          </a:effectRef>
+          <a:fontRef idx="minor">
+            <a:schemeClr val="tx1"/>
+          </a:fontRef>
+        </p:style>
+      </p:cxnSp>
+      <p:cxnSp>
+        <p:nvCxnSpPr>
+          <p:cNvPr id="172" name="直接箭头连接符 171">
+            <a:extLst>
+              <a:ext uri="{FF2B5EF4-FFF2-40B4-BE49-F238E27FC236}">
+                <a16:creationId xmlns:a16="http://schemas.microsoft.com/office/drawing/2014/main" id="{4D475C98-255C-4FE0-93FC-0F34619130F9}"/>
+              </a:ext>
+            </a:extLst>
+          </p:cNvPr>
+          <p:cNvCxnSpPr>
+            <a:cxnSpLocks/>
+          </p:cNvCxnSpPr>
+          <p:nvPr/>
+        </p:nvCxnSpPr>
+        <p:spPr>
+          <a:xfrm>
+            <a:off x="6738870" y="2328146"/>
+            <a:ext cx="0" cy="426340"/>
+          </a:xfrm>
+          <a:prstGeom prst="straightConnector1">
+            <a:avLst/>
+          </a:prstGeom>
+          <a:ln w="22225">
+            <a:solidFill>
+              <a:schemeClr val="accent6"/>
+            </a:solidFill>
+            <a:headEnd type="none"/>
+            <a:tailEnd type="triangle"/>
+          </a:ln>
+        </p:spPr>
+        <p:style>
+          <a:lnRef idx="1">
+            <a:schemeClr val="accent1"/>
+          </a:lnRef>
+          <a:fillRef idx="0">
+            <a:schemeClr val="accent1"/>
+          </a:fillRef>
+          <a:effectRef idx="0">
+            <a:schemeClr val="accent1"/>
+          </a:effectRef>
+          <a:fontRef idx="minor">
+            <a:schemeClr val="tx1"/>
+          </a:fontRef>
+        </p:style>
+      </p:cxnSp>
+      <mc:AlternateContent xmlns:mc="http://schemas.openxmlformats.org/markup-compatibility/2006">
+        <mc:Choice xmlns:a14="http://schemas.microsoft.com/office/drawing/2010/main" Requires="a14">
+          <p:sp>
+            <p:nvSpPr>
+              <p:cNvPr id="173" name="文本框 172">
+                <a:extLst>
+                  <a:ext uri="{FF2B5EF4-FFF2-40B4-BE49-F238E27FC236}">
+                    <a16:creationId xmlns:a16="http://schemas.microsoft.com/office/drawing/2014/main" id="{94F7A1E3-DD5A-4A8C-9B3A-F5EA6C988746}"/>
+                  </a:ext>
+                </a:extLst>
+              </p:cNvPr>
+              <p:cNvSpPr txBox="1"/>
+              <p:nvPr/>
+            </p:nvSpPr>
+            <p:spPr>
+              <a:xfrm>
+                <a:off x="6675678" y="2038831"/>
+                <a:ext cx="272659" cy="369460"/>
+              </a:xfrm>
+              <a:prstGeom prst="rect">
+                <a:avLst/>
+              </a:prstGeom>
+              <a:noFill/>
+            </p:spPr>
+            <p:txBody>
+              <a:bodyPr wrap="square" rtlCol="0">
+                <a:spAutoFit/>
+              </a:bodyPr>
+              <a:lstStyle/>
+              <a:p>
+                <a:pPr/>
+                <a14:m>
+                  <m:oMathPara xmlns:m="http://schemas.openxmlformats.org/officeDocument/2006/math">
+                    <m:oMathParaPr>
+                      <m:jc m:val="centerGroup"/>
+                    </m:oMathParaPr>
+                    <m:oMath xmlns:m="http://schemas.openxmlformats.org/officeDocument/2006/math">
+                      <m:sSub>
+                        <m:sSubPr>
+                          <m:ctrlPr>
+                            <a:rPr lang="en-US" altLang="zh-CN" sz="1600" i="1" smtClean="0">
+                              <a:solidFill>
+                                <a:schemeClr val="accent6"/>
+                              </a:solidFill>
+                              <a:latin typeface="Cambria Math" panose="02040503050406030204" pitchFamily="18" charset="0"/>
+                            </a:rPr>
+                          </m:ctrlPr>
+                        </m:sSubPr>
+                        <m:e>
+                          <m:r>
+                            <a:rPr lang="en-US" altLang="zh-CN" sz="1600" b="0" i="1" smtClean="0">
+                              <a:solidFill>
+                                <a:schemeClr val="accent6"/>
+                              </a:solidFill>
+                              <a:latin typeface="Cambria Math" panose="02040503050406030204" pitchFamily="18" charset="0"/>
+                            </a:rPr>
+                            <m:t>𝑝</m:t>
+                          </m:r>
+                        </m:e>
+                        <m:sub>
+                          <m:sSub>
+                            <m:sSubPr>
+                              <m:ctrlPr>
+                                <a:rPr lang="en-US" altLang="zh-CN" sz="1600" i="1" smtClean="0">
+                                  <a:solidFill>
+                                    <a:schemeClr val="accent6"/>
+                                  </a:solidFill>
+                                  <a:latin typeface="Cambria Math" panose="02040503050406030204" pitchFamily="18" charset="0"/>
+                                </a:rPr>
+                              </m:ctrlPr>
+                            </m:sSubPr>
+                            <m:e>
+                              <m:r>
+                                <a:rPr lang="en-US" altLang="zh-CN" sz="1600" b="0" i="1" smtClean="0">
+                                  <a:solidFill>
+                                    <a:schemeClr val="accent6"/>
+                                  </a:solidFill>
+                                  <a:latin typeface="Cambria Math" panose="02040503050406030204" pitchFamily="18" charset="0"/>
+                                </a:rPr>
+                                <m:t>𝑐</m:t>
+                              </m:r>
+                            </m:e>
+                            <m:sub>
+                              <m:r>
+                                <a:rPr lang="en-US" altLang="zh-CN" sz="1600" b="0" i="1" smtClean="0">
+                                  <a:solidFill>
+                                    <a:schemeClr val="accent6"/>
+                                  </a:solidFill>
+                                  <a:latin typeface="Cambria Math" panose="02040503050406030204" pitchFamily="18" charset="0"/>
+                                </a:rPr>
+                                <m:t>𝑠</m:t>
+                              </m:r>
+                            </m:sub>
+                          </m:sSub>
+                          <m:r>
+                            <a:rPr lang="en-US" altLang="zh-CN" sz="1600" b="0" i="1" smtClean="0">
+                              <a:solidFill>
+                                <a:schemeClr val="accent6"/>
+                              </a:solidFill>
+                              <a:latin typeface="Cambria Math" panose="02040503050406030204" pitchFamily="18" charset="0"/>
+                            </a:rPr>
+                            <m:t>+1</m:t>
+                          </m:r>
+                        </m:sub>
+                      </m:sSub>
+                    </m:oMath>
+                  </m:oMathPara>
+                </a14:m>
+                <a:endParaRPr lang="zh-CN" altLang="en-US" sz="1600" dirty="0">
+                  <a:solidFill>
+                    <a:schemeClr val="accent6"/>
+                  </a:solidFill>
+                </a:endParaRPr>
+              </a:p>
+            </p:txBody>
+          </p:sp>
+        </mc:Choice>
+        <mc:Fallback>
+          <p:sp>
+            <p:nvSpPr>
+              <p:cNvPr id="173" name="文本框 172">
+                <a:extLst>
+                  <a:ext uri="{FF2B5EF4-FFF2-40B4-BE49-F238E27FC236}">
+                    <a16:creationId xmlns:a16="http://schemas.microsoft.com/office/drawing/2014/main" id="{94F7A1E3-DD5A-4A8C-9B3A-F5EA6C988746}"/>
+                  </a:ext>
+                </a:extLst>
+              </p:cNvPr>
+              <p:cNvSpPr txBox="1">
+                <a:spLocks noRot="1" noChangeAspect="1" noMove="1" noResize="1" noEditPoints="1" noAdjustHandles="1" noChangeArrowheads="1" noChangeShapeType="1" noTextEdit="1"/>
+              </p:cNvSpPr>
+              <p:nvPr/>
+            </p:nvSpPr>
+            <p:spPr>
+              <a:xfrm>
+                <a:off x="6675678" y="2038831"/>
+                <a:ext cx="272659" cy="369460"/>
+              </a:xfrm>
+              <a:prstGeom prst="rect">
+                <a:avLst/>
+              </a:prstGeom>
+              <a:blipFill>
+                <a:blip r:embed="rId7"/>
+                <a:stretch>
+                  <a:fillRect r="-111111"/>
+                </a:stretch>
+              </a:blipFill>
+            </p:spPr>
+            <p:txBody>
+              <a:bodyPr/>
+              <a:lstStyle/>
+              <a:p>
+                <a:r>
+                  <a:rPr lang="zh-CN" altLang="en-US">
+                    <a:noFill/>
+                  </a:rPr>
+                  <a:t> </a:t>
+                </a:r>
+              </a:p>
+            </p:txBody>
+          </p:sp>
+        </mc:Fallback>
+      </mc:AlternateContent>
+      <p:cxnSp>
+        <p:nvCxnSpPr>
+          <p:cNvPr id="174" name="直接箭头连接符 173">
+            <a:extLst>
+              <a:ext uri="{FF2B5EF4-FFF2-40B4-BE49-F238E27FC236}">
+                <a16:creationId xmlns:a16="http://schemas.microsoft.com/office/drawing/2014/main" id="{E88C10F1-5C35-4E86-B3D5-31A4FDE2E62F}"/>
+              </a:ext>
+            </a:extLst>
+          </p:cNvPr>
+          <p:cNvCxnSpPr>
+            <a:cxnSpLocks/>
+          </p:cNvCxnSpPr>
+          <p:nvPr/>
+        </p:nvCxnSpPr>
+        <p:spPr>
+          <a:xfrm>
+            <a:off x="7268345" y="3224250"/>
+            <a:ext cx="864130" cy="0"/>
+          </a:xfrm>
+          <a:prstGeom prst="straightConnector1">
+            <a:avLst/>
+          </a:prstGeom>
+          <a:ln w="9525">
+            <a:solidFill>
+              <a:schemeClr val="accent6">
+                <a:lumMod val="60000"/>
+                <a:lumOff val="40000"/>
+              </a:schemeClr>
+            </a:solidFill>
+            <a:prstDash val="dash"/>
+            <a:headEnd type="triangle" w="sm" len="sm"/>
+            <a:tailEnd type="triangle" w="sm" len="sm"/>
+          </a:ln>
+        </p:spPr>
+        <p:style>
+          <a:lnRef idx="1">
+            <a:schemeClr val="accent1"/>
+          </a:lnRef>
+          <a:fillRef idx="0">
+            <a:schemeClr val="accent1"/>
+          </a:fillRef>
+          <a:effectRef idx="0">
+            <a:schemeClr val="accent1"/>
+          </a:effectRef>
+          <a:fontRef idx="minor">
+            <a:schemeClr val="tx1"/>
+          </a:fontRef>
+        </p:style>
+      </p:cxnSp>
+      <p:cxnSp>
+        <p:nvCxnSpPr>
+          <p:cNvPr id="175" name="直接箭头连接符 174">
+            <a:extLst>
+              <a:ext uri="{FF2B5EF4-FFF2-40B4-BE49-F238E27FC236}">
+                <a16:creationId xmlns:a16="http://schemas.microsoft.com/office/drawing/2014/main" id="{EDC1873F-AF4D-4403-8BE8-7BB165E283D3}"/>
+              </a:ext>
+            </a:extLst>
+          </p:cNvPr>
+          <p:cNvCxnSpPr>
+            <a:cxnSpLocks/>
+          </p:cNvCxnSpPr>
+          <p:nvPr/>
+        </p:nvCxnSpPr>
+        <p:spPr>
+          <a:xfrm>
+            <a:off x="5954347" y="3224250"/>
+            <a:ext cx="864130" cy="0"/>
+          </a:xfrm>
+          <a:prstGeom prst="straightConnector1">
+            <a:avLst/>
+          </a:prstGeom>
+          <a:ln w="9525">
+            <a:solidFill>
+              <a:schemeClr val="accent6">
+                <a:lumMod val="60000"/>
+                <a:lumOff val="40000"/>
+              </a:schemeClr>
+            </a:solidFill>
+            <a:prstDash val="dash"/>
+            <a:headEnd type="triangle" w="sm" len="sm"/>
+            <a:tailEnd type="triangle" w="sm" len="sm"/>
+          </a:ln>
+        </p:spPr>
+        <p:style>
+          <a:lnRef idx="1">
+            <a:schemeClr val="accent1"/>
+          </a:lnRef>
+          <a:fillRef idx="0">
+            <a:schemeClr val="accent1"/>
+          </a:fillRef>
+          <a:effectRef idx="0">
+            <a:schemeClr val="accent1"/>
+          </a:effectRef>
+          <a:fontRef idx="minor">
+            <a:schemeClr val="tx1"/>
+          </a:fontRef>
+        </p:style>
+      </p:cxnSp>
+      <mc:AlternateContent xmlns:mc="http://schemas.openxmlformats.org/markup-compatibility/2006">
+        <mc:Choice xmlns:a14="http://schemas.microsoft.com/office/drawing/2010/main" Requires="a14">
+          <p:sp>
+            <p:nvSpPr>
+              <p:cNvPr id="176" name="文本框 175">
+                <a:extLst>
+                  <a:ext uri="{FF2B5EF4-FFF2-40B4-BE49-F238E27FC236}">
+                    <a16:creationId xmlns:a16="http://schemas.microsoft.com/office/drawing/2014/main" id="{7739CB15-C529-497C-A93C-8D3C8F74CC86}"/>
+                  </a:ext>
+                </a:extLst>
+              </p:cNvPr>
+              <p:cNvSpPr txBox="1"/>
+              <p:nvPr/>
+            </p:nvSpPr>
+            <p:spPr>
+              <a:xfrm>
+                <a:off x="6085354" y="2927139"/>
+                <a:ext cx="272659" cy="338554"/>
+              </a:xfrm>
+              <a:prstGeom prst="rect">
+                <a:avLst/>
+              </a:prstGeom>
+              <a:noFill/>
+            </p:spPr>
+            <p:txBody>
+              <a:bodyPr wrap="square" rtlCol="0">
+                <a:spAutoFit/>
+              </a:bodyPr>
+              <a:lstStyle/>
+              <a:p>
+                <a:pPr/>
+                <a14:m>
+                  <m:oMathPara xmlns:m="http://schemas.openxmlformats.org/officeDocument/2006/math">
+                    <m:oMathParaPr>
+                      <m:jc m:val="centerGroup"/>
+                    </m:oMathParaPr>
+                    <m:oMath xmlns:m="http://schemas.openxmlformats.org/officeDocument/2006/math">
+                      <m:sSub>
+                        <m:sSubPr>
+                          <m:ctrlPr>
+                            <a:rPr lang="en-US" altLang="zh-CN" sz="1600" b="0" i="1" smtClean="0">
+                              <a:solidFill>
+                                <a:srgbClr val="2CEC67"/>
+                              </a:solidFill>
+                              <a:latin typeface="Cambria Math" panose="02040503050406030204" pitchFamily="18" charset="0"/>
+                            </a:rPr>
+                          </m:ctrlPr>
+                        </m:sSubPr>
+                        <m:e>
+                          <m:r>
+                            <a:rPr lang="en-US" altLang="zh-CN" sz="1600" b="0" i="1" smtClean="0">
+                              <a:solidFill>
+                                <a:srgbClr val="2CEC67"/>
+                              </a:solidFill>
+                              <a:latin typeface="Cambria Math" panose="02040503050406030204" pitchFamily="18" charset="0"/>
+                            </a:rPr>
+                            <m:t>𝑐</m:t>
+                          </m:r>
+                        </m:e>
+                        <m:sub>
+                          <m:r>
+                            <a:rPr lang="en-US" altLang="zh-CN" sz="1600" b="0" i="1" smtClean="0">
+                              <a:solidFill>
+                                <a:srgbClr val="2CEC67"/>
+                              </a:solidFill>
+                              <a:latin typeface="Cambria Math" panose="02040503050406030204" pitchFamily="18" charset="0"/>
+                            </a:rPr>
+                            <m:t>𝑠</m:t>
+                          </m:r>
+                          <m:r>
+                            <a:rPr lang="en-US" altLang="zh-CN" sz="1600" b="0" i="1" smtClean="0">
+                              <a:solidFill>
+                                <a:srgbClr val="2CEC67"/>
+                              </a:solidFill>
+                              <a:latin typeface="Cambria Math" panose="02040503050406030204" pitchFamily="18" charset="0"/>
+                            </a:rPr>
+                            <m:t>+1</m:t>
+                          </m:r>
+                        </m:sub>
+                      </m:sSub>
+                      <m:r>
+                        <a:rPr lang="en-US" altLang="zh-CN" sz="1600" b="0" i="1" smtClean="0">
+                          <a:solidFill>
+                            <a:srgbClr val="2CEC67"/>
+                          </a:solidFill>
+                          <a:latin typeface="Cambria Math" panose="02040503050406030204" pitchFamily="18" charset="0"/>
+                        </a:rPr>
+                        <m:t>?</m:t>
+                      </m:r>
+                    </m:oMath>
+                  </m:oMathPara>
+                </a14:m>
+                <a:endParaRPr lang="zh-CN" altLang="en-US" sz="1600" dirty="0">
+                  <a:solidFill>
+                    <a:srgbClr val="2CEC67"/>
+                  </a:solidFill>
+                </a:endParaRPr>
+              </a:p>
+            </p:txBody>
+          </p:sp>
+        </mc:Choice>
+        <mc:Fallback>
+          <p:sp>
+            <p:nvSpPr>
+              <p:cNvPr id="176" name="文本框 175">
+                <a:extLst>
+                  <a:ext uri="{FF2B5EF4-FFF2-40B4-BE49-F238E27FC236}">
+                    <a16:creationId xmlns:a16="http://schemas.microsoft.com/office/drawing/2014/main" id="{7739CB15-C529-497C-A93C-8D3C8F74CC86}"/>
+                  </a:ext>
+                </a:extLst>
+              </p:cNvPr>
+              <p:cNvSpPr txBox="1">
+                <a:spLocks noRot="1" noChangeAspect="1" noMove="1" noResize="1" noEditPoints="1" noAdjustHandles="1" noChangeArrowheads="1" noChangeShapeType="1" noTextEdit="1"/>
+              </p:cNvSpPr>
+              <p:nvPr/>
+            </p:nvSpPr>
+            <p:spPr>
+              <a:xfrm>
+                <a:off x="6085354" y="2927139"/>
+                <a:ext cx="272659" cy="338554"/>
+              </a:xfrm>
+              <a:prstGeom prst="rect">
+                <a:avLst/>
+              </a:prstGeom>
+              <a:blipFill>
+                <a:blip r:embed="rId8"/>
+                <a:stretch>
+                  <a:fillRect r="-124444"/>
+                </a:stretch>
+              </a:blipFill>
+            </p:spPr>
+            <p:txBody>
+              <a:bodyPr/>
+              <a:lstStyle/>
+              <a:p>
+                <a:r>
+                  <a:rPr lang="zh-CN" altLang="en-US">
+                    <a:noFill/>
+                  </a:rPr>
+                  <a:t> </a:t>
+                </a:r>
+              </a:p>
+            </p:txBody>
+          </p:sp>
+        </mc:Fallback>
+      </mc:AlternateContent>
+      <mc:AlternateContent xmlns:mc="http://schemas.openxmlformats.org/markup-compatibility/2006">
+        <mc:Choice xmlns:a14="http://schemas.microsoft.com/office/drawing/2010/main" Requires="a14">
+          <p:sp>
+            <p:nvSpPr>
+              <p:cNvPr id="177" name="文本框 176">
+                <a:extLst>
+                  <a:ext uri="{FF2B5EF4-FFF2-40B4-BE49-F238E27FC236}">
+                    <a16:creationId xmlns:a16="http://schemas.microsoft.com/office/drawing/2014/main" id="{D8037A83-6D9B-43CD-BB1D-ACBE1322C15E}"/>
+                  </a:ext>
+                </a:extLst>
+              </p:cNvPr>
+              <p:cNvSpPr txBox="1"/>
+              <p:nvPr/>
+            </p:nvSpPr>
+            <p:spPr>
+              <a:xfrm>
+                <a:off x="7446728" y="2906090"/>
+                <a:ext cx="272659" cy="338554"/>
+              </a:xfrm>
+              <a:prstGeom prst="rect">
+                <a:avLst/>
+              </a:prstGeom>
+              <a:noFill/>
+            </p:spPr>
+            <p:txBody>
+              <a:bodyPr wrap="square" rtlCol="0">
+                <a:spAutoFit/>
+              </a:bodyPr>
+              <a:lstStyle/>
+              <a:p>
+                <a:pPr/>
+                <a14:m>
+                  <m:oMathPara xmlns:m="http://schemas.openxmlformats.org/officeDocument/2006/math">
+                    <m:oMathParaPr>
+                      <m:jc m:val="centerGroup"/>
+                    </m:oMathParaPr>
+                    <m:oMath xmlns:m="http://schemas.openxmlformats.org/officeDocument/2006/math">
+                      <m:sSub>
+                        <m:sSubPr>
+                          <m:ctrlPr>
+                            <a:rPr lang="en-US" altLang="zh-CN" sz="1600" b="0" i="1" smtClean="0">
+                              <a:solidFill>
+                                <a:srgbClr val="2CEC67"/>
+                              </a:solidFill>
+                              <a:latin typeface="Cambria Math" panose="02040503050406030204" pitchFamily="18" charset="0"/>
+                            </a:rPr>
+                          </m:ctrlPr>
+                        </m:sSubPr>
+                        <m:e>
+                          <m:r>
+                            <a:rPr lang="en-US" altLang="zh-CN" sz="1600" b="0" i="1" smtClean="0">
+                              <a:solidFill>
+                                <a:srgbClr val="2CEC67"/>
+                              </a:solidFill>
+                              <a:latin typeface="Cambria Math" panose="02040503050406030204" pitchFamily="18" charset="0"/>
+                            </a:rPr>
+                            <m:t>𝑐</m:t>
+                          </m:r>
+                        </m:e>
+                        <m:sub>
+                          <m:r>
+                            <a:rPr lang="en-US" altLang="zh-CN" sz="1600" b="0" i="1" smtClean="0">
+                              <a:solidFill>
+                                <a:srgbClr val="2CEC67"/>
+                              </a:solidFill>
+                              <a:latin typeface="Cambria Math" panose="02040503050406030204" pitchFamily="18" charset="0"/>
+                            </a:rPr>
+                            <m:t>𝑠</m:t>
+                          </m:r>
+                          <m:r>
+                            <a:rPr lang="en-US" altLang="zh-CN" sz="1600" b="0" i="1" smtClean="0">
+                              <a:solidFill>
+                                <a:srgbClr val="2CEC67"/>
+                              </a:solidFill>
+                              <a:latin typeface="Cambria Math" panose="02040503050406030204" pitchFamily="18" charset="0"/>
+                            </a:rPr>
+                            <m:t>+1</m:t>
+                          </m:r>
+                        </m:sub>
+                      </m:sSub>
+                    </m:oMath>
+                  </m:oMathPara>
+                </a14:m>
+                <a:endParaRPr lang="zh-CN" altLang="en-US" sz="1600" dirty="0">
+                  <a:solidFill>
+                    <a:srgbClr val="2CEC67"/>
+                  </a:solidFill>
+                </a:endParaRPr>
+              </a:p>
+            </p:txBody>
+          </p:sp>
+        </mc:Choice>
+        <mc:Fallback>
+          <p:sp>
+            <p:nvSpPr>
+              <p:cNvPr id="177" name="文本框 176">
+                <a:extLst>
+                  <a:ext uri="{FF2B5EF4-FFF2-40B4-BE49-F238E27FC236}">
+                    <a16:creationId xmlns:a16="http://schemas.microsoft.com/office/drawing/2014/main" id="{D8037A83-6D9B-43CD-BB1D-ACBE1322C15E}"/>
+                  </a:ext>
+                </a:extLst>
+              </p:cNvPr>
+              <p:cNvSpPr txBox="1">
+                <a:spLocks noRot="1" noChangeAspect="1" noMove="1" noResize="1" noEditPoints="1" noAdjustHandles="1" noChangeArrowheads="1" noChangeShapeType="1" noTextEdit="1"/>
+              </p:cNvSpPr>
+              <p:nvPr/>
+            </p:nvSpPr>
+            <p:spPr>
+              <a:xfrm>
+                <a:off x="7446728" y="2906090"/>
+                <a:ext cx="272659" cy="338554"/>
+              </a:xfrm>
+              <a:prstGeom prst="rect">
+                <a:avLst/>
+              </a:prstGeom>
+              <a:blipFill>
+                <a:blip r:embed="rId9"/>
+                <a:stretch>
+                  <a:fillRect r="-84091"/>
+                </a:stretch>
+              </a:blipFill>
+            </p:spPr>
+            <p:txBody>
+              <a:bodyPr/>
+              <a:lstStyle/>
+              <a:p>
+                <a:r>
+                  <a:rPr lang="zh-CN" altLang="en-US">
+                    <a:noFill/>
+                  </a:rPr>
+                  <a:t> </a:t>
+                </a:r>
+              </a:p>
+            </p:txBody>
+          </p:sp>
+        </mc:Fallback>
+      </mc:AlternateContent>
+      <mc:AlternateContent xmlns:mc="http://schemas.openxmlformats.org/markup-compatibility/2006">
+        <mc:Choice xmlns:a14="http://schemas.microsoft.com/office/drawing/2010/main" Requires="a14">
+          <p:sp>
+            <p:nvSpPr>
+              <p:cNvPr id="178" name="文本框 177">
+                <a:extLst>
+                  <a:ext uri="{FF2B5EF4-FFF2-40B4-BE49-F238E27FC236}">
+                    <a16:creationId xmlns:a16="http://schemas.microsoft.com/office/drawing/2014/main" id="{11BE6584-5023-4F64-A5EF-91144248DAE7}"/>
+                  </a:ext>
+                </a:extLst>
+              </p:cNvPr>
+              <p:cNvSpPr txBox="1"/>
+              <p:nvPr/>
+            </p:nvSpPr>
+            <p:spPr>
+              <a:xfrm>
+                <a:off x="7353149" y="3194412"/>
+                <a:ext cx="678536" cy="307777"/>
+              </a:xfrm>
+              <a:prstGeom prst="rect">
+                <a:avLst/>
+              </a:prstGeom>
+              <a:noFill/>
+            </p:spPr>
+            <p:txBody>
+              <a:bodyPr wrap="square" rtlCol="0">
+                <a:spAutoFit/>
+              </a:bodyPr>
+              <a:lstStyle/>
+              <a:p>
+                <a:pPr/>
+                <a14:m>
+                  <m:oMathPara xmlns:m="http://schemas.openxmlformats.org/officeDocument/2006/math">
+                    <m:oMathParaPr>
+                      <m:jc m:val="centerGroup"/>
+                    </m:oMathParaPr>
+                    <m:oMath xmlns:m="http://schemas.openxmlformats.org/officeDocument/2006/math">
+                      <m:sSup>
+                        <m:sSupPr>
+                          <m:ctrlPr>
+                            <a:rPr lang="en-US" altLang="zh-CN" sz="1400" i="1" smtClean="0">
+                              <a:solidFill>
+                                <a:srgbClr val="2CEC67"/>
+                              </a:solidFill>
+                              <a:latin typeface="Cambria Math" panose="02040503050406030204" pitchFamily="18" charset="0"/>
+                            </a:rPr>
+                          </m:ctrlPr>
+                        </m:sSupPr>
+                        <m:e>
+                          <m:r>
+                            <a:rPr lang="en-US" altLang="zh-CN" sz="1400" b="0" i="1" smtClean="0">
+                              <a:solidFill>
+                                <a:srgbClr val="2CEC67"/>
+                              </a:solidFill>
+                              <a:latin typeface="Cambria Math" panose="02040503050406030204" pitchFamily="18" charset="0"/>
+                            </a:rPr>
+                            <m:t>𝑠𝑢𝑓𝑓𝑖𝑥</m:t>
+                          </m:r>
+                        </m:e>
+                        <m:sup>
+                          <m:r>
+                            <a:rPr lang="en-US" altLang="zh-CN" sz="1400" b="0" i="1" smtClean="0">
+                              <a:solidFill>
+                                <a:srgbClr val="2CEC67"/>
+                              </a:solidFill>
+                              <a:latin typeface="Cambria Math" panose="02040503050406030204" pitchFamily="18" charset="0"/>
+                            </a:rPr>
+                            <m:t>′</m:t>
+                          </m:r>
+                        </m:sup>
+                      </m:sSup>
+                    </m:oMath>
+                  </m:oMathPara>
+                </a14:m>
+                <a:endParaRPr lang="zh-CN" altLang="en-US" sz="1400" dirty="0">
+                  <a:solidFill>
+                    <a:srgbClr val="2CEC67"/>
+                  </a:solidFill>
+                </a:endParaRPr>
+              </a:p>
+            </p:txBody>
+          </p:sp>
+        </mc:Choice>
+        <mc:Fallback>
+          <p:sp>
+            <p:nvSpPr>
+              <p:cNvPr id="178" name="文本框 177">
+                <a:extLst>
+                  <a:ext uri="{FF2B5EF4-FFF2-40B4-BE49-F238E27FC236}">
+                    <a16:creationId xmlns:a16="http://schemas.microsoft.com/office/drawing/2014/main" id="{11BE6584-5023-4F64-A5EF-91144248DAE7}"/>
+                  </a:ext>
+                </a:extLst>
+              </p:cNvPr>
+              <p:cNvSpPr txBox="1">
+                <a:spLocks noRot="1" noChangeAspect="1" noMove="1" noResize="1" noEditPoints="1" noAdjustHandles="1" noChangeArrowheads="1" noChangeShapeType="1" noTextEdit="1"/>
+              </p:cNvSpPr>
+              <p:nvPr/>
+            </p:nvSpPr>
+            <p:spPr>
+              <a:xfrm>
+                <a:off x="7353149" y="3194412"/>
+                <a:ext cx="678536" cy="307777"/>
+              </a:xfrm>
+              <a:prstGeom prst="rect">
+                <a:avLst/>
+              </a:prstGeom>
+              <a:blipFill>
+                <a:blip r:embed="rId10"/>
+                <a:stretch>
+                  <a:fillRect r="-3571" b="-5882"/>
+                </a:stretch>
+              </a:blipFill>
+            </p:spPr>
+            <p:txBody>
+              <a:bodyPr/>
+              <a:lstStyle/>
+              <a:p>
+                <a:r>
+                  <a:rPr lang="zh-CN" altLang="en-US">
+                    <a:noFill/>
+                  </a:rPr>
+                  <a:t> </a:t>
+                </a:r>
+              </a:p>
+            </p:txBody>
+          </p:sp>
+        </mc:Fallback>
+      </mc:AlternateContent>
+      <p:sp>
+        <p:nvSpPr>
+          <p:cNvPr id="179" name="矩形 178">
+            <a:extLst>
+              <a:ext uri="{FF2B5EF4-FFF2-40B4-BE49-F238E27FC236}">
+                <a16:creationId xmlns:a16="http://schemas.microsoft.com/office/drawing/2014/main" id="{A614CFD7-E8A7-4B2E-87C8-BBA95D5B64F1}"/>
+              </a:ext>
+            </a:extLst>
+          </p:cNvPr>
+          <p:cNvSpPr/>
+          <p:nvPr/>
+        </p:nvSpPr>
+        <p:spPr>
+          <a:xfrm>
+            <a:off x="9267085" y="3548043"/>
+            <a:ext cx="162226" cy="232702"/>
+          </a:xfrm>
+          <a:prstGeom prst="rect">
+            <a:avLst/>
+          </a:prstGeom>
+          <a:solidFill>
+            <a:schemeClr val="accent3">
+              <a:lumMod val="60000"/>
+              <a:lumOff val="40000"/>
+            </a:schemeClr>
+          </a:solidFill>
+        </p:spPr>
+        <p:style>
+          <a:lnRef idx="2">
+            <a:schemeClr val="accent1">
+              <a:shade val="50000"/>
+            </a:schemeClr>
+          </a:lnRef>
+          <a:fillRef idx="1">
+            <a:schemeClr val="accent1"/>
+          </a:fillRef>
+          <a:effectRef idx="0">
+            <a:schemeClr val="accent1"/>
+          </a:effectRef>
+          <a:fontRef idx="minor">
+            <a:schemeClr val="lt1"/>
+          </a:fontRef>
+        </p:style>
+        <p:txBody>
+          <a:bodyPr rtlCol="0" anchor="ctr"/>
+          <a:lstStyle/>
+          <a:p>
+            <a:pPr algn="ctr"/>
+            <a:endParaRPr lang="zh-CN" altLang="en-US"/>
+          </a:p>
+        </p:txBody>
+      </p:sp>
+      <p:sp>
+        <p:nvSpPr>
+          <p:cNvPr id="180" name="矩形 179">
+            <a:extLst>
+              <a:ext uri="{FF2B5EF4-FFF2-40B4-BE49-F238E27FC236}">
+                <a16:creationId xmlns:a16="http://schemas.microsoft.com/office/drawing/2014/main" id="{8675537E-6EAE-4233-A470-B8ED11446F34}"/>
+              </a:ext>
+            </a:extLst>
+          </p:cNvPr>
+          <p:cNvSpPr/>
+          <p:nvPr/>
+        </p:nvSpPr>
+        <p:spPr>
+          <a:xfrm>
+            <a:off x="9445087" y="3548904"/>
+            <a:ext cx="1595360" cy="232702"/>
+          </a:xfrm>
+          <a:prstGeom prst="rect">
+            <a:avLst/>
+          </a:prstGeom>
+          <a:solidFill>
+            <a:srgbClr val="FFC000"/>
+          </a:solidFill>
+        </p:spPr>
+        <p:style>
+          <a:lnRef idx="2">
+            <a:schemeClr val="accent1">
+              <a:shade val="50000"/>
+            </a:schemeClr>
+          </a:lnRef>
+          <a:fillRef idx="1">
+            <a:schemeClr val="accent1"/>
+          </a:fillRef>
+          <a:effectRef idx="0">
+            <a:schemeClr val="accent1"/>
+          </a:effectRef>
+          <a:fontRef idx="minor">
+            <a:schemeClr val="lt1"/>
+          </a:fontRef>
+        </p:style>
+        <p:txBody>
+          <a:bodyPr rtlCol="0" anchor="ctr"/>
+          <a:lstStyle/>
+          <a:p>
+            <a:pPr algn="ctr"/>
+            <a:r>
+              <a:rPr lang="en-US" altLang="zh-CN" sz="1600" dirty="0">
+                <a:solidFill>
+                  <a:schemeClr val="bg2"/>
+                </a:solidFill>
+              </a:rPr>
+              <a:t>Pattern</a:t>
+            </a:r>
+            <a:endParaRPr lang="zh-CN" altLang="en-US" sz="1600" dirty="0">
+              <a:solidFill>
+                <a:schemeClr val="bg2"/>
+              </a:solidFill>
+            </a:endParaRPr>
+          </a:p>
+        </p:txBody>
+      </p:sp>
+      <p:sp>
+        <p:nvSpPr>
+          <p:cNvPr id="181" name="矩形 180">
+            <a:extLst>
+              <a:ext uri="{FF2B5EF4-FFF2-40B4-BE49-F238E27FC236}">
+                <a16:creationId xmlns:a16="http://schemas.microsoft.com/office/drawing/2014/main" id="{05184547-427C-4264-A221-B311C4067B77}"/>
+              </a:ext>
+            </a:extLst>
+          </p:cNvPr>
+          <p:cNvSpPr/>
+          <p:nvPr/>
+        </p:nvSpPr>
+        <p:spPr>
+          <a:xfrm>
+            <a:off x="8124459" y="3548043"/>
+            <a:ext cx="414711" cy="232702"/>
+          </a:xfrm>
+          <a:prstGeom prst="rect">
+            <a:avLst/>
+          </a:prstGeom>
+          <a:solidFill>
+            <a:schemeClr val="accent2">
+              <a:lumMod val="60000"/>
+              <a:lumOff val="40000"/>
+            </a:schemeClr>
+          </a:solidFill>
+        </p:spPr>
+        <p:style>
+          <a:lnRef idx="2">
+            <a:schemeClr val="accent1">
+              <a:shade val="50000"/>
+            </a:schemeClr>
+          </a:lnRef>
+          <a:fillRef idx="1">
+            <a:schemeClr val="accent1"/>
+          </a:fillRef>
+          <a:effectRef idx="0">
+            <a:schemeClr val="accent1"/>
+          </a:effectRef>
+          <a:fontRef idx="minor">
+            <a:schemeClr val="lt1"/>
+          </a:fontRef>
+        </p:style>
+        <p:txBody>
+          <a:bodyPr rtlCol="0" anchor="ctr"/>
+          <a:lstStyle/>
+          <a:p>
+            <a:pPr algn="ctr"/>
+            <a:endParaRPr lang="zh-CN" altLang="en-US"/>
+          </a:p>
+        </p:txBody>
+      </p:sp>
+      <p:sp>
+        <p:nvSpPr>
+          <p:cNvPr id="182" name="矩形 181">
+            <a:extLst>
+              <a:ext uri="{FF2B5EF4-FFF2-40B4-BE49-F238E27FC236}">
+                <a16:creationId xmlns:a16="http://schemas.microsoft.com/office/drawing/2014/main" id="{EF38283D-B3B5-4E2F-9DE9-EFBAF0397244}"/>
+              </a:ext>
+            </a:extLst>
+          </p:cNvPr>
+          <p:cNvSpPr/>
+          <p:nvPr/>
+        </p:nvSpPr>
+        <p:spPr>
+          <a:xfrm>
+            <a:off x="7956099" y="3548043"/>
+            <a:ext cx="159214" cy="232702"/>
+          </a:xfrm>
+          <a:prstGeom prst="rect">
+            <a:avLst/>
+          </a:prstGeom>
+          <a:solidFill>
+            <a:schemeClr val="accent1">
+              <a:lumMod val="40000"/>
+              <a:lumOff val="60000"/>
+            </a:schemeClr>
+          </a:solidFill>
+        </p:spPr>
+        <p:style>
+          <a:lnRef idx="2">
+            <a:schemeClr val="accent1">
+              <a:shade val="50000"/>
+            </a:schemeClr>
+          </a:lnRef>
+          <a:fillRef idx="1">
+            <a:schemeClr val="accent1"/>
+          </a:fillRef>
+          <a:effectRef idx="0">
+            <a:schemeClr val="accent1"/>
+          </a:effectRef>
+          <a:fontRef idx="minor">
+            <a:schemeClr val="lt1"/>
+          </a:fontRef>
+        </p:style>
+        <p:txBody>
+          <a:bodyPr rtlCol="0" anchor="ctr"/>
+          <a:lstStyle/>
+          <a:p>
+            <a:pPr algn="ctr"/>
+            <a:endParaRPr lang="zh-CN" altLang="en-US"/>
+          </a:p>
+        </p:txBody>
+      </p:sp>
+      <p:sp>
+        <p:nvSpPr>
+          <p:cNvPr id="183" name="矩形 182">
+            <a:extLst>
+              <a:ext uri="{FF2B5EF4-FFF2-40B4-BE49-F238E27FC236}">
+                <a16:creationId xmlns:a16="http://schemas.microsoft.com/office/drawing/2014/main" id="{E89C6727-CAE0-446C-A624-1A40ECCEE11B}"/>
+              </a:ext>
+            </a:extLst>
+          </p:cNvPr>
+          <p:cNvSpPr/>
+          <p:nvPr/>
+        </p:nvSpPr>
+        <p:spPr>
+          <a:xfrm>
+            <a:off x="8548674" y="3548043"/>
+            <a:ext cx="701904" cy="232702"/>
+          </a:xfrm>
+          <a:prstGeom prst="rect">
+            <a:avLst/>
+          </a:prstGeom>
+          <a:solidFill>
+            <a:srgbClr val="FFFF00"/>
+          </a:solidFill>
+        </p:spPr>
+        <p:style>
+          <a:lnRef idx="2">
+            <a:schemeClr val="accent1">
+              <a:shade val="50000"/>
+            </a:schemeClr>
+          </a:lnRef>
+          <a:fillRef idx="1">
+            <a:schemeClr val="accent1"/>
+          </a:fillRef>
+          <a:effectRef idx="0">
+            <a:schemeClr val="accent1"/>
+          </a:effectRef>
+          <a:fontRef idx="minor">
+            <a:schemeClr val="lt1"/>
+          </a:fontRef>
+        </p:style>
+        <p:txBody>
+          <a:bodyPr rtlCol="0" anchor="ctr"/>
+          <a:lstStyle/>
+          <a:p>
+            <a:pPr algn="ctr"/>
+            <a:endParaRPr lang="zh-CN" altLang="en-US"/>
+          </a:p>
+        </p:txBody>
+      </p:sp>
+      <p:sp>
+        <p:nvSpPr>
+          <p:cNvPr id="184" name="矩形 183">
+            <a:extLst>
+              <a:ext uri="{FF2B5EF4-FFF2-40B4-BE49-F238E27FC236}">
+                <a16:creationId xmlns:a16="http://schemas.microsoft.com/office/drawing/2014/main" id="{79B7E446-201E-4926-8497-0A16045FC989}"/>
+              </a:ext>
+            </a:extLst>
+          </p:cNvPr>
+          <p:cNvSpPr/>
+          <p:nvPr/>
+        </p:nvSpPr>
+        <p:spPr>
+          <a:xfrm>
+            <a:off x="7241474" y="3548043"/>
+            <a:ext cx="701904" cy="232702"/>
+          </a:xfrm>
+          <a:prstGeom prst="rect">
+            <a:avLst/>
+          </a:prstGeom>
+          <a:solidFill>
+            <a:srgbClr val="FFFF00"/>
+          </a:solidFill>
+        </p:spPr>
+        <p:style>
+          <a:lnRef idx="2">
+            <a:schemeClr val="accent1">
+              <a:shade val="50000"/>
+            </a:schemeClr>
+          </a:lnRef>
+          <a:fillRef idx="1">
+            <a:schemeClr val="accent1"/>
+          </a:fillRef>
+          <a:effectRef idx="0">
+            <a:schemeClr val="accent1"/>
+          </a:effectRef>
+          <a:fontRef idx="minor">
+            <a:schemeClr val="lt1"/>
+          </a:fontRef>
+        </p:style>
+        <p:txBody>
+          <a:bodyPr rtlCol="0" anchor="ctr"/>
+          <a:lstStyle/>
+          <a:p>
+            <a:pPr algn="ctr"/>
+            <a:endParaRPr lang="zh-CN" altLang="en-US"/>
+          </a:p>
+        </p:txBody>
+      </p:sp>
+      <p:cxnSp>
+        <p:nvCxnSpPr>
+          <p:cNvPr id="187" name="直接连接符 186">
+            <a:extLst>
+              <a:ext uri="{FF2B5EF4-FFF2-40B4-BE49-F238E27FC236}">
+                <a16:creationId xmlns:a16="http://schemas.microsoft.com/office/drawing/2014/main" id="{4E3DC3CD-632D-4CEF-8CE8-EAFD5A34A44E}"/>
+              </a:ext>
+            </a:extLst>
+          </p:cNvPr>
+          <p:cNvCxnSpPr>
+            <a:cxnSpLocks/>
+          </p:cNvCxnSpPr>
+          <p:nvPr/>
+        </p:nvCxnSpPr>
+        <p:spPr>
+          <a:xfrm>
+            <a:off x="7938156" y="3548043"/>
+            <a:ext cx="0" cy="232702"/>
+          </a:xfrm>
+          <a:prstGeom prst="line">
+            <a:avLst/>
+          </a:prstGeom>
+          <a:ln>
+            <a:solidFill>
+              <a:srgbClr val="FFFF00"/>
+            </a:solidFill>
+            <a:prstDash val="dash"/>
+          </a:ln>
+        </p:spPr>
+        <p:style>
+          <a:lnRef idx="1">
+            <a:schemeClr val="accent1"/>
+          </a:lnRef>
+          <a:fillRef idx="0">
+            <a:schemeClr val="accent1"/>
+          </a:fillRef>
+          <a:effectRef idx="0">
+            <a:schemeClr val="accent1"/>
+          </a:effectRef>
+          <a:fontRef idx="minor">
+            <a:schemeClr val="tx1"/>
+          </a:fontRef>
+        </p:style>
+      </p:cxnSp>
+      <p:cxnSp>
+        <p:nvCxnSpPr>
+          <p:cNvPr id="189" name="直接连接符 188">
+            <a:extLst>
+              <a:ext uri="{FF2B5EF4-FFF2-40B4-BE49-F238E27FC236}">
+                <a16:creationId xmlns:a16="http://schemas.microsoft.com/office/drawing/2014/main" id="{6AC33DCD-50A4-4DF6-BBDB-F65B001BB309}"/>
+              </a:ext>
+            </a:extLst>
+          </p:cNvPr>
+          <p:cNvCxnSpPr>
+            <a:cxnSpLocks/>
+          </p:cNvCxnSpPr>
+          <p:nvPr/>
+        </p:nvCxnSpPr>
+        <p:spPr>
+          <a:xfrm>
+            <a:off x="9246431" y="3548043"/>
+            <a:ext cx="0" cy="232702"/>
+          </a:xfrm>
+          <a:prstGeom prst="line">
+            <a:avLst/>
+          </a:prstGeom>
+          <a:ln>
+            <a:solidFill>
+              <a:srgbClr val="FFFF00"/>
+            </a:solidFill>
+            <a:prstDash val="dash"/>
+          </a:ln>
+        </p:spPr>
+        <p:style>
+          <a:lnRef idx="1">
+            <a:schemeClr val="accent1"/>
+          </a:lnRef>
+          <a:fillRef idx="0">
+            <a:schemeClr val="accent1"/>
+          </a:fillRef>
+          <a:effectRef idx="0">
+            <a:schemeClr val="accent1"/>
+          </a:effectRef>
+          <a:fontRef idx="minor">
+            <a:schemeClr val="tx1"/>
+          </a:fontRef>
+        </p:style>
+      </p:cxnSp>
+      <p:cxnSp>
+        <p:nvCxnSpPr>
+          <p:cNvPr id="209" name="直接箭头连接符 208">
+            <a:extLst>
+              <a:ext uri="{FF2B5EF4-FFF2-40B4-BE49-F238E27FC236}">
+                <a16:creationId xmlns:a16="http://schemas.microsoft.com/office/drawing/2014/main" id="{E385D11A-71C4-4248-931C-971776EA4704}"/>
+              </a:ext>
+            </a:extLst>
+          </p:cNvPr>
+          <p:cNvCxnSpPr>
+            <a:cxnSpLocks/>
+          </p:cNvCxnSpPr>
+          <p:nvPr/>
+        </p:nvCxnSpPr>
+        <p:spPr>
+          <a:xfrm flipV="1">
+            <a:off x="8031685" y="3799783"/>
+            <a:ext cx="0" cy="147142"/>
+          </a:xfrm>
+          <a:prstGeom prst="straightConnector1">
+            <a:avLst/>
+          </a:prstGeom>
+          <a:ln w="22225">
+            <a:solidFill>
+              <a:srgbClr val="FF0000"/>
+            </a:solidFill>
+            <a:headEnd type="none"/>
+            <a:tailEnd type="triangle"/>
+          </a:ln>
+        </p:spPr>
+        <p:style>
+          <a:lnRef idx="1">
+            <a:schemeClr val="accent1"/>
+          </a:lnRef>
+          <a:fillRef idx="0">
+            <a:schemeClr val="accent1"/>
+          </a:fillRef>
+          <a:effectRef idx="0">
+            <a:schemeClr val="accent1"/>
+          </a:effectRef>
+          <a:fontRef idx="minor">
+            <a:schemeClr val="tx1"/>
+          </a:fontRef>
+        </p:style>
+      </p:cxnSp>
+      <mc:AlternateContent xmlns:mc="http://schemas.openxmlformats.org/markup-compatibility/2006">
+        <mc:Choice xmlns:a14="http://schemas.microsoft.com/office/drawing/2010/main" Requires="a14">
+          <p:sp>
+            <p:nvSpPr>
+              <p:cNvPr id="210" name="文本框 209">
+                <a:extLst>
+                  <a:ext uri="{FF2B5EF4-FFF2-40B4-BE49-F238E27FC236}">
+                    <a16:creationId xmlns:a16="http://schemas.microsoft.com/office/drawing/2014/main" id="{07D0310F-DFA9-49C1-86FC-A9C6D1BE2D9B}"/>
+                  </a:ext>
+                </a:extLst>
+              </p:cNvPr>
+              <p:cNvSpPr txBox="1"/>
+              <p:nvPr/>
+            </p:nvSpPr>
+            <p:spPr>
+              <a:xfrm>
+                <a:off x="7990127" y="3818564"/>
+                <a:ext cx="1031731" cy="307777"/>
+              </a:xfrm>
+              <a:prstGeom prst="rect">
+                <a:avLst/>
+              </a:prstGeom>
+              <a:noFill/>
+            </p:spPr>
+            <p:txBody>
+              <a:bodyPr wrap="square" rtlCol="0">
+                <a:spAutoFit/>
+              </a:bodyPr>
+              <a:lstStyle/>
+              <a:p>
+                <a:pPr/>
+                <a14:m>
+                  <m:oMathPara xmlns:m="http://schemas.openxmlformats.org/officeDocument/2006/math">
+                    <m:oMathParaPr>
+                      <m:jc m:val="centerGroup"/>
+                    </m:oMathParaPr>
+                    <m:oMath xmlns:m="http://schemas.openxmlformats.org/officeDocument/2006/math">
+                      <m:r>
+                        <m:rPr>
+                          <m:sty m:val="p"/>
+                        </m:rPr>
+                        <a:rPr lang="en-US" altLang="zh-CN" sz="1400" i="1" smtClean="0">
+                          <a:solidFill>
+                            <a:srgbClr val="FF0000"/>
+                          </a:solidFill>
+                          <a:latin typeface="Cambria Math" panose="02040503050406030204" pitchFamily="18" charset="0"/>
+                        </a:rPr>
+                        <m:t>mis</m:t>
+                      </m:r>
+                      <m:r>
+                        <a:rPr lang="en-US" altLang="zh-CN" sz="1400" b="0" i="1" smtClean="0">
+                          <a:solidFill>
+                            <a:srgbClr val="FF0000"/>
+                          </a:solidFill>
+                          <a:latin typeface="Cambria Math" panose="02040503050406030204" pitchFamily="18" charset="0"/>
+                        </a:rPr>
+                        <m:t>𝑚𝑎𝑡𝑐h</m:t>
+                      </m:r>
+                    </m:oMath>
+                  </m:oMathPara>
+                </a14:m>
+                <a:endParaRPr lang="zh-CN" altLang="en-US" sz="1400" dirty="0">
+                  <a:solidFill>
+                    <a:srgbClr val="FF0000"/>
+                  </a:solidFill>
+                </a:endParaRPr>
+              </a:p>
+            </p:txBody>
+          </p:sp>
+        </mc:Choice>
+        <mc:Fallback>
+          <p:sp>
+            <p:nvSpPr>
+              <p:cNvPr id="210" name="文本框 209">
+                <a:extLst>
+                  <a:ext uri="{FF2B5EF4-FFF2-40B4-BE49-F238E27FC236}">
+                    <a16:creationId xmlns:a16="http://schemas.microsoft.com/office/drawing/2014/main" id="{07D0310F-DFA9-49C1-86FC-A9C6D1BE2D9B}"/>
+                  </a:ext>
+                </a:extLst>
+              </p:cNvPr>
+              <p:cNvSpPr txBox="1">
+                <a:spLocks noRot="1" noChangeAspect="1" noMove="1" noResize="1" noEditPoints="1" noAdjustHandles="1" noChangeArrowheads="1" noChangeShapeType="1" noTextEdit="1"/>
+              </p:cNvSpPr>
+              <p:nvPr/>
+            </p:nvSpPr>
+            <p:spPr>
+              <a:xfrm>
+                <a:off x="7990127" y="3818564"/>
+                <a:ext cx="1031731" cy="307777"/>
+              </a:xfrm>
+              <a:prstGeom prst="rect">
+                <a:avLst/>
+              </a:prstGeom>
+              <a:blipFill>
+                <a:blip r:embed="rId11"/>
+                <a:stretch>
+                  <a:fillRect/>
+                </a:stretch>
+              </a:blipFill>
+            </p:spPr>
+            <p:txBody>
+              <a:bodyPr/>
+              <a:lstStyle/>
+              <a:p>
+                <a:r>
+                  <a:rPr lang="zh-CN" altLang="en-US">
+                    <a:noFill/>
+                  </a:rPr>
+                  <a:t> </a:t>
+                </a:r>
+              </a:p>
+            </p:txBody>
+          </p:sp>
+        </mc:Fallback>
+      </mc:AlternateContent>
+      <p:sp>
+        <p:nvSpPr>
+          <p:cNvPr id="107" name="矩形 106">
+            <a:extLst>
+              <a:ext uri="{FF2B5EF4-FFF2-40B4-BE49-F238E27FC236}">
+                <a16:creationId xmlns:a16="http://schemas.microsoft.com/office/drawing/2014/main" id="{9E9D257F-02C3-438D-87F2-0285D6F3D3C9}"/>
+              </a:ext>
+            </a:extLst>
+          </p:cNvPr>
+          <p:cNvSpPr/>
+          <p:nvPr/>
+        </p:nvSpPr>
+        <p:spPr>
+          <a:xfrm>
+            <a:off x="8148251" y="4275885"/>
+            <a:ext cx="3194935" cy="231841"/>
+          </a:xfrm>
+          <a:prstGeom prst="rect">
+            <a:avLst/>
+          </a:prstGeom>
+          <a:solidFill>
+            <a:srgbClr val="FFC000"/>
+          </a:solidFill>
+        </p:spPr>
+        <p:style>
+          <a:lnRef idx="2">
+            <a:schemeClr val="accent1">
+              <a:shade val="50000"/>
+            </a:schemeClr>
+          </a:lnRef>
+          <a:fillRef idx="1">
+            <a:schemeClr val="accent1"/>
+          </a:fillRef>
+          <a:effectRef idx="0">
+            <a:schemeClr val="accent1"/>
+          </a:effectRef>
+          <a:fontRef idx="minor">
+            <a:schemeClr val="lt1"/>
+          </a:fontRef>
+        </p:style>
+        <p:txBody>
+          <a:bodyPr rtlCol="0" anchor="ctr"/>
+          <a:lstStyle/>
+          <a:p>
+            <a:pPr algn="ctr"/>
+            <a:r>
+              <a:rPr lang="en-US" altLang="zh-CN" sz="1600" dirty="0">
+                <a:solidFill>
+                  <a:schemeClr val="bg2"/>
+                </a:solidFill>
+              </a:rPr>
+              <a:t>Pattern</a:t>
+            </a:r>
+            <a:endParaRPr lang="zh-CN" altLang="en-US" sz="1600" dirty="0">
+              <a:solidFill>
+                <a:schemeClr val="bg2"/>
+              </a:solidFill>
+            </a:endParaRPr>
+          </a:p>
+        </p:txBody>
+      </p:sp>
+      <p:sp>
+        <p:nvSpPr>
+          <p:cNvPr id="111" name="矩形 110">
+            <a:extLst>
+              <a:ext uri="{FF2B5EF4-FFF2-40B4-BE49-F238E27FC236}">
+                <a16:creationId xmlns:a16="http://schemas.microsoft.com/office/drawing/2014/main" id="{3DC069E6-326C-415E-BC82-D10EDB0346E5}"/>
+              </a:ext>
+            </a:extLst>
+          </p:cNvPr>
+          <p:cNvSpPr/>
+          <p:nvPr/>
+        </p:nvSpPr>
+        <p:spPr>
+          <a:xfrm>
+            <a:off x="7971755" y="4275024"/>
+            <a:ext cx="159214" cy="232702"/>
+          </a:xfrm>
+          <a:prstGeom prst="rect">
+            <a:avLst/>
+          </a:prstGeom>
+          <a:solidFill>
+            <a:schemeClr val="accent1">
+              <a:lumMod val="40000"/>
+              <a:lumOff val="60000"/>
+            </a:schemeClr>
+          </a:solidFill>
+        </p:spPr>
+        <p:style>
+          <a:lnRef idx="2">
+            <a:schemeClr val="accent1">
+              <a:shade val="50000"/>
+            </a:schemeClr>
+          </a:lnRef>
+          <a:fillRef idx="1">
+            <a:schemeClr val="accent1"/>
+          </a:fillRef>
+          <a:effectRef idx="0">
+            <a:schemeClr val="accent1"/>
+          </a:effectRef>
+          <a:fontRef idx="minor">
+            <a:schemeClr val="lt1"/>
+          </a:fontRef>
+        </p:style>
+        <p:txBody>
+          <a:bodyPr rtlCol="0" anchor="ctr"/>
+          <a:lstStyle/>
+          <a:p>
+            <a:pPr algn="ctr"/>
+            <a:endParaRPr lang="zh-CN" altLang="en-US"/>
+          </a:p>
+        </p:txBody>
+      </p:sp>
+      <p:sp>
+        <p:nvSpPr>
+          <p:cNvPr id="117" name="矩形 116">
+            <a:extLst>
+              <a:ext uri="{FF2B5EF4-FFF2-40B4-BE49-F238E27FC236}">
+                <a16:creationId xmlns:a16="http://schemas.microsoft.com/office/drawing/2014/main" id="{3555417A-F913-45D2-B91D-48B158DF8BD0}"/>
+              </a:ext>
+            </a:extLst>
+          </p:cNvPr>
+          <p:cNvSpPr/>
+          <p:nvPr/>
+        </p:nvSpPr>
+        <p:spPr>
+          <a:xfrm>
+            <a:off x="7353150" y="4275024"/>
+            <a:ext cx="600592" cy="232702"/>
+          </a:xfrm>
+          <a:prstGeom prst="rect">
+            <a:avLst/>
+          </a:prstGeom>
+          <a:solidFill>
+            <a:srgbClr val="FFFF00"/>
+          </a:solidFill>
+        </p:spPr>
+        <p:style>
+          <a:lnRef idx="2">
+            <a:schemeClr val="accent1">
+              <a:shade val="50000"/>
+            </a:schemeClr>
+          </a:lnRef>
+          <a:fillRef idx="1">
+            <a:schemeClr val="accent1"/>
+          </a:fillRef>
+          <a:effectRef idx="0">
+            <a:schemeClr val="accent1"/>
+          </a:effectRef>
+          <a:fontRef idx="minor">
+            <a:schemeClr val="lt1"/>
+          </a:fontRef>
+        </p:style>
+        <p:txBody>
+          <a:bodyPr rtlCol="0" anchor="ctr"/>
+          <a:lstStyle/>
+          <a:p>
+            <a:pPr algn="ctr"/>
+            <a:endParaRPr lang="zh-CN" altLang="en-US"/>
+          </a:p>
+        </p:txBody>
+      </p:sp>
+      <p:cxnSp>
+        <p:nvCxnSpPr>
+          <p:cNvPr id="129" name="直接箭头连接符 128">
+            <a:extLst>
+              <a:ext uri="{FF2B5EF4-FFF2-40B4-BE49-F238E27FC236}">
+                <a16:creationId xmlns:a16="http://schemas.microsoft.com/office/drawing/2014/main" id="{2268D123-2A42-4C2F-8F2C-65FD5EF13B85}"/>
+              </a:ext>
+            </a:extLst>
+          </p:cNvPr>
+          <p:cNvCxnSpPr>
+            <a:cxnSpLocks/>
+          </p:cNvCxnSpPr>
+          <p:nvPr/>
+        </p:nvCxnSpPr>
+        <p:spPr>
+          <a:xfrm flipV="1">
+            <a:off x="8051362" y="4538194"/>
+            <a:ext cx="0" cy="147142"/>
+          </a:xfrm>
+          <a:prstGeom prst="straightConnector1">
+            <a:avLst/>
+          </a:prstGeom>
+          <a:ln w="22225">
+            <a:solidFill>
+              <a:srgbClr val="FF0000"/>
+            </a:solidFill>
+            <a:headEnd type="none"/>
+            <a:tailEnd type="triangle"/>
+          </a:ln>
+        </p:spPr>
+        <p:style>
+          <a:lnRef idx="1">
+            <a:schemeClr val="accent1"/>
+          </a:lnRef>
+          <a:fillRef idx="0">
+            <a:schemeClr val="accent1"/>
+          </a:fillRef>
+          <a:effectRef idx="0">
+            <a:schemeClr val="accent1"/>
+          </a:effectRef>
+          <a:fontRef idx="minor">
+            <a:schemeClr val="tx1"/>
+          </a:fontRef>
+        </p:style>
+      </p:cxnSp>
+      <mc:AlternateContent xmlns:mc="http://schemas.openxmlformats.org/markup-compatibility/2006">
+        <mc:Choice xmlns:a14="http://schemas.microsoft.com/office/drawing/2010/main" Requires="a14">
+          <p:sp>
+            <p:nvSpPr>
+              <p:cNvPr id="130" name="文本框 129">
+                <a:extLst>
+                  <a:ext uri="{FF2B5EF4-FFF2-40B4-BE49-F238E27FC236}">
+                    <a16:creationId xmlns:a16="http://schemas.microsoft.com/office/drawing/2014/main" id="{A9A6DB10-CB06-4185-B292-A1F8A72F040A}"/>
+                  </a:ext>
+                </a:extLst>
+              </p:cNvPr>
+              <p:cNvSpPr txBox="1"/>
+              <p:nvPr/>
+            </p:nvSpPr>
+            <p:spPr>
+              <a:xfrm>
+                <a:off x="8058304" y="4502213"/>
+                <a:ext cx="1031731" cy="307777"/>
+              </a:xfrm>
+              <a:prstGeom prst="rect">
+                <a:avLst/>
+              </a:prstGeom>
+              <a:noFill/>
+            </p:spPr>
+            <p:txBody>
+              <a:bodyPr wrap="square" rtlCol="0">
+                <a:spAutoFit/>
+              </a:bodyPr>
+              <a:lstStyle/>
+              <a:p>
+                <a:pPr/>
+                <a14:m>
+                  <m:oMathPara xmlns:m="http://schemas.openxmlformats.org/officeDocument/2006/math">
+                    <m:oMathParaPr>
+                      <m:jc m:val="centerGroup"/>
+                    </m:oMathParaPr>
+                    <m:oMath xmlns:m="http://schemas.openxmlformats.org/officeDocument/2006/math">
+                      <m:r>
+                        <m:rPr>
+                          <m:sty m:val="p"/>
+                        </m:rPr>
+                        <a:rPr lang="en-US" altLang="zh-CN" sz="1400" i="1" smtClean="0">
+                          <a:solidFill>
+                            <a:srgbClr val="FF0000"/>
+                          </a:solidFill>
+                          <a:latin typeface="Cambria Math" panose="02040503050406030204" pitchFamily="18" charset="0"/>
+                        </a:rPr>
+                        <m:t>mis</m:t>
+                      </m:r>
+                      <m:r>
+                        <a:rPr lang="en-US" altLang="zh-CN" sz="1400" b="0" i="1" smtClean="0">
+                          <a:solidFill>
+                            <a:srgbClr val="FF0000"/>
+                          </a:solidFill>
+                          <a:latin typeface="Cambria Math" panose="02040503050406030204" pitchFamily="18" charset="0"/>
+                        </a:rPr>
+                        <m:t>𝑚𝑎𝑡𝑐h</m:t>
+                      </m:r>
+                    </m:oMath>
+                  </m:oMathPara>
+                </a14:m>
+                <a:endParaRPr lang="zh-CN" altLang="en-US" sz="1400" dirty="0">
+                  <a:solidFill>
+                    <a:srgbClr val="FF0000"/>
+                  </a:solidFill>
+                </a:endParaRPr>
+              </a:p>
+            </p:txBody>
+          </p:sp>
+        </mc:Choice>
+        <mc:Fallback>
+          <p:sp>
+            <p:nvSpPr>
+              <p:cNvPr id="130" name="文本框 129">
+                <a:extLst>
+                  <a:ext uri="{FF2B5EF4-FFF2-40B4-BE49-F238E27FC236}">
+                    <a16:creationId xmlns:a16="http://schemas.microsoft.com/office/drawing/2014/main" id="{A9A6DB10-CB06-4185-B292-A1F8A72F040A}"/>
+                  </a:ext>
+                </a:extLst>
+              </p:cNvPr>
+              <p:cNvSpPr txBox="1">
+                <a:spLocks noRot="1" noChangeAspect="1" noMove="1" noResize="1" noEditPoints="1" noAdjustHandles="1" noChangeArrowheads="1" noChangeShapeType="1" noTextEdit="1"/>
+              </p:cNvSpPr>
+              <p:nvPr/>
+            </p:nvSpPr>
+            <p:spPr>
+              <a:xfrm>
+                <a:off x="8058304" y="4502213"/>
+                <a:ext cx="1031731" cy="307777"/>
+              </a:xfrm>
+              <a:prstGeom prst="rect">
+                <a:avLst/>
+              </a:prstGeom>
+              <a:blipFill>
+                <a:blip r:embed="rId12"/>
+                <a:stretch>
+                  <a:fillRect/>
+                </a:stretch>
+              </a:blipFill>
+            </p:spPr>
+            <p:txBody>
+              <a:bodyPr/>
+              <a:lstStyle/>
+              <a:p>
+                <a:r>
+                  <a:rPr lang="zh-CN" altLang="en-US">
+                    <a:noFill/>
+                  </a:rPr>
+                  <a:t> </a:t>
+                </a:r>
+              </a:p>
+            </p:txBody>
+          </p:sp>
+        </mc:Fallback>
+      </mc:AlternateContent>
+      <p:sp>
+        <p:nvSpPr>
+          <p:cNvPr id="131" name="文本框 130">
+            <a:extLst>
+              <a:ext uri="{FF2B5EF4-FFF2-40B4-BE49-F238E27FC236}">
+                <a16:creationId xmlns:a16="http://schemas.microsoft.com/office/drawing/2014/main" id="{5CAB15B7-1AED-406D-BA2D-174277315C53}"/>
+              </a:ext>
+            </a:extLst>
+          </p:cNvPr>
+          <p:cNvSpPr txBox="1"/>
+          <p:nvPr/>
+        </p:nvSpPr>
+        <p:spPr>
+          <a:xfrm>
+            <a:off x="9038392" y="4748120"/>
+            <a:ext cx="705219" cy="369332"/>
+          </a:xfrm>
+          <a:prstGeom prst="rect">
+            <a:avLst/>
+          </a:prstGeom>
+          <a:noFill/>
+        </p:spPr>
+        <p:txBody>
+          <a:bodyPr wrap="square" rtlCol="0">
+            <a:spAutoFit/>
+          </a:bodyPr>
+          <a:lstStyle/>
+          <a:p>
+            <a:r>
+              <a:rPr lang="en-US" altLang="zh-CN" dirty="0"/>
+              <a:t>··· ···</a:t>
+            </a:r>
+            <a:endParaRPr lang="zh-CN" altLang="en-US" dirty="0"/>
+          </a:p>
+        </p:txBody>
+      </p:sp>
+      <p:sp>
+        <p:nvSpPr>
+          <p:cNvPr id="133" name="矩形 132">
+            <a:extLst>
+              <a:ext uri="{FF2B5EF4-FFF2-40B4-BE49-F238E27FC236}">
+                <a16:creationId xmlns:a16="http://schemas.microsoft.com/office/drawing/2014/main" id="{EB31A5B8-4BA1-4E25-9547-67CEFE65A881}"/>
+              </a:ext>
+            </a:extLst>
+          </p:cNvPr>
+          <p:cNvSpPr/>
+          <p:nvPr/>
+        </p:nvSpPr>
+        <p:spPr>
+          <a:xfrm>
+            <a:off x="8169219" y="5187262"/>
+            <a:ext cx="3173971" cy="231841"/>
+          </a:xfrm>
+          <a:prstGeom prst="rect">
+            <a:avLst/>
+          </a:prstGeom>
+          <a:solidFill>
+            <a:srgbClr val="FFC000"/>
+          </a:solidFill>
+        </p:spPr>
+        <p:style>
+          <a:lnRef idx="2">
+            <a:schemeClr val="accent1">
+              <a:shade val="50000"/>
+            </a:schemeClr>
+          </a:lnRef>
+          <a:fillRef idx="1">
+            <a:schemeClr val="accent1"/>
+          </a:fillRef>
+          <a:effectRef idx="0">
+            <a:schemeClr val="accent1"/>
+          </a:effectRef>
+          <a:fontRef idx="minor">
+            <a:schemeClr val="lt1"/>
+          </a:fontRef>
+        </p:style>
+        <p:txBody>
+          <a:bodyPr rtlCol="0" anchor="ctr"/>
+          <a:lstStyle/>
+          <a:p>
+            <a:pPr algn="ctr"/>
+            <a:r>
+              <a:rPr lang="en-US" altLang="zh-CN" sz="1600" dirty="0">
+                <a:solidFill>
+                  <a:schemeClr val="bg2"/>
+                </a:solidFill>
+              </a:rPr>
+              <a:t>Pattern</a:t>
+            </a:r>
+            <a:endParaRPr lang="zh-CN" altLang="en-US" sz="1600" dirty="0">
+              <a:solidFill>
+                <a:schemeClr val="bg2"/>
+              </a:solidFill>
+            </a:endParaRPr>
+          </a:p>
+        </p:txBody>
+      </p:sp>
+      <p:sp>
+        <p:nvSpPr>
+          <p:cNvPr id="141" name="矩形 140">
+            <a:extLst>
+              <a:ext uri="{FF2B5EF4-FFF2-40B4-BE49-F238E27FC236}">
+                <a16:creationId xmlns:a16="http://schemas.microsoft.com/office/drawing/2014/main" id="{8E951225-B96D-48F9-BC8F-4A775E594E54}"/>
+              </a:ext>
+            </a:extLst>
+          </p:cNvPr>
+          <p:cNvSpPr/>
+          <p:nvPr/>
+        </p:nvSpPr>
+        <p:spPr>
+          <a:xfrm>
+            <a:off x="7990127" y="5186401"/>
+            <a:ext cx="159214" cy="232702"/>
+          </a:xfrm>
+          <a:prstGeom prst="rect">
+            <a:avLst/>
+          </a:prstGeom>
+          <a:solidFill>
+            <a:srgbClr val="2CEC67"/>
+          </a:solidFill>
+        </p:spPr>
+        <p:style>
+          <a:lnRef idx="2">
+            <a:schemeClr val="accent1">
+              <a:shade val="50000"/>
+            </a:schemeClr>
+          </a:lnRef>
+          <a:fillRef idx="1">
+            <a:schemeClr val="accent1"/>
+          </a:fillRef>
+          <a:effectRef idx="0">
+            <a:schemeClr val="accent1"/>
+          </a:effectRef>
+          <a:fontRef idx="minor">
+            <a:schemeClr val="lt1"/>
+          </a:fontRef>
+        </p:style>
+        <p:txBody>
+          <a:bodyPr rtlCol="0" anchor="ctr"/>
+          <a:lstStyle/>
+          <a:p>
+            <a:pPr algn="ctr"/>
+            <a:endParaRPr lang="zh-CN" altLang="en-US"/>
+          </a:p>
+        </p:txBody>
+      </p:sp>
+      <p:sp>
+        <p:nvSpPr>
+          <p:cNvPr id="142" name="矩形 141">
+            <a:extLst>
+              <a:ext uri="{FF2B5EF4-FFF2-40B4-BE49-F238E27FC236}">
+                <a16:creationId xmlns:a16="http://schemas.microsoft.com/office/drawing/2014/main" id="{D4B9F29D-D9B1-42E1-A1BC-DFA632710106}"/>
+              </a:ext>
+            </a:extLst>
+          </p:cNvPr>
+          <p:cNvSpPr/>
+          <p:nvPr/>
+        </p:nvSpPr>
+        <p:spPr>
+          <a:xfrm>
+            <a:off x="7824163" y="5186401"/>
+            <a:ext cx="146086" cy="232702"/>
+          </a:xfrm>
+          <a:prstGeom prst="rect">
+            <a:avLst/>
+          </a:prstGeom>
+          <a:solidFill>
+            <a:srgbClr val="FFFF00"/>
+          </a:solidFill>
+        </p:spPr>
+        <p:style>
+          <a:lnRef idx="2">
+            <a:schemeClr val="accent1">
+              <a:shade val="50000"/>
+            </a:schemeClr>
+          </a:lnRef>
+          <a:fillRef idx="1">
+            <a:schemeClr val="accent1"/>
+          </a:fillRef>
+          <a:effectRef idx="0">
+            <a:schemeClr val="accent1"/>
+          </a:effectRef>
+          <a:fontRef idx="minor">
+            <a:schemeClr val="lt1"/>
+          </a:fontRef>
+        </p:style>
+        <p:txBody>
+          <a:bodyPr rtlCol="0" anchor="ctr"/>
+          <a:lstStyle/>
+          <a:p>
+            <a:pPr algn="ctr"/>
+            <a:endParaRPr lang="zh-CN" altLang="en-US"/>
+          </a:p>
+        </p:txBody>
+      </p:sp>
+      <p:cxnSp>
+        <p:nvCxnSpPr>
+          <p:cNvPr id="143" name="直接箭头连接符 142">
+            <a:extLst>
+              <a:ext uri="{FF2B5EF4-FFF2-40B4-BE49-F238E27FC236}">
+                <a16:creationId xmlns:a16="http://schemas.microsoft.com/office/drawing/2014/main" id="{C58F7813-CAAB-4EED-99C0-F66D4437C3F8}"/>
+              </a:ext>
+            </a:extLst>
+          </p:cNvPr>
+          <p:cNvCxnSpPr>
+            <a:cxnSpLocks/>
+          </p:cNvCxnSpPr>
+          <p:nvPr/>
+        </p:nvCxnSpPr>
+        <p:spPr>
+          <a:xfrm flipV="1">
+            <a:off x="8077926" y="5419103"/>
+            <a:ext cx="0" cy="147142"/>
+          </a:xfrm>
+          <a:prstGeom prst="straightConnector1">
+            <a:avLst/>
+          </a:prstGeom>
+          <a:ln w="22225">
+            <a:solidFill>
+              <a:srgbClr val="2CEC67"/>
+            </a:solidFill>
+            <a:headEnd type="none"/>
+            <a:tailEnd type="triangle"/>
+          </a:ln>
+        </p:spPr>
+        <p:style>
+          <a:lnRef idx="1">
+            <a:schemeClr val="accent1"/>
+          </a:lnRef>
+          <a:fillRef idx="0">
+            <a:schemeClr val="accent1"/>
+          </a:fillRef>
+          <a:effectRef idx="0">
+            <a:schemeClr val="accent1"/>
+          </a:effectRef>
+          <a:fontRef idx="minor">
+            <a:schemeClr val="tx1"/>
+          </a:fontRef>
+        </p:style>
+      </p:cxnSp>
+      <mc:AlternateContent xmlns:mc="http://schemas.openxmlformats.org/markup-compatibility/2006">
+        <mc:Choice xmlns:a14="http://schemas.microsoft.com/office/drawing/2010/main" Requires="a14">
+          <p:sp>
+            <p:nvSpPr>
+              <p:cNvPr id="185" name="文本框 184">
+                <a:extLst>
+                  <a:ext uri="{FF2B5EF4-FFF2-40B4-BE49-F238E27FC236}">
+                    <a16:creationId xmlns:a16="http://schemas.microsoft.com/office/drawing/2014/main" id="{87CE9EE5-8E8B-4BA5-8A80-A2083D8DC44D}"/>
+                  </a:ext>
+                </a:extLst>
+              </p:cNvPr>
+              <p:cNvSpPr txBox="1"/>
+              <p:nvPr/>
+            </p:nvSpPr>
+            <p:spPr>
+              <a:xfrm>
+                <a:off x="7768372" y="5531754"/>
+                <a:ext cx="1771865" cy="307777"/>
+              </a:xfrm>
+              <a:prstGeom prst="rect">
+                <a:avLst/>
+              </a:prstGeom>
+              <a:noFill/>
+            </p:spPr>
+            <p:txBody>
+              <a:bodyPr wrap="square" rtlCol="0">
+                <a:spAutoFit/>
+              </a:bodyPr>
+              <a:lstStyle/>
+              <a:p>
+                <a:pPr/>
+                <a14:m>
+                  <m:oMathPara xmlns:m="http://schemas.openxmlformats.org/officeDocument/2006/math">
+                    <m:oMathParaPr>
+                      <m:jc m:val="centerGroup"/>
+                    </m:oMathParaPr>
+                    <m:oMath xmlns:m="http://schemas.openxmlformats.org/officeDocument/2006/math">
+                      <m:r>
+                        <a:rPr lang="en-US" altLang="zh-CN" sz="1400" b="0" i="1" smtClean="0">
+                          <a:solidFill>
+                            <a:srgbClr val="2CEC67"/>
+                          </a:solidFill>
+                          <a:latin typeface="Cambria Math" panose="02040503050406030204" pitchFamily="18" charset="0"/>
+                        </a:rPr>
+                        <m:t>𝑚𝑎𝑡𝑐h</m:t>
+                      </m:r>
+                      <m:r>
+                        <a:rPr lang="en-US" altLang="zh-CN" sz="1400" b="0" i="1" smtClean="0">
+                          <a:solidFill>
+                            <a:srgbClr val="2CEC67"/>
+                          </a:solidFill>
+                          <a:latin typeface="Cambria Math" panose="02040503050406030204" pitchFamily="18" charset="0"/>
+                        </a:rPr>
+                        <m:t>  </m:t>
+                      </m:r>
+                      <m:r>
+                        <a:rPr lang="en-US" altLang="zh-CN" sz="1400" b="0" i="1" smtClean="0">
+                          <a:solidFill>
+                            <a:srgbClr val="2CEC67"/>
+                          </a:solidFill>
+                          <a:latin typeface="Cambria Math" panose="02040503050406030204" pitchFamily="18" charset="0"/>
+                        </a:rPr>
+                        <m:t>𝑜𝑟</m:t>
+                      </m:r>
+                      <m:r>
+                        <a:rPr lang="en-US" altLang="zh-CN" sz="1400" b="0" i="1" smtClean="0">
+                          <a:solidFill>
+                            <a:srgbClr val="2CEC67"/>
+                          </a:solidFill>
+                          <a:latin typeface="Cambria Math" panose="02040503050406030204" pitchFamily="18" charset="0"/>
+                        </a:rPr>
+                        <m:t> </m:t>
+                      </m:r>
+                      <m:r>
+                        <a:rPr lang="en-US" altLang="zh-CN" sz="1400" b="0" i="1" smtClean="0">
+                          <a:solidFill>
+                            <a:srgbClr val="2CEC67"/>
+                          </a:solidFill>
+                          <a:latin typeface="Cambria Math" panose="02040503050406030204" pitchFamily="18" charset="0"/>
+                        </a:rPr>
+                        <m:t>𝑒𝑥h𝑎𝑢𝑠𝑡𝑒𝑑</m:t>
+                      </m:r>
+                      <m:r>
+                        <a:rPr lang="en-US" altLang="zh-CN" sz="1400" b="0" i="1" smtClean="0">
+                          <a:solidFill>
+                            <a:srgbClr val="FF0000"/>
+                          </a:solidFill>
+                          <a:latin typeface="Cambria Math" panose="02040503050406030204" pitchFamily="18" charset="0"/>
+                        </a:rPr>
+                        <m:t> </m:t>
+                      </m:r>
+                    </m:oMath>
+                  </m:oMathPara>
+                </a14:m>
+                <a:endParaRPr lang="zh-CN" altLang="en-US" sz="1400" dirty="0">
+                  <a:solidFill>
+                    <a:srgbClr val="FF0000"/>
+                  </a:solidFill>
+                </a:endParaRPr>
+              </a:p>
+            </p:txBody>
+          </p:sp>
+        </mc:Choice>
+        <mc:Fallback>
+          <p:sp>
+            <p:nvSpPr>
+              <p:cNvPr id="185" name="文本框 184">
+                <a:extLst>
+                  <a:ext uri="{FF2B5EF4-FFF2-40B4-BE49-F238E27FC236}">
+                    <a16:creationId xmlns:a16="http://schemas.microsoft.com/office/drawing/2014/main" id="{87CE9EE5-8E8B-4BA5-8A80-A2083D8DC44D}"/>
+                  </a:ext>
+                </a:extLst>
+              </p:cNvPr>
+              <p:cNvSpPr txBox="1">
+                <a:spLocks noRot="1" noChangeAspect="1" noMove="1" noResize="1" noEditPoints="1" noAdjustHandles="1" noChangeArrowheads="1" noChangeShapeType="1" noTextEdit="1"/>
+              </p:cNvSpPr>
+              <p:nvPr/>
+            </p:nvSpPr>
+            <p:spPr>
+              <a:xfrm>
+                <a:off x="7768372" y="5531754"/>
+                <a:ext cx="1771865" cy="307777"/>
+              </a:xfrm>
+              <a:prstGeom prst="rect">
+                <a:avLst/>
+              </a:prstGeom>
+              <a:blipFill>
+                <a:blip r:embed="rId13"/>
+                <a:stretch>
+                  <a:fillRect r="-687"/>
+                </a:stretch>
+              </a:blipFill>
+            </p:spPr>
+            <p:txBody>
+              <a:bodyPr/>
+              <a:lstStyle/>
+              <a:p>
+                <a:r>
+                  <a:rPr lang="zh-CN" altLang="en-US">
+                    <a:noFill/>
+                  </a:rPr>
+                  <a:t> </a:t>
+                </a:r>
+              </a:p>
+            </p:txBody>
+          </p:sp>
+        </mc:Fallback>
+      </mc:AlternateContent>
+      <p:sp>
+        <p:nvSpPr>
+          <p:cNvPr id="186" name="文本框 185">
+            <a:extLst>
+              <a:ext uri="{FF2B5EF4-FFF2-40B4-BE49-F238E27FC236}">
+                <a16:creationId xmlns:a16="http://schemas.microsoft.com/office/drawing/2014/main" id="{D423A7E2-532D-4FA9-B4FF-3E3497B23B19}"/>
+              </a:ext>
+            </a:extLst>
+          </p:cNvPr>
+          <p:cNvSpPr txBox="1"/>
+          <p:nvPr/>
+        </p:nvSpPr>
+        <p:spPr>
+          <a:xfrm>
+            <a:off x="6316952" y="4226994"/>
+            <a:ext cx="1365660" cy="369332"/>
+          </a:xfrm>
+          <a:prstGeom prst="rect">
+            <a:avLst/>
+          </a:prstGeom>
+          <a:noFill/>
+        </p:spPr>
+        <p:txBody>
+          <a:bodyPr wrap="square" rtlCol="0">
+            <a:spAutoFit/>
+          </a:bodyPr>
+          <a:lstStyle/>
+          <a:p>
+            <a:r>
+              <a:rPr lang="en-US" altLang="zh-CN" dirty="0" err="1"/>
+              <a:t>iter</a:t>
+            </a:r>
+            <a:r>
+              <a:rPr lang="en-US" altLang="zh-CN" dirty="0"/>
+              <a:t> 1</a:t>
+            </a:r>
+            <a:endParaRPr lang="zh-CN" altLang="en-US" dirty="0"/>
+          </a:p>
+        </p:txBody>
+      </p:sp>
+      <p:sp>
+        <p:nvSpPr>
+          <p:cNvPr id="188" name="文本框 187">
+            <a:extLst>
+              <a:ext uri="{FF2B5EF4-FFF2-40B4-BE49-F238E27FC236}">
+                <a16:creationId xmlns:a16="http://schemas.microsoft.com/office/drawing/2014/main" id="{C79A965C-376B-40CF-833A-242233FAD92B}"/>
+              </a:ext>
+            </a:extLst>
+          </p:cNvPr>
+          <p:cNvSpPr txBox="1"/>
+          <p:nvPr/>
+        </p:nvSpPr>
+        <p:spPr>
+          <a:xfrm>
+            <a:off x="6831386" y="5112256"/>
+            <a:ext cx="1365660" cy="369332"/>
+          </a:xfrm>
+          <a:prstGeom prst="rect">
+            <a:avLst/>
+          </a:prstGeom>
+          <a:noFill/>
+        </p:spPr>
+        <p:txBody>
+          <a:bodyPr wrap="square" rtlCol="0">
+            <a:spAutoFit/>
+          </a:bodyPr>
+          <a:lstStyle/>
+          <a:p>
+            <a:r>
+              <a:rPr lang="en-US" altLang="zh-CN" dirty="0" err="1"/>
+              <a:t>iter</a:t>
+            </a:r>
+            <a:r>
+              <a:rPr lang="en-US" altLang="zh-CN" dirty="0"/>
+              <a:t> k</a:t>
+            </a:r>
+            <a:endParaRPr lang="zh-CN" altLang="en-US" dirty="0"/>
+          </a:p>
+        </p:txBody>
+      </p:sp>
+      <mc:AlternateContent xmlns:mc="http://schemas.openxmlformats.org/markup-compatibility/2006">
+        <mc:Choice xmlns:a14="http://schemas.microsoft.com/office/drawing/2010/main" Requires="a14">
+          <p:sp>
+            <p:nvSpPr>
+              <p:cNvPr id="190" name="文本框 189">
+                <a:extLst>
+                  <a:ext uri="{FF2B5EF4-FFF2-40B4-BE49-F238E27FC236}">
+                    <a16:creationId xmlns:a16="http://schemas.microsoft.com/office/drawing/2014/main" id="{AC170875-3F98-42EA-B2D9-52D7DF2CF129}"/>
+                  </a:ext>
+                </a:extLst>
+              </p:cNvPr>
+              <p:cNvSpPr txBox="1"/>
+              <p:nvPr/>
+            </p:nvSpPr>
+            <p:spPr>
+              <a:xfrm>
+                <a:off x="7063923" y="3869926"/>
+                <a:ext cx="1156001" cy="307777"/>
+              </a:xfrm>
+              <a:prstGeom prst="rect">
+                <a:avLst/>
+              </a:prstGeom>
+              <a:noFill/>
+            </p:spPr>
+            <p:txBody>
+              <a:bodyPr wrap="square" rtlCol="0">
+                <a:spAutoFit/>
+              </a:bodyPr>
+              <a:lstStyle/>
+              <a:p>
+                <a:pPr/>
+                <a14:m>
+                  <m:oMathPara xmlns:m="http://schemas.openxmlformats.org/officeDocument/2006/math">
+                    <m:oMathParaPr>
+                      <m:jc m:val="centerGroup"/>
+                    </m:oMathParaPr>
+                    <m:oMath xmlns:m="http://schemas.openxmlformats.org/officeDocument/2006/math">
+                      <m:r>
+                        <a:rPr lang="en-US" altLang="zh-CN" sz="1400" i="1">
+                          <a:solidFill>
+                            <a:srgbClr val="2CEC67"/>
+                          </a:solidFill>
+                          <a:latin typeface="Cambria Math" panose="02040503050406030204" pitchFamily="18" charset="0"/>
+                        </a:rPr>
+                        <m:t>𝑓</m:t>
+                      </m:r>
+                      <m:r>
+                        <a:rPr lang="en-US" altLang="zh-CN" sz="1400" i="1">
+                          <a:solidFill>
+                            <a:srgbClr val="2CEC67"/>
+                          </a:solidFill>
+                          <a:latin typeface="Cambria Math" panose="02040503050406030204" pitchFamily="18" charset="0"/>
+                        </a:rPr>
+                        <m:t>[</m:t>
+                      </m:r>
+                      <m:sSub>
+                        <m:sSubPr>
+                          <m:ctrlPr>
+                            <a:rPr lang="en-US" altLang="zh-CN" sz="1400" i="1">
+                              <a:solidFill>
+                                <a:srgbClr val="2CEC67"/>
+                              </a:solidFill>
+                              <a:latin typeface="Cambria Math" panose="02040503050406030204" pitchFamily="18" charset="0"/>
+                            </a:rPr>
+                          </m:ctrlPr>
+                        </m:sSubPr>
+                        <m:e>
+                          <m:r>
+                            <a:rPr lang="en-US" altLang="zh-CN" sz="1400" i="1">
+                              <a:solidFill>
+                                <a:srgbClr val="2CEC67"/>
+                              </a:solidFill>
+                              <a:latin typeface="Cambria Math" panose="02040503050406030204" pitchFamily="18" charset="0"/>
+                            </a:rPr>
+                            <m:t>𝑐</m:t>
+                          </m:r>
+                        </m:e>
+                        <m:sub>
+                          <m:r>
+                            <a:rPr lang="en-US" altLang="zh-CN" sz="1400" i="1">
+                              <a:solidFill>
+                                <a:srgbClr val="2CEC67"/>
+                              </a:solidFill>
+                              <a:latin typeface="Cambria Math" panose="02040503050406030204" pitchFamily="18" charset="0"/>
+                            </a:rPr>
+                            <m:t>𝑠</m:t>
+                          </m:r>
+                        </m:sub>
+                      </m:sSub>
+                      <m:r>
+                        <a:rPr lang="en-US" altLang="zh-CN" sz="1400" i="1">
+                          <a:solidFill>
+                            <a:srgbClr val="2CEC67"/>
+                          </a:solidFill>
+                          <a:latin typeface="Cambria Math" panose="02040503050406030204" pitchFamily="18" charset="0"/>
+                        </a:rPr>
+                        <m:t>+1]</m:t>
+                      </m:r>
+                    </m:oMath>
+                  </m:oMathPara>
+                </a14:m>
+                <a:endParaRPr lang="zh-CN" altLang="en-US" sz="1400" dirty="0">
+                  <a:solidFill>
+                    <a:srgbClr val="2CEC67"/>
+                  </a:solidFill>
+                </a:endParaRPr>
+              </a:p>
+            </p:txBody>
+          </p:sp>
+        </mc:Choice>
+        <mc:Fallback>
+          <p:sp>
+            <p:nvSpPr>
+              <p:cNvPr id="190" name="文本框 189">
+                <a:extLst>
+                  <a:ext uri="{FF2B5EF4-FFF2-40B4-BE49-F238E27FC236}">
+                    <a16:creationId xmlns:a16="http://schemas.microsoft.com/office/drawing/2014/main" id="{AC170875-3F98-42EA-B2D9-52D7DF2CF129}"/>
+                  </a:ext>
+                </a:extLst>
+              </p:cNvPr>
+              <p:cNvSpPr txBox="1">
+                <a:spLocks noRot="1" noChangeAspect="1" noMove="1" noResize="1" noEditPoints="1" noAdjustHandles="1" noChangeArrowheads="1" noChangeShapeType="1" noTextEdit="1"/>
+              </p:cNvSpPr>
+              <p:nvPr/>
+            </p:nvSpPr>
+            <p:spPr>
+              <a:xfrm>
+                <a:off x="7063923" y="3869926"/>
+                <a:ext cx="1156001" cy="307777"/>
+              </a:xfrm>
+              <a:prstGeom prst="rect">
+                <a:avLst/>
+              </a:prstGeom>
+              <a:blipFill>
+                <a:blip r:embed="rId14"/>
+                <a:stretch>
+                  <a:fillRect b="-8000"/>
+                </a:stretch>
+              </a:blipFill>
+            </p:spPr>
+            <p:txBody>
+              <a:bodyPr/>
+              <a:lstStyle/>
+              <a:p>
+                <a:r>
+                  <a:rPr lang="zh-CN" altLang="en-US">
+                    <a:noFill/>
+                  </a:rPr>
+                  <a:t> </a:t>
+                </a:r>
+              </a:p>
+            </p:txBody>
+          </p:sp>
+        </mc:Fallback>
+      </mc:AlternateContent>
+      <p:cxnSp>
+        <p:nvCxnSpPr>
+          <p:cNvPr id="191" name="直接连接符 190">
+            <a:extLst>
+              <a:ext uri="{FF2B5EF4-FFF2-40B4-BE49-F238E27FC236}">
+                <a16:creationId xmlns:a16="http://schemas.microsoft.com/office/drawing/2014/main" id="{85033F96-373E-4480-805A-86C4DB553268}"/>
+              </a:ext>
+            </a:extLst>
+          </p:cNvPr>
+          <p:cNvCxnSpPr>
+            <a:cxnSpLocks/>
+          </p:cNvCxnSpPr>
+          <p:nvPr/>
+        </p:nvCxnSpPr>
+        <p:spPr>
+          <a:xfrm>
+            <a:off x="7353149" y="4151293"/>
+            <a:ext cx="0" cy="658697"/>
+          </a:xfrm>
+          <a:prstGeom prst="line">
+            <a:avLst/>
+          </a:prstGeom>
+          <a:ln>
+            <a:solidFill>
+              <a:srgbClr val="FFFF00"/>
+            </a:solidFill>
+            <a:prstDash val="dash"/>
+          </a:ln>
+        </p:spPr>
+        <p:style>
+          <a:lnRef idx="1">
+            <a:schemeClr val="accent1"/>
+          </a:lnRef>
+          <a:fillRef idx="0">
+            <a:schemeClr val="accent1"/>
+          </a:fillRef>
+          <a:effectRef idx="0">
+            <a:schemeClr val="accent1"/>
+          </a:effectRef>
+          <a:fontRef idx="minor">
+            <a:schemeClr val="tx1"/>
+          </a:fontRef>
+        </p:style>
+      </p:cxnSp>
+      <p:cxnSp>
+        <p:nvCxnSpPr>
+          <p:cNvPr id="193" name="直接箭头连接符 192">
+            <a:extLst>
+              <a:ext uri="{FF2B5EF4-FFF2-40B4-BE49-F238E27FC236}">
+                <a16:creationId xmlns:a16="http://schemas.microsoft.com/office/drawing/2014/main" id="{6DFF888B-AE8E-49E0-AC32-65EE502D23ED}"/>
+              </a:ext>
+            </a:extLst>
+          </p:cNvPr>
+          <p:cNvCxnSpPr>
+            <a:cxnSpLocks/>
+          </p:cNvCxnSpPr>
+          <p:nvPr/>
+        </p:nvCxnSpPr>
+        <p:spPr>
+          <a:xfrm>
+            <a:off x="7374912" y="4169047"/>
+            <a:ext cx="770083" cy="0"/>
+          </a:xfrm>
+          <a:prstGeom prst="straightConnector1">
+            <a:avLst/>
+          </a:prstGeom>
+          <a:ln w="9525">
+            <a:solidFill>
+              <a:schemeClr val="accent6">
+                <a:lumMod val="60000"/>
+                <a:lumOff val="40000"/>
+              </a:schemeClr>
+            </a:solidFill>
+            <a:prstDash val="dash"/>
+            <a:headEnd type="triangle" w="sm" len="sm"/>
+            <a:tailEnd type="triangle" w="sm" len="sm"/>
+          </a:ln>
+        </p:spPr>
+        <p:style>
+          <a:lnRef idx="1">
+            <a:schemeClr val="accent1"/>
+          </a:lnRef>
+          <a:fillRef idx="0">
+            <a:schemeClr val="accent1"/>
+          </a:fillRef>
+          <a:effectRef idx="0">
+            <a:schemeClr val="accent1"/>
+          </a:effectRef>
+          <a:fontRef idx="minor">
+            <a:schemeClr val="tx1"/>
+          </a:fontRef>
+        </p:style>
+      </p:cxnSp>
+      <p:cxnSp>
+        <p:nvCxnSpPr>
+          <p:cNvPr id="195" name="直接连接符 194">
+            <a:extLst>
+              <a:ext uri="{FF2B5EF4-FFF2-40B4-BE49-F238E27FC236}">
+                <a16:creationId xmlns:a16="http://schemas.microsoft.com/office/drawing/2014/main" id="{37361095-F042-46E9-BA7F-21142B846E3A}"/>
+              </a:ext>
+            </a:extLst>
+          </p:cNvPr>
+          <p:cNvCxnSpPr>
+            <a:cxnSpLocks/>
+          </p:cNvCxnSpPr>
+          <p:nvPr/>
+        </p:nvCxnSpPr>
+        <p:spPr>
+          <a:xfrm>
+            <a:off x="8144995" y="4151293"/>
+            <a:ext cx="0" cy="658697"/>
+          </a:xfrm>
+          <a:prstGeom prst="line">
+            <a:avLst/>
+          </a:prstGeom>
+          <a:ln>
+            <a:solidFill>
+              <a:srgbClr val="00B0F0"/>
+            </a:solidFill>
+            <a:prstDash val="dash"/>
+          </a:ln>
+        </p:spPr>
+        <p:style>
+          <a:lnRef idx="1">
+            <a:schemeClr val="accent1"/>
+          </a:lnRef>
+          <a:fillRef idx="0">
+            <a:schemeClr val="accent1"/>
+          </a:fillRef>
+          <a:effectRef idx="0">
+            <a:schemeClr val="accent1"/>
+          </a:effectRef>
+          <a:fontRef idx="minor">
+            <a:schemeClr val="tx1"/>
+          </a:fontRef>
+        </p:style>
+      </p:cxnSp>
+      <p:cxnSp>
+        <p:nvCxnSpPr>
+          <p:cNvPr id="196" name="直接箭头连接符 195">
+            <a:extLst>
+              <a:ext uri="{FF2B5EF4-FFF2-40B4-BE49-F238E27FC236}">
+                <a16:creationId xmlns:a16="http://schemas.microsoft.com/office/drawing/2014/main" id="{F3349CDB-42AA-42F8-82B3-77001330C9E9}"/>
+              </a:ext>
+            </a:extLst>
+          </p:cNvPr>
+          <p:cNvCxnSpPr>
+            <a:cxnSpLocks/>
+          </p:cNvCxnSpPr>
+          <p:nvPr/>
+        </p:nvCxnSpPr>
+        <p:spPr>
+          <a:xfrm>
+            <a:off x="7356257" y="4809990"/>
+            <a:ext cx="788738" cy="0"/>
+          </a:xfrm>
+          <a:prstGeom prst="straightConnector1">
+            <a:avLst/>
+          </a:prstGeom>
+          <a:ln w="9525">
+            <a:solidFill>
+              <a:schemeClr val="accent6">
+                <a:lumMod val="60000"/>
+                <a:lumOff val="40000"/>
+              </a:schemeClr>
+            </a:solidFill>
+            <a:prstDash val="dash"/>
+            <a:headEnd type="triangle" w="sm" len="sm"/>
+            <a:tailEnd type="triangle" w="sm" len="sm"/>
+          </a:ln>
+        </p:spPr>
+        <p:style>
+          <a:lnRef idx="1">
+            <a:schemeClr val="accent1"/>
+          </a:lnRef>
+          <a:fillRef idx="0">
+            <a:schemeClr val="accent1"/>
+          </a:fillRef>
+          <a:effectRef idx="0">
+            <a:schemeClr val="accent1"/>
+          </a:effectRef>
+          <a:fontRef idx="minor">
+            <a:schemeClr val="tx1"/>
+          </a:fontRef>
+        </p:style>
+      </p:cxnSp>
+      <mc:AlternateContent xmlns:mc="http://schemas.openxmlformats.org/markup-compatibility/2006">
+        <mc:Choice xmlns:a14="http://schemas.microsoft.com/office/drawing/2010/main" Requires="a14">
+          <p:sp>
+            <p:nvSpPr>
+              <p:cNvPr id="197" name="文本框 196">
+                <a:extLst>
+                  <a:ext uri="{FF2B5EF4-FFF2-40B4-BE49-F238E27FC236}">
+                    <a16:creationId xmlns:a16="http://schemas.microsoft.com/office/drawing/2014/main" id="{CDA4606D-F2F9-4E3A-B9C4-A04500FB951B}"/>
+                  </a:ext>
+                </a:extLst>
+              </p:cNvPr>
+              <p:cNvSpPr txBox="1"/>
+              <p:nvPr/>
+            </p:nvSpPr>
+            <p:spPr>
+              <a:xfrm>
+                <a:off x="7180734" y="4792007"/>
+                <a:ext cx="678536" cy="307777"/>
+              </a:xfrm>
+              <a:prstGeom prst="rect">
+                <a:avLst/>
+              </a:prstGeom>
+              <a:noFill/>
+            </p:spPr>
+            <p:txBody>
+              <a:bodyPr wrap="square" rtlCol="0">
+                <a:spAutoFit/>
+              </a:bodyPr>
+              <a:lstStyle/>
+              <a:p>
+                <a:pPr/>
+                <a14:m>
+                  <m:oMathPara xmlns:m="http://schemas.openxmlformats.org/officeDocument/2006/math">
+                    <m:oMathParaPr>
+                      <m:jc m:val="centerGroup"/>
+                    </m:oMathParaPr>
+                    <m:oMath xmlns:m="http://schemas.openxmlformats.org/officeDocument/2006/math">
+                      <m:sSup>
+                        <m:sSupPr>
+                          <m:ctrlPr>
+                            <a:rPr lang="en-US" altLang="zh-CN" sz="1400" i="1" smtClean="0">
+                              <a:solidFill>
+                                <a:srgbClr val="2CEC67"/>
+                              </a:solidFill>
+                              <a:latin typeface="Cambria Math" panose="02040503050406030204" pitchFamily="18" charset="0"/>
+                            </a:rPr>
+                          </m:ctrlPr>
+                        </m:sSupPr>
+                        <m:e>
+                          <m:r>
+                            <a:rPr lang="en-US" altLang="zh-CN" sz="1400" b="0" i="1" smtClean="0">
+                              <a:solidFill>
+                                <a:srgbClr val="2CEC67"/>
+                              </a:solidFill>
+                              <a:latin typeface="Cambria Math" panose="02040503050406030204" pitchFamily="18" charset="0"/>
+                            </a:rPr>
+                            <m:t>𝑝𝑟𝑒𝑓𝑓𝑖𝑥</m:t>
+                          </m:r>
+                        </m:e>
+                        <m:sup>
+                          <m:r>
+                            <a:rPr lang="en-US" altLang="zh-CN" sz="1400" b="0" i="1" smtClean="0">
+                              <a:solidFill>
+                                <a:srgbClr val="2CEC67"/>
+                              </a:solidFill>
+                              <a:latin typeface="Cambria Math" panose="02040503050406030204" pitchFamily="18" charset="0"/>
+                            </a:rPr>
+                            <m:t>′ </m:t>
+                          </m:r>
+                        </m:sup>
+                      </m:sSup>
+                      <m:r>
+                        <a:rPr lang="en-US" altLang="zh-CN" sz="1400" b="0" i="1" smtClean="0">
+                          <a:solidFill>
+                            <a:srgbClr val="2CEC67"/>
+                          </a:solidFill>
+                          <a:latin typeface="Cambria Math" panose="02040503050406030204" pitchFamily="18" charset="0"/>
+                        </a:rPr>
+                        <m:t>???</m:t>
+                      </m:r>
+                    </m:oMath>
+                  </m:oMathPara>
+                </a14:m>
+                <a:endParaRPr lang="zh-CN" altLang="en-US" sz="1400" dirty="0">
+                  <a:solidFill>
+                    <a:srgbClr val="2CEC67"/>
+                  </a:solidFill>
+                </a:endParaRPr>
+              </a:p>
+            </p:txBody>
+          </p:sp>
+        </mc:Choice>
+        <mc:Fallback>
+          <p:sp>
+            <p:nvSpPr>
+              <p:cNvPr id="197" name="文本框 196">
+                <a:extLst>
+                  <a:ext uri="{FF2B5EF4-FFF2-40B4-BE49-F238E27FC236}">
+                    <a16:creationId xmlns:a16="http://schemas.microsoft.com/office/drawing/2014/main" id="{CDA4606D-F2F9-4E3A-B9C4-A04500FB951B}"/>
+                  </a:ext>
+                </a:extLst>
+              </p:cNvPr>
+              <p:cNvSpPr txBox="1">
+                <a:spLocks noRot="1" noChangeAspect="1" noMove="1" noResize="1" noEditPoints="1" noAdjustHandles="1" noChangeArrowheads="1" noChangeShapeType="1" noTextEdit="1"/>
+              </p:cNvSpPr>
+              <p:nvPr/>
+            </p:nvSpPr>
+            <p:spPr>
+              <a:xfrm>
+                <a:off x="7180734" y="4792007"/>
+                <a:ext cx="678536" cy="307777"/>
+              </a:xfrm>
+              <a:prstGeom prst="rect">
+                <a:avLst/>
+              </a:prstGeom>
+              <a:blipFill>
+                <a:blip r:embed="rId15"/>
+                <a:stretch>
+                  <a:fillRect r="-69369" b="-5882"/>
+                </a:stretch>
+              </a:blipFill>
+            </p:spPr>
+            <p:txBody>
+              <a:bodyPr/>
+              <a:lstStyle/>
+              <a:p>
+                <a:r>
+                  <a:rPr lang="zh-CN" altLang="en-US">
+                    <a:noFill/>
+                  </a:rPr>
+                  <a:t> </a:t>
+                </a:r>
+              </a:p>
+            </p:txBody>
+          </p:sp>
+        </mc:Fallback>
+      </mc:AlternateContent>
+    </p:spTree>
+    <p:extLst>
+      <p:ext uri="{BB962C8B-B14F-4D97-AF65-F5344CB8AC3E}">
+        <p14:creationId xmlns:p14="http://schemas.microsoft.com/office/powerpoint/2010/main" val="3003668561"/>
+      </p:ext>
+    </p:extLst>
+  </p:cSld>
+  <p:clrMapOvr>
+    <a:masterClrMapping/>
+  </p:clrMapOvr>
+</p:sld>
+</file>
+
 <file path=ppt/slides/slide2.xml><?xml version="1.0" encoding="utf-8"?>
 <p:sld xmlns:a="http://schemas.openxmlformats.org/drawingml/2006/main" xmlns:r="http://schemas.openxmlformats.org/officeDocument/2006/relationships" xmlns:p="http://schemas.openxmlformats.org/presentationml/2006/main">
   <p:cSld>
@@ -15913,13 +20096,12 @@
           </p:cNvPr>
           <p:cNvCxnSpPr>
             <a:cxnSpLocks/>
-            <a:endCxn id="59" idx="1"/>
           </p:cNvCxnSpPr>
           <p:nvPr/>
         </p:nvCxnSpPr>
         <p:spPr>
           <a:xfrm>
-            <a:off x="7104719" y="2367515"/>
+            <a:off x="7386659" y="2367515"/>
             <a:ext cx="0" cy="556433"/>
           </a:xfrm>
           <a:prstGeom prst="line">
@@ -15966,8 +20148,8 @@
         </p:nvCxnSpPr>
         <p:spPr>
           <a:xfrm>
-            <a:off x="7104719" y="2367515"/>
-            <a:ext cx="1726587" cy="0"/>
+            <a:off x="7402830" y="2367515"/>
+            <a:ext cx="1428476" cy="0"/>
           </a:xfrm>
           <a:prstGeom prst="straightConnector1">
             <a:avLst/>
@@ -16013,7 +20195,7 @@
         </p:nvSpPr>
         <p:spPr>
           <a:xfrm>
-            <a:off x="7701460" y="2155296"/>
+            <a:off x="7844584" y="2135535"/>
             <a:ext cx="525338" cy="261610"/>
           </a:xfrm>
           <a:prstGeom prst="rect">
@@ -16369,13 +20551,12 @@
           </p:cNvPr>
           <p:cNvCxnSpPr>
             <a:cxnSpLocks/>
-            <a:stCxn id="69" idx="3"/>
           </p:cNvCxnSpPr>
           <p:nvPr/>
         </p:nvCxnSpPr>
         <p:spPr>
           <a:xfrm>
-            <a:off x="8552251" y="3709748"/>
+            <a:off x="8260151" y="3709748"/>
             <a:ext cx="0" cy="592393"/>
           </a:xfrm>
           <a:prstGeom prst="line">
@@ -16423,7 +20604,7 @@
         <p:spPr>
           <a:xfrm>
             <a:off x="6815907" y="4259469"/>
-            <a:ext cx="1742556" cy="0"/>
+            <a:ext cx="1444244" cy="0"/>
           </a:xfrm>
           <a:prstGeom prst="straightConnector1">
             <a:avLst/>
@@ -16469,7 +20650,7 @@
         </p:nvSpPr>
         <p:spPr>
           <a:xfrm>
-            <a:off x="7555130" y="4226629"/>
+            <a:off x="7286104" y="4215475"/>
             <a:ext cx="525338" cy="261610"/>
           </a:xfrm>
           <a:prstGeom prst="rect">
@@ -26059,8 +30240,8 @@
           </a:fontRef>
         </p:style>
       </p:cxnSp>
-      <mc:AlternateContent xmlns:mc="http://schemas.openxmlformats.org/markup-compatibility/2006">
-        <mc:Choice xmlns:a14="http://schemas.microsoft.com/office/drawing/2010/main" Requires="a14">
+      <mc:AlternateContent xmlns:mc="http://schemas.openxmlformats.org/markup-compatibility/2006" xmlns:a14="http://schemas.microsoft.com/office/drawing/2010/main">
+        <mc:Choice Requires="a14">
           <p:sp>
             <p:nvSpPr>
               <p:cNvPr id="38" name="文本框 37">
@@ -26126,7 +30307,7 @@
             </p:txBody>
           </p:sp>
         </mc:Choice>
-        <mc:Fallback>
+        <mc:Fallback xmlns="">
           <p:sp>
             <p:nvSpPr>
               <p:cNvPr id="38" name="文本框 37">
@@ -26598,8 +30779,8 @@
           </a:p>
         </p:txBody>
       </p:sp>
-      <mc:AlternateContent xmlns:mc="http://schemas.openxmlformats.org/markup-compatibility/2006">
-        <mc:Choice xmlns:a14="http://schemas.microsoft.com/office/drawing/2010/main" Requires="a14">
+      <mc:AlternateContent xmlns:mc="http://schemas.openxmlformats.org/markup-compatibility/2006" xmlns:a14="http://schemas.microsoft.com/office/drawing/2010/main">
+        <mc:Choice Requires="a14">
           <p:sp>
             <p:nvSpPr>
               <p:cNvPr id="47" name="文本框 46">
@@ -26665,7 +30846,7 @@
             </p:txBody>
           </p:sp>
         </mc:Choice>
-        <mc:Fallback>
+        <mc:Fallback xmlns="">
           <p:sp>
             <p:nvSpPr>
               <p:cNvPr id="47" name="文本框 46">
@@ -26976,8 +31157,8 @@
           </a:fontRef>
         </p:style>
       </p:cxnSp>
-      <mc:AlternateContent xmlns:mc="http://schemas.openxmlformats.org/markup-compatibility/2006">
-        <mc:Choice xmlns:a14="http://schemas.microsoft.com/office/drawing/2010/main" Requires="a14">
+      <mc:AlternateContent xmlns:mc="http://schemas.openxmlformats.org/markup-compatibility/2006" xmlns:a14="http://schemas.microsoft.com/office/drawing/2010/main">
+        <mc:Choice Requires="a14">
           <p:sp>
             <p:nvSpPr>
               <p:cNvPr id="63" name="文本框 62">
@@ -27079,7 +31260,7 @@
             </p:txBody>
           </p:sp>
         </mc:Choice>
-        <mc:Fallback>
+        <mc:Fallback xmlns="">
           <p:sp>
             <p:nvSpPr>
               <p:cNvPr id="63" name="文本框 62">
@@ -27310,8 +31491,8 @@
           </a:p>
         </p:txBody>
       </p:sp>
-      <mc:AlternateContent xmlns:mc="http://schemas.openxmlformats.org/markup-compatibility/2006">
-        <mc:Choice xmlns:a14="http://schemas.microsoft.com/office/drawing/2010/main" Requires="a14">
+      <mc:AlternateContent xmlns:mc="http://schemas.openxmlformats.org/markup-compatibility/2006" xmlns:a14="http://schemas.microsoft.com/office/drawing/2010/main">
+        <mc:Choice Requires="a14">
           <p:sp>
             <p:nvSpPr>
               <p:cNvPr id="80" name="文本框 79">
@@ -27431,7 +31612,7 @@
             </p:txBody>
           </p:sp>
         </mc:Choice>
-        <mc:Fallback>
+        <mc:Fallback xmlns="">
           <p:sp>
             <p:nvSpPr>
               <p:cNvPr id="80" name="文本框 79">
@@ -27480,6 +31661,4671 @@
     <p:extLst>
       <p:ext uri="{BB962C8B-B14F-4D97-AF65-F5344CB8AC3E}">
         <p14:creationId xmlns:p14="http://schemas.microsoft.com/office/powerpoint/2010/main" val="89321235"/>
+      </p:ext>
+    </p:extLst>
+  </p:cSld>
+  <p:clrMapOvr>
+    <a:masterClrMapping/>
+  </p:clrMapOvr>
+</p:sld>
+</file>
+
+<file path=ppt/slides/slide9.xml><?xml version="1.0" encoding="utf-8"?>
+<p:sld xmlns:a="http://schemas.openxmlformats.org/drawingml/2006/main" xmlns:r="http://schemas.openxmlformats.org/officeDocument/2006/relationships" xmlns:p="http://schemas.openxmlformats.org/presentationml/2006/main">
+  <p:cSld>
+    <p:spTree>
+      <p:nvGrpSpPr>
+        <p:cNvPr id="1" name=""/>
+        <p:cNvGrpSpPr/>
+        <p:nvPr/>
+      </p:nvGrpSpPr>
+      <p:grpSpPr>
+        <a:xfrm>
+          <a:off x="0" y="0"/>
+          <a:ext cx="0" cy="0"/>
+          <a:chOff x="0" y="0"/>
+          <a:chExt cx="0" cy="0"/>
+        </a:xfrm>
+      </p:grpSpPr>
+      <p:sp>
+        <p:nvSpPr>
+          <p:cNvPr id="65" name="矩形 64">
+            <a:extLst>
+              <a:ext uri="{FF2B5EF4-FFF2-40B4-BE49-F238E27FC236}">
+                <a16:creationId xmlns:a16="http://schemas.microsoft.com/office/drawing/2014/main" id="{216C646A-E7B4-4F3B-B856-44B83A6CDD5E}"/>
+              </a:ext>
+            </a:extLst>
+          </p:cNvPr>
+          <p:cNvSpPr/>
+          <p:nvPr/>
+        </p:nvSpPr>
+        <p:spPr>
+          <a:xfrm>
+            <a:off x="7709756" y="1841333"/>
+            <a:ext cx="162226" cy="232702"/>
+          </a:xfrm>
+          <a:prstGeom prst="rect">
+            <a:avLst/>
+          </a:prstGeom>
+          <a:solidFill>
+            <a:schemeClr val="accent3">
+              <a:lumMod val="60000"/>
+              <a:lumOff val="40000"/>
+            </a:schemeClr>
+          </a:solidFill>
+        </p:spPr>
+        <p:style>
+          <a:lnRef idx="2">
+            <a:schemeClr val="accent1">
+              <a:shade val="50000"/>
+            </a:schemeClr>
+          </a:lnRef>
+          <a:fillRef idx="1">
+            <a:schemeClr val="accent1"/>
+          </a:fillRef>
+          <a:effectRef idx="0">
+            <a:schemeClr val="accent1"/>
+          </a:effectRef>
+          <a:fontRef idx="minor">
+            <a:schemeClr val="lt1"/>
+          </a:fontRef>
+        </p:style>
+        <p:txBody>
+          <a:bodyPr rtlCol="0" anchor="ctr"/>
+          <a:lstStyle/>
+          <a:p>
+            <a:pPr algn="ctr"/>
+            <a:endParaRPr lang="zh-CN" altLang="en-US"/>
+          </a:p>
+        </p:txBody>
+      </p:sp>
+      <p:sp>
+        <p:nvSpPr>
+          <p:cNvPr id="110" name="矩形 109">
+            <a:extLst>
+              <a:ext uri="{FF2B5EF4-FFF2-40B4-BE49-F238E27FC236}">
+                <a16:creationId xmlns:a16="http://schemas.microsoft.com/office/drawing/2014/main" id="{1F7706FF-FD25-44F3-ABCE-BCB1630F7E9D}"/>
+              </a:ext>
+            </a:extLst>
+          </p:cNvPr>
+          <p:cNvSpPr/>
+          <p:nvPr/>
+        </p:nvSpPr>
+        <p:spPr>
+          <a:xfrm>
+            <a:off x="7887758" y="1842194"/>
+            <a:ext cx="1595360" cy="232702"/>
+          </a:xfrm>
+          <a:prstGeom prst="rect">
+            <a:avLst/>
+          </a:prstGeom>
+          <a:solidFill>
+            <a:srgbClr val="FFC000"/>
+          </a:solidFill>
+        </p:spPr>
+        <p:style>
+          <a:lnRef idx="2">
+            <a:schemeClr val="accent1">
+              <a:shade val="50000"/>
+            </a:schemeClr>
+          </a:lnRef>
+          <a:fillRef idx="1">
+            <a:schemeClr val="accent1"/>
+          </a:fillRef>
+          <a:effectRef idx="0">
+            <a:schemeClr val="accent1"/>
+          </a:effectRef>
+          <a:fontRef idx="minor">
+            <a:schemeClr val="lt1"/>
+          </a:fontRef>
+        </p:style>
+        <p:txBody>
+          <a:bodyPr rtlCol="0" anchor="ctr"/>
+          <a:lstStyle/>
+          <a:p>
+            <a:pPr algn="ctr"/>
+            <a:r>
+              <a:rPr lang="en-US" altLang="zh-CN" sz="1600" dirty="0">
+                <a:solidFill>
+                  <a:schemeClr val="bg2"/>
+                </a:solidFill>
+              </a:rPr>
+              <a:t>Pattern</a:t>
+            </a:r>
+            <a:endParaRPr lang="zh-CN" altLang="en-US" sz="1600" dirty="0">
+              <a:solidFill>
+                <a:schemeClr val="bg2"/>
+              </a:solidFill>
+            </a:endParaRPr>
+          </a:p>
+        </p:txBody>
+      </p:sp>
+      <p:sp>
+        <p:nvSpPr>
+          <p:cNvPr id="61" name="矩形 60">
+            <a:extLst>
+              <a:ext uri="{FF2B5EF4-FFF2-40B4-BE49-F238E27FC236}">
+                <a16:creationId xmlns:a16="http://schemas.microsoft.com/office/drawing/2014/main" id="{CFDA8A3E-5063-412B-9297-5D8D5B992E0C}"/>
+              </a:ext>
+            </a:extLst>
+          </p:cNvPr>
+          <p:cNvSpPr/>
+          <p:nvPr/>
+        </p:nvSpPr>
+        <p:spPr>
+          <a:xfrm>
+            <a:off x="6567130" y="1841333"/>
+            <a:ext cx="414711" cy="232702"/>
+          </a:xfrm>
+          <a:prstGeom prst="rect">
+            <a:avLst/>
+          </a:prstGeom>
+          <a:solidFill>
+            <a:schemeClr val="accent2">
+              <a:lumMod val="60000"/>
+              <a:lumOff val="40000"/>
+            </a:schemeClr>
+          </a:solidFill>
+        </p:spPr>
+        <p:style>
+          <a:lnRef idx="2">
+            <a:schemeClr val="accent1">
+              <a:shade val="50000"/>
+            </a:schemeClr>
+          </a:lnRef>
+          <a:fillRef idx="1">
+            <a:schemeClr val="accent1"/>
+          </a:fillRef>
+          <a:effectRef idx="0">
+            <a:schemeClr val="accent1"/>
+          </a:effectRef>
+          <a:fontRef idx="minor">
+            <a:schemeClr val="lt1"/>
+          </a:fontRef>
+        </p:style>
+        <p:txBody>
+          <a:bodyPr rtlCol="0" anchor="ctr"/>
+          <a:lstStyle/>
+          <a:p>
+            <a:pPr algn="ctr"/>
+            <a:endParaRPr lang="zh-CN" altLang="en-US"/>
+          </a:p>
+        </p:txBody>
+      </p:sp>
+      <p:sp>
+        <p:nvSpPr>
+          <p:cNvPr id="60" name="矩形 59">
+            <a:extLst>
+              <a:ext uri="{FF2B5EF4-FFF2-40B4-BE49-F238E27FC236}">
+                <a16:creationId xmlns:a16="http://schemas.microsoft.com/office/drawing/2014/main" id="{4BCFA0DD-38FB-46E6-A586-AF6A7C2FA529}"/>
+              </a:ext>
+            </a:extLst>
+          </p:cNvPr>
+          <p:cNvSpPr/>
+          <p:nvPr/>
+        </p:nvSpPr>
+        <p:spPr>
+          <a:xfrm>
+            <a:off x="6398770" y="1841333"/>
+            <a:ext cx="159214" cy="232702"/>
+          </a:xfrm>
+          <a:prstGeom prst="rect">
+            <a:avLst/>
+          </a:prstGeom>
+          <a:solidFill>
+            <a:schemeClr val="accent1">
+              <a:lumMod val="40000"/>
+              <a:lumOff val="60000"/>
+            </a:schemeClr>
+          </a:solidFill>
+        </p:spPr>
+        <p:style>
+          <a:lnRef idx="2">
+            <a:schemeClr val="accent1">
+              <a:shade val="50000"/>
+            </a:schemeClr>
+          </a:lnRef>
+          <a:fillRef idx="1">
+            <a:schemeClr val="accent1"/>
+          </a:fillRef>
+          <a:effectRef idx="0">
+            <a:schemeClr val="accent1"/>
+          </a:effectRef>
+          <a:fontRef idx="minor">
+            <a:schemeClr val="lt1"/>
+          </a:fontRef>
+        </p:style>
+        <p:txBody>
+          <a:bodyPr rtlCol="0" anchor="ctr"/>
+          <a:lstStyle/>
+          <a:p>
+            <a:pPr algn="ctr"/>
+            <a:endParaRPr lang="zh-CN" altLang="en-US"/>
+          </a:p>
+        </p:txBody>
+      </p:sp>
+      <p:sp>
+        <p:nvSpPr>
+          <p:cNvPr id="59" name="矩形 58">
+            <a:extLst>
+              <a:ext uri="{FF2B5EF4-FFF2-40B4-BE49-F238E27FC236}">
+                <a16:creationId xmlns:a16="http://schemas.microsoft.com/office/drawing/2014/main" id="{1867CBB5-09A7-4D94-9CAA-670493022949}"/>
+              </a:ext>
+            </a:extLst>
+          </p:cNvPr>
+          <p:cNvSpPr/>
+          <p:nvPr/>
+        </p:nvSpPr>
+        <p:spPr>
+          <a:xfrm>
+            <a:off x="6991345" y="1841333"/>
+            <a:ext cx="701904" cy="232702"/>
+          </a:xfrm>
+          <a:prstGeom prst="rect">
+            <a:avLst/>
+          </a:prstGeom>
+          <a:solidFill>
+            <a:srgbClr val="FFFF00"/>
+          </a:solidFill>
+        </p:spPr>
+        <p:style>
+          <a:lnRef idx="2">
+            <a:schemeClr val="accent1">
+              <a:shade val="50000"/>
+            </a:schemeClr>
+          </a:lnRef>
+          <a:fillRef idx="1">
+            <a:schemeClr val="accent1"/>
+          </a:fillRef>
+          <a:effectRef idx="0">
+            <a:schemeClr val="accent1"/>
+          </a:effectRef>
+          <a:fontRef idx="minor">
+            <a:schemeClr val="lt1"/>
+          </a:fontRef>
+        </p:style>
+        <p:txBody>
+          <a:bodyPr rtlCol="0" anchor="ctr"/>
+          <a:lstStyle/>
+          <a:p>
+            <a:pPr algn="ctr"/>
+            <a:endParaRPr lang="zh-CN" altLang="en-US"/>
+          </a:p>
+        </p:txBody>
+      </p:sp>
+      <p:sp>
+        <p:nvSpPr>
+          <p:cNvPr id="109" name="矩形 108">
+            <a:extLst>
+              <a:ext uri="{FF2B5EF4-FFF2-40B4-BE49-F238E27FC236}">
+                <a16:creationId xmlns:a16="http://schemas.microsoft.com/office/drawing/2014/main" id="{22717647-0737-4634-9ABF-E0268D1FC59C}"/>
+              </a:ext>
+            </a:extLst>
+          </p:cNvPr>
+          <p:cNvSpPr/>
+          <p:nvPr/>
+        </p:nvSpPr>
+        <p:spPr>
+          <a:xfrm>
+            <a:off x="5684145" y="1841333"/>
+            <a:ext cx="701904" cy="232702"/>
+          </a:xfrm>
+          <a:prstGeom prst="rect">
+            <a:avLst/>
+          </a:prstGeom>
+          <a:solidFill>
+            <a:srgbClr val="FFFF00"/>
+          </a:solidFill>
+        </p:spPr>
+        <p:style>
+          <a:lnRef idx="2">
+            <a:schemeClr val="accent1">
+              <a:shade val="50000"/>
+            </a:schemeClr>
+          </a:lnRef>
+          <a:fillRef idx="1">
+            <a:schemeClr val="accent1"/>
+          </a:fillRef>
+          <a:effectRef idx="0">
+            <a:schemeClr val="accent1"/>
+          </a:effectRef>
+          <a:fontRef idx="minor">
+            <a:schemeClr val="lt1"/>
+          </a:fontRef>
+        </p:style>
+        <p:txBody>
+          <a:bodyPr rtlCol="0" anchor="ctr"/>
+          <a:lstStyle/>
+          <a:p>
+            <a:pPr algn="ctr"/>
+            <a:endParaRPr lang="zh-CN" altLang="en-US"/>
+          </a:p>
+        </p:txBody>
+      </p:sp>
+      <p:cxnSp>
+        <p:nvCxnSpPr>
+          <p:cNvPr id="119" name="直接连接符 118">
+            <a:extLst>
+              <a:ext uri="{FF2B5EF4-FFF2-40B4-BE49-F238E27FC236}">
+                <a16:creationId xmlns:a16="http://schemas.microsoft.com/office/drawing/2014/main" id="{A26E12B4-7533-4D38-ABD5-F4049176CF77}"/>
+              </a:ext>
+            </a:extLst>
+          </p:cNvPr>
+          <p:cNvCxnSpPr>
+            <a:cxnSpLocks/>
+          </p:cNvCxnSpPr>
+          <p:nvPr/>
+        </p:nvCxnSpPr>
+        <p:spPr>
+          <a:xfrm>
+            <a:off x="5685019" y="1495352"/>
+            <a:ext cx="0" cy="849461"/>
+          </a:xfrm>
+          <a:prstGeom prst="line">
+            <a:avLst/>
+          </a:prstGeom>
+          <a:ln>
+            <a:solidFill>
+              <a:srgbClr val="FFFF00"/>
+            </a:solidFill>
+            <a:prstDash val="dash"/>
+          </a:ln>
+        </p:spPr>
+        <p:style>
+          <a:lnRef idx="1">
+            <a:schemeClr val="accent1"/>
+          </a:lnRef>
+          <a:fillRef idx="0">
+            <a:schemeClr val="accent1"/>
+          </a:fillRef>
+          <a:effectRef idx="0">
+            <a:schemeClr val="accent1"/>
+          </a:effectRef>
+          <a:fontRef idx="minor">
+            <a:schemeClr val="tx1"/>
+          </a:fontRef>
+        </p:style>
+      </p:cxnSp>
+      <p:sp>
+        <p:nvSpPr>
+          <p:cNvPr id="120" name="文本框 119">
+            <a:extLst>
+              <a:ext uri="{FF2B5EF4-FFF2-40B4-BE49-F238E27FC236}">
+                <a16:creationId xmlns:a16="http://schemas.microsoft.com/office/drawing/2014/main" id="{4923E51C-C4BA-4971-96E9-CC2B62B61D16}"/>
+              </a:ext>
+            </a:extLst>
+          </p:cNvPr>
+          <p:cNvSpPr txBox="1"/>
+          <p:nvPr/>
+        </p:nvSpPr>
+        <p:spPr>
+          <a:xfrm>
+            <a:off x="5737772" y="1596332"/>
+            <a:ext cx="660639" cy="307777"/>
+          </a:xfrm>
+          <a:prstGeom prst="rect">
+            <a:avLst/>
+          </a:prstGeom>
+          <a:noFill/>
+        </p:spPr>
+        <p:txBody>
+          <a:bodyPr wrap="square" rtlCol="0">
+            <a:spAutoFit/>
+          </a:bodyPr>
+          <a:lstStyle/>
+          <a:p>
+            <a:r>
+              <a:rPr lang="en-US" altLang="zh-CN" sz="1400" dirty="0">
+                <a:solidFill>
+                  <a:srgbClr val="FFFF00"/>
+                </a:solidFill>
+              </a:rPr>
+              <a:t>prefix</a:t>
+            </a:r>
+            <a:endParaRPr lang="zh-CN" altLang="en-US" sz="1400" dirty="0">
+              <a:solidFill>
+                <a:srgbClr val="FFFF00"/>
+              </a:solidFill>
+            </a:endParaRPr>
+          </a:p>
+        </p:txBody>
+      </p:sp>
+      <p:cxnSp>
+        <p:nvCxnSpPr>
+          <p:cNvPr id="121" name="直接连接符 120">
+            <a:extLst>
+              <a:ext uri="{FF2B5EF4-FFF2-40B4-BE49-F238E27FC236}">
+                <a16:creationId xmlns:a16="http://schemas.microsoft.com/office/drawing/2014/main" id="{9AF939D6-3B00-46E1-943F-C65B86A473C0}"/>
+              </a:ext>
+            </a:extLst>
+          </p:cNvPr>
+          <p:cNvCxnSpPr>
+            <a:cxnSpLocks/>
+          </p:cNvCxnSpPr>
+          <p:nvPr/>
+        </p:nvCxnSpPr>
+        <p:spPr>
+          <a:xfrm>
+            <a:off x="6380827" y="1495352"/>
+            <a:ext cx="0" cy="578683"/>
+          </a:xfrm>
+          <a:prstGeom prst="line">
+            <a:avLst/>
+          </a:prstGeom>
+          <a:ln>
+            <a:solidFill>
+              <a:srgbClr val="FFFF00"/>
+            </a:solidFill>
+            <a:prstDash val="dash"/>
+          </a:ln>
+        </p:spPr>
+        <p:style>
+          <a:lnRef idx="1">
+            <a:schemeClr val="accent1"/>
+          </a:lnRef>
+          <a:fillRef idx="0">
+            <a:schemeClr val="accent1"/>
+          </a:fillRef>
+          <a:effectRef idx="0">
+            <a:schemeClr val="accent1"/>
+          </a:effectRef>
+          <a:fontRef idx="minor">
+            <a:schemeClr val="tx1"/>
+          </a:fontRef>
+        </p:style>
+      </p:cxnSp>
+      <p:cxnSp>
+        <p:nvCxnSpPr>
+          <p:cNvPr id="122" name="直接箭头连接符 121">
+            <a:extLst>
+              <a:ext uri="{FF2B5EF4-FFF2-40B4-BE49-F238E27FC236}">
+                <a16:creationId xmlns:a16="http://schemas.microsoft.com/office/drawing/2014/main" id="{DD27FFDA-3B34-4635-BE4B-4B44BDBC9CB4}"/>
+              </a:ext>
+            </a:extLst>
+          </p:cNvPr>
+          <p:cNvCxnSpPr>
+            <a:cxnSpLocks/>
+          </p:cNvCxnSpPr>
+          <p:nvPr/>
+        </p:nvCxnSpPr>
+        <p:spPr>
+          <a:xfrm>
+            <a:off x="5678923" y="1659107"/>
+            <a:ext cx="701904" cy="0"/>
+          </a:xfrm>
+          <a:prstGeom prst="straightConnector1">
+            <a:avLst/>
+          </a:prstGeom>
+          <a:ln w="9525">
+            <a:solidFill>
+              <a:schemeClr val="accent6">
+                <a:lumMod val="60000"/>
+                <a:lumOff val="40000"/>
+              </a:schemeClr>
+            </a:solidFill>
+            <a:prstDash val="dash"/>
+            <a:headEnd type="triangle" w="sm" len="sm"/>
+            <a:tailEnd type="triangle" w="sm" len="sm"/>
+          </a:ln>
+        </p:spPr>
+        <p:style>
+          <a:lnRef idx="1">
+            <a:schemeClr val="accent1"/>
+          </a:lnRef>
+          <a:fillRef idx="0">
+            <a:schemeClr val="accent1"/>
+          </a:fillRef>
+          <a:effectRef idx="0">
+            <a:schemeClr val="accent1"/>
+          </a:effectRef>
+          <a:fontRef idx="minor">
+            <a:schemeClr val="tx1"/>
+          </a:fontRef>
+        </p:style>
+      </p:cxnSp>
+      <p:sp>
+        <p:nvSpPr>
+          <p:cNvPr id="96" name="文本框 95">
+            <a:extLst>
+              <a:ext uri="{FF2B5EF4-FFF2-40B4-BE49-F238E27FC236}">
+                <a16:creationId xmlns:a16="http://schemas.microsoft.com/office/drawing/2014/main" id="{C4A3A1E3-2C3E-4483-AC00-2500BB3D2604}"/>
+              </a:ext>
+            </a:extLst>
+          </p:cNvPr>
+          <p:cNvSpPr txBox="1"/>
+          <p:nvPr/>
+        </p:nvSpPr>
+        <p:spPr>
+          <a:xfrm>
+            <a:off x="4432399" y="1755031"/>
+            <a:ext cx="1134867" cy="369332"/>
+          </a:xfrm>
+          <a:prstGeom prst="rect">
+            <a:avLst/>
+          </a:prstGeom>
+          <a:noFill/>
+        </p:spPr>
+        <p:txBody>
+          <a:bodyPr wrap="square" rtlCol="0">
+            <a:spAutoFit/>
+          </a:bodyPr>
+          <a:lstStyle/>
+          <a:p>
+            <a:r>
+              <a:rPr lang="en-US" altLang="zh-CN" dirty="0"/>
+              <a:t>index = s</a:t>
+            </a:r>
+            <a:endParaRPr lang="zh-CN" altLang="en-US" dirty="0"/>
+          </a:p>
+        </p:txBody>
+      </p:sp>
+      <p:cxnSp>
+        <p:nvCxnSpPr>
+          <p:cNvPr id="132" name="直接连接符 131">
+            <a:extLst>
+              <a:ext uri="{FF2B5EF4-FFF2-40B4-BE49-F238E27FC236}">
+                <a16:creationId xmlns:a16="http://schemas.microsoft.com/office/drawing/2014/main" id="{3E195214-CBC6-4287-B067-CA3F7FE67A0E}"/>
+              </a:ext>
+            </a:extLst>
+          </p:cNvPr>
+          <p:cNvCxnSpPr>
+            <a:cxnSpLocks/>
+          </p:cNvCxnSpPr>
+          <p:nvPr/>
+        </p:nvCxnSpPr>
+        <p:spPr>
+          <a:xfrm>
+            <a:off x="7689102" y="1495352"/>
+            <a:ext cx="0" cy="578683"/>
+          </a:xfrm>
+          <a:prstGeom prst="line">
+            <a:avLst/>
+          </a:prstGeom>
+          <a:ln>
+            <a:solidFill>
+              <a:srgbClr val="FFFF00"/>
+            </a:solidFill>
+            <a:prstDash val="dash"/>
+          </a:ln>
+        </p:spPr>
+        <p:style>
+          <a:lnRef idx="1">
+            <a:schemeClr val="accent1"/>
+          </a:lnRef>
+          <a:fillRef idx="0">
+            <a:schemeClr val="accent1"/>
+          </a:fillRef>
+          <a:effectRef idx="0">
+            <a:schemeClr val="accent1"/>
+          </a:effectRef>
+          <a:fontRef idx="minor">
+            <a:schemeClr val="tx1"/>
+          </a:fontRef>
+        </p:style>
+      </p:cxnSp>
+      <p:sp>
+        <p:nvSpPr>
+          <p:cNvPr id="134" name="文本框 133">
+            <a:extLst>
+              <a:ext uri="{FF2B5EF4-FFF2-40B4-BE49-F238E27FC236}">
+                <a16:creationId xmlns:a16="http://schemas.microsoft.com/office/drawing/2014/main" id="{DBA4EE8E-F255-4EF4-B8A6-9D578045CA6B}"/>
+              </a:ext>
+            </a:extLst>
+          </p:cNvPr>
+          <p:cNvSpPr txBox="1"/>
+          <p:nvPr/>
+        </p:nvSpPr>
+        <p:spPr>
+          <a:xfrm>
+            <a:off x="4517046" y="3204535"/>
+            <a:ext cx="1442205" cy="369332"/>
+          </a:xfrm>
+          <a:prstGeom prst="rect">
+            <a:avLst/>
+          </a:prstGeom>
+          <a:noFill/>
+        </p:spPr>
+        <p:txBody>
+          <a:bodyPr wrap="square" rtlCol="0">
+            <a:spAutoFit/>
+          </a:bodyPr>
+          <a:lstStyle/>
+          <a:p>
+            <a:r>
+              <a:rPr lang="en-US" altLang="zh-CN" dirty="0"/>
+              <a:t>index = s+1</a:t>
+            </a:r>
+            <a:endParaRPr lang="zh-CN" altLang="en-US" dirty="0"/>
+          </a:p>
+        </p:txBody>
+      </p:sp>
+      <p:cxnSp>
+        <p:nvCxnSpPr>
+          <p:cNvPr id="135" name="直接连接符 134">
+            <a:extLst>
+              <a:ext uri="{FF2B5EF4-FFF2-40B4-BE49-F238E27FC236}">
+                <a16:creationId xmlns:a16="http://schemas.microsoft.com/office/drawing/2014/main" id="{82432652-0BCF-44BB-81B2-51CCF2AF6D68}"/>
+              </a:ext>
+            </a:extLst>
+          </p:cNvPr>
+          <p:cNvCxnSpPr>
+            <a:cxnSpLocks/>
+          </p:cNvCxnSpPr>
+          <p:nvPr/>
+        </p:nvCxnSpPr>
+        <p:spPr>
+          <a:xfrm>
+            <a:off x="6988312" y="1495352"/>
+            <a:ext cx="0" cy="849461"/>
+          </a:xfrm>
+          <a:prstGeom prst="line">
+            <a:avLst/>
+          </a:prstGeom>
+          <a:ln>
+            <a:solidFill>
+              <a:srgbClr val="FFFF00"/>
+            </a:solidFill>
+            <a:prstDash val="dash"/>
+          </a:ln>
+        </p:spPr>
+        <p:style>
+          <a:lnRef idx="1">
+            <a:schemeClr val="accent1"/>
+          </a:lnRef>
+          <a:fillRef idx="0">
+            <a:schemeClr val="accent1"/>
+          </a:fillRef>
+          <a:effectRef idx="0">
+            <a:schemeClr val="accent1"/>
+          </a:effectRef>
+          <a:fontRef idx="minor">
+            <a:schemeClr val="tx1"/>
+          </a:fontRef>
+        </p:style>
+      </p:cxnSp>
+      <p:sp>
+        <p:nvSpPr>
+          <p:cNvPr id="139" name="文本框 138">
+            <a:extLst>
+              <a:ext uri="{FF2B5EF4-FFF2-40B4-BE49-F238E27FC236}">
+                <a16:creationId xmlns:a16="http://schemas.microsoft.com/office/drawing/2014/main" id="{ACAF9853-CAAF-4DF4-BDE3-A53633459DD3}"/>
+              </a:ext>
+            </a:extLst>
+          </p:cNvPr>
+          <p:cNvSpPr txBox="1"/>
+          <p:nvPr/>
+        </p:nvSpPr>
+        <p:spPr>
+          <a:xfrm>
+            <a:off x="7042163" y="1592986"/>
+            <a:ext cx="678536" cy="307777"/>
+          </a:xfrm>
+          <a:prstGeom prst="rect">
+            <a:avLst/>
+          </a:prstGeom>
+          <a:noFill/>
+        </p:spPr>
+        <p:txBody>
+          <a:bodyPr wrap="square" rtlCol="0">
+            <a:spAutoFit/>
+          </a:bodyPr>
+          <a:lstStyle/>
+          <a:p>
+            <a:r>
+              <a:rPr lang="en-US" altLang="zh-CN" sz="1400" dirty="0">
+                <a:solidFill>
+                  <a:srgbClr val="FFFF00"/>
+                </a:solidFill>
+              </a:rPr>
+              <a:t>suffix</a:t>
+            </a:r>
+            <a:endParaRPr lang="zh-CN" altLang="en-US" sz="1400" dirty="0">
+              <a:solidFill>
+                <a:srgbClr val="FFFF00"/>
+              </a:solidFill>
+            </a:endParaRPr>
+          </a:p>
+        </p:txBody>
+      </p:sp>
+      <mc:AlternateContent xmlns:mc="http://schemas.openxmlformats.org/markup-compatibility/2006" xmlns:a14="http://schemas.microsoft.com/office/drawing/2010/main">
+        <mc:Choice Requires="a14">
+          <p:sp>
+            <p:nvSpPr>
+              <p:cNvPr id="140" name="文本框 139">
+                <a:extLst>
+                  <a:ext uri="{FF2B5EF4-FFF2-40B4-BE49-F238E27FC236}">
+                    <a16:creationId xmlns:a16="http://schemas.microsoft.com/office/drawing/2014/main" id="{E6320307-AC96-47B7-9D23-29364783D915}"/>
+                  </a:ext>
+                </a:extLst>
+              </p:cNvPr>
+              <p:cNvSpPr txBox="1"/>
+              <p:nvPr/>
+            </p:nvSpPr>
+            <p:spPr>
+              <a:xfrm>
+                <a:off x="5868474" y="1350976"/>
+                <a:ext cx="272659" cy="338554"/>
+              </a:xfrm>
+              <a:prstGeom prst="rect">
+                <a:avLst/>
+              </a:prstGeom>
+              <a:noFill/>
+            </p:spPr>
+            <p:txBody>
+              <a:bodyPr wrap="square" rtlCol="0">
+                <a:spAutoFit/>
+              </a:bodyPr>
+              <a:lstStyle/>
+              <a:p>
+                <a:pPr/>
+                <a14:m>
+                  <m:oMathPara xmlns:m="http://schemas.openxmlformats.org/officeDocument/2006/math">
+                    <m:oMathParaPr>
+                      <m:jc m:val="centerGroup"/>
+                    </m:oMathParaPr>
+                    <m:oMath xmlns:m="http://schemas.openxmlformats.org/officeDocument/2006/math">
+                      <m:sSub>
+                        <m:sSubPr>
+                          <m:ctrlPr>
+                            <a:rPr lang="en-US" altLang="zh-CN" sz="1600" b="0" i="1" smtClean="0">
+                              <a:solidFill>
+                                <a:srgbClr val="FFFF00"/>
+                              </a:solidFill>
+                              <a:latin typeface="Cambria Math" panose="02040503050406030204" pitchFamily="18" charset="0"/>
+                            </a:rPr>
+                          </m:ctrlPr>
+                        </m:sSubPr>
+                        <m:e>
+                          <m:r>
+                            <a:rPr lang="en-US" altLang="zh-CN" sz="1600" b="0" i="1" smtClean="0">
+                              <a:solidFill>
+                                <a:srgbClr val="FFFF00"/>
+                              </a:solidFill>
+                              <a:latin typeface="Cambria Math" panose="02040503050406030204" pitchFamily="18" charset="0"/>
+                            </a:rPr>
+                            <m:t>𝑐</m:t>
+                          </m:r>
+                        </m:e>
+                        <m:sub>
+                          <m:r>
+                            <a:rPr lang="en-US" altLang="zh-CN" sz="1600" b="0" i="1" smtClean="0">
+                              <a:solidFill>
+                                <a:srgbClr val="FFFF00"/>
+                              </a:solidFill>
+                              <a:latin typeface="Cambria Math" panose="02040503050406030204" pitchFamily="18" charset="0"/>
+                            </a:rPr>
+                            <m:t>𝑠</m:t>
+                          </m:r>
+                        </m:sub>
+                      </m:sSub>
+                    </m:oMath>
+                  </m:oMathPara>
+                </a14:m>
+                <a:endParaRPr lang="zh-CN" altLang="en-US" sz="1600" dirty="0">
+                  <a:solidFill>
+                    <a:srgbClr val="FFFF00"/>
+                  </a:solidFill>
+                </a:endParaRPr>
+              </a:p>
+            </p:txBody>
+          </p:sp>
+        </mc:Choice>
+        <mc:Fallback xmlns="">
+          <p:sp>
+            <p:nvSpPr>
+              <p:cNvPr id="140" name="文本框 139">
+                <a:extLst>
+                  <a:ext uri="{FF2B5EF4-FFF2-40B4-BE49-F238E27FC236}">
+                    <a16:creationId xmlns:a16="http://schemas.microsoft.com/office/drawing/2014/main" id="{E6320307-AC96-47B7-9D23-29364783D915}"/>
+                  </a:ext>
+                </a:extLst>
+              </p:cNvPr>
+              <p:cNvSpPr txBox="1">
+                <a:spLocks noRot="1" noChangeAspect="1" noMove="1" noResize="1" noEditPoints="1" noAdjustHandles="1" noChangeArrowheads="1" noChangeShapeType="1" noTextEdit="1"/>
+              </p:cNvSpPr>
+              <p:nvPr/>
+            </p:nvSpPr>
+            <p:spPr>
+              <a:xfrm>
+                <a:off x="5868474" y="1350976"/>
+                <a:ext cx="272659" cy="338554"/>
+              </a:xfrm>
+              <a:prstGeom prst="rect">
+                <a:avLst/>
+              </a:prstGeom>
+              <a:blipFill>
+                <a:blip r:embed="rId2"/>
+                <a:stretch>
+                  <a:fillRect r="-6818"/>
+                </a:stretch>
+              </a:blipFill>
+            </p:spPr>
+            <p:txBody>
+              <a:bodyPr/>
+              <a:lstStyle/>
+              <a:p>
+                <a:r>
+                  <a:rPr lang="zh-CN" altLang="en-US">
+                    <a:noFill/>
+                  </a:rPr>
+                  <a:t> </a:t>
+                </a:r>
+              </a:p>
+            </p:txBody>
+          </p:sp>
+        </mc:Fallback>
+      </mc:AlternateContent>
+      <mc:AlternateContent xmlns:mc="http://schemas.openxmlformats.org/markup-compatibility/2006" xmlns:a14="http://schemas.microsoft.com/office/drawing/2010/main">
+        <mc:Choice Requires="a14">
+          <p:sp>
+            <p:nvSpPr>
+              <p:cNvPr id="38" name="文本框 37">
+                <a:extLst>
+                  <a:ext uri="{FF2B5EF4-FFF2-40B4-BE49-F238E27FC236}">
+                    <a16:creationId xmlns:a16="http://schemas.microsoft.com/office/drawing/2014/main" id="{2F00750A-C23A-4116-A2C1-AE5B00A0D47D}"/>
+                  </a:ext>
+                </a:extLst>
+              </p:cNvPr>
+              <p:cNvSpPr txBox="1"/>
+              <p:nvPr/>
+            </p:nvSpPr>
+            <p:spPr>
+              <a:xfrm>
+                <a:off x="7720699" y="1058179"/>
+                <a:ext cx="515700" cy="338554"/>
+              </a:xfrm>
+              <a:prstGeom prst="rect">
+                <a:avLst/>
+              </a:prstGeom>
+              <a:noFill/>
+            </p:spPr>
+            <p:txBody>
+              <a:bodyPr wrap="square" rtlCol="0">
+                <a:spAutoFit/>
+              </a:bodyPr>
+              <a:lstStyle/>
+              <a:p>
+                <a:pPr/>
+                <a14:m>
+                  <m:oMathPara xmlns:m="http://schemas.openxmlformats.org/officeDocument/2006/math">
+                    <m:oMathParaPr>
+                      <m:jc m:val="centerGroup"/>
+                    </m:oMathParaPr>
+                    <m:oMath xmlns:m="http://schemas.openxmlformats.org/officeDocument/2006/math">
+                      <m:sSub>
+                        <m:sSubPr>
+                          <m:ctrlPr>
+                            <a:rPr lang="en-US" altLang="zh-CN" sz="1600" i="1" smtClean="0">
+                              <a:solidFill>
+                                <a:srgbClr val="FFFF00"/>
+                              </a:solidFill>
+                              <a:latin typeface="Cambria Math" panose="02040503050406030204" pitchFamily="18" charset="0"/>
+                            </a:rPr>
+                          </m:ctrlPr>
+                        </m:sSubPr>
+                        <m:e>
+                          <m:r>
+                            <a:rPr lang="en-US" altLang="zh-CN" sz="1600" b="0" i="1" smtClean="0">
+                              <a:solidFill>
+                                <a:srgbClr val="FFFF00"/>
+                              </a:solidFill>
+                              <a:latin typeface="Cambria Math" panose="02040503050406030204" pitchFamily="18" charset="0"/>
+                            </a:rPr>
+                            <m:t>𝑝</m:t>
+                          </m:r>
+                        </m:e>
+                        <m:sub>
+                          <m:r>
+                            <a:rPr lang="en-US" altLang="zh-CN" sz="1600" b="0" i="1" smtClean="0">
+                              <a:solidFill>
+                                <a:srgbClr val="FFFF00"/>
+                              </a:solidFill>
+                              <a:latin typeface="Cambria Math" panose="02040503050406030204" pitchFamily="18" charset="0"/>
+                            </a:rPr>
+                            <m:t>𝑠</m:t>
+                          </m:r>
+                        </m:sub>
+                      </m:sSub>
+                    </m:oMath>
+                  </m:oMathPara>
+                </a14:m>
+                <a:endParaRPr lang="zh-CN" altLang="en-US" sz="1600" dirty="0">
+                  <a:solidFill>
+                    <a:srgbClr val="FFFF00"/>
+                  </a:solidFill>
+                </a:endParaRPr>
+              </a:p>
+            </p:txBody>
+          </p:sp>
+        </mc:Choice>
+        <mc:Fallback xmlns="">
+          <p:sp>
+            <p:nvSpPr>
+              <p:cNvPr id="38" name="文本框 37">
+                <a:extLst>
+                  <a:ext uri="{FF2B5EF4-FFF2-40B4-BE49-F238E27FC236}">
+                    <a16:creationId xmlns:a16="http://schemas.microsoft.com/office/drawing/2014/main" id="{2F00750A-C23A-4116-A2C1-AE5B00A0D47D}"/>
+                  </a:ext>
+                </a:extLst>
+              </p:cNvPr>
+              <p:cNvSpPr txBox="1">
+                <a:spLocks noRot="1" noChangeAspect="1" noMove="1" noResize="1" noEditPoints="1" noAdjustHandles="1" noChangeArrowheads="1" noChangeShapeType="1" noTextEdit="1"/>
+              </p:cNvSpPr>
+              <p:nvPr/>
+            </p:nvSpPr>
+            <p:spPr>
+              <a:xfrm>
+                <a:off x="7720699" y="1058179"/>
+                <a:ext cx="515700" cy="338554"/>
+              </a:xfrm>
+              <a:prstGeom prst="rect">
+                <a:avLst/>
+              </a:prstGeom>
+              <a:blipFill>
+                <a:blip r:embed="rId3"/>
+                <a:stretch>
+                  <a:fillRect b="-3636"/>
+                </a:stretch>
+              </a:blipFill>
+            </p:spPr>
+            <p:txBody>
+              <a:bodyPr/>
+              <a:lstStyle/>
+              <a:p>
+                <a:r>
+                  <a:rPr lang="zh-CN" altLang="en-US">
+                    <a:noFill/>
+                  </a:rPr>
+                  <a:t> </a:t>
+                </a:r>
+              </a:p>
+            </p:txBody>
+          </p:sp>
+        </mc:Fallback>
+      </mc:AlternateContent>
+      <mc:AlternateContent xmlns:mc="http://schemas.openxmlformats.org/markup-compatibility/2006" xmlns:a14="http://schemas.microsoft.com/office/drawing/2010/main">
+        <mc:Choice Requires="a14">
+          <p:sp>
+            <p:nvSpPr>
+              <p:cNvPr id="33" name="文本框 32">
+                <a:extLst>
+                  <a:ext uri="{FF2B5EF4-FFF2-40B4-BE49-F238E27FC236}">
+                    <a16:creationId xmlns:a16="http://schemas.microsoft.com/office/drawing/2014/main" id="{FB9AA568-3D00-4608-9B08-6E06F21EBA4E}"/>
+                  </a:ext>
+                </a:extLst>
+              </p:cNvPr>
+              <p:cNvSpPr txBox="1"/>
+              <p:nvPr/>
+            </p:nvSpPr>
+            <p:spPr>
+              <a:xfrm>
+                <a:off x="5890480" y="493744"/>
+                <a:ext cx="1156003" cy="338554"/>
+              </a:xfrm>
+              <a:prstGeom prst="rect">
+                <a:avLst/>
+              </a:prstGeom>
+              <a:noFill/>
+            </p:spPr>
+            <p:txBody>
+              <a:bodyPr wrap="square" rtlCol="0">
+                <a:spAutoFit/>
+              </a:bodyPr>
+              <a:lstStyle/>
+              <a:p>
+                <a:pPr/>
+                <a14:m>
+                  <m:oMathPara xmlns:m="http://schemas.openxmlformats.org/officeDocument/2006/math">
+                    <m:oMathParaPr>
+                      <m:jc m:val="centerGroup"/>
+                    </m:oMathParaPr>
+                    <m:oMath xmlns:m="http://schemas.openxmlformats.org/officeDocument/2006/math">
+                      <m:r>
+                        <a:rPr lang="zh-CN" altLang="en-US" sz="1600" i="1">
+                          <a:solidFill>
+                            <a:srgbClr val="2CEC67"/>
+                          </a:solidFill>
+                          <a:latin typeface="Cambria Math" panose="02040503050406030204" pitchFamily="18" charset="0"/>
+                        </a:rPr>
+                        <m:t>递归</m:t>
+                      </m:r>
+                      <m:r>
+                        <a:rPr lang="zh-CN" altLang="en-US" sz="1600" i="1" smtClean="0">
+                          <a:solidFill>
+                            <a:srgbClr val="2CEC67"/>
+                          </a:solidFill>
+                          <a:latin typeface="Cambria Math" panose="02040503050406030204" pitchFamily="18" charset="0"/>
+                        </a:rPr>
+                        <m:t>计算</m:t>
+                      </m:r>
+                      <m:r>
+                        <a:rPr lang="zh-CN" altLang="en-US" sz="1600" i="1">
+                          <a:solidFill>
+                            <a:srgbClr val="2CEC67"/>
+                          </a:solidFill>
+                          <a:latin typeface="Cambria Math" panose="02040503050406030204" pitchFamily="18" charset="0"/>
+                        </a:rPr>
+                        <m:t>最大</m:t>
+                      </m:r>
+                      <m:r>
+                        <a:rPr lang="zh-CN" altLang="en-US" sz="1600" i="1" smtClean="0">
+                          <a:solidFill>
+                            <a:srgbClr val="2CEC67"/>
+                          </a:solidFill>
+                          <a:latin typeface="Cambria Math" panose="02040503050406030204" pitchFamily="18" charset="0"/>
+                        </a:rPr>
+                        <m:t>前缀</m:t>
+                      </m:r>
+                      <m:r>
+                        <a:rPr lang="zh-CN" altLang="en-US" sz="1600" i="1">
+                          <a:solidFill>
+                            <a:srgbClr val="2CEC67"/>
+                          </a:solidFill>
+                          <a:latin typeface="Cambria Math" panose="02040503050406030204" pitchFamily="18" charset="0"/>
+                        </a:rPr>
+                        <m:t>示意图</m:t>
+                      </m:r>
+                    </m:oMath>
+                  </m:oMathPara>
+                </a14:m>
+                <a:endParaRPr lang="zh-CN" altLang="en-US" sz="1600" dirty="0">
+                  <a:solidFill>
+                    <a:srgbClr val="FFFF00"/>
+                  </a:solidFill>
+                </a:endParaRPr>
+              </a:p>
+            </p:txBody>
+          </p:sp>
+        </mc:Choice>
+        <mc:Fallback xmlns="">
+          <p:sp>
+            <p:nvSpPr>
+              <p:cNvPr id="33" name="文本框 32">
+                <a:extLst>
+                  <a:ext uri="{FF2B5EF4-FFF2-40B4-BE49-F238E27FC236}">
+                    <a16:creationId xmlns:a16="http://schemas.microsoft.com/office/drawing/2014/main" id="{FB9AA568-3D00-4608-9B08-6E06F21EBA4E}"/>
+                  </a:ext>
+                </a:extLst>
+              </p:cNvPr>
+              <p:cNvSpPr txBox="1">
+                <a:spLocks noRot="1" noChangeAspect="1" noMove="1" noResize="1" noEditPoints="1" noAdjustHandles="1" noChangeArrowheads="1" noChangeShapeType="1" noTextEdit="1"/>
+              </p:cNvSpPr>
+              <p:nvPr/>
+            </p:nvSpPr>
+            <p:spPr>
+              <a:xfrm>
+                <a:off x="5890480" y="493744"/>
+                <a:ext cx="1156003" cy="338554"/>
+              </a:xfrm>
+              <a:prstGeom prst="rect">
+                <a:avLst/>
+              </a:prstGeom>
+              <a:blipFill>
+                <a:blip r:embed="rId4"/>
+                <a:stretch>
+                  <a:fillRect l="-526" r="-108947" b="-5357"/>
+                </a:stretch>
+              </a:blipFill>
+            </p:spPr>
+            <p:txBody>
+              <a:bodyPr/>
+              <a:lstStyle/>
+              <a:p>
+                <a:r>
+                  <a:rPr lang="zh-CN" altLang="en-US">
+                    <a:noFill/>
+                  </a:rPr>
+                  <a:t> </a:t>
+                </a:r>
+              </a:p>
+            </p:txBody>
+          </p:sp>
+        </mc:Fallback>
+      </mc:AlternateContent>
+      <p:cxnSp>
+        <p:nvCxnSpPr>
+          <p:cNvPr id="36" name="直接箭头连接符 35">
+            <a:extLst>
+              <a:ext uri="{FF2B5EF4-FFF2-40B4-BE49-F238E27FC236}">
+                <a16:creationId xmlns:a16="http://schemas.microsoft.com/office/drawing/2014/main" id="{99D25B16-6108-4DAC-8B16-E35465BF4FF8}"/>
+              </a:ext>
+            </a:extLst>
+          </p:cNvPr>
+          <p:cNvCxnSpPr>
+            <a:cxnSpLocks/>
+          </p:cNvCxnSpPr>
+          <p:nvPr/>
+        </p:nvCxnSpPr>
+        <p:spPr>
+          <a:xfrm>
+            <a:off x="7791414" y="1387142"/>
+            <a:ext cx="0" cy="409099"/>
+          </a:xfrm>
+          <a:prstGeom prst="straightConnector1">
+            <a:avLst/>
+          </a:prstGeom>
+          <a:ln w="22225">
+            <a:solidFill>
+              <a:srgbClr val="FFFF00"/>
+            </a:solidFill>
+            <a:headEnd type="none"/>
+            <a:tailEnd type="triangle"/>
+          </a:ln>
+        </p:spPr>
+        <p:style>
+          <a:lnRef idx="1">
+            <a:schemeClr val="accent1"/>
+          </a:lnRef>
+          <a:fillRef idx="0">
+            <a:schemeClr val="accent1"/>
+          </a:fillRef>
+          <a:effectRef idx="0">
+            <a:schemeClr val="accent1"/>
+          </a:effectRef>
+          <a:fontRef idx="minor">
+            <a:schemeClr val="tx1"/>
+          </a:fontRef>
+        </p:style>
+      </p:cxnSp>
+      <mc:AlternateContent xmlns:mc="http://schemas.openxmlformats.org/markup-compatibility/2006" xmlns:a14="http://schemas.microsoft.com/office/drawing/2010/main">
+        <mc:Choice Requires="a14">
+          <p:sp>
+            <p:nvSpPr>
+              <p:cNvPr id="39" name="文本框 38">
+                <a:extLst>
+                  <a:ext uri="{FF2B5EF4-FFF2-40B4-BE49-F238E27FC236}">
+                    <a16:creationId xmlns:a16="http://schemas.microsoft.com/office/drawing/2014/main" id="{C5A0D18F-7EA7-4BF8-91D3-9D486AD2120B}"/>
+                  </a:ext>
+                </a:extLst>
+              </p:cNvPr>
+              <p:cNvSpPr txBox="1"/>
+              <p:nvPr/>
+            </p:nvSpPr>
+            <p:spPr>
+              <a:xfrm>
+                <a:off x="8025384" y="1350976"/>
+                <a:ext cx="515700" cy="338554"/>
+              </a:xfrm>
+              <a:prstGeom prst="rect">
+                <a:avLst/>
+              </a:prstGeom>
+              <a:noFill/>
+            </p:spPr>
+            <p:txBody>
+              <a:bodyPr wrap="square" rtlCol="0">
+                <a:spAutoFit/>
+              </a:bodyPr>
+              <a:lstStyle/>
+              <a:p>
+                <a:pPr/>
+                <a14:m>
+                  <m:oMathPara xmlns:m="http://schemas.openxmlformats.org/officeDocument/2006/math">
+                    <m:oMathParaPr>
+                      <m:jc m:val="centerGroup"/>
+                    </m:oMathParaPr>
+                    <m:oMath xmlns:m="http://schemas.openxmlformats.org/officeDocument/2006/math">
+                      <m:sSub>
+                        <m:sSubPr>
+                          <m:ctrlPr>
+                            <a:rPr lang="en-US" altLang="zh-CN" sz="1600" i="1" smtClean="0">
+                              <a:solidFill>
+                                <a:srgbClr val="2CEC67"/>
+                              </a:solidFill>
+                              <a:latin typeface="Cambria Math" panose="02040503050406030204" pitchFamily="18" charset="0"/>
+                            </a:rPr>
+                          </m:ctrlPr>
+                        </m:sSubPr>
+                        <m:e>
+                          <m:r>
+                            <a:rPr lang="en-US" altLang="zh-CN" sz="1600" b="0" i="1" smtClean="0">
+                              <a:solidFill>
+                                <a:srgbClr val="2CEC67"/>
+                              </a:solidFill>
+                              <a:latin typeface="Cambria Math" panose="02040503050406030204" pitchFamily="18" charset="0"/>
+                            </a:rPr>
+                            <m:t>𝑝</m:t>
+                          </m:r>
+                        </m:e>
+                        <m:sub>
+                          <m:r>
+                            <a:rPr lang="en-US" altLang="zh-CN" sz="1600" b="0" i="1" smtClean="0">
+                              <a:solidFill>
+                                <a:srgbClr val="2CEC67"/>
+                              </a:solidFill>
+                              <a:latin typeface="Cambria Math" panose="02040503050406030204" pitchFamily="18" charset="0"/>
+                            </a:rPr>
+                            <m:t>𝑠</m:t>
+                          </m:r>
+                          <m:r>
+                            <a:rPr lang="en-US" altLang="zh-CN" sz="1600" b="0" i="1" smtClean="0">
+                              <a:solidFill>
+                                <a:srgbClr val="2CEC67"/>
+                              </a:solidFill>
+                              <a:latin typeface="Cambria Math" panose="02040503050406030204" pitchFamily="18" charset="0"/>
+                            </a:rPr>
+                            <m:t>+1</m:t>
+                          </m:r>
+                        </m:sub>
+                      </m:sSub>
+                    </m:oMath>
+                  </m:oMathPara>
+                </a14:m>
+                <a:endParaRPr lang="zh-CN" altLang="en-US" sz="1600" dirty="0">
+                  <a:solidFill>
+                    <a:srgbClr val="FFC000"/>
+                  </a:solidFill>
+                </a:endParaRPr>
+              </a:p>
+            </p:txBody>
+          </p:sp>
+        </mc:Choice>
+        <mc:Fallback xmlns="">
+          <p:sp>
+            <p:nvSpPr>
+              <p:cNvPr id="39" name="文本框 38">
+                <a:extLst>
+                  <a:ext uri="{FF2B5EF4-FFF2-40B4-BE49-F238E27FC236}">
+                    <a16:creationId xmlns:a16="http://schemas.microsoft.com/office/drawing/2014/main" id="{C5A0D18F-7EA7-4BF8-91D3-9D486AD2120B}"/>
+                  </a:ext>
+                </a:extLst>
+              </p:cNvPr>
+              <p:cNvSpPr txBox="1">
+                <a:spLocks noRot="1" noChangeAspect="1" noMove="1" noResize="1" noEditPoints="1" noAdjustHandles="1" noChangeArrowheads="1" noChangeShapeType="1" noTextEdit="1"/>
+              </p:cNvSpPr>
+              <p:nvPr/>
+            </p:nvSpPr>
+            <p:spPr>
+              <a:xfrm>
+                <a:off x="8025384" y="1350976"/>
+                <a:ext cx="515700" cy="338554"/>
+              </a:xfrm>
+              <a:prstGeom prst="rect">
+                <a:avLst/>
+              </a:prstGeom>
+              <a:blipFill>
+                <a:blip r:embed="rId5"/>
+                <a:stretch>
+                  <a:fillRect b="-3636"/>
+                </a:stretch>
+              </a:blipFill>
+            </p:spPr>
+            <p:txBody>
+              <a:bodyPr/>
+              <a:lstStyle/>
+              <a:p>
+                <a:r>
+                  <a:rPr lang="zh-CN" altLang="en-US">
+                    <a:noFill/>
+                  </a:rPr>
+                  <a:t> </a:t>
+                </a:r>
+              </a:p>
+            </p:txBody>
+          </p:sp>
+        </mc:Fallback>
+      </mc:AlternateContent>
+      <p:cxnSp>
+        <p:nvCxnSpPr>
+          <p:cNvPr id="40" name="直接箭头连接符 39">
+            <a:extLst>
+              <a:ext uri="{FF2B5EF4-FFF2-40B4-BE49-F238E27FC236}">
+                <a16:creationId xmlns:a16="http://schemas.microsoft.com/office/drawing/2014/main" id="{9BD25DEE-5659-4B86-8222-B7FEFB993698}"/>
+              </a:ext>
+            </a:extLst>
+          </p:cNvPr>
+          <p:cNvCxnSpPr>
+            <a:cxnSpLocks/>
+          </p:cNvCxnSpPr>
+          <p:nvPr/>
+        </p:nvCxnSpPr>
+        <p:spPr>
+          <a:xfrm>
+            <a:off x="8001515" y="1569091"/>
+            <a:ext cx="0" cy="227149"/>
+          </a:xfrm>
+          <a:prstGeom prst="straightConnector1">
+            <a:avLst/>
+          </a:prstGeom>
+          <a:ln w="22225">
+            <a:solidFill>
+              <a:srgbClr val="2CEC67"/>
+            </a:solidFill>
+            <a:headEnd type="none"/>
+            <a:tailEnd type="triangle"/>
+          </a:ln>
+        </p:spPr>
+        <p:style>
+          <a:lnRef idx="1">
+            <a:schemeClr val="accent1"/>
+          </a:lnRef>
+          <a:fillRef idx="0">
+            <a:schemeClr val="accent1"/>
+          </a:fillRef>
+          <a:effectRef idx="0">
+            <a:schemeClr val="accent1"/>
+          </a:effectRef>
+          <a:fontRef idx="minor">
+            <a:schemeClr val="tx1"/>
+          </a:fontRef>
+        </p:style>
+      </p:cxnSp>
+      <p:cxnSp>
+        <p:nvCxnSpPr>
+          <p:cNvPr id="41" name="直接箭头连接符 40">
+            <a:extLst>
+              <a:ext uri="{FF2B5EF4-FFF2-40B4-BE49-F238E27FC236}">
+                <a16:creationId xmlns:a16="http://schemas.microsoft.com/office/drawing/2014/main" id="{D84E6B54-8137-49FC-B9A0-3C6245FB2407}"/>
+              </a:ext>
+            </a:extLst>
+          </p:cNvPr>
+          <p:cNvCxnSpPr>
+            <a:cxnSpLocks/>
+          </p:cNvCxnSpPr>
+          <p:nvPr/>
+        </p:nvCxnSpPr>
+        <p:spPr>
+          <a:xfrm>
+            <a:off x="6984348" y="1659107"/>
+            <a:ext cx="701904" cy="0"/>
+          </a:xfrm>
+          <a:prstGeom prst="straightConnector1">
+            <a:avLst/>
+          </a:prstGeom>
+          <a:ln w="9525">
+            <a:solidFill>
+              <a:schemeClr val="accent6">
+                <a:lumMod val="60000"/>
+                <a:lumOff val="40000"/>
+              </a:schemeClr>
+            </a:solidFill>
+            <a:prstDash val="dash"/>
+            <a:headEnd type="triangle" w="sm" len="sm"/>
+            <a:tailEnd type="triangle" w="sm" len="sm"/>
+          </a:ln>
+        </p:spPr>
+        <p:style>
+          <a:lnRef idx="1">
+            <a:schemeClr val="accent1"/>
+          </a:lnRef>
+          <a:fillRef idx="0">
+            <a:schemeClr val="accent1"/>
+          </a:fillRef>
+          <a:effectRef idx="0">
+            <a:schemeClr val="accent1"/>
+          </a:effectRef>
+          <a:fontRef idx="minor">
+            <a:schemeClr val="tx1"/>
+          </a:fontRef>
+        </p:style>
+      </p:cxnSp>
+      <mc:AlternateContent xmlns:mc="http://schemas.openxmlformats.org/markup-compatibility/2006" xmlns:a14="http://schemas.microsoft.com/office/drawing/2010/main">
+        <mc:Choice Requires="a14">
+          <p:sp>
+            <p:nvSpPr>
+              <p:cNvPr id="44" name="文本框 43">
+                <a:extLst>
+                  <a:ext uri="{FF2B5EF4-FFF2-40B4-BE49-F238E27FC236}">
+                    <a16:creationId xmlns:a16="http://schemas.microsoft.com/office/drawing/2014/main" id="{1F079F24-4C0F-4ED5-98FE-24D034F6D166}"/>
+                  </a:ext>
+                </a:extLst>
+              </p:cNvPr>
+              <p:cNvSpPr txBox="1"/>
+              <p:nvPr/>
+            </p:nvSpPr>
+            <p:spPr>
+              <a:xfrm>
+                <a:off x="7069638" y="1344111"/>
+                <a:ext cx="272659" cy="338554"/>
+              </a:xfrm>
+              <a:prstGeom prst="rect">
+                <a:avLst/>
+              </a:prstGeom>
+              <a:noFill/>
+            </p:spPr>
+            <p:txBody>
+              <a:bodyPr wrap="square" rtlCol="0">
+                <a:spAutoFit/>
+              </a:bodyPr>
+              <a:lstStyle/>
+              <a:p>
+                <a:pPr/>
+                <a14:m>
+                  <m:oMathPara xmlns:m="http://schemas.openxmlformats.org/officeDocument/2006/math">
+                    <m:oMathParaPr>
+                      <m:jc m:val="centerGroup"/>
+                    </m:oMathParaPr>
+                    <m:oMath xmlns:m="http://schemas.openxmlformats.org/officeDocument/2006/math">
+                      <m:sSub>
+                        <m:sSubPr>
+                          <m:ctrlPr>
+                            <a:rPr lang="en-US" altLang="zh-CN" sz="1600" b="0" i="1" smtClean="0">
+                              <a:solidFill>
+                                <a:srgbClr val="FFFF00"/>
+                              </a:solidFill>
+                              <a:latin typeface="Cambria Math" panose="02040503050406030204" pitchFamily="18" charset="0"/>
+                            </a:rPr>
+                          </m:ctrlPr>
+                        </m:sSubPr>
+                        <m:e>
+                          <m:r>
+                            <a:rPr lang="en-US" altLang="zh-CN" sz="1600" b="0" i="1" smtClean="0">
+                              <a:solidFill>
+                                <a:srgbClr val="FFFF00"/>
+                              </a:solidFill>
+                              <a:latin typeface="Cambria Math" panose="02040503050406030204" pitchFamily="18" charset="0"/>
+                            </a:rPr>
+                            <m:t>𝑐</m:t>
+                          </m:r>
+                        </m:e>
+                        <m:sub>
+                          <m:r>
+                            <a:rPr lang="en-US" altLang="zh-CN" sz="1600" b="0" i="1" smtClean="0">
+                              <a:solidFill>
+                                <a:srgbClr val="FFFF00"/>
+                              </a:solidFill>
+                              <a:latin typeface="Cambria Math" panose="02040503050406030204" pitchFamily="18" charset="0"/>
+                            </a:rPr>
+                            <m:t>𝑠</m:t>
+                          </m:r>
+                        </m:sub>
+                      </m:sSub>
+                    </m:oMath>
+                  </m:oMathPara>
+                </a14:m>
+                <a:endParaRPr lang="zh-CN" altLang="en-US" sz="1600" dirty="0">
+                  <a:solidFill>
+                    <a:srgbClr val="FFFF00"/>
+                  </a:solidFill>
+                </a:endParaRPr>
+              </a:p>
+            </p:txBody>
+          </p:sp>
+        </mc:Choice>
+        <mc:Fallback xmlns="">
+          <p:sp>
+            <p:nvSpPr>
+              <p:cNvPr id="44" name="文本框 43">
+                <a:extLst>
+                  <a:ext uri="{FF2B5EF4-FFF2-40B4-BE49-F238E27FC236}">
+                    <a16:creationId xmlns:a16="http://schemas.microsoft.com/office/drawing/2014/main" id="{1F079F24-4C0F-4ED5-98FE-24D034F6D166}"/>
+                  </a:ext>
+                </a:extLst>
+              </p:cNvPr>
+              <p:cNvSpPr txBox="1">
+                <a:spLocks noRot="1" noChangeAspect="1" noMove="1" noResize="1" noEditPoints="1" noAdjustHandles="1" noChangeArrowheads="1" noChangeShapeType="1" noTextEdit="1"/>
+              </p:cNvSpPr>
+              <p:nvPr/>
+            </p:nvSpPr>
+            <p:spPr>
+              <a:xfrm>
+                <a:off x="7069638" y="1344111"/>
+                <a:ext cx="272659" cy="338554"/>
+              </a:xfrm>
+              <a:prstGeom prst="rect">
+                <a:avLst/>
+              </a:prstGeom>
+              <a:blipFill>
+                <a:blip r:embed="rId6"/>
+                <a:stretch>
+                  <a:fillRect r="-6818"/>
+                </a:stretch>
+              </a:blipFill>
+            </p:spPr>
+            <p:txBody>
+              <a:bodyPr/>
+              <a:lstStyle/>
+              <a:p>
+                <a:r>
+                  <a:rPr lang="zh-CN" altLang="en-US">
+                    <a:noFill/>
+                  </a:rPr>
+                  <a:t> </a:t>
+                </a:r>
+              </a:p>
+            </p:txBody>
+          </p:sp>
+        </mc:Fallback>
+      </mc:AlternateContent>
+      <p:cxnSp>
+        <p:nvCxnSpPr>
+          <p:cNvPr id="45" name="直接连接符 44">
+            <a:extLst>
+              <a:ext uri="{FF2B5EF4-FFF2-40B4-BE49-F238E27FC236}">
+                <a16:creationId xmlns:a16="http://schemas.microsoft.com/office/drawing/2014/main" id="{AF687D4A-C27A-4BC8-B1B2-E480F49B7114}"/>
+              </a:ext>
+            </a:extLst>
+          </p:cNvPr>
+          <p:cNvCxnSpPr>
+            <a:cxnSpLocks/>
+          </p:cNvCxnSpPr>
+          <p:nvPr/>
+        </p:nvCxnSpPr>
+        <p:spPr>
+          <a:xfrm>
+            <a:off x="7876012" y="1819428"/>
+            <a:ext cx="0" cy="525385"/>
+          </a:xfrm>
+          <a:prstGeom prst="line">
+            <a:avLst/>
+          </a:prstGeom>
+          <a:ln>
+            <a:solidFill>
+              <a:srgbClr val="00B0F0"/>
+            </a:solidFill>
+            <a:prstDash val="dash"/>
+          </a:ln>
+        </p:spPr>
+        <p:style>
+          <a:lnRef idx="1">
+            <a:schemeClr val="accent1"/>
+          </a:lnRef>
+          <a:fillRef idx="0">
+            <a:schemeClr val="accent1"/>
+          </a:fillRef>
+          <a:effectRef idx="0">
+            <a:schemeClr val="accent1"/>
+          </a:effectRef>
+          <a:fontRef idx="minor">
+            <a:schemeClr val="tx1"/>
+          </a:fontRef>
+        </p:style>
+      </p:cxnSp>
+      <p:cxnSp>
+        <p:nvCxnSpPr>
+          <p:cNvPr id="47" name="直接连接符 46">
+            <a:extLst>
+              <a:ext uri="{FF2B5EF4-FFF2-40B4-BE49-F238E27FC236}">
+                <a16:creationId xmlns:a16="http://schemas.microsoft.com/office/drawing/2014/main" id="{E27099DA-9734-4999-9439-C6A40A86FBFC}"/>
+              </a:ext>
+            </a:extLst>
+          </p:cNvPr>
+          <p:cNvCxnSpPr>
+            <a:cxnSpLocks/>
+          </p:cNvCxnSpPr>
+          <p:nvPr/>
+        </p:nvCxnSpPr>
+        <p:spPr>
+          <a:xfrm>
+            <a:off x="8075515" y="1857827"/>
+            <a:ext cx="0" cy="216208"/>
+          </a:xfrm>
+          <a:prstGeom prst="line">
+            <a:avLst/>
+          </a:prstGeom>
+          <a:ln>
+            <a:solidFill>
+              <a:srgbClr val="00B0F0"/>
+            </a:solidFill>
+            <a:prstDash val="dash"/>
+          </a:ln>
+        </p:spPr>
+        <p:style>
+          <a:lnRef idx="1">
+            <a:schemeClr val="accent1"/>
+          </a:lnRef>
+          <a:fillRef idx="0">
+            <a:schemeClr val="accent1"/>
+          </a:fillRef>
+          <a:effectRef idx="0">
+            <a:schemeClr val="accent1"/>
+          </a:effectRef>
+          <a:fontRef idx="minor">
+            <a:schemeClr val="tx1"/>
+          </a:fontRef>
+        </p:style>
+      </p:cxnSp>
+      <p:cxnSp>
+        <p:nvCxnSpPr>
+          <p:cNvPr id="50" name="直接连接符 49">
+            <a:extLst>
+              <a:ext uri="{FF2B5EF4-FFF2-40B4-BE49-F238E27FC236}">
+                <a16:creationId xmlns:a16="http://schemas.microsoft.com/office/drawing/2014/main" id="{5F15632B-50AC-4B65-9ACA-4121D3E215F9}"/>
+              </a:ext>
+            </a:extLst>
+          </p:cNvPr>
+          <p:cNvCxnSpPr>
+            <a:cxnSpLocks/>
+          </p:cNvCxnSpPr>
+          <p:nvPr/>
+        </p:nvCxnSpPr>
+        <p:spPr>
+          <a:xfrm>
+            <a:off x="6551515" y="1857827"/>
+            <a:ext cx="0" cy="486986"/>
+          </a:xfrm>
+          <a:prstGeom prst="line">
+            <a:avLst/>
+          </a:prstGeom>
+          <a:ln>
+            <a:solidFill>
+              <a:srgbClr val="00B0F0"/>
+            </a:solidFill>
+            <a:prstDash val="dash"/>
+          </a:ln>
+        </p:spPr>
+        <p:style>
+          <a:lnRef idx="1">
+            <a:schemeClr val="accent1"/>
+          </a:lnRef>
+          <a:fillRef idx="0">
+            <a:schemeClr val="accent1"/>
+          </a:fillRef>
+          <a:effectRef idx="0">
+            <a:schemeClr val="accent1"/>
+          </a:effectRef>
+          <a:fontRef idx="minor">
+            <a:schemeClr val="tx1"/>
+          </a:fontRef>
+        </p:style>
+      </p:cxnSp>
+      <p:cxnSp>
+        <p:nvCxnSpPr>
+          <p:cNvPr id="57" name="直接箭头连接符 56">
+            <a:extLst>
+              <a:ext uri="{FF2B5EF4-FFF2-40B4-BE49-F238E27FC236}">
+                <a16:creationId xmlns:a16="http://schemas.microsoft.com/office/drawing/2014/main" id="{A2AB28C2-CB5D-4DA7-8A41-D58899B2701B}"/>
+              </a:ext>
+            </a:extLst>
+          </p:cNvPr>
+          <p:cNvCxnSpPr>
+            <a:cxnSpLocks/>
+          </p:cNvCxnSpPr>
+          <p:nvPr/>
+        </p:nvCxnSpPr>
+        <p:spPr>
+          <a:xfrm>
+            <a:off x="6478377" y="1396733"/>
+            <a:ext cx="0" cy="426340"/>
+          </a:xfrm>
+          <a:prstGeom prst="straightConnector1">
+            <a:avLst/>
+          </a:prstGeom>
+          <a:ln w="22225">
+            <a:solidFill>
+              <a:schemeClr val="accent6"/>
+            </a:solidFill>
+            <a:headEnd type="none"/>
+            <a:tailEnd type="triangle"/>
+          </a:ln>
+        </p:spPr>
+        <p:style>
+          <a:lnRef idx="1">
+            <a:schemeClr val="accent1"/>
+          </a:lnRef>
+          <a:fillRef idx="0">
+            <a:schemeClr val="accent1"/>
+          </a:fillRef>
+          <a:effectRef idx="0">
+            <a:schemeClr val="accent1"/>
+          </a:effectRef>
+          <a:fontRef idx="minor">
+            <a:schemeClr val="tx1"/>
+          </a:fontRef>
+        </p:style>
+      </p:cxnSp>
+      <mc:AlternateContent xmlns:mc="http://schemas.openxmlformats.org/markup-compatibility/2006" xmlns:a14="http://schemas.microsoft.com/office/drawing/2010/main">
+        <mc:Choice Requires="a14">
+          <p:sp>
+            <p:nvSpPr>
+              <p:cNvPr id="58" name="文本框 57">
+                <a:extLst>
+                  <a:ext uri="{FF2B5EF4-FFF2-40B4-BE49-F238E27FC236}">
+                    <a16:creationId xmlns:a16="http://schemas.microsoft.com/office/drawing/2014/main" id="{42B7A767-3ECD-4233-848E-EA9381761B1F}"/>
+                  </a:ext>
+                </a:extLst>
+              </p:cNvPr>
+              <p:cNvSpPr txBox="1"/>
+              <p:nvPr/>
+            </p:nvSpPr>
+            <p:spPr>
+              <a:xfrm>
+                <a:off x="6415185" y="1107418"/>
+                <a:ext cx="272659" cy="369460"/>
+              </a:xfrm>
+              <a:prstGeom prst="rect">
+                <a:avLst/>
+              </a:prstGeom>
+              <a:noFill/>
+            </p:spPr>
+            <p:txBody>
+              <a:bodyPr wrap="square" rtlCol="0">
+                <a:spAutoFit/>
+              </a:bodyPr>
+              <a:lstStyle/>
+              <a:p>
+                <a:pPr/>
+                <a14:m>
+                  <m:oMathPara xmlns:m="http://schemas.openxmlformats.org/officeDocument/2006/math">
+                    <m:oMathParaPr>
+                      <m:jc m:val="centerGroup"/>
+                    </m:oMathParaPr>
+                    <m:oMath xmlns:m="http://schemas.openxmlformats.org/officeDocument/2006/math">
+                      <m:sSub>
+                        <m:sSubPr>
+                          <m:ctrlPr>
+                            <a:rPr lang="en-US" altLang="zh-CN" sz="1600" i="1" smtClean="0">
+                              <a:solidFill>
+                                <a:schemeClr val="accent6"/>
+                              </a:solidFill>
+                              <a:latin typeface="Cambria Math" panose="02040503050406030204" pitchFamily="18" charset="0"/>
+                            </a:rPr>
+                          </m:ctrlPr>
+                        </m:sSubPr>
+                        <m:e>
+                          <m:r>
+                            <a:rPr lang="en-US" altLang="zh-CN" sz="1600" b="0" i="1" smtClean="0">
+                              <a:solidFill>
+                                <a:schemeClr val="accent6"/>
+                              </a:solidFill>
+                              <a:latin typeface="Cambria Math" panose="02040503050406030204" pitchFamily="18" charset="0"/>
+                            </a:rPr>
+                            <m:t>𝑝</m:t>
+                          </m:r>
+                        </m:e>
+                        <m:sub>
+                          <m:sSub>
+                            <m:sSubPr>
+                              <m:ctrlPr>
+                                <a:rPr lang="en-US" altLang="zh-CN" sz="1600" i="1" smtClean="0">
+                                  <a:solidFill>
+                                    <a:schemeClr val="accent6"/>
+                                  </a:solidFill>
+                                  <a:latin typeface="Cambria Math" panose="02040503050406030204" pitchFamily="18" charset="0"/>
+                                </a:rPr>
+                              </m:ctrlPr>
+                            </m:sSubPr>
+                            <m:e>
+                              <m:r>
+                                <a:rPr lang="en-US" altLang="zh-CN" sz="1600" b="0" i="1" smtClean="0">
+                                  <a:solidFill>
+                                    <a:schemeClr val="accent6"/>
+                                  </a:solidFill>
+                                  <a:latin typeface="Cambria Math" panose="02040503050406030204" pitchFamily="18" charset="0"/>
+                                </a:rPr>
+                                <m:t>𝑐</m:t>
+                              </m:r>
+                            </m:e>
+                            <m:sub>
+                              <m:r>
+                                <a:rPr lang="en-US" altLang="zh-CN" sz="1600" b="0" i="1" smtClean="0">
+                                  <a:solidFill>
+                                    <a:schemeClr val="accent6"/>
+                                  </a:solidFill>
+                                  <a:latin typeface="Cambria Math" panose="02040503050406030204" pitchFamily="18" charset="0"/>
+                                </a:rPr>
+                                <m:t>𝑠</m:t>
+                              </m:r>
+                            </m:sub>
+                          </m:sSub>
+                          <m:r>
+                            <a:rPr lang="en-US" altLang="zh-CN" sz="1600" b="0" i="1" smtClean="0">
+                              <a:solidFill>
+                                <a:schemeClr val="accent6"/>
+                              </a:solidFill>
+                              <a:latin typeface="Cambria Math" panose="02040503050406030204" pitchFamily="18" charset="0"/>
+                            </a:rPr>
+                            <m:t>+1</m:t>
+                          </m:r>
+                        </m:sub>
+                      </m:sSub>
+                    </m:oMath>
+                  </m:oMathPara>
+                </a14:m>
+                <a:endParaRPr lang="zh-CN" altLang="en-US" sz="1600" dirty="0">
+                  <a:solidFill>
+                    <a:schemeClr val="accent6"/>
+                  </a:solidFill>
+                </a:endParaRPr>
+              </a:p>
+            </p:txBody>
+          </p:sp>
+        </mc:Choice>
+        <mc:Fallback xmlns="">
+          <p:sp>
+            <p:nvSpPr>
+              <p:cNvPr id="58" name="文本框 57">
+                <a:extLst>
+                  <a:ext uri="{FF2B5EF4-FFF2-40B4-BE49-F238E27FC236}">
+                    <a16:creationId xmlns:a16="http://schemas.microsoft.com/office/drawing/2014/main" id="{42B7A767-3ECD-4233-848E-EA9381761B1F}"/>
+                  </a:ext>
+                </a:extLst>
+              </p:cNvPr>
+              <p:cNvSpPr txBox="1">
+                <a:spLocks noRot="1" noChangeAspect="1" noMove="1" noResize="1" noEditPoints="1" noAdjustHandles="1" noChangeArrowheads="1" noChangeShapeType="1" noTextEdit="1"/>
+              </p:cNvSpPr>
+              <p:nvPr/>
+            </p:nvSpPr>
+            <p:spPr>
+              <a:xfrm>
+                <a:off x="6415185" y="1107418"/>
+                <a:ext cx="272659" cy="369460"/>
+              </a:xfrm>
+              <a:prstGeom prst="rect">
+                <a:avLst/>
+              </a:prstGeom>
+              <a:blipFill>
+                <a:blip r:embed="rId7"/>
+                <a:stretch>
+                  <a:fillRect r="-111111"/>
+                </a:stretch>
+              </a:blipFill>
+            </p:spPr>
+            <p:txBody>
+              <a:bodyPr/>
+              <a:lstStyle/>
+              <a:p>
+                <a:r>
+                  <a:rPr lang="zh-CN" altLang="en-US">
+                    <a:noFill/>
+                  </a:rPr>
+                  <a:t> </a:t>
+                </a:r>
+              </a:p>
+            </p:txBody>
+          </p:sp>
+        </mc:Fallback>
+      </mc:AlternateContent>
+      <p:cxnSp>
+        <p:nvCxnSpPr>
+          <p:cNvPr id="74" name="直接箭头连接符 73">
+            <a:extLst>
+              <a:ext uri="{FF2B5EF4-FFF2-40B4-BE49-F238E27FC236}">
+                <a16:creationId xmlns:a16="http://schemas.microsoft.com/office/drawing/2014/main" id="{C03D1078-7EC8-41B4-B94C-20D87BA36D4D}"/>
+              </a:ext>
+            </a:extLst>
+          </p:cNvPr>
+          <p:cNvCxnSpPr>
+            <a:cxnSpLocks/>
+          </p:cNvCxnSpPr>
+          <p:nvPr/>
+        </p:nvCxnSpPr>
+        <p:spPr>
+          <a:xfrm>
+            <a:off x="7007852" y="2292837"/>
+            <a:ext cx="864130" cy="0"/>
+          </a:xfrm>
+          <a:prstGeom prst="straightConnector1">
+            <a:avLst/>
+          </a:prstGeom>
+          <a:ln w="9525">
+            <a:solidFill>
+              <a:schemeClr val="accent6">
+                <a:lumMod val="60000"/>
+                <a:lumOff val="40000"/>
+              </a:schemeClr>
+            </a:solidFill>
+            <a:prstDash val="dash"/>
+            <a:headEnd type="triangle" w="sm" len="sm"/>
+            <a:tailEnd type="triangle" w="sm" len="sm"/>
+          </a:ln>
+        </p:spPr>
+        <p:style>
+          <a:lnRef idx="1">
+            <a:schemeClr val="accent1"/>
+          </a:lnRef>
+          <a:fillRef idx="0">
+            <a:schemeClr val="accent1"/>
+          </a:fillRef>
+          <a:effectRef idx="0">
+            <a:schemeClr val="accent1"/>
+          </a:effectRef>
+          <a:fontRef idx="minor">
+            <a:schemeClr val="tx1"/>
+          </a:fontRef>
+        </p:style>
+      </p:cxnSp>
+      <p:cxnSp>
+        <p:nvCxnSpPr>
+          <p:cNvPr id="81" name="直接箭头连接符 80">
+            <a:extLst>
+              <a:ext uri="{FF2B5EF4-FFF2-40B4-BE49-F238E27FC236}">
+                <a16:creationId xmlns:a16="http://schemas.microsoft.com/office/drawing/2014/main" id="{779E09F4-D1E9-4D81-A8C6-8451B509AA50}"/>
+              </a:ext>
+            </a:extLst>
+          </p:cNvPr>
+          <p:cNvCxnSpPr>
+            <a:cxnSpLocks/>
+          </p:cNvCxnSpPr>
+          <p:nvPr/>
+        </p:nvCxnSpPr>
+        <p:spPr>
+          <a:xfrm>
+            <a:off x="5693854" y="2292837"/>
+            <a:ext cx="864130" cy="0"/>
+          </a:xfrm>
+          <a:prstGeom prst="straightConnector1">
+            <a:avLst/>
+          </a:prstGeom>
+          <a:ln w="9525">
+            <a:solidFill>
+              <a:schemeClr val="accent6">
+                <a:lumMod val="60000"/>
+                <a:lumOff val="40000"/>
+              </a:schemeClr>
+            </a:solidFill>
+            <a:prstDash val="dash"/>
+            <a:headEnd type="triangle" w="sm" len="sm"/>
+            <a:tailEnd type="triangle" w="sm" len="sm"/>
+          </a:ln>
+        </p:spPr>
+        <p:style>
+          <a:lnRef idx="1">
+            <a:schemeClr val="accent1"/>
+          </a:lnRef>
+          <a:fillRef idx="0">
+            <a:schemeClr val="accent1"/>
+          </a:fillRef>
+          <a:effectRef idx="0">
+            <a:schemeClr val="accent1"/>
+          </a:effectRef>
+          <a:fontRef idx="minor">
+            <a:schemeClr val="tx1"/>
+          </a:fontRef>
+        </p:style>
+      </p:cxnSp>
+      <mc:AlternateContent xmlns:mc="http://schemas.openxmlformats.org/markup-compatibility/2006" xmlns:a14="http://schemas.microsoft.com/office/drawing/2010/main">
+        <mc:Choice Requires="a14">
+          <p:sp>
+            <p:nvSpPr>
+              <p:cNvPr id="86" name="文本框 85">
+                <a:extLst>
+                  <a:ext uri="{FF2B5EF4-FFF2-40B4-BE49-F238E27FC236}">
+                    <a16:creationId xmlns:a16="http://schemas.microsoft.com/office/drawing/2014/main" id="{E9A0E660-F048-4A46-BAC8-6B9E4374680E}"/>
+                  </a:ext>
+                </a:extLst>
+              </p:cNvPr>
+              <p:cNvSpPr txBox="1"/>
+              <p:nvPr/>
+            </p:nvSpPr>
+            <p:spPr>
+              <a:xfrm>
+                <a:off x="5824861" y="1995726"/>
+                <a:ext cx="272659" cy="338554"/>
+              </a:xfrm>
+              <a:prstGeom prst="rect">
+                <a:avLst/>
+              </a:prstGeom>
+              <a:noFill/>
+            </p:spPr>
+            <p:txBody>
+              <a:bodyPr wrap="square" rtlCol="0">
+                <a:spAutoFit/>
+              </a:bodyPr>
+              <a:lstStyle/>
+              <a:p>
+                <a:pPr/>
+                <a14:m>
+                  <m:oMathPara xmlns:m="http://schemas.openxmlformats.org/officeDocument/2006/math">
+                    <m:oMathParaPr>
+                      <m:jc m:val="centerGroup"/>
+                    </m:oMathParaPr>
+                    <m:oMath xmlns:m="http://schemas.openxmlformats.org/officeDocument/2006/math">
+                      <m:sSub>
+                        <m:sSubPr>
+                          <m:ctrlPr>
+                            <a:rPr lang="en-US" altLang="zh-CN" sz="1600" b="0" i="1" smtClean="0">
+                              <a:solidFill>
+                                <a:srgbClr val="2CEC67"/>
+                              </a:solidFill>
+                              <a:latin typeface="Cambria Math" panose="02040503050406030204" pitchFamily="18" charset="0"/>
+                            </a:rPr>
+                          </m:ctrlPr>
+                        </m:sSubPr>
+                        <m:e>
+                          <m:r>
+                            <a:rPr lang="en-US" altLang="zh-CN" sz="1600" b="0" i="1" smtClean="0">
+                              <a:solidFill>
+                                <a:srgbClr val="2CEC67"/>
+                              </a:solidFill>
+                              <a:latin typeface="Cambria Math" panose="02040503050406030204" pitchFamily="18" charset="0"/>
+                            </a:rPr>
+                            <m:t>𝑐</m:t>
+                          </m:r>
+                        </m:e>
+                        <m:sub>
+                          <m:r>
+                            <a:rPr lang="en-US" altLang="zh-CN" sz="1600" b="0" i="1" smtClean="0">
+                              <a:solidFill>
+                                <a:srgbClr val="2CEC67"/>
+                              </a:solidFill>
+                              <a:latin typeface="Cambria Math" panose="02040503050406030204" pitchFamily="18" charset="0"/>
+                            </a:rPr>
+                            <m:t>𝑠</m:t>
+                          </m:r>
+                          <m:r>
+                            <a:rPr lang="en-US" altLang="zh-CN" sz="1600" b="0" i="1" smtClean="0">
+                              <a:solidFill>
+                                <a:srgbClr val="2CEC67"/>
+                              </a:solidFill>
+                              <a:latin typeface="Cambria Math" panose="02040503050406030204" pitchFamily="18" charset="0"/>
+                            </a:rPr>
+                            <m:t>+1</m:t>
+                          </m:r>
+                        </m:sub>
+                      </m:sSub>
+                      <m:r>
+                        <a:rPr lang="en-US" altLang="zh-CN" sz="1600" b="0" i="1" smtClean="0">
+                          <a:solidFill>
+                            <a:srgbClr val="2CEC67"/>
+                          </a:solidFill>
+                          <a:latin typeface="Cambria Math" panose="02040503050406030204" pitchFamily="18" charset="0"/>
+                        </a:rPr>
+                        <m:t>?</m:t>
+                      </m:r>
+                    </m:oMath>
+                  </m:oMathPara>
+                </a14:m>
+                <a:endParaRPr lang="zh-CN" altLang="en-US" sz="1600" dirty="0">
+                  <a:solidFill>
+                    <a:srgbClr val="2CEC67"/>
+                  </a:solidFill>
+                </a:endParaRPr>
+              </a:p>
+            </p:txBody>
+          </p:sp>
+        </mc:Choice>
+        <mc:Fallback xmlns="">
+          <p:sp>
+            <p:nvSpPr>
+              <p:cNvPr id="86" name="文本框 85">
+                <a:extLst>
+                  <a:ext uri="{FF2B5EF4-FFF2-40B4-BE49-F238E27FC236}">
+                    <a16:creationId xmlns:a16="http://schemas.microsoft.com/office/drawing/2014/main" id="{E9A0E660-F048-4A46-BAC8-6B9E4374680E}"/>
+                  </a:ext>
+                </a:extLst>
+              </p:cNvPr>
+              <p:cNvSpPr txBox="1">
+                <a:spLocks noRot="1" noChangeAspect="1" noMove="1" noResize="1" noEditPoints="1" noAdjustHandles="1" noChangeArrowheads="1" noChangeShapeType="1" noTextEdit="1"/>
+              </p:cNvSpPr>
+              <p:nvPr/>
+            </p:nvSpPr>
+            <p:spPr>
+              <a:xfrm>
+                <a:off x="5824861" y="1995726"/>
+                <a:ext cx="272659" cy="338554"/>
+              </a:xfrm>
+              <a:prstGeom prst="rect">
+                <a:avLst/>
+              </a:prstGeom>
+              <a:blipFill>
+                <a:blip r:embed="rId8"/>
+                <a:stretch>
+                  <a:fillRect r="-127273"/>
+                </a:stretch>
+              </a:blipFill>
+            </p:spPr>
+            <p:txBody>
+              <a:bodyPr/>
+              <a:lstStyle/>
+              <a:p>
+                <a:r>
+                  <a:rPr lang="zh-CN" altLang="en-US">
+                    <a:noFill/>
+                  </a:rPr>
+                  <a:t> </a:t>
+                </a:r>
+              </a:p>
+            </p:txBody>
+          </p:sp>
+        </mc:Fallback>
+      </mc:AlternateContent>
+      <mc:AlternateContent xmlns:mc="http://schemas.openxmlformats.org/markup-compatibility/2006" xmlns:a14="http://schemas.microsoft.com/office/drawing/2010/main">
+        <mc:Choice Requires="a14">
+          <p:sp>
+            <p:nvSpPr>
+              <p:cNvPr id="87" name="文本框 86">
+                <a:extLst>
+                  <a:ext uri="{FF2B5EF4-FFF2-40B4-BE49-F238E27FC236}">
+                    <a16:creationId xmlns:a16="http://schemas.microsoft.com/office/drawing/2014/main" id="{D76CE8DA-826C-4F84-AA6E-9BDAA52B7094}"/>
+                  </a:ext>
+                </a:extLst>
+              </p:cNvPr>
+              <p:cNvSpPr txBox="1"/>
+              <p:nvPr/>
+            </p:nvSpPr>
+            <p:spPr>
+              <a:xfrm>
+                <a:off x="7186235" y="1974677"/>
+                <a:ext cx="272659" cy="338554"/>
+              </a:xfrm>
+              <a:prstGeom prst="rect">
+                <a:avLst/>
+              </a:prstGeom>
+              <a:noFill/>
+            </p:spPr>
+            <p:txBody>
+              <a:bodyPr wrap="square" rtlCol="0">
+                <a:spAutoFit/>
+              </a:bodyPr>
+              <a:lstStyle/>
+              <a:p>
+                <a:pPr/>
+                <a14:m>
+                  <m:oMathPara xmlns:m="http://schemas.openxmlformats.org/officeDocument/2006/math">
+                    <m:oMathParaPr>
+                      <m:jc m:val="centerGroup"/>
+                    </m:oMathParaPr>
+                    <m:oMath xmlns:m="http://schemas.openxmlformats.org/officeDocument/2006/math">
+                      <m:sSub>
+                        <m:sSubPr>
+                          <m:ctrlPr>
+                            <a:rPr lang="en-US" altLang="zh-CN" sz="1600" b="0" i="1" smtClean="0">
+                              <a:solidFill>
+                                <a:srgbClr val="2CEC67"/>
+                              </a:solidFill>
+                              <a:latin typeface="Cambria Math" panose="02040503050406030204" pitchFamily="18" charset="0"/>
+                            </a:rPr>
+                          </m:ctrlPr>
+                        </m:sSubPr>
+                        <m:e>
+                          <m:r>
+                            <a:rPr lang="en-US" altLang="zh-CN" sz="1600" b="0" i="1" smtClean="0">
+                              <a:solidFill>
+                                <a:srgbClr val="2CEC67"/>
+                              </a:solidFill>
+                              <a:latin typeface="Cambria Math" panose="02040503050406030204" pitchFamily="18" charset="0"/>
+                            </a:rPr>
+                            <m:t>𝑐</m:t>
+                          </m:r>
+                        </m:e>
+                        <m:sub>
+                          <m:r>
+                            <a:rPr lang="en-US" altLang="zh-CN" sz="1600" b="0" i="1" smtClean="0">
+                              <a:solidFill>
+                                <a:srgbClr val="2CEC67"/>
+                              </a:solidFill>
+                              <a:latin typeface="Cambria Math" panose="02040503050406030204" pitchFamily="18" charset="0"/>
+                            </a:rPr>
+                            <m:t>𝑠</m:t>
+                          </m:r>
+                          <m:r>
+                            <a:rPr lang="en-US" altLang="zh-CN" sz="1600" b="0" i="1" smtClean="0">
+                              <a:solidFill>
+                                <a:srgbClr val="2CEC67"/>
+                              </a:solidFill>
+                              <a:latin typeface="Cambria Math" panose="02040503050406030204" pitchFamily="18" charset="0"/>
+                            </a:rPr>
+                            <m:t>+1</m:t>
+                          </m:r>
+                        </m:sub>
+                      </m:sSub>
+                    </m:oMath>
+                  </m:oMathPara>
+                </a14:m>
+                <a:endParaRPr lang="zh-CN" altLang="en-US" sz="1600" dirty="0">
+                  <a:solidFill>
+                    <a:srgbClr val="2CEC67"/>
+                  </a:solidFill>
+                </a:endParaRPr>
+              </a:p>
+            </p:txBody>
+          </p:sp>
+        </mc:Choice>
+        <mc:Fallback xmlns="">
+          <p:sp>
+            <p:nvSpPr>
+              <p:cNvPr id="87" name="文本框 86">
+                <a:extLst>
+                  <a:ext uri="{FF2B5EF4-FFF2-40B4-BE49-F238E27FC236}">
+                    <a16:creationId xmlns:a16="http://schemas.microsoft.com/office/drawing/2014/main" id="{D76CE8DA-826C-4F84-AA6E-9BDAA52B7094}"/>
+                  </a:ext>
+                </a:extLst>
+              </p:cNvPr>
+              <p:cNvSpPr txBox="1">
+                <a:spLocks noRot="1" noChangeAspect="1" noMove="1" noResize="1" noEditPoints="1" noAdjustHandles="1" noChangeArrowheads="1" noChangeShapeType="1" noTextEdit="1"/>
+              </p:cNvSpPr>
+              <p:nvPr/>
+            </p:nvSpPr>
+            <p:spPr>
+              <a:xfrm>
+                <a:off x="7186235" y="1974677"/>
+                <a:ext cx="272659" cy="338554"/>
+              </a:xfrm>
+              <a:prstGeom prst="rect">
+                <a:avLst/>
+              </a:prstGeom>
+              <a:blipFill>
+                <a:blip r:embed="rId9"/>
+                <a:stretch>
+                  <a:fillRect r="-80000"/>
+                </a:stretch>
+              </a:blipFill>
+            </p:spPr>
+            <p:txBody>
+              <a:bodyPr/>
+              <a:lstStyle/>
+              <a:p>
+                <a:r>
+                  <a:rPr lang="zh-CN" altLang="en-US">
+                    <a:noFill/>
+                  </a:rPr>
+                  <a:t> </a:t>
+                </a:r>
+              </a:p>
+            </p:txBody>
+          </p:sp>
+        </mc:Fallback>
+      </mc:AlternateContent>
+      <mc:AlternateContent xmlns:mc="http://schemas.openxmlformats.org/markup-compatibility/2006" xmlns:a14="http://schemas.microsoft.com/office/drawing/2010/main">
+        <mc:Choice Requires="a14">
+          <p:sp>
+            <p:nvSpPr>
+              <p:cNvPr id="88" name="文本框 87">
+                <a:extLst>
+                  <a:ext uri="{FF2B5EF4-FFF2-40B4-BE49-F238E27FC236}">
+                    <a16:creationId xmlns:a16="http://schemas.microsoft.com/office/drawing/2014/main" id="{73236834-5E56-4567-9BC1-4C91720677A5}"/>
+                  </a:ext>
+                </a:extLst>
+              </p:cNvPr>
+              <p:cNvSpPr txBox="1"/>
+              <p:nvPr/>
+            </p:nvSpPr>
+            <p:spPr>
+              <a:xfrm>
+                <a:off x="7092656" y="2262999"/>
+                <a:ext cx="678536" cy="307777"/>
+              </a:xfrm>
+              <a:prstGeom prst="rect">
+                <a:avLst/>
+              </a:prstGeom>
+              <a:noFill/>
+            </p:spPr>
+            <p:txBody>
+              <a:bodyPr wrap="square" rtlCol="0">
+                <a:spAutoFit/>
+              </a:bodyPr>
+              <a:lstStyle/>
+              <a:p>
+                <a:pPr/>
+                <a14:m>
+                  <m:oMathPara xmlns:m="http://schemas.openxmlformats.org/officeDocument/2006/math">
+                    <m:oMathParaPr>
+                      <m:jc m:val="centerGroup"/>
+                    </m:oMathParaPr>
+                    <m:oMath xmlns:m="http://schemas.openxmlformats.org/officeDocument/2006/math">
+                      <m:sSup>
+                        <m:sSupPr>
+                          <m:ctrlPr>
+                            <a:rPr lang="en-US" altLang="zh-CN" sz="1400" i="1" smtClean="0">
+                              <a:solidFill>
+                                <a:srgbClr val="2CEC67"/>
+                              </a:solidFill>
+                              <a:latin typeface="Cambria Math" panose="02040503050406030204" pitchFamily="18" charset="0"/>
+                            </a:rPr>
+                          </m:ctrlPr>
+                        </m:sSupPr>
+                        <m:e>
+                          <m:r>
+                            <a:rPr lang="en-US" altLang="zh-CN" sz="1400" b="0" i="1" smtClean="0">
+                              <a:solidFill>
+                                <a:srgbClr val="2CEC67"/>
+                              </a:solidFill>
+                              <a:latin typeface="Cambria Math" panose="02040503050406030204" pitchFamily="18" charset="0"/>
+                            </a:rPr>
+                            <m:t>𝑠𝑢𝑓𝑓𝑖𝑥</m:t>
+                          </m:r>
+                        </m:e>
+                        <m:sup>
+                          <m:r>
+                            <a:rPr lang="en-US" altLang="zh-CN" sz="1400" b="0" i="1" smtClean="0">
+                              <a:solidFill>
+                                <a:srgbClr val="2CEC67"/>
+                              </a:solidFill>
+                              <a:latin typeface="Cambria Math" panose="02040503050406030204" pitchFamily="18" charset="0"/>
+                            </a:rPr>
+                            <m:t>′</m:t>
+                          </m:r>
+                        </m:sup>
+                      </m:sSup>
+                    </m:oMath>
+                  </m:oMathPara>
+                </a14:m>
+                <a:endParaRPr lang="zh-CN" altLang="en-US" sz="1400" dirty="0">
+                  <a:solidFill>
+                    <a:srgbClr val="2CEC67"/>
+                  </a:solidFill>
+                </a:endParaRPr>
+              </a:p>
+            </p:txBody>
+          </p:sp>
+        </mc:Choice>
+        <mc:Fallback xmlns="">
+          <p:sp>
+            <p:nvSpPr>
+              <p:cNvPr id="88" name="文本框 87">
+                <a:extLst>
+                  <a:ext uri="{FF2B5EF4-FFF2-40B4-BE49-F238E27FC236}">
+                    <a16:creationId xmlns:a16="http://schemas.microsoft.com/office/drawing/2014/main" id="{73236834-5E56-4567-9BC1-4C91720677A5}"/>
+                  </a:ext>
+                </a:extLst>
+              </p:cNvPr>
+              <p:cNvSpPr txBox="1">
+                <a:spLocks noRot="1" noChangeAspect="1" noMove="1" noResize="1" noEditPoints="1" noAdjustHandles="1" noChangeArrowheads="1" noChangeShapeType="1" noTextEdit="1"/>
+              </p:cNvSpPr>
+              <p:nvPr/>
+            </p:nvSpPr>
+            <p:spPr>
+              <a:xfrm>
+                <a:off x="7092656" y="2262999"/>
+                <a:ext cx="678536" cy="307777"/>
+              </a:xfrm>
+              <a:prstGeom prst="rect">
+                <a:avLst/>
+              </a:prstGeom>
+              <a:blipFill>
+                <a:blip r:embed="rId10"/>
+                <a:stretch>
+                  <a:fillRect r="-3571" b="-5882"/>
+                </a:stretch>
+              </a:blipFill>
+            </p:spPr>
+            <p:txBody>
+              <a:bodyPr/>
+              <a:lstStyle/>
+              <a:p>
+                <a:r>
+                  <a:rPr lang="zh-CN" altLang="en-US">
+                    <a:noFill/>
+                  </a:rPr>
+                  <a:t> </a:t>
+                </a:r>
+              </a:p>
+            </p:txBody>
+          </p:sp>
+        </mc:Fallback>
+      </mc:AlternateContent>
+      <mc:AlternateContent xmlns:mc="http://schemas.openxmlformats.org/markup-compatibility/2006" xmlns:a14="http://schemas.microsoft.com/office/drawing/2010/main">
+        <mc:Choice Requires="a14">
+          <p:sp>
+            <p:nvSpPr>
+              <p:cNvPr id="89" name="文本框 88">
+                <a:extLst>
+                  <a:ext uri="{FF2B5EF4-FFF2-40B4-BE49-F238E27FC236}">
+                    <a16:creationId xmlns:a16="http://schemas.microsoft.com/office/drawing/2014/main" id="{32E0BDA8-1742-41F8-8F41-2AC5F7D61CBB}"/>
+                  </a:ext>
+                </a:extLst>
+              </p:cNvPr>
+              <p:cNvSpPr txBox="1"/>
+              <p:nvPr/>
+            </p:nvSpPr>
+            <p:spPr>
+              <a:xfrm>
+                <a:off x="5593986" y="2317926"/>
+                <a:ext cx="678536" cy="307777"/>
+              </a:xfrm>
+              <a:prstGeom prst="rect">
+                <a:avLst/>
+              </a:prstGeom>
+              <a:noFill/>
+            </p:spPr>
+            <p:txBody>
+              <a:bodyPr wrap="square" rtlCol="0">
+                <a:spAutoFit/>
+              </a:bodyPr>
+              <a:lstStyle/>
+              <a:p>
+                <a:pPr/>
+                <a14:m>
+                  <m:oMathPara xmlns:m="http://schemas.openxmlformats.org/officeDocument/2006/math">
+                    <m:oMathParaPr>
+                      <m:jc m:val="centerGroup"/>
+                    </m:oMathParaPr>
+                    <m:oMath xmlns:m="http://schemas.openxmlformats.org/officeDocument/2006/math">
+                      <m:sSup>
+                        <m:sSupPr>
+                          <m:ctrlPr>
+                            <a:rPr lang="en-US" altLang="zh-CN" sz="1400" i="1" smtClean="0">
+                              <a:solidFill>
+                                <a:srgbClr val="2CEC67"/>
+                              </a:solidFill>
+                              <a:latin typeface="Cambria Math" panose="02040503050406030204" pitchFamily="18" charset="0"/>
+                            </a:rPr>
+                          </m:ctrlPr>
+                        </m:sSupPr>
+                        <m:e>
+                          <m:r>
+                            <a:rPr lang="en-US" altLang="zh-CN" sz="1400" b="0" i="1" smtClean="0">
+                              <a:solidFill>
+                                <a:srgbClr val="2CEC67"/>
+                              </a:solidFill>
+                              <a:latin typeface="Cambria Math" panose="02040503050406030204" pitchFamily="18" charset="0"/>
+                            </a:rPr>
+                            <m:t>𝑝𝑟𝑒𝑓𝑓𝑖𝑥</m:t>
+                          </m:r>
+                        </m:e>
+                        <m:sup>
+                          <m:r>
+                            <a:rPr lang="en-US" altLang="zh-CN" sz="1400" b="0" i="1" smtClean="0">
+                              <a:solidFill>
+                                <a:srgbClr val="2CEC67"/>
+                              </a:solidFill>
+                              <a:latin typeface="Cambria Math" panose="02040503050406030204" pitchFamily="18" charset="0"/>
+                            </a:rPr>
+                            <m:t>′ </m:t>
+                          </m:r>
+                        </m:sup>
+                      </m:sSup>
+                      <m:r>
+                        <a:rPr lang="en-US" altLang="zh-CN" sz="1400" b="0" i="1" smtClean="0">
+                          <a:solidFill>
+                            <a:srgbClr val="2CEC67"/>
+                          </a:solidFill>
+                          <a:latin typeface="Cambria Math" panose="02040503050406030204" pitchFamily="18" charset="0"/>
+                        </a:rPr>
+                        <m:t>???</m:t>
+                      </m:r>
+                    </m:oMath>
+                  </m:oMathPara>
+                </a14:m>
+                <a:endParaRPr lang="zh-CN" altLang="en-US" sz="1400" dirty="0">
+                  <a:solidFill>
+                    <a:srgbClr val="2CEC67"/>
+                  </a:solidFill>
+                </a:endParaRPr>
+              </a:p>
+            </p:txBody>
+          </p:sp>
+        </mc:Choice>
+        <mc:Fallback xmlns="">
+          <p:sp>
+            <p:nvSpPr>
+              <p:cNvPr id="89" name="文本框 88">
+                <a:extLst>
+                  <a:ext uri="{FF2B5EF4-FFF2-40B4-BE49-F238E27FC236}">
+                    <a16:creationId xmlns:a16="http://schemas.microsoft.com/office/drawing/2014/main" id="{32E0BDA8-1742-41F8-8F41-2AC5F7D61CBB}"/>
+                  </a:ext>
+                </a:extLst>
+              </p:cNvPr>
+              <p:cNvSpPr txBox="1">
+                <a:spLocks noRot="1" noChangeAspect="1" noMove="1" noResize="1" noEditPoints="1" noAdjustHandles="1" noChangeArrowheads="1" noChangeShapeType="1" noTextEdit="1"/>
+              </p:cNvSpPr>
+              <p:nvPr/>
+            </p:nvSpPr>
+            <p:spPr>
+              <a:xfrm>
+                <a:off x="5593986" y="2317926"/>
+                <a:ext cx="678536" cy="307777"/>
+              </a:xfrm>
+              <a:prstGeom prst="rect">
+                <a:avLst/>
+              </a:prstGeom>
+              <a:blipFill>
+                <a:blip r:embed="rId11"/>
+                <a:stretch>
+                  <a:fillRect r="-69369" b="-5882"/>
+                </a:stretch>
+              </a:blipFill>
+            </p:spPr>
+            <p:txBody>
+              <a:bodyPr/>
+              <a:lstStyle/>
+              <a:p>
+                <a:r>
+                  <a:rPr lang="zh-CN" altLang="en-US">
+                    <a:noFill/>
+                  </a:rPr>
+                  <a:t> </a:t>
+                </a:r>
+              </a:p>
+            </p:txBody>
+          </p:sp>
+        </mc:Fallback>
+      </mc:AlternateContent>
+      <p:sp>
+        <p:nvSpPr>
+          <p:cNvPr id="91" name="矩形 90">
+            <a:extLst>
+              <a:ext uri="{FF2B5EF4-FFF2-40B4-BE49-F238E27FC236}">
+                <a16:creationId xmlns:a16="http://schemas.microsoft.com/office/drawing/2014/main" id="{D4417236-5B93-4E21-8C36-F68A0ED6FB48}"/>
+              </a:ext>
+            </a:extLst>
+          </p:cNvPr>
+          <p:cNvSpPr/>
+          <p:nvPr/>
+        </p:nvSpPr>
+        <p:spPr>
+          <a:xfrm>
+            <a:off x="8227026" y="3312649"/>
+            <a:ext cx="1595360" cy="232702"/>
+          </a:xfrm>
+          <a:prstGeom prst="rect">
+            <a:avLst/>
+          </a:prstGeom>
+          <a:solidFill>
+            <a:srgbClr val="FFC000"/>
+          </a:solidFill>
+        </p:spPr>
+        <p:style>
+          <a:lnRef idx="2">
+            <a:schemeClr val="accent1">
+              <a:shade val="50000"/>
+            </a:schemeClr>
+          </a:lnRef>
+          <a:fillRef idx="1">
+            <a:schemeClr val="accent1"/>
+          </a:fillRef>
+          <a:effectRef idx="0">
+            <a:schemeClr val="accent1"/>
+          </a:effectRef>
+          <a:fontRef idx="minor">
+            <a:schemeClr val="lt1"/>
+          </a:fontRef>
+        </p:style>
+        <p:txBody>
+          <a:bodyPr rtlCol="0" anchor="ctr"/>
+          <a:lstStyle/>
+          <a:p>
+            <a:pPr algn="ctr"/>
+            <a:r>
+              <a:rPr lang="en-US" altLang="zh-CN" sz="1600" dirty="0">
+                <a:solidFill>
+                  <a:schemeClr val="bg2"/>
+                </a:solidFill>
+              </a:rPr>
+              <a:t>Pattern</a:t>
+            </a:r>
+            <a:endParaRPr lang="zh-CN" altLang="en-US" sz="1600" dirty="0">
+              <a:solidFill>
+                <a:schemeClr val="bg2"/>
+              </a:solidFill>
+            </a:endParaRPr>
+          </a:p>
+        </p:txBody>
+      </p:sp>
+      <p:sp>
+        <p:nvSpPr>
+          <p:cNvPr id="92" name="矩形 91">
+            <a:extLst>
+              <a:ext uri="{FF2B5EF4-FFF2-40B4-BE49-F238E27FC236}">
+                <a16:creationId xmlns:a16="http://schemas.microsoft.com/office/drawing/2014/main" id="{9CC8EBA9-C32D-4D58-ABF0-8552D9E0B465}"/>
+              </a:ext>
+            </a:extLst>
+          </p:cNvPr>
+          <p:cNvSpPr/>
+          <p:nvPr/>
+        </p:nvSpPr>
+        <p:spPr>
+          <a:xfrm>
+            <a:off x="6906398" y="3311788"/>
+            <a:ext cx="414711" cy="232702"/>
+          </a:xfrm>
+          <a:prstGeom prst="rect">
+            <a:avLst/>
+          </a:prstGeom>
+          <a:solidFill>
+            <a:schemeClr val="accent2">
+              <a:lumMod val="60000"/>
+              <a:lumOff val="40000"/>
+            </a:schemeClr>
+          </a:solidFill>
+        </p:spPr>
+        <p:style>
+          <a:lnRef idx="2">
+            <a:schemeClr val="accent1">
+              <a:shade val="50000"/>
+            </a:schemeClr>
+          </a:lnRef>
+          <a:fillRef idx="1">
+            <a:schemeClr val="accent1"/>
+          </a:fillRef>
+          <a:effectRef idx="0">
+            <a:schemeClr val="accent1"/>
+          </a:effectRef>
+          <a:fontRef idx="minor">
+            <a:schemeClr val="lt1"/>
+          </a:fontRef>
+        </p:style>
+        <p:txBody>
+          <a:bodyPr rtlCol="0" anchor="ctr"/>
+          <a:lstStyle/>
+          <a:p>
+            <a:pPr algn="ctr"/>
+            <a:endParaRPr lang="zh-CN" altLang="en-US"/>
+          </a:p>
+        </p:txBody>
+      </p:sp>
+      <p:sp>
+        <p:nvSpPr>
+          <p:cNvPr id="94" name="矩形 93">
+            <a:extLst>
+              <a:ext uri="{FF2B5EF4-FFF2-40B4-BE49-F238E27FC236}">
+                <a16:creationId xmlns:a16="http://schemas.microsoft.com/office/drawing/2014/main" id="{773362B2-7190-4E74-9A06-38A9B54A3C6E}"/>
+              </a:ext>
+            </a:extLst>
+          </p:cNvPr>
+          <p:cNvSpPr/>
+          <p:nvPr/>
+        </p:nvSpPr>
+        <p:spPr>
+          <a:xfrm>
+            <a:off x="7330612" y="3311788"/>
+            <a:ext cx="880637" cy="232702"/>
+          </a:xfrm>
+          <a:prstGeom prst="rect">
+            <a:avLst/>
+          </a:prstGeom>
+          <a:solidFill>
+            <a:srgbClr val="FFFF00"/>
+          </a:solidFill>
+        </p:spPr>
+        <p:style>
+          <a:lnRef idx="2">
+            <a:schemeClr val="accent1">
+              <a:shade val="50000"/>
+            </a:schemeClr>
+          </a:lnRef>
+          <a:fillRef idx="1">
+            <a:schemeClr val="accent1"/>
+          </a:fillRef>
+          <a:effectRef idx="0">
+            <a:schemeClr val="accent1"/>
+          </a:effectRef>
+          <a:fontRef idx="minor">
+            <a:schemeClr val="lt1"/>
+          </a:fontRef>
+        </p:style>
+        <p:txBody>
+          <a:bodyPr rtlCol="0" anchor="ctr"/>
+          <a:lstStyle/>
+          <a:p>
+            <a:pPr algn="ctr"/>
+            <a:endParaRPr lang="zh-CN" altLang="en-US"/>
+          </a:p>
+        </p:txBody>
+      </p:sp>
+      <p:sp>
+        <p:nvSpPr>
+          <p:cNvPr id="95" name="矩形 94">
+            <a:extLst>
+              <a:ext uri="{FF2B5EF4-FFF2-40B4-BE49-F238E27FC236}">
+                <a16:creationId xmlns:a16="http://schemas.microsoft.com/office/drawing/2014/main" id="{6F2F4C85-8879-48B9-BB78-BFE89BF63630}"/>
+              </a:ext>
+            </a:extLst>
+          </p:cNvPr>
+          <p:cNvSpPr/>
+          <p:nvPr/>
+        </p:nvSpPr>
+        <p:spPr>
+          <a:xfrm>
+            <a:off x="6023413" y="3311788"/>
+            <a:ext cx="878954" cy="232702"/>
+          </a:xfrm>
+          <a:prstGeom prst="rect">
+            <a:avLst/>
+          </a:prstGeom>
+          <a:solidFill>
+            <a:srgbClr val="FFFF00"/>
+          </a:solidFill>
+        </p:spPr>
+        <p:style>
+          <a:lnRef idx="2">
+            <a:schemeClr val="accent1">
+              <a:shade val="50000"/>
+            </a:schemeClr>
+          </a:lnRef>
+          <a:fillRef idx="1">
+            <a:schemeClr val="accent1"/>
+          </a:fillRef>
+          <a:effectRef idx="0">
+            <a:schemeClr val="accent1"/>
+          </a:effectRef>
+          <a:fontRef idx="minor">
+            <a:schemeClr val="lt1"/>
+          </a:fontRef>
+        </p:style>
+        <p:txBody>
+          <a:bodyPr rtlCol="0" anchor="ctr"/>
+          <a:lstStyle/>
+          <a:p>
+            <a:pPr algn="ctr"/>
+            <a:endParaRPr lang="zh-CN" altLang="en-US"/>
+          </a:p>
+        </p:txBody>
+      </p:sp>
+      <p:cxnSp>
+        <p:nvCxnSpPr>
+          <p:cNvPr id="97" name="直接连接符 96">
+            <a:extLst>
+              <a:ext uri="{FF2B5EF4-FFF2-40B4-BE49-F238E27FC236}">
+                <a16:creationId xmlns:a16="http://schemas.microsoft.com/office/drawing/2014/main" id="{7AB72781-2527-4638-8A8A-3A48B4DF88B9}"/>
+              </a:ext>
+            </a:extLst>
+          </p:cNvPr>
+          <p:cNvCxnSpPr>
+            <a:cxnSpLocks/>
+          </p:cNvCxnSpPr>
+          <p:nvPr/>
+        </p:nvCxnSpPr>
+        <p:spPr>
+          <a:xfrm>
+            <a:off x="6024287" y="2965807"/>
+            <a:ext cx="0" cy="849461"/>
+          </a:xfrm>
+          <a:prstGeom prst="line">
+            <a:avLst/>
+          </a:prstGeom>
+          <a:ln>
+            <a:solidFill>
+              <a:srgbClr val="FFFF00"/>
+            </a:solidFill>
+            <a:prstDash val="dash"/>
+          </a:ln>
+        </p:spPr>
+        <p:style>
+          <a:lnRef idx="1">
+            <a:schemeClr val="accent1"/>
+          </a:lnRef>
+          <a:fillRef idx="0">
+            <a:schemeClr val="accent1"/>
+          </a:fillRef>
+          <a:effectRef idx="0">
+            <a:schemeClr val="accent1"/>
+          </a:effectRef>
+          <a:fontRef idx="minor">
+            <a:schemeClr val="tx1"/>
+          </a:fontRef>
+        </p:style>
+      </p:cxnSp>
+      <p:sp>
+        <p:nvSpPr>
+          <p:cNvPr id="98" name="文本框 97">
+            <a:extLst>
+              <a:ext uri="{FF2B5EF4-FFF2-40B4-BE49-F238E27FC236}">
+                <a16:creationId xmlns:a16="http://schemas.microsoft.com/office/drawing/2014/main" id="{EDADA2CD-6E84-4D6B-B176-32336A4AC3D5}"/>
+              </a:ext>
+            </a:extLst>
+          </p:cNvPr>
+          <p:cNvSpPr txBox="1"/>
+          <p:nvPr/>
+        </p:nvSpPr>
+        <p:spPr>
+          <a:xfrm>
+            <a:off x="6077040" y="3066787"/>
+            <a:ext cx="660639" cy="307777"/>
+          </a:xfrm>
+          <a:prstGeom prst="rect">
+            <a:avLst/>
+          </a:prstGeom>
+          <a:noFill/>
+        </p:spPr>
+        <p:txBody>
+          <a:bodyPr wrap="square" rtlCol="0">
+            <a:spAutoFit/>
+          </a:bodyPr>
+          <a:lstStyle/>
+          <a:p>
+            <a:r>
+              <a:rPr lang="en-US" altLang="zh-CN" sz="1400" dirty="0">
+                <a:solidFill>
+                  <a:srgbClr val="FFFF00"/>
+                </a:solidFill>
+              </a:rPr>
+              <a:t>prefix</a:t>
+            </a:r>
+            <a:endParaRPr lang="zh-CN" altLang="en-US" sz="1400" dirty="0">
+              <a:solidFill>
+                <a:srgbClr val="FFFF00"/>
+              </a:solidFill>
+            </a:endParaRPr>
+          </a:p>
+        </p:txBody>
+      </p:sp>
+      <p:cxnSp>
+        <p:nvCxnSpPr>
+          <p:cNvPr id="99" name="直接连接符 98">
+            <a:extLst>
+              <a:ext uri="{FF2B5EF4-FFF2-40B4-BE49-F238E27FC236}">
+                <a16:creationId xmlns:a16="http://schemas.microsoft.com/office/drawing/2014/main" id="{059FF230-A7C3-4BE3-B007-678C9A2A1C03}"/>
+              </a:ext>
+            </a:extLst>
+          </p:cNvPr>
+          <p:cNvCxnSpPr>
+            <a:cxnSpLocks/>
+          </p:cNvCxnSpPr>
+          <p:nvPr/>
+        </p:nvCxnSpPr>
+        <p:spPr>
+          <a:xfrm>
+            <a:off x="6720095" y="2965807"/>
+            <a:ext cx="0" cy="578683"/>
+          </a:xfrm>
+          <a:prstGeom prst="line">
+            <a:avLst/>
+          </a:prstGeom>
+          <a:ln>
+            <a:solidFill>
+              <a:srgbClr val="FFFF00"/>
+            </a:solidFill>
+            <a:prstDash val="dash"/>
+          </a:ln>
+        </p:spPr>
+        <p:style>
+          <a:lnRef idx="1">
+            <a:schemeClr val="accent1"/>
+          </a:lnRef>
+          <a:fillRef idx="0">
+            <a:schemeClr val="accent1"/>
+          </a:fillRef>
+          <a:effectRef idx="0">
+            <a:schemeClr val="accent1"/>
+          </a:effectRef>
+          <a:fontRef idx="minor">
+            <a:schemeClr val="tx1"/>
+          </a:fontRef>
+        </p:style>
+      </p:cxnSp>
+      <p:cxnSp>
+        <p:nvCxnSpPr>
+          <p:cNvPr id="100" name="直接箭头连接符 99">
+            <a:extLst>
+              <a:ext uri="{FF2B5EF4-FFF2-40B4-BE49-F238E27FC236}">
+                <a16:creationId xmlns:a16="http://schemas.microsoft.com/office/drawing/2014/main" id="{299C8CC2-5DAC-4E0F-9CCA-4A4BC3FFCEB6}"/>
+              </a:ext>
+            </a:extLst>
+          </p:cNvPr>
+          <p:cNvCxnSpPr>
+            <a:cxnSpLocks/>
+          </p:cNvCxnSpPr>
+          <p:nvPr/>
+        </p:nvCxnSpPr>
+        <p:spPr>
+          <a:xfrm>
+            <a:off x="6018191" y="3129562"/>
+            <a:ext cx="701904" cy="0"/>
+          </a:xfrm>
+          <a:prstGeom prst="straightConnector1">
+            <a:avLst/>
+          </a:prstGeom>
+          <a:ln w="9525">
+            <a:solidFill>
+              <a:schemeClr val="accent6">
+                <a:lumMod val="60000"/>
+                <a:lumOff val="40000"/>
+              </a:schemeClr>
+            </a:solidFill>
+            <a:prstDash val="dash"/>
+            <a:headEnd type="triangle" w="sm" len="sm"/>
+            <a:tailEnd type="triangle" w="sm" len="sm"/>
+          </a:ln>
+        </p:spPr>
+        <p:style>
+          <a:lnRef idx="1">
+            <a:schemeClr val="accent1"/>
+          </a:lnRef>
+          <a:fillRef idx="0">
+            <a:schemeClr val="accent1"/>
+          </a:fillRef>
+          <a:effectRef idx="0">
+            <a:schemeClr val="accent1"/>
+          </a:effectRef>
+          <a:fontRef idx="minor">
+            <a:schemeClr val="tx1"/>
+          </a:fontRef>
+        </p:style>
+      </p:cxnSp>
+      <p:cxnSp>
+        <p:nvCxnSpPr>
+          <p:cNvPr id="101" name="直接连接符 100">
+            <a:extLst>
+              <a:ext uri="{FF2B5EF4-FFF2-40B4-BE49-F238E27FC236}">
+                <a16:creationId xmlns:a16="http://schemas.microsoft.com/office/drawing/2014/main" id="{C1A210CC-0974-4965-A457-88EF608882B3}"/>
+              </a:ext>
+            </a:extLst>
+          </p:cNvPr>
+          <p:cNvCxnSpPr>
+            <a:cxnSpLocks/>
+          </p:cNvCxnSpPr>
+          <p:nvPr/>
+        </p:nvCxnSpPr>
+        <p:spPr>
+          <a:xfrm>
+            <a:off x="8028370" y="2965807"/>
+            <a:ext cx="0" cy="578683"/>
+          </a:xfrm>
+          <a:prstGeom prst="line">
+            <a:avLst/>
+          </a:prstGeom>
+          <a:ln>
+            <a:solidFill>
+              <a:srgbClr val="FFFF00"/>
+            </a:solidFill>
+            <a:prstDash val="dash"/>
+          </a:ln>
+        </p:spPr>
+        <p:style>
+          <a:lnRef idx="1">
+            <a:schemeClr val="accent1"/>
+          </a:lnRef>
+          <a:fillRef idx="0">
+            <a:schemeClr val="accent1"/>
+          </a:fillRef>
+          <a:effectRef idx="0">
+            <a:schemeClr val="accent1"/>
+          </a:effectRef>
+          <a:fontRef idx="minor">
+            <a:schemeClr val="tx1"/>
+          </a:fontRef>
+        </p:style>
+      </p:cxnSp>
+      <p:cxnSp>
+        <p:nvCxnSpPr>
+          <p:cNvPr id="102" name="直接连接符 101">
+            <a:extLst>
+              <a:ext uri="{FF2B5EF4-FFF2-40B4-BE49-F238E27FC236}">
+                <a16:creationId xmlns:a16="http://schemas.microsoft.com/office/drawing/2014/main" id="{56F1AD6C-219D-4766-A1A7-76EB6083E86B}"/>
+              </a:ext>
+            </a:extLst>
+          </p:cNvPr>
+          <p:cNvCxnSpPr>
+            <a:cxnSpLocks/>
+          </p:cNvCxnSpPr>
+          <p:nvPr/>
+        </p:nvCxnSpPr>
+        <p:spPr>
+          <a:xfrm>
+            <a:off x="7327580" y="2965807"/>
+            <a:ext cx="0" cy="849461"/>
+          </a:xfrm>
+          <a:prstGeom prst="line">
+            <a:avLst/>
+          </a:prstGeom>
+          <a:ln>
+            <a:solidFill>
+              <a:srgbClr val="FFFF00"/>
+            </a:solidFill>
+            <a:prstDash val="dash"/>
+          </a:ln>
+        </p:spPr>
+        <p:style>
+          <a:lnRef idx="1">
+            <a:schemeClr val="accent1"/>
+          </a:lnRef>
+          <a:fillRef idx="0">
+            <a:schemeClr val="accent1"/>
+          </a:fillRef>
+          <a:effectRef idx="0">
+            <a:schemeClr val="accent1"/>
+          </a:effectRef>
+          <a:fontRef idx="minor">
+            <a:schemeClr val="tx1"/>
+          </a:fontRef>
+        </p:style>
+      </p:cxnSp>
+      <p:sp>
+        <p:nvSpPr>
+          <p:cNvPr id="103" name="文本框 102">
+            <a:extLst>
+              <a:ext uri="{FF2B5EF4-FFF2-40B4-BE49-F238E27FC236}">
+                <a16:creationId xmlns:a16="http://schemas.microsoft.com/office/drawing/2014/main" id="{AC20B042-5CE6-43AE-B8A5-FDD9E5BF7D43}"/>
+              </a:ext>
+            </a:extLst>
+          </p:cNvPr>
+          <p:cNvSpPr txBox="1"/>
+          <p:nvPr/>
+        </p:nvSpPr>
+        <p:spPr>
+          <a:xfrm>
+            <a:off x="7381431" y="3063441"/>
+            <a:ext cx="678536" cy="307777"/>
+          </a:xfrm>
+          <a:prstGeom prst="rect">
+            <a:avLst/>
+          </a:prstGeom>
+          <a:noFill/>
+        </p:spPr>
+        <p:txBody>
+          <a:bodyPr wrap="square" rtlCol="0">
+            <a:spAutoFit/>
+          </a:bodyPr>
+          <a:lstStyle/>
+          <a:p>
+            <a:r>
+              <a:rPr lang="en-US" altLang="zh-CN" sz="1400" dirty="0">
+                <a:solidFill>
+                  <a:srgbClr val="FFFF00"/>
+                </a:solidFill>
+              </a:rPr>
+              <a:t>suffix</a:t>
+            </a:r>
+            <a:endParaRPr lang="zh-CN" altLang="en-US" sz="1400" dirty="0">
+              <a:solidFill>
+                <a:srgbClr val="FFFF00"/>
+              </a:solidFill>
+            </a:endParaRPr>
+          </a:p>
+        </p:txBody>
+      </p:sp>
+      <mc:AlternateContent xmlns:mc="http://schemas.openxmlformats.org/markup-compatibility/2006" xmlns:a14="http://schemas.microsoft.com/office/drawing/2010/main">
+        <mc:Choice Requires="a14">
+          <p:sp>
+            <p:nvSpPr>
+              <p:cNvPr id="104" name="文本框 103">
+                <a:extLst>
+                  <a:ext uri="{FF2B5EF4-FFF2-40B4-BE49-F238E27FC236}">
+                    <a16:creationId xmlns:a16="http://schemas.microsoft.com/office/drawing/2014/main" id="{4C35E55C-2405-48FB-9A55-5D80011C9E5D}"/>
+                  </a:ext>
+                </a:extLst>
+              </p:cNvPr>
+              <p:cNvSpPr txBox="1"/>
+              <p:nvPr/>
+            </p:nvSpPr>
+            <p:spPr>
+              <a:xfrm>
+                <a:off x="6207742" y="2821431"/>
+                <a:ext cx="272659" cy="338554"/>
+              </a:xfrm>
+              <a:prstGeom prst="rect">
+                <a:avLst/>
+              </a:prstGeom>
+              <a:noFill/>
+            </p:spPr>
+            <p:txBody>
+              <a:bodyPr wrap="square" rtlCol="0">
+                <a:spAutoFit/>
+              </a:bodyPr>
+              <a:lstStyle/>
+              <a:p>
+                <a:pPr/>
+                <a14:m>
+                  <m:oMathPara xmlns:m="http://schemas.openxmlformats.org/officeDocument/2006/math">
+                    <m:oMathParaPr>
+                      <m:jc m:val="centerGroup"/>
+                    </m:oMathParaPr>
+                    <m:oMath xmlns:m="http://schemas.openxmlformats.org/officeDocument/2006/math">
+                      <m:sSub>
+                        <m:sSubPr>
+                          <m:ctrlPr>
+                            <a:rPr lang="en-US" altLang="zh-CN" sz="1600" b="0" i="1" smtClean="0">
+                              <a:solidFill>
+                                <a:srgbClr val="FFFF00"/>
+                              </a:solidFill>
+                              <a:latin typeface="Cambria Math" panose="02040503050406030204" pitchFamily="18" charset="0"/>
+                            </a:rPr>
+                          </m:ctrlPr>
+                        </m:sSubPr>
+                        <m:e>
+                          <m:r>
+                            <a:rPr lang="en-US" altLang="zh-CN" sz="1600" b="0" i="1" smtClean="0">
+                              <a:solidFill>
+                                <a:srgbClr val="FFFF00"/>
+                              </a:solidFill>
+                              <a:latin typeface="Cambria Math" panose="02040503050406030204" pitchFamily="18" charset="0"/>
+                            </a:rPr>
+                            <m:t>𝑐</m:t>
+                          </m:r>
+                        </m:e>
+                        <m:sub>
+                          <m:r>
+                            <a:rPr lang="en-US" altLang="zh-CN" sz="1600" b="0" i="1" smtClean="0">
+                              <a:solidFill>
+                                <a:srgbClr val="FFFF00"/>
+                              </a:solidFill>
+                              <a:latin typeface="Cambria Math" panose="02040503050406030204" pitchFamily="18" charset="0"/>
+                            </a:rPr>
+                            <m:t>𝑠</m:t>
+                          </m:r>
+                        </m:sub>
+                      </m:sSub>
+                    </m:oMath>
+                  </m:oMathPara>
+                </a14:m>
+                <a:endParaRPr lang="zh-CN" altLang="en-US" sz="1600" dirty="0">
+                  <a:solidFill>
+                    <a:srgbClr val="FFFF00"/>
+                  </a:solidFill>
+                </a:endParaRPr>
+              </a:p>
+            </p:txBody>
+          </p:sp>
+        </mc:Choice>
+        <mc:Fallback xmlns="">
+          <p:sp>
+            <p:nvSpPr>
+              <p:cNvPr id="104" name="文本框 103">
+                <a:extLst>
+                  <a:ext uri="{FF2B5EF4-FFF2-40B4-BE49-F238E27FC236}">
+                    <a16:creationId xmlns:a16="http://schemas.microsoft.com/office/drawing/2014/main" id="{4C35E55C-2405-48FB-9A55-5D80011C9E5D}"/>
+                  </a:ext>
+                </a:extLst>
+              </p:cNvPr>
+              <p:cNvSpPr txBox="1">
+                <a:spLocks noRot="1" noChangeAspect="1" noMove="1" noResize="1" noEditPoints="1" noAdjustHandles="1" noChangeArrowheads="1" noChangeShapeType="1" noTextEdit="1"/>
+              </p:cNvSpPr>
+              <p:nvPr/>
+            </p:nvSpPr>
+            <p:spPr>
+              <a:xfrm>
+                <a:off x="6207742" y="2821431"/>
+                <a:ext cx="272659" cy="338554"/>
+              </a:xfrm>
+              <a:prstGeom prst="rect">
+                <a:avLst/>
+              </a:prstGeom>
+              <a:blipFill>
+                <a:blip r:embed="rId12"/>
+                <a:stretch>
+                  <a:fillRect r="-6667"/>
+                </a:stretch>
+              </a:blipFill>
+            </p:spPr>
+            <p:txBody>
+              <a:bodyPr/>
+              <a:lstStyle/>
+              <a:p>
+                <a:r>
+                  <a:rPr lang="zh-CN" altLang="en-US">
+                    <a:noFill/>
+                  </a:rPr>
+                  <a:t> </a:t>
+                </a:r>
+              </a:p>
+            </p:txBody>
+          </p:sp>
+        </mc:Fallback>
+      </mc:AlternateContent>
+      <mc:AlternateContent xmlns:mc="http://schemas.openxmlformats.org/markup-compatibility/2006" xmlns:a14="http://schemas.microsoft.com/office/drawing/2010/main">
+        <mc:Choice Requires="a14">
+          <p:sp>
+            <p:nvSpPr>
+              <p:cNvPr id="105" name="文本框 104">
+                <a:extLst>
+                  <a:ext uri="{FF2B5EF4-FFF2-40B4-BE49-F238E27FC236}">
+                    <a16:creationId xmlns:a16="http://schemas.microsoft.com/office/drawing/2014/main" id="{BB348E32-993B-47F6-A108-740B498501EE}"/>
+                  </a:ext>
+                </a:extLst>
+              </p:cNvPr>
+              <p:cNvSpPr txBox="1"/>
+              <p:nvPr/>
+            </p:nvSpPr>
+            <p:spPr>
+              <a:xfrm>
+                <a:off x="8059967" y="2528634"/>
+                <a:ext cx="515700" cy="338554"/>
+              </a:xfrm>
+              <a:prstGeom prst="rect">
+                <a:avLst/>
+              </a:prstGeom>
+              <a:noFill/>
+            </p:spPr>
+            <p:txBody>
+              <a:bodyPr wrap="square" rtlCol="0">
+                <a:spAutoFit/>
+              </a:bodyPr>
+              <a:lstStyle/>
+              <a:p>
+                <a:pPr/>
+                <a14:m>
+                  <m:oMathPara xmlns:m="http://schemas.openxmlformats.org/officeDocument/2006/math">
+                    <m:oMathParaPr>
+                      <m:jc m:val="centerGroup"/>
+                    </m:oMathParaPr>
+                    <m:oMath xmlns:m="http://schemas.openxmlformats.org/officeDocument/2006/math">
+                      <m:sSub>
+                        <m:sSubPr>
+                          <m:ctrlPr>
+                            <a:rPr lang="en-US" altLang="zh-CN" sz="1600" i="1" smtClean="0">
+                              <a:solidFill>
+                                <a:srgbClr val="FFFF00"/>
+                              </a:solidFill>
+                              <a:latin typeface="Cambria Math" panose="02040503050406030204" pitchFamily="18" charset="0"/>
+                            </a:rPr>
+                          </m:ctrlPr>
+                        </m:sSubPr>
+                        <m:e>
+                          <m:r>
+                            <a:rPr lang="en-US" altLang="zh-CN" sz="1600" b="0" i="1" smtClean="0">
+                              <a:solidFill>
+                                <a:srgbClr val="FFFF00"/>
+                              </a:solidFill>
+                              <a:latin typeface="Cambria Math" panose="02040503050406030204" pitchFamily="18" charset="0"/>
+                            </a:rPr>
+                            <m:t>𝑝</m:t>
+                          </m:r>
+                        </m:e>
+                        <m:sub>
+                          <m:r>
+                            <a:rPr lang="en-US" altLang="zh-CN" sz="1600" b="0" i="1" smtClean="0">
+                              <a:solidFill>
+                                <a:srgbClr val="FFFF00"/>
+                              </a:solidFill>
+                              <a:latin typeface="Cambria Math" panose="02040503050406030204" pitchFamily="18" charset="0"/>
+                            </a:rPr>
+                            <m:t>𝑠</m:t>
+                          </m:r>
+                        </m:sub>
+                      </m:sSub>
+                    </m:oMath>
+                  </m:oMathPara>
+                </a14:m>
+                <a:endParaRPr lang="zh-CN" altLang="en-US" sz="1600" dirty="0">
+                  <a:solidFill>
+                    <a:srgbClr val="FFFF00"/>
+                  </a:solidFill>
+                </a:endParaRPr>
+              </a:p>
+            </p:txBody>
+          </p:sp>
+        </mc:Choice>
+        <mc:Fallback xmlns="">
+          <p:sp>
+            <p:nvSpPr>
+              <p:cNvPr id="105" name="文本框 104">
+                <a:extLst>
+                  <a:ext uri="{FF2B5EF4-FFF2-40B4-BE49-F238E27FC236}">
+                    <a16:creationId xmlns:a16="http://schemas.microsoft.com/office/drawing/2014/main" id="{BB348E32-993B-47F6-A108-740B498501EE}"/>
+                  </a:ext>
+                </a:extLst>
+              </p:cNvPr>
+              <p:cNvSpPr txBox="1">
+                <a:spLocks noRot="1" noChangeAspect="1" noMove="1" noResize="1" noEditPoints="1" noAdjustHandles="1" noChangeArrowheads="1" noChangeShapeType="1" noTextEdit="1"/>
+              </p:cNvSpPr>
+              <p:nvPr/>
+            </p:nvSpPr>
+            <p:spPr>
+              <a:xfrm>
+                <a:off x="8059967" y="2528634"/>
+                <a:ext cx="515700" cy="338554"/>
+              </a:xfrm>
+              <a:prstGeom prst="rect">
+                <a:avLst/>
+              </a:prstGeom>
+              <a:blipFill>
+                <a:blip r:embed="rId13"/>
+                <a:stretch>
+                  <a:fillRect b="-3636"/>
+                </a:stretch>
+              </a:blipFill>
+            </p:spPr>
+            <p:txBody>
+              <a:bodyPr/>
+              <a:lstStyle/>
+              <a:p>
+                <a:r>
+                  <a:rPr lang="zh-CN" altLang="en-US">
+                    <a:noFill/>
+                  </a:rPr>
+                  <a:t> </a:t>
+                </a:r>
+              </a:p>
+            </p:txBody>
+          </p:sp>
+        </mc:Fallback>
+      </mc:AlternateContent>
+      <p:cxnSp>
+        <p:nvCxnSpPr>
+          <p:cNvPr id="113" name="直接箭头连接符 112">
+            <a:extLst>
+              <a:ext uri="{FF2B5EF4-FFF2-40B4-BE49-F238E27FC236}">
+                <a16:creationId xmlns:a16="http://schemas.microsoft.com/office/drawing/2014/main" id="{0935C32C-7E52-4D42-A6EF-9F1BF910F84B}"/>
+              </a:ext>
+            </a:extLst>
+          </p:cNvPr>
+          <p:cNvCxnSpPr>
+            <a:cxnSpLocks/>
+          </p:cNvCxnSpPr>
+          <p:nvPr/>
+        </p:nvCxnSpPr>
+        <p:spPr>
+          <a:xfrm>
+            <a:off x="8130682" y="2857597"/>
+            <a:ext cx="0" cy="409099"/>
+          </a:xfrm>
+          <a:prstGeom prst="straightConnector1">
+            <a:avLst/>
+          </a:prstGeom>
+          <a:ln w="22225">
+            <a:solidFill>
+              <a:srgbClr val="FFFF00"/>
+            </a:solidFill>
+            <a:headEnd type="none"/>
+            <a:tailEnd type="triangle"/>
+          </a:ln>
+        </p:spPr>
+        <p:style>
+          <a:lnRef idx="1">
+            <a:schemeClr val="accent1"/>
+          </a:lnRef>
+          <a:fillRef idx="0">
+            <a:schemeClr val="accent1"/>
+          </a:fillRef>
+          <a:effectRef idx="0">
+            <a:schemeClr val="accent1"/>
+          </a:effectRef>
+          <a:fontRef idx="minor">
+            <a:schemeClr val="tx1"/>
+          </a:fontRef>
+        </p:style>
+      </p:cxnSp>
+      <mc:AlternateContent xmlns:mc="http://schemas.openxmlformats.org/markup-compatibility/2006" xmlns:a14="http://schemas.microsoft.com/office/drawing/2010/main">
+        <mc:Choice Requires="a14">
+          <p:sp>
+            <p:nvSpPr>
+              <p:cNvPr id="114" name="文本框 113">
+                <a:extLst>
+                  <a:ext uri="{FF2B5EF4-FFF2-40B4-BE49-F238E27FC236}">
+                    <a16:creationId xmlns:a16="http://schemas.microsoft.com/office/drawing/2014/main" id="{4C3BAC7E-F489-49A5-B6B5-2A1F57A6414E}"/>
+                  </a:ext>
+                </a:extLst>
+              </p:cNvPr>
+              <p:cNvSpPr txBox="1"/>
+              <p:nvPr/>
+            </p:nvSpPr>
+            <p:spPr>
+              <a:xfrm>
+                <a:off x="8364652" y="2821431"/>
+                <a:ext cx="515700" cy="338554"/>
+              </a:xfrm>
+              <a:prstGeom prst="rect">
+                <a:avLst/>
+              </a:prstGeom>
+              <a:noFill/>
+            </p:spPr>
+            <p:txBody>
+              <a:bodyPr wrap="square" rtlCol="0">
+                <a:spAutoFit/>
+              </a:bodyPr>
+              <a:lstStyle/>
+              <a:p>
+                <a:pPr/>
+                <a14:m>
+                  <m:oMathPara xmlns:m="http://schemas.openxmlformats.org/officeDocument/2006/math">
+                    <m:oMathParaPr>
+                      <m:jc m:val="centerGroup"/>
+                    </m:oMathParaPr>
+                    <m:oMath xmlns:m="http://schemas.openxmlformats.org/officeDocument/2006/math">
+                      <m:sSub>
+                        <m:sSubPr>
+                          <m:ctrlPr>
+                            <a:rPr lang="en-US" altLang="zh-CN" sz="1600" i="1" smtClean="0">
+                              <a:solidFill>
+                                <a:srgbClr val="2CEC67"/>
+                              </a:solidFill>
+                              <a:latin typeface="Cambria Math" panose="02040503050406030204" pitchFamily="18" charset="0"/>
+                            </a:rPr>
+                          </m:ctrlPr>
+                        </m:sSubPr>
+                        <m:e>
+                          <m:r>
+                            <a:rPr lang="en-US" altLang="zh-CN" sz="1600" b="0" i="1" smtClean="0">
+                              <a:solidFill>
+                                <a:srgbClr val="2CEC67"/>
+                              </a:solidFill>
+                              <a:latin typeface="Cambria Math" panose="02040503050406030204" pitchFamily="18" charset="0"/>
+                            </a:rPr>
+                            <m:t>𝑝</m:t>
+                          </m:r>
+                        </m:e>
+                        <m:sub>
+                          <m:r>
+                            <a:rPr lang="en-US" altLang="zh-CN" sz="1600" b="0" i="1" smtClean="0">
+                              <a:solidFill>
+                                <a:srgbClr val="2CEC67"/>
+                              </a:solidFill>
+                              <a:latin typeface="Cambria Math" panose="02040503050406030204" pitchFamily="18" charset="0"/>
+                            </a:rPr>
+                            <m:t>𝑠</m:t>
+                          </m:r>
+                          <m:r>
+                            <a:rPr lang="en-US" altLang="zh-CN" sz="1600" b="0" i="1" smtClean="0">
+                              <a:solidFill>
+                                <a:srgbClr val="2CEC67"/>
+                              </a:solidFill>
+                              <a:latin typeface="Cambria Math" panose="02040503050406030204" pitchFamily="18" charset="0"/>
+                            </a:rPr>
+                            <m:t>+1</m:t>
+                          </m:r>
+                        </m:sub>
+                      </m:sSub>
+                    </m:oMath>
+                  </m:oMathPara>
+                </a14:m>
+                <a:endParaRPr lang="zh-CN" altLang="en-US" sz="1600" dirty="0">
+                  <a:solidFill>
+                    <a:srgbClr val="FFC000"/>
+                  </a:solidFill>
+                </a:endParaRPr>
+              </a:p>
+            </p:txBody>
+          </p:sp>
+        </mc:Choice>
+        <mc:Fallback xmlns="">
+          <p:sp>
+            <p:nvSpPr>
+              <p:cNvPr id="114" name="文本框 113">
+                <a:extLst>
+                  <a:ext uri="{FF2B5EF4-FFF2-40B4-BE49-F238E27FC236}">
+                    <a16:creationId xmlns:a16="http://schemas.microsoft.com/office/drawing/2014/main" id="{4C3BAC7E-F489-49A5-B6B5-2A1F57A6414E}"/>
+                  </a:ext>
+                </a:extLst>
+              </p:cNvPr>
+              <p:cNvSpPr txBox="1">
+                <a:spLocks noRot="1" noChangeAspect="1" noMove="1" noResize="1" noEditPoints="1" noAdjustHandles="1" noChangeArrowheads="1" noChangeShapeType="1" noTextEdit="1"/>
+              </p:cNvSpPr>
+              <p:nvPr/>
+            </p:nvSpPr>
+            <p:spPr>
+              <a:xfrm>
+                <a:off x="8364652" y="2821431"/>
+                <a:ext cx="515700" cy="338554"/>
+              </a:xfrm>
+              <a:prstGeom prst="rect">
+                <a:avLst/>
+              </a:prstGeom>
+              <a:blipFill>
+                <a:blip r:embed="rId14"/>
+                <a:stretch>
+                  <a:fillRect b="-3636"/>
+                </a:stretch>
+              </a:blipFill>
+            </p:spPr>
+            <p:txBody>
+              <a:bodyPr/>
+              <a:lstStyle/>
+              <a:p>
+                <a:r>
+                  <a:rPr lang="zh-CN" altLang="en-US">
+                    <a:noFill/>
+                  </a:rPr>
+                  <a:t> </a:t>
+                </a:r>
+              </a:p>
+            </p:txBody>
+          </p:sp>
+        </mc:Fallback>
+      </mc:AlternateContent>
+      <p:cxnSp>
+        <p:nvCxnSpPr>
+          <p:cNvPr id="115" name="直接箭头连接符 114">
+            <a:extLst>
+              <a:ext uri="{FF2B5EF4-FFF2-40B4-BE49-F238E27FC236}">
+                <a16:creationId xmlns:a16="http://schemas.microsoft.com/office/drawing/2014/main" id="{476F0262-FF02-4E59-8480-462DB3AF7B2A}"/>
+              </a:ext>
+            </a:extLst>
+          </p:cNvPr>
+          <p:cNvCxnSpPr>
+            <a:cxnSpLocks/>
+          </p:cNvCxnSpPr>
+          <p:nvPr/>
+        </p:nvCxnSpPr>
+        <p:spPr>
+          <a:xfrm>
+            <a:off x="8340783" y="3039546"/>
+            <a:ext cx="0" cy="227149"/>
+          </a:xfrm>
+          <a:prstGeom prst="straightConnector1">
+            <a:avLst/>
+          </a:prstGeom>
+          <a:ln w="22225">
+            <a:solidFill>
+              <a:srgbClr val="2CEC67"/>
+            </a:solidFill>
+            <a:headEnd type="none"/>
+            <a:tailEnd type="triangle"/>
+          </a:ln>
+        </p:spPr>
+        <p:style>
+          <a:lnRef idx="1">
+            <a:schemeClr val="accent1"/>
+          </a:lnRef>
+          <a:fillRef idx="0">
+            <a:schemeClr val="accent1"/>
+          </a:fillRef>
+          <a:effectRef idx="0">
+            <a:schemeClr val="accent1"/>
+          </a:effectRef>
+          <a:fontRef idx="minor">
+            <a:schemeClr val="tx1"/>
+          </a:fontRef>
+        </p:style>
+      </p:cxnSp>
+      <p:cxnSp>
+        <p:nvCxnSpPr>
+          <p:cNvPr id="116" name="直接箭头连接符 115">
+            <a:extLst>
+              <a:ext uri="{FF2B5EF4-FFF2-40B4-BE49-F238E27FC236}">
+                <a16:creationId xmlns:a16="http://schemas.microsoft.com/office/drawing/2014/main" id="{A85C5FD6-4245-44D8-9040-AFCEB3C7BB5B}"/>
+              </a:ext>
+            </a:extLst>
+          </p:cNvPr>
+          <p:cNvCxnSpPr>
+            <a:cxnSpLocks/>
+          </p:cNvCxnSpPr>
+          <p:nvPr/>
+        </p:nvCxnSpPr>
+        <p:spPr>
+          <a:xfrm>
+            <a:off x="7323616" y="3129562"/>
+            <a:ext cx="701904" cy="0"/>
+          </a:xfrm>
+          <a:prstGeom prst="straightConnector1">
+            <a:avLst/>
+          </a:prstGeom>
+          <a:ln w="9525">
+            <a:solidFill>
+              <a:schemeClr val="accent6">
+                <a:lumMod val="60000"/>
+                <a:lumOff val="40000"/>
+              </a:schemeClr>
+            </a:solidFill>
+            <a:prstDash val="dash"/>
+            <a:headEnd type="triangle" w="sm" len="sm"/>
+            <a:tailEnd type="triangle" w="sm" len="sm"/>
+          </a:ln>
+        </p:spPr>
+        <p:style>
+          <a:lnRef idx="1">
+            <a:schemeClr val="accent1"/>
+          </a:lnRef>
+          <a:fillRef idx="0">
+            <a:schemeClr val="accent1"/>
+          </a:fillRef>
+          <a:effectRef idx="0">
+            <a:schemeClr val="accent1"/>
+          </a:effectRef>
+          <a:fontRef idx="minor">
+            <a:schemeClr val="tx1"/>
+          </a:fontRef>
+        </p:style>
+      </p:cxnSp>
+      <mc:AlternateContent xmlns:mc="http://schemas.openxmlformats.org/markup-compatibility/2006" xmlns:a14="http://schemas.microsoft.com/office/drawing/2010/main">
+        <mc:Choice Requires="a14">
+          <p:sp>
+            <p:nvSpPr>
+              <p:cNvPr id="118" name="文本框 117">
+                <a:extLst>
+                  <a:ext uri="{FF2B5EF4-FFF2-40B4-BE49-F238E27FC236}">
+                    <a16:creationId xmlns:a16="http://schemas.microsoft.com/office/drawing/2014/main" id="{0C223311-5F0E-4AB3-96B8-3FA76E8AAC7A}"/>
+                  </a:ext>
+                </a:extLst>
+              </p:cNvPr>
+              <p:cNvSpPr txBox="1"/>
+              <p:nvPr/>
+            </p:nvSpPr>
+            <p:spPr>
+              <a:xfrm>
+                <a:off x="7408906" y="2814566"/>
+                <a:ext cx="272659" cy="338554"/>
+              </a:xfrm>
+              <a:prstGeom prst="rect">
+                <a:avLst/>
+              </a:prstGeom>
+              <a:noFill/>
+            </p:spPr>
+            <p:txBody>
+              <a:bodyPr wrap="square" rtlCol="0">
+                <a:spAutoFit/>
+              </a:bodyPr>
+              <a:lstStyle/>
+              <a:p>
+                <a:pPr/>
+                <a14:m>
+                  <m:oMathPara xmlns:m="http://schemas.openxmlformats.org/officeDocument/2006/math">
+                    <m:oMathParaPr>
+                      <m:jc m:val="centerGroup"/>
+                    </m:oMathParaPr>
+                    <m:oMath xmlns:m="http://schemas.openxmlformats.org/officeDocument/2006/math">
+                      <m:sSub>
+                        <m:sSubPr>
+                          <m:ctrlPr>
+                            <a:rPr lang="en-US" altLang="zh-CN" sz="1600" b="0" i="1" smtClean="0">
+                              <a:solidFill>
+                                <a:srgbClr val="FFFF00"/>
+                              </a:solidFill>
+                              <a:latin typeface="Cambria Math" panose="02040503050406030204" pitchFamily="18" charset="0"/>
+                            </a:rPr>
+                          </m:ctrlPr>
+                        </m:sSubPr>
+                        <m:e>
+                          <m:r>
+                            <a:rPr lang="en-US" altLang="zh-CN" sz="1600" b="0" i="1" smtClean="0">
+                              <a:solidFill>
+                                <a:srgbClr val="FFFF00"/>
+                              </a:solidFill>
+                              <a:latin typeface="Cambria Math" panose="02040503050406030204" pitchFamily="18" charset="0"/>
+                            </a:rPr>
+                            <m:t>𝑐</m:t>
+                          </m:r>
+                        </m:e>
+                        <m:sub>
+                          <m:r>
+                            <a:rPr lang="en-US" altLang="zh-CN" sz="1600" b="0" i="1" smtClean="0">
+                              <a:solidFill>
+                                <a:srgbClr val="FFFF00"/>
+                              </a:solidFill>
+                              <a:latin typeface="Cambria Math" panose="02040503050406030204" pitchFamily="18" charset="0"/>
+                            </a:rPr>
+                            <m:t>𝑠</m:t>
+                          </m:r>
+                        </m:sub>
+                      </m:sSub>
+                    </m:oMath>
+                  </m:oMathPara>
+                </a14:m>
+                <a:endParaRPr lang="zh-CN" altLang="en-US" sz="1600" dirty="0">
+                  <a:solidFill>
+                    <a:srgbClr val="FFFF00"/>
+                  </a:solidFill>
+                </a:endParaRPr>
+              </a:p>
+            </p:txBody>
+          </p:sp>
+        </mc:Choice>
+        <mc:Fallback xmlns="">
+          <p:sp>
+            <p:nvSpPr>
+              <p:cNvPr id="118" name="文本框 117">
+                <a:extLst>
+                  <a:ext uri="{FF2B5EF4-FFF2-40B4-BE49-F238E27FC236}">
+                    <a16:creationId xmlns:a16="http://schemas.microsoft.com/office/drawing/2014/main" id="{0C223311-5F0E-4AB3-96B8-3FA76E8AAC7A}"/>
+                  </a:ext>
+                </a:extLst>
+              </p:cNvPr>
+              <p:cNvSpPr txBox="1">
+                <a:spLocks noRot="1" noChangeAspect="1" noMove="1" noResize="1" noEditPoints="1" noAdjustHandles="1" noChangeArrowheads="1" noChangeShapeType="1" noTextEdit="1"/>
+              </p:cNvSpPr>
+              <p:nvPr/>
+            </p:nvSpPr>
+            <p:spPr>
+              <a:xfrm>
+                <a:off x="7408906" y="2814566"/>
+                <a:ext cx="272659" cy="338554"/>
+              </a:xfrm>
+              <a:prstGeom prst="rect">
+                <a:avLst/>
+              </a:prstGeom>
+              <a:blipFill>
+                <a:blip r:embed="rId15"/>
+                <a:stretch>
+                  <a:fillRect r="-6667"/>
+                </a:stretch>
+              </a:blipFill>
+            </p:spPr>
+            <p:txBody>
+              <a:bodyPr/>
+              <a:lstStyle/>
+              <a:p>
+                <a:r>
+                  <a:rPr lang="zh-CN" altLang="en-US">
+                    <a:noFill/>
+                  </a:rPr>
+                  <a:t> </a:t>
+                </a:r>
+              </a:p>
+            </p:txBody>
+          </p:sp>
+        </mc:Fallback>
+      </mc:AlternateContent>
+      <p:cxnSp>
+        <p:nvCxnSpPr>
+          <p:cNvPr id="124" name="直接连接符 123">
+            <a:extLst>
+              <a:ext uri="{FF2B5EF4-FFF2-40B4-BE49-F238E27FC236}">
+                <a16:creationId xmlns:a16="http://schemas.microsoft.com/office/drawing/2014/main" id="{6230A950-66BA-48DE-894A-9EB5BF7CEE36}"/>
+              </a:ext>
+            </a:extLst>
+          </p:cNvPr>
+          <p:cNvCxnSpPr>
+            <a:cxnSpLocks/>
+          </p:cNvCxnSpPr>
+          <p:nvPr/>
+        </p:nvCxnSpPr>
+        <p:spPr>
+          <a:xfrm>
+            <a:off x="8215280" y="3289883"/>
+            <a:ext cx="0" cy="525385"/>
+          </a:xfrm>
+          <a:prstGeom prst="line">
+            <a:avLst/>
+          </a:prstGeom>
+          <a:ln>
+            <a:solidFill>
+              <a:srgbClr val="00B0F0"/>
+            </a:solidFill>
+            <a:prstDash val="dash"/>
+          </a:ln>
+        </p:spPr>
+        <p:style>
+          <a:lnRef idx="1">
+            <a:schemeClr val="accent1"/>
+          </a:lnRef>
+          <a:fillRef idx="0">
+            <a:schemeClr val="accent1"/>
+          </a:fillRef>
+          <a:effectRef idx="0">
+            <a:schemeClr val="accent1"/>
+          </a:effectRef>
+          <a:fontRef idx="minor">
+            <a:schemeClr val="tx1"/>
+          </a:fontRef>
+        </p:style>
+      </p:cxnSp>
+      <p:cxnSp>
+        <p:nvCxnSpPr>
+          <p:cNvPr id="125" name="直接连接符 124">
+            <a:extLst>
+              <a:ext uri="{FF2B5EF4-FFF2-40B4-BE49-F238E27FC236}">
+                <a16:creationId xmlns:a16="http://schemas.microsoft.com/office/drawing/2014/main" id="{5D90039C-DB26-449C-B585-B70AABFAB906}"/>
+              </a:ext>
+            </a:extLst>
+          </p:cNvPr>
+          <p:cNvCxnSpPr>
+            <a:cxnSpLocks/>
+          </p:cNvCxnSpPr>
+          <p:nvPr/>
+        </p:nvCxnSpPr>
+        <p:spPr>
+          <a:xfrm>
+            <a:off x="8414783" y="3328282"/>
+            <a:ext cx="0" cy="216208"/>
+          </a:xfrm>
+          <a:prstGeom prst="line">
+            <a:avLst/>
+          </a:prstGeom>
+          <a:ln>
+            <a:solidFill>
+              <a:srgbClr val="00B0F0"/>
+            </a:solidFill>
+            <a:prstDash val="dash"/>
+          </a:ln>
+        </p:spPr>
+        <p:style>
+          <a:lnRef idx="1">
+            <a:schemeClr val="accent1"/>
+          </a:lnRef>
+          <a:fillRef idx="0">
+            <a:schemeClr val="accent1"/>
+          </a:fillRef>
+          <a:effectRef idx="0">
+            <a:schemeClr val="accent1"/>
+          </a:effectRef>
+          <a:fontRef idx="minor">
+            <a:schemeClr val="tx1"/>
+          </a:fontRef>
+        </p:style>
+      </p:cxnSp>
+      <p:cxnSp>
+        <p:nvCxnSpPr>
+          <p:cNvPr id="126" name="直接连接符 125">
+            <a:extLst>
+              <a:ext uri="{FF2B5EF4-FFF2-40B4-BE49-F238E27FC236}">
+                <a16:creationId xmlns:a16="http://schemas.microsoft.com/office/drawing/2014/main" id="{C2BE2135-F6C9-44E4-8C00-FADEE125A72F}"/>
+              </a:ext>
+            </a:extLst>
+          </p:cNvPr>
+          <p:cNvCxnSpPr>
+            <a:cxnSpLocks/>
+          </p:cNvCxnSpPr>
+          <p:nvPr/>
+        </p:nvCxnSpPr>
+        <p:spPr>
+          <a:xfrm>
+            <a:off x="6890783" y="3328282"/>
+            <a:ext cx="0" cy="486986"/>
+          </a:xfrm>
+          <a:prstGeom prst="line">
+            <a:avLst/>
+          </a:prstGeom>
+          <a:ln>
+            <a:solidFill>
+              <a:srgbClr val="00B0F0"/>
+            </a:solidFill>
+            <a:prstDash val="dash"/>
+          </a:ln>
+        </p:spPr>
+        <p:style>
+          <a:lnRef idx="1">
+            <a:schemeClr val="accent1"/>
+          </a:lnRef>
+          <a:fillRef idx="0">
+            <a:schemeClr val="accent1"/>
+          </a:fillRef>
+          <a:effectRef idx="0">
+            <a:schemeClr val="accent1"/>
+          </a:effectRef>
+          <a:fontRef idx="minor">
+            <a:schemeClr val="tx1"/>
+          </a:fontRef>
+        </p:style>
+      </p:cxnSp>
+      <p:cxnSp>
+        <p:nvCxnSpPr>
+          <p:cNvPr id="127" name="直接箭头连接符 126">
+            <a:extLst>
+              <a:ext uri="{FF2B5EF4-FFF2-40B4-BE49-F238E27FC236}">
+                <a16:creationId xmlns:a16="http://schemas.microsoft.com/office/drawing/2014/main" id="{DFE7F880-F318-49A5-BD5C-5E4FCCBEBF0F}"/>
+              </a:ext>
+            </a:extLst>
+          </p:cNvPr>
+          <p:cNvCxnSpPr>
+            <a:cxnSpLocks/>
+          </p:cNvCxnSpPr>
+          <p:nvPr/>
+        </p:nvCxnSpPr>
+        <p:spPr>
+          <a:xfrm>
+            <a:off x="6817645" y="2867188"/>
+            <a:ext cx="0" cy="426340"/>
+          </a:xfrm>
+          <a:prstGeom prst="straightConnector1">
+            <a:avLst/>
+          </a:prstGeom>
+          <a:ln w="22225">
+            <a:solidFill>
+              <a:schemeClr val="accent6"/>
+            </a:solidFill>
+            <a:headEnd type="none"/>
+            <a:tailEnd type="triangle"/>
+          </a:ln>
+        </p:spPr>
+        <p:style>
+          <a:lnRef idx="1">
+            <a:schemeClr val="accent1"/>
+          </a:lnRef>
+          <a:fillRef idx="0">
+            <a:schemeClr val="accent1"/>
+          </a:fillRef>
+          <a:effectRef idx="0">
+            <a:schemeClr val="accent1"/>
+          </a:effectRef>
+          <a:fontRef idx="minor">
+            <a:schemeClr val="tx1"/>
+          </a:fontRef>
+        </p:style>
+      </p:cxnSp>
+      <mc:AlternateContent xmlns:mc="http://schemas.openxmlformats.org/markup-compatibility/2006" xmlns:a14="http://schemas.microsoft.com/office/drawing/2010/main">
+        <mc:Choice Requires="a14">
+          <p:sp>
+            <p:nvSpPr>
+              <p:cNvPr id="136" name="文本框 135">
+                <a:extLst>
+                  <a:ext uri="{FF2B5EF4-FFF2-40B4-BE49-F238E27FC236}">
+                    <a16:creationId xmlns:a16="http://schemas.microsoft.com/office/drawing/2014/main" id="{94AE4373-8DB5-428A-AF20-8661CBB51107}"/>
+                  </a:ext>
+                </a:extLst>
+              </p:cNvPr>
+              <p:cNvSpPr txBox="1"/>
+              <p:nvPr/>
+            </p:nvSpPr>
+            <p:spPr>
+              <a:xfrm>
+                <a:off x="6754453" y="2577873"/>
+                <a:ext cx="272659" cy="369460"/>
+              </a:xfrm>
+              <a:prstGeom prst="rect">
+                <a:avLst/>
+              </a:prstGeom>
+              <a:noFill/>
+            </p:spPr>
+            <p:txBody>
+              <a:bodyPr wrap="square" rtlCol="0">
+                <a:spAutoFit/>
+              </a:bodyPr>
+              <a:lstStyle/>
+              <a:p>
+                <a:pPr/>
+                <a14:m>
+                  <m:oMathPara xmlns:m="http://schemas.openxmlformats.org/officeDocument/2006/math">
+                    <m:oMathParaPr>
+                      <m:jc m:val="centerGroup"/>
+                    </m:oMathParaPr>
+                    <m:oMath xmlns:m="http://schemas.openxmlformats.org/officeDocument/2006/math">
+                      <m:sSub>
+                        <m:sSubPr>
+                          <m:ctrlPr>
+                            <a:rPr lang="en-US" altLang="zh-CN" sz="1600" i="1" smtClean="0">
+                              <a:solidFill>
+                                <a:schemeClr val="accent6"/>
+                              </a:solidFill>
+                              <a:latin typeface="Cambria Math" panose="02040503050406030204" pitchFamily="18" charset="0"/>
+                            </a:rPr>
+                          </m:ctrlPr>
+                        </m:sSubPr>
+                        <m:e>
+                          <m:r>
+                            <a:rPr lang="en-US" altLang="zh-CN" sz="1600" b="0" i="1" smtClean="0">
+                              <a:solidFill>
+                                <a:schemeClr val="accent6"/>
+                              </a:solidFill>
+                              <a:latin typeface="Cambria Math" panose="02040503050406030204" pitchFamily="18" charset="0"/>
+                            </a:rPr>
+                            <m:t>𝑝</m:t>
+                          </m:r>
+                        </m:e>
+                        <m:sub>
+                          <m:sSub>
+                            <m:sSubPr>
+                              <m:ctrlPr>
+                                <a:rPr lang="en-US" altLang="zh-CN" sz="1600" i="1" smtClean="0">
+                                  <a:solidFill>
+                                    <a:schemeClr val="accent6"/>
+                                  </a:solidFill>
+                                  <a:latin typeface="Cambria Math" panose="02040503050406030204" pitchFamily="18" charset="0"/>
+                                </a:rPr>
+                              </m:ctrlPr>
+                            </m:sSubPr>
+                            <m:e>
+                              <m:r>
+                                <a:rPr lang="en-US" altLang="zh-CN" sz="1600" b="0" i="1" smtClean="0">
+                                  <a:solidFill>
+                                    <a:schemeClr val="accent6"/>
+                                  </a:solidFill>
+                                  <a:latin typeface="Cambria Math" panose="02040503050406030204" pitchFamily="18" charset="0"/>
+                                </a:rPr>
+                                <m:t>𝑐</m:t>
+                              </m:r>
+                            </m:e>
+                            <m:sub>
+                              <m:r>
+                                <a:rPr lang="en-US" altLang="zh-CN" sz="1600" b="0" i="1" smtClean="0">
+                                  <a:solidFill>
+                                    <a:schemeClr val="accent6"/>
+                                  </a:solidFill>
+                                  <a:latin typeface="Cambria Math" panose="02040503050406030204" pitchFamily="18" charset="0"/>
+                                </a:rPr>
+                                <m:t>𝑠</m:t>
+                              </m:r>
+                            </m:sub>
+                          </m:sSub>
+                          <m:r>
+                            <a:rPr lang="en-US" altLang="zh-CN" sz="1600" b="0" i="1" smtClean="0">
+                              <a:solidFill>
+                                <a:schemeClr val="accent6"/>
+                              </a:solidFill>
+                              <a:latin typeface="Cambria Math" panose="02040503050406030204" pitchFamily="18" charset="0"/>
+                            </a:rPr>
+                            <m:t>+1</m:t>
+                          </m:r>
+                        </m:sub>
+                      </m:sSub>
+                    </m:oMath>
+                  </m:oMathPara>
+                </a14:m>
+                <a:endParaRPr lang="zh-CN" altLang="en-US" sz="1600" dirty="0">
+                  <a:solidFill>
+                    <a:schemeClr val="accent6"/>
+                  </a:solidFill>
+                </a:endParaRPr>
+              </a:p>
+            </p:txBody>
+          </p:sp>
+        </mc:Choice>
+        <mc:Fallback xmlns="">
+          <p:sp>
+            <p:nvSpPr>
+              <p:cNvPr id="136" name="文本框 135">
+                <a:extLst>
+                  <a:ext uri="{FF2B5EF4-FFF2-40B4-BE49-F238E27FC236}">
+                    <a16:creationId xmlns:a16="http://schemas.microsoft.com/office/drawing/2014/main" id="{94AE4373-8DB5-428A-AF20-8661CBB51107}"/>
+                  </a:ext>
+                </a:extLst>
+              </p:cNvPr>
+              <p:cNvSpPr txBox="1">
+                <a:spLocks noRot="1" noChangeAspect="1" noMove="1" noResize="1" noEditPoints="1" noAdjustHandles="1" noChangeArrowheads="1" noChangeShapeType="1" noTextEdit="1"/>
+              </p:cNvSpPr>
+              <p:nvPr/>
+            </p:nvSpPr>
+            <p:spPr>
+              <a:xfrm>
+                <a:off x="6754453" y="2577873"/>
+                <a:ext cx="272659" cy="369460"/>
+              </a:xfrm>
+              <a:prstGeom prst="rect">
+                <a:avLst/>
+              </a:prstGeom>
+              <a:blipFill>
+                <a:blip r:embed="rId16"/>
+                <a:stretch>
+                  <a:fillRect r="-111111"/>
+                </a:stretch>
+              </a:blipFill>
+            </p:spPr>
+            <p:txBody>
+              <a:bodyPr/>
+              <a:lstStyle/>
+              <a:p>
+                <a:r>
+                  <a:rPr lang="zh-CN" altLang="en-US">
+                    <a:noFill/>
+                  </a:rPr>
+                  <a:t> </a:t>
+                </a:r>
+              </a:p>
+            </p:txBody>
+          </p:sp>
+        </mc:Fallback>
+      </mc:AlternateContent>
+      <p:cxnSp>
+        <p:nvCxnSpPr>
+          <p:cNvPr id="137" name="直接箭头连接符 136">
+            <a:extLst>
+              <a:ext uri="{FF2B5EF4-FFF2-40B4-BE49-F238E27FC236}">
+                <a16:creationId xmlns:a16="http://schemas.microsoft.com/office/drawing/2014/main" id="{D56E15DC-D00D-46DD-A0C6-AE5EA76758C6}"/>
+              </a:ext>
+            </a:extLst>
+          </p:cNvPr>
+          <p:cNvCxnSpPr>
+            <a:cxnSpLocks/>
+          </p:cNvCxnSpPr>
+          <p:nvPr/>
+        </p:nvCxnSpPr>
+        <p:spPr>
+          <a:xfrm>
+            <a:off x="7347120" y="3763292"/>
+            <a:ext cx="864130" cy="0"/>
+          </a:xfrm>
+          <a:prstGeom prst="straightConnector1">
+            <a:avLst/>
+          </a:prstGeom>
+          <a:ln w="9525">
+            <a:solidFill>
+              <a:schemeClr val="accent6">
+                <a:lumMod val="60000"/>
+                <a:lumOff val="40000"/>
+              </a:schemeClr>
+            </a:solidFill>
+            <a:prstDash val="dash"/>
+            <a:headEnd type="triangle" w="sm" len="sm"/>
+            <a:tailEnd type="triangle" w="sm" len="sm"/>
+          </a:ln>
+        </p:spPr>
+        <p:style>
+          <a:lnRef idx="1">
+            <a:schemeClr val="accent1"/>
+          </a:lnRef>
+          <a:fillRef idx="0">
+            <a:schemeClr val="accent1"/>
+          </a:fillRef>
+          <a:effectRef idx="0">
+            <a:schemeClr val="accent1"/>
+          </a:effectRef>
+          <a:fontRef idx="minor">
+            <a:schemeClr val="tx1"/>
+          </a:fontRef>
+        </p:style>
+      </p:cxnSp>
+      <p:cxnSp>
+        <p:nvCxnSpPr>
+          <p:cNvPr id="138" name="直接箭头连接符 137">
+            <a:extLst>
+              <a:ext uri="{FF2B5EF4-FFF2-40B4-BE49-F238E27FC236}">
+                <a16:creationId xmlns:a16="http://schemas.microsoft.com/office/drawing/2014/main" id="{49A2A1B4-3A69-40C6-97EE-902DBD1C360B}"/>
+              </a:ext>
+            </a:extLst>
+          </p:cNvPr>
+          <p:cNvCxnSpPr>
+            <a:cxnSpLocks/>
+          </p:cNvCxnSpPr>
+          <p:nvPr/>
+        </p:nvCxnSpPr>
+        <p:spPr>
+          <a:xfrm>
+            <a:off x="6033122" y="3763292"/>
+            <a:ext cx="864130" cy="0"/>
+          </a:xfrm>
+          <a:prstGeom prst="straightConnector1">
+            <a:avLst/>
+          </a:prstGeom>
+          <a:ln w="9525">
+            <a:solidFill>
+              <a:schemeClr val="accent6">
+                <a:lumMod val="60000"/>
+                <a:lumOff val="40000"/>
+              </a:schemeClr>
+            </a:solidFill>
+            <a:prstDash val="dash"/>
+            <a:headEnd type="triangle" w="sm" len="sm"/>
+            <a:tailEnd type="triangle" w="sm" len="sm"/>
+          </a:ln>
+        </p:spPr>
+        <p:style>
+          <a:lnRef idx="1">
+            <a:schemeClr val="accent1"/>
+          </a:lnRef>
+          <a:fillRef idx="0">
+            <a:schemeClr val="accent1"/>
+          </a:fillRef>
+          <a:effectRef idx="0">
+            <a:schemeClr val="accent1"/>
+          </a:effectRef>
+          <a:fontRef idx="minor">
+            <a:schemeClr val="tx1"/>
+          </a:fontRef>
+        </p:style>
+      </p:cxnSp>
+      <mc:AlternateContent xmlns:mc="http://schemas.openxmlformats.org/markup-compatibility/2006" xmlns:a14="http://schemas.microsoft.com/office/drawing/2010/main">
+        <mc:Choice Requires="a14">
+          <p:sp>
+            <p:nvSpPr>
+              <p:cNvPr id="144" name="文本框 143">
+                <a:extLst>
+                  <a:ext uri="{FF2B5EF4-FFF2-40B4-BE49-F238E27FC236}">
+                    <a16:creationId xmlns:a16="http://schemas.microsoft.com/office/drawing/2014/main" id="{A8CEE919-F2FB-4E3D-9005-FC9741A9EA9A}"/>
+                  </a:ext>
+                </a:extLst>
+              </p:cNvPr>
+              <p:cNvSpPr txBox="1"/>
+              <p:nvPr/>
+            </p:nvSpPr>
+            <p:spPr>
+              <a:xfrm>
+                <a:off x="6164129" y="3466181"/>
+                <a:ext cx="272659" cy="338554"/>
+              </a:xfrm>
+              <a:prstGeom prst="rect">
+                <a:avLst/>
+              </a:prstGeom>
+              <a:noFill/>
+            </p:spPr>
+            <p:txBody>
+              <a:bodyPr wrap="square" rtlCol="0">
+                <a:spAutoFit/>
+              </a:bodyPr>
+              <a:lstStyle/>
+              <a:p>
+                <a:pPr/>
+                <a14:m>
+                  <m:oMathPara xmlns:m="http://schemas.openxmlformats.org/officeDocument/2006/math">
+                    <m:oMathParaPr>
+                      <m:jc m:val="centerGroup"/>
+                    </m:oMathParaPr>
+                    <m:oMath xmlns:m="http://schemas.openxmlformats.org/officeDocument/2006/math">
+                      <m:sSub>
+                        <m:sSubPr>
+                          <m:ctrlPr>
+                            <a:rPr lang="en-US" altLang="zh-CN" sz="1600" b="0" i="1" smtClean="0">
+                              <a:solidFill>
+                                <a:srgbClr val="2CEC67"/>
+                              </a:solidFill>
+                              <a:latin typeface="Cambria Math" panose="02040503050406030204" pitchFamily="18" charset="0"/>
+                            </a:rPr>
+                          </m:ctrlPr>
+                        </m:sSubPr>
+                        <m:e>
+                          <m:r>
+                            <a:rPr lang="en-US" altLang="zh-CN" sz="1600" b="0" i="1" smtClean="0">
+                              <a:solidFill>
+                                <a:srgbClr val="2CEC67"/>
+                              </a:solidFill>
+                              <a:latin typeface="Cambria Math" panose="02040503050406030204" pitchFamily="18" charset="0"/>
+                            </a:rPr>
+                            <m:t>𝑐</m:t>
+                          </m:r>
+                        </m:e>
+                        <m:sub>
+                          <m:r>
+                            <a:rPr lang="en-US" altLang="zh-CN" sz="1600" b="0" i="1" smtClean="0">
+                              <a:solidFill>
+                                <a:srgbClr val="2CEC67"/>
+                              </a:solidFill>
+                              <a:latin typeface="Cambria Math" panose="02040503050406030204" pitchFamily="18" charset="0"/>
+                            </a:rPr>
+                            <m:t>𝑠</m:t>
+                          </m:r>
+                          <m:r>
+                            <a:rPr lang="en-US" altLang="zh-CN" sz="1600" b="0" i="1" smtClean="0">
+                              <a:solidFill>
+                                <a:srgbClr val="2CEC67"/>
+                              </a:solidFill>
+                              <a:latin typeface="Cambria Math" panose="02040503050406030204" pitchFamily="18" charset="0"/>
+                            </a:rPr>
+                            <m:t>+1</m:t>
+                          </m:r>
+                        </m:sub>
+                      </m:sSub>
+                    </m:oMath>
+                  </m:oMathPara>
+                </a14:m>
+                <a:endParaRPr lang="zh-CN" altLang="en-US" sz="1600" dirty="0">
+                  <a:solidFill>
+                    <a:srgbClr val="2CEC67"/>
+                  </a:solidFill>
+                </a:endParaRPr>
+              </a:p>
+            </p:txBody>
+          </p:sp>
+        </mc:Choice>
+        <mc:Fallback xmlns="">
+          <p:sp>
+            <p:nvSpPr>
+              <p:cNvPr id="144" name="文本框 143">
+                <a:extLst>
+                  <a:ext uri="{FF2B5EF4-FFF2-40B4-BE49-F238E27FC236}">
+                    <a16:creationId xmlns:a16="http://schemas.microsoft.com/office/drawing/2014/main" id="{A8CEE919-F2FB-4E3D-9005-FC9741A9EA9A}"/>
+                  </a:ext>
+                </a:extLst>
+              </p:cNvPr>
+              <p:cNvSpPr txBox="1">
+                <a:spLocks noRot="1" noChangeAspect="1" noMove="1" noResize="1" noEditPoints="1" noAdjustHandles="1" noChangeArrowheads="1" noChangeShapeType="1" noTextEdit="1"/>
+              </p:cNvSpPr>
+              <p:nvPr/>
+            </p:nvSpPr>
+            <p:spPr>
+              <a:xfrm>
+                <a:off x="6164129" y="3466181"/>
+                <a:ext cx="272659" cy="338554"/>
+              </a:xfrm>
+              <a:prstGeom prst="rect">
+                <a:avLst/>
+              </a:prstGeom>
+              <a:blipFill>
+                <a:blip r:embed="rId17"/>
+                <a:stretch>
+                  <a:fillRect r="-80000"/>
+                </a:stretch>
+              </a:blipFill>
+            </p:spPr>
+            <p:txBody>
+              <a:bodyPr/>
+              <a:lstStyle/>
+              <a:p>
+                <a:r>
+                  <a:rPr lang="zh-CN" altLang="en-US">
+                    <a:noFill/>
+                  </a:rPr>
+                  <a:t> </a:t>
+                </a:r>
+              </a:p>
+            </p:txBody>
+          </p:sp>
+        </mc:Fallback>
+      </mc:AlternateContent>
+      <mc:AlternateContent xmlns:mc="http://schemas.openxmlformats.org/markup-compatibility/2006" xmlns:a14="http://schemas.microsoft.com/office/drawing/2010/main">
+        <mc:Choice Requires="a14">
+          <p:sp>
+            <p:nvSpPr>
+              <p:cNvPr id="145" name="文本框 144">
+                <a:extLst>
+                  <a:ext uri="{FF2B5EF4-FFF2-40B4-BE49-F238E27FC236}">
+                    <a16:creationId xmlns:a16="http://schemas.microsoft.com/office/drawing/2014/main" id="{7DDE2EB5-BB3B-4A5A-B013-2772E39C3A5D}"/>
+                  </a:ext>
+                </a:extLst>
+              </p:cNvPr>
+              <p:cNvSpPr txBox="1"/>
+              <p:nvPr/>
+            </p:nvSpPr>
+            <p:spPr>
+              <a:xfrm>
+                <a:off x="7525503" y="3445132"/>
+                <a:ext cx="272659" cy="338554"/>
+              </a:xfrm>
+              <a:prstGeom prst="rect">
+                <a:avLst/>
+              </a:prstGeom>
+              <a:noFill/>
+            </p:spPr>
+            <p:txBody>
+              <a:bodyPr wrap="square" rtlCol="0">
+                <a:spAutoFit/>
+              </a:bodyPr>
+              <a:lstStyle/>
+              <a:p>
+                <a:pPr/>
+                <a14:m>
+                  <m:oMathPara xmlns:m="http://schemas.openxmlformats.org/officeDocument/2006/math">
+                    <m:oMathParaPr>
+                      <m:jc m:val="centerGroup"/>
+                    </m:oMathParaPr>
+                    <m:oMath xmlns:m="http://schemas.openxmlformats.org/officeDocument/2006/math">
+                      <m:sSub>
+                        <m:sSubPr>
+                          <m:ctrlPr>
+                            <a:rPr lang="en-US" altLang="zh-CN" sz="1600" b="0" i="1" smtClean="0">
+                              <a:solidFill>
+                                <a:srgbClr val="2CEC67"/>
+                              </a:solidFill>
+                              <a:latin typeface="Cambria Math" panose="02040503050406030204" pitchFamily="18" charset="0"/>
+                            </a:rPr>
+                          </m:ctrlPr>
+                        </m:sSubPr>
+                        <m:e>
+                          <m:r>
+                            <a:rPr lang="en-US" altLang="zh-CN" sz="1600" b="0" i="1" smtClean="0">
+                              <a:solidFill>
+                                <a:srgbClr val="2CEC67"/>
+                              </a:solidFill>
+                              <a:latin typeface="Cambria Math" panose="02040503050406030204" pitchFamily="18" charset="0"/>
+                            </a:rPr>
+                            <m:t>𝑐</m:t>
+                          </m:r>
+                        </m:e>
+                        <m:sub>
+                          <m:r>
+                            <a:rPr lang="en-US" altLang="zh-CN" sz="1600" b="0" i="1" smtClean="0">
+                              <a:solidFill>
+                                <a:srgbClr val="2CEC67"/>
+                              </a:solidFill>
+                              <a:latin typeface="Cambria Math" panose="02040503050406030204" pitchFamily="18" charset="0"/>
+                            </a:rPr>
+                            <m:t>𝑠</m:t>
+                          </m:r>
+                          <m:r>
+                            <a:rPr lang="en-US" altLang="zh-CN" sz="1600" b="0" i="1" smtClean="0">
+                              <a:solidFill>
+                                <a:srgbClr val="2CEC67"/>
+                              </a:solidFill>
+                              <a:latin typeface="Cambria Math" panose="02040503050406030204" pitchFamily="18" charset="0"/>
+                            </a:rPr>
+                            <m:t>+1</m:t>
+                          </m:r>
+                        </m:sub>
+                      </m:sSub>
+                    </m:oMath>
+                  </m:oMathPara>
+                </a14:m>
+                <a:endParaRPr lang="zh-CN" altLang="en-US" sz="1600" dirty="0">
+                  <a:solidFill>
+                    <a:srgbClr val="2CEC67"/>
+                  </a:solidFill>
+                </a:endParaRPr>
+              </a:p>
+            </p:txBody>
+          </p:sp>
+        </mc:Choice>
+        <mc:Fallback xmlns="">
+          <p:sp>
+            <p:nvSpPr>
+              <p:cNvPr id="145" name="文本框 144">
+                <a:extLst>
+                  <a:ext uri="{FF2B5EF4-FFF2-40B4-BE49-F238E27FC236}">
+                    <a16:creationId xmlns:a16="http://schemas.microsoft.com/office/drawing/2014/main" id="{7DDE2EB5-BB3B-4A5A-B013-2772E39C3A5D}"/>
+                  </a:ext>
+                </a:extLst>
+              </p:cNvPr>
+              <p:cNvSpPr txBox="1">
+                <a:spLocks noRot="1" noChangeAspect="1" noMove="1" noResize="1" noEditPoints="1" noAdjustHandles="1" noChangeArrowheads="1" noChangeShapeType="1" noTextEdit="1"/>
+              </p:cNvSpPr>
+              <p:nvPr/>
+            </p:nvSpPr>
+            <p:spPr>
+              <a:xfrm>
+                <a:off x="7525503" y="3445132"/>
+                <a:ext cx="272659" cy="338554"/>
+              </a:xfrm>
+              <a:prstGeom prst="rect">
+                <a:avLst/>
+              </a:prstGeom>
+              <a:blipFill>
+                <a:blip r:embed="rId18"/>
+                <a:stretch>
+                  <a:fillRect r="-80000"/>
+                </a:stretch>
+              </a:blipFill>
+            </p:spPr>
+            <p:txBody>
+              <a:bodyPr/>
+              <a:lstStyle/>
+              <a:p>
+                <a:r>
+                  <a:rPr lang="zh-CN" altLang="en-US">
+                    <a:noFill/>
+                  </a:rPr>
+                  <a:t> </a:t>
+                </a:r>
+              </a:p>
+            </p:txBody>
+          </p:sp>
+        </mc:Fallback>
+      </mc:AlternateContent>
+      <mc:AlternateContent xmlns:mc="http://schemas.openxmlformats.org/markup-compatibility/2006" xmlns:a14="http://schemas.microsoft.com/office/drawing/2010/main">
+        <mc:Choice Requires="a14">
+          <p:sp>
+            <p:nvSpPr>
+              <p:cNvPr id="146" name="文本框 145">
+                <a:extLst>
+                  <a:ext uri="{FF2B5EF4-FFF2-40B4-BE49-F238E27FC236}">
+                    <a16:creationId xmlns:a16="http://schemas.microsoft.com/office/drawing/2014/main" id="{20323A50-C931-42C5-93F3-3166DC787A1B}"/>
+                  </a:ext>
+                </a:extLst>
+              </p:cNvPr>
+              <p:cNvSpPr txBox="1"/>
+              <p:nvPr/>
+            </p:nvSpPr>
+            <p:spPr>
+              <a:xfrm>
+                <a:off x="7431924" y="3733454"/>
+                <a:ext cx="678536" cy="307777"/>
+              </a:xfrm>
+              <a:prstGeom prst="rect">
+                <a:avLst/>
+              </a:prstGeom>
+              <a:noFill/>
+            </p:spPr>
+            <p:txBody>
+              <a:bodyPr wrap="square" rtlCol="0">
+                <a:spAutoFit/>
+              </a:bodyPr>
+              <a:lstStyle/>
+              <a:p>
+                <a:pPr/>
+                <a14:m>
+                  <m:oMathPara xmlns:m="http://schemas.openxmlformats.org/officeDocument/2006/math">
+                    <m:oMathParaPr>
+                      <m:jc m:val="centerGroup"/>
+                    </m:oMathParaPr>
+                    <m:oMath xmlns:m="http://schemas.openxmlformats.org/officeDocument/2006/math">
+                      <m:sSup>
+                        <m:sSupPr>
+                          <m:ctrlPr>
+                            <a:rPr lang="en-US" altLang="zh-CN" sz="1400" i="1" smtClean="0">
+                              <a:solidFill>
+                                <a:srgbClr val="2CEC67"/>
+                              </a:solidFill>
+                              <a:latin typeface="Cambria Math" panose="02040503050406030204" pitchFamily="18" charset="0"/>
+                            </a:rPr>
+                          </m:ctrlPr>
+                        </m:sSupPr>
+                        <m:e>
+                          <m:r>
+                            <a:rPr lang="en-US" altLang="zh-CN" sz="1400" b="0" i="1" smtClean="0">
+                              <a:solidFill>
+                                <a:srgbClr val="2CEC67"/>
+                              </a:solidFill>
+                              <a:latin typeface="Cambria Math" panose="02040503050406030204" pitchFamily="18" charset="0"/>
+                            </a:rPr>
+                            <m:t>𝑠𝑢𝑓𝑓𝑖𝑥</m:t>
+                          </m:r>
+                        </m:e>
+                        <m:sup>
+                          <m:r>
+                            <a:rPr lang="en-US" altLang="zh-CN" sz="1400" b="0" i="1" smtClean="0">
+                              <a:solidFill>
+                                <a:srgbClr val="2CEC67"/>
+                              </a:solidFill>
+                              <a:latin typeface="Cambria Math" panose="02040503050406030204" pitchFamily="18" charset="0"/>
+                            </a:rPr>
+                            <m:t>′</m:t>
+                          </m:r>
+                        </m:sup>
+                      </m:sSup>
+                    </m:oMath>
+                  </m:oMathPara>
+                </a14:m>
+                <a:endParaRPr lang="zh-CN" altLang="en-US" sz="1400" dirty="0">
+                  <a:solidFill>
+                    <a:srgbClr val="2CEC67"/>
+                  </a:solidFill>
+                </a:endParaRPr>
+              </a:p>
+            </p:txBody>
+          </p:sp>
+        </mc:Choice>
+        <mc:Fallback xmlns="">
+          <p:sp>
+            <p:nvSpPr>
+              <p:cNvPr id="146" name="文本框 145">
+                <a:extLst>
+                  <a:ext uri="{FF2B5EF4-FFF2-40B4-BE49-F238E27FC236}">
+                    <a16:creationId xmlns:a16="http://schemas.microsoft.com/office/drawing/2014/main" id="{20323A50-C931-42C5-93F3-3166DC787A1B}"/>
+                  </a:ext>
+                </a:extLst>
+              </p:cNvPr>
+              <p:cNvSpPr txBox="1">
+                <a:spLocks noRot="1" noChangeAspect="1" noMove="1" noResize="1" noEditPoints="1" noAdjustHandles="1" noChangeArrowheads="1" noChangeShapeType="1" noTextEdit="1"/>
+              </p:cNvSpPr>
+              <p:nvPr/>
+            </p:nvSpPr>
+            <p:spPr>
+              <a:xfrm>
+                <a:off x="7431924" y="3733454"/>
+                <a:ext cx="678536" cy="307777"/>
+              </a:xfrm>
+              <a:prstGeom prst="rect">
+                <a:avLst/>
+              </a:prstGeom>
+              <a:blipFill>
+                <a:blip r:embed="rId19"/>
+                <a:stretch>
+                  <a:fillRect r="-4505" b="-5882"/>
+                </a:stretch>
+              </a:blipFill>
+            </p:spPr>
+            <p:txBody>
+              <a:bodyPr/>
+              <a:lstStyle/>
+              <a:p>
+                <a:r>
+                  <a:rPr lang="zh-CN" altLang="en-US">
+                    <a:noFill/>
+                  </a:rPr>
+                  <a:t> </a:t>
+                </a:r>
+              </a:p>
+            </p:txBody>
+          </p:sp>
+        </mc:Fallback>
+      </mc:AlternateContent>
+      <mc:AlternateContent xmlns:mc="http://schemas.openxmlformats.org/markup-compatibility/2006" xmlns:a14="http://schemas.microsoft.com/office/drawing/2010/main">
+        <mc:Choice Requires="a14">
+          <p:sp>
+            <p:nvSpPr>
+              <p:cNvPr id="147" name="文本框 146">
+                <a:extLst>
+                  <a:ext uri="{FF2B5EF4-FFF2-40B4-BE49-F238E27FC236}">
+                    <a16:creationId xmlns:a16="http://schemas.microsoft.com/office/drawing/2014/main" id="{BA83F248-472F-46EE-856B-4B581ABC2532}"/>
+                  </a:ext>
+                </a:extLst>
+              </p:cNvPr>
+              <p:cNvSpPr txBox="1"/>
+              <p:nvPr/>
+            </p:nvSpPr>
+            <p:spPr>
+              <a:xfrm>
+                <a:off x="5933254" y="3788381"/>
+                <a:ext cx="678536" cy="307777"/>
+              </a:xfrm>
+              <a:prstGeom prst="rect">
+                <a:avLst/>
+              </a:prstGeom>
+              <a:noFill/>
+            </p:spPr>
+            <p:txBody>
+              <a:bodyPr wrap="square" rtlCol="0">
+                <a:spAutoFit/>
+              </a:bodyPr>
+              <a:lstStyle/>
+              <a:p>
+                <a:pPr/>
+                <a14:m>
+                  <m:oMathPara xmlns:m="http://schemas.openxmlformats.org/officeDocument/2006/math">
+                    <m:oMathParaPr>
+                      <m:jc m:val="centerGroup"/>
+                    </m:oMathParaPr>
+                    <m:oMath xmlns:m="http://schemas.openxmlformats.org/officeDocument/2006/math">
+                      <m:sSup>
+                        <m:sSupPr>
+                          <m:ctrlPr>
+                            <a:rPr lang="en-US" altLang="zh-CN" sz="1400" i="1" smtClean="0">
+                              <a:solidFill>
+                                <a:srgbClr val="2CEC67"/>
+                              </a:solidFill>
+                              <a:latin typeface="Cambria Math" panose="02040503050406030204" pitchFamily="18" charset="0"/>
+                            </a:rPr>
+                          </m:ctrlPr>
+                        </m:sSupPr>
+                        <m:e>
+                          <m:r>
+                            <a:rPr lang="en-US" altLang="zh-CN" sz="1400" b="0" i="1" smtClean="0">
+                              <a:solidFill>
+                                <a:srgbClr val="2CEC67"/>
+                              </a:solidFill>
+                              <a:latin typeface="Cambria Math" panose="02040503050406030204" pitchFamily="18" charset="0"/>
+                            </a:rPr>
+                            <m:t>𝑝𝑟𝑒𝑓𝑓𝑖𝑥</m:t>
+                          </m:r>
+                        </m:e>
+                        <m:sup>
+                          <m:r>
+                            <a:rPr lang="en-US" altLang="zh-CN" sz="1400" b="0" i="1" smtClean="0">
+                              <a:solidFill>
+                                <a:srgbClr val="2CEC67"/>
+                              </a:solidFill>
+                              <a:latin typeface="Cambria Math" panose="02040503050406030204" pitchFamily="18" charset="0"/>
+                            </a:rPr>
+                            <m:t>′ </m:t>
+                          </m:r>
+                        </m:sup>
+                      </m:sSup>
+                    </m:oMath>
+                  </m:oMathPara>
+                </a14:m>
+                <a:endParaRPr lang="zh-CN" altLang="en-US" sz="1400" dirty="0">
+                  <a:solidFill>
+                    <a:srgbClr val="2CEC67"/>
+                  </a:solidFill>
+                </a:endParaRPr>
+              </a:p>
+            </p:txBody>
+          </p:sp>
+        </mc:Choice>
+        <mc:Fallback xmlns="">
+          <p:sp>
+            <p:nvSpPr>
+              <p:cNvPr id="147" name="文本框 146">
+                <a:extLst>
+                  <a:ext uri="{FF2B5EF4-FFF2-40B4-BE49-F238E27FC236}">
+                    <a16:creationId xmlns:a16="http://schemas.microsoft.com/office/drawing/2014/main" id="{BA83F248-472F-46EE-856B-4B581ABC2532}"/>
+                  </a:ext>
+                </a:extLst>
+              </p:cNvPr>
+              <p:cNvSpPr txBox="1">
+                <a:spLocks noRot="1" noChangeAspect="1" noMove="1" noResize="1" noEditPoints="1" noAdjustHandles="1" noChangeArrowheads="1" noChangeShapeType="1" noTextEdit="1"/>
+              </p:cNvSpPr>
+              <p:nvPr/>
+            </p:nvSpPr>
+            <p:spPr>
+              <a:xfrm>
+                <a:off x="5933254" y="3788381"/>
+                <a:ext cx="678536" cy="307777"/>
+              </a:xfrm>
+              <a:prstGeom prst="rect">
+                <a:avLst/>
+              </a:prstGeom>
+              <a:blipFill>
+                <a:blip r:embed="rId20"/>
+                <a:stretch>
+                  <a:fillRect r="-17857" b="-5882"/>
+                </a:stretch>
+              </a:blipFill>
+            </p:spPr>
+            <p:txBody>
+              <a:bodyPr/>
+              <a:lstStyle/>
+              <a:p>
+                <a:r>
+                  <a:rPr lang="zh-CN" altLang="en-US">
+                    <a:noFill/>
+                  </a:rPr>
+                  <a:t> </a:t>
+                </a:r>
+              </a:p>
+            </p:txBody>
+          </p:sp>
+        </mc:Fallback>
+      </mc:AlternateContent>
+    </p:spTree>
+    <p:extLst>
+      <p:ext uri="{BB962C8B-B14F-4D97-AF65-F5344CB8AC3E}">
+        <p14:creationId xmlns:p14="http://schemas.microsoft.com/office/powerpoint/2010/main" val="1063366546"/>
       </p:ext>
     </p:extLst>
   </p:cSld>
